--- a/6장/20164091-송희령-6주차 과제.pptx
+++ b/6장/20164091-송희령-6주차 과제.pptx
@@ -9,7 +9,12 @@
     <p:sldId id="321" r:id="rId3"/>
     <p:sldId id="322" r:id="rId4"/>
     <p:sldId id="323" r:id="rId5"/>
-    <p:sldId id="258" r:id="rId6"/>
+    <p:sldId id="324" r:id="rId6"/>
+    <p:sldId id="325" r:id="rId7"/>
+    <p:sldId id="326" r:id="rId8"/>
+    <p:sldId id="328" r:id="rId9"/>
+    <p:sldId id="329" r:id="rId10"/>
+    <p:sldId id="258" r:id="rId11"/>
   </p:sldIdLst>
   <p:sldSz cx="12192000" cy="6858000"/>
   <p:notesSz cx="6858000" cy="9144000"/>
@@ -4144,6 +4149,227 @@
 </p:sld>
 </file>
 
+<file path=ppt/slides/slide10.xml><?xml version="1.0" encoding="utf-8"?>
+<p:sld xmlns:a="http://schemas.openxmlformats.org/drawingml/2006/main" xmlns:r="http://schemas.openxmlformats.org/officeDocument/2006/relationships" xmlns:p="http://schemas.openxmlformats.org/presentationml/2006/main">
+  <p:cSld>
+    <p:spTree>
+      <p:nvGrpSpPr>
+        <p:cNvPr id="1" name=""/>
+        <p:cNvGrpSpPr/>
+        <p:nvPr/>
+      </p:nvGrpSpPr>
+      <p:grpSpPr>
+        <a:xfrm>
+          <a:off x="0" y="0"/>
+          <a:ext cx="0" cy="0"/>
+          <a:chOff x="0" y="0"/>
+          <a:chExt cx="0" cy="0"/>
+        </a:xfrm>
+      </p:grpSpPr>
+      <p:sp>
+        <p:nvSpPr>
+          <p:cNvPr id="105" name="직사각형 104">
+            <a:extLst>
+              <a:ext uri="{FF2B5EF4-FFF2-40B4-BE49-F238E27FC236}">
+                <a16:creationId xmlns:a16="http://schemas.microsoft.com/office/drawing/2014/main" id="{92F4E01E-679C-4D6B-8449-8DB2AF7B7D34}"/>
+              </a:ext>
+            </a:extLst>
+          </p:cNvPr>
+          <p:cNvSpPr/>
+          <p:nvPr/>
+        </p:nvSpPr>
+        <p:spPr>
+          <a:xfrm>
+            <a:off x="3739117" y="3003678"/>
+            <a:ext cx="4713765" cy="1032077"/>
+          </a:xfrm>
+          <a:prstGeom prst="rect">
+            <a:avLst/>
+          </a:prstGeom>
+        </p:spPr>
+        <p:txBody>
+          <a:bodyPr wrap="square">
+            <a:spAutoFit/>
+          </a:bodyPr>
+          <a:lstStyle/>
+          <a:p>
+            <a:pPr algn="ctr" latinLnBrk="0">
+              <a:lnSpc>
+                <a:spcPct val="150000"/>
+              </a:lnSpc>
+              <a:defRPr/>
+            </a:pPr>
+            <a:r>
+              <a:rPr lang="ko-KR" altLang="en-US" sz="3200" b="1" i="1" kern="0">
+                <a:solidFill>
+                  <a:srgbClr val="FF7876"/>
+                </a:solidFill>
+              </a:rPr>
+              <a:t>감사합니다</a:t>
+            </a:r>
+            <a:r>
+              <a:rPr lang="en-US" altLang="ko-KR" sz="3200" b="1" i="1" kern="0">
+                <a:solidFill>
+                  <a:prstClr val="black">
+                    <a:lumMod val="75000"/>
+                    <a:lumOff val="25000"/>
+                  </a:prstClr>
+                </a:solidFill>
+              </a:rPr>
+              <a:t> </a:t>
+            </a:r>
+            <a:endParaRPr lang="en-US" altLang="ko-KR" sz="3200" b="1" i="1" kern="0" dirty="0">
+              <a:solidFill>
+                <a:prstClr val="black">
+                  <a:lumMod val="75000"/>
+                  <a:lumOff val="25000"/>
+                </a:prstClr>
+              </a:solidFill>
+            </a:endParaRPr>
+          </a:p>
+          <a:p>
+            <a:pPr algn="ctr" latinLnBrk="0">
+              <a:lnSpc>
+                <a:spcPct val="150000"/>
+              </a:lnSpc>
+              <a:defRPr/>
+            </a:pPr>
+            <a:r>
+              <a:rPr lang="en-US" altLang="ko-KR" sz="900" kern="0" dirty="0">
+                <a:solidFill>
+                  <a:prstClr val="black">
+                    <a:lumMod val="75000"/>
+                    <a:lumOff val="25000"/>
+                  </a:prstClr>
+                </a:solidFill>
+              </a:rPr>
+              <a:t>20164091 </a:t>
+            </a:r>
+            <a:r>
+              <a:rPr lang="ko-KR" altLang="en-US" sz="900" kern="0" dirty="0">
+                <a:solidFill>
+                  <a:prstClr val="black">
+                    <a:lumMod val="75000"/>
+                    <a:lumOff val="25000"/>
+                  </a:prstClr>
+                </a:solidFill>
+              </a:rPr>
+              <a:t>송희령</a:t>
+            </a:r>
+            <a:endParaRPr lang="en-US" altLang="ko-KR" sz="900" kern="0" dirty="0">
+              <a:solidFill>
+                <a:prstClr val="black">
+                  <a:lumMod val="75000"/>
+                  <a:lumOff val="25000"/>
+                </a:prstClr>
+              </a:solidFill>
+            </a:endParaRPr>
+          </a:p>
+        </p:txBody>
+      </p:sp>
+      <p:cxnSp>
+        <p:nvCxnSpPr>
+          <p:cNvPr id="25" name="직선 연결선 24">
+            <a:extLst>
+              <a:ext uri="{FF2B5EF4-FFF2-40B4-BE49-F238E27FC236}">
+                <a16:creationId xmlns:a16="http://schemas.microsoft.com/office/drawing/2014/main" id="{5C950320-1D5A-4C58-BB46-CEBCD7EA92EE}"/>
+              </a:ext>
+            </a:extLst>
+          </p:cNvPr>
+          <p:cNvCxnSpPr>
+            <a:cxnSpLocks/>
+          </p:cNvCxnSpPr>
+          <p:nvPr/>
+        </p:nvCxnSpPr>
+        <p:spPr>
+          <a:xfrm flipV="1">
+            <a:off x="859926" y="3518678"/>
+            <a:ext cx="3747936" cy="519"/>
+          </a:xfrm>
+          <a:prstGeom prst="line">
+            <a:avLst/>
+          </a:prstGeom>
+          <a:ln w="6350">
+            <a:solidFill>
+              <a:srgbClr val="FF7876"/>
+            </a:solidFill>
+            <a:prstDash val="sysDash"/>
+            <a:tailEnd type="oval"/>
+          </a:ln>
+        </p:spPr>
+        <p:style>
+          <a:lnRef idx="1">
+            <a:schemeClr val="accent1"/>
+          </a:lnRef>
+          <a:fillRef idx="0">
+            <a:schemeClr val="accent1"/>
+          </a:fillRef>
+          <a:effectRef idx="0">
+            <a:schemeClr val="accent1"/>
+          </a:effectRef>
+          <a:fontRef idx="minor">
+            <a:schemeClr val="tx1"/>
+          </a:fontRef>
+        </p:style>
+      </p:cxnSp>
+      <p:cxnSp>
+        <p:nvCxnSpPr>
+          <p:cNvPr id="26" name="직선 연결선 25">
+            <a:extLst>
+              <a:ext uri="{FF2B5EF4-FFF2-40B4-BE49-F238E27FC236}">
+                <a16:creationId xmlns:a16="http://schemas.microsoft.com/office/drawing/2014/main" id="{4BADCF3C-651C-44CD-8DEE-E875CC3C1444}"/>
+              </a:ext>
+            </a:extLst>
+          </p:cNvPr>
+          <p:cNvCxnSpPr>
+            <a:cxnSpLocks/>
+          </p:cNvCxnSpPr>
+          <p:nvPr/>
+        </p:nvCxnSpPr>
+        <p:spPr>
+          <a:xfrm flipH="1">
+            <a:off x="7584140" y="3519196"/>
+            <a:ext cx="3688436" cy="0"/>
+          </a:xfrm>
+          <a:prstGeom prst="line">
+            <a:avLst/>
+          </a:prstGeom>
+          <a:ln w="6350">
+            <a:solidFill>
+              <a:srgbClr val="FF7876"/>
+            </a:solidFill>
+            <a:prstDash val="sysDash"/>
+            <a:tailEnd type="oval"/>
+          </a:ln>
+        </p:spPr>
+        <p:style>
+          <a:lnRef idx="1">
+            <a:schemeClr val="accent1"/>
+          </a:lnRef>
+          <a:fillRef idx="0">
+            <a:schemeClr val="accent1"/>
+          </a:fillRef>
+          <a:effectRef idx="0">
+            <a:schemeClr val="accent1"/>
+          </a:effectRef>
+          <a:fontRef idx="minor">
+            <a:schemeClr val="tx1"/>
+          </a:fontRef>
+        </p:style>
+      </p:cxnSp>
+    </p:spTree>
+    <p:extLst>
+      <p:ext uri="{BB962C8B-B14F-4D97-AF65-F5344CB8AC3E}">
+        <p14:creationId xmlns:p14="http://schemas.microsoft.com/office/powerpoint/2010/main" val="1066393970"/>
+      </p:ext>
+    </p:extLst>
+  </p:cSld>
+  <p:clrMapOvr>
+    <a:masterClrMapping/>
+  </p:clrMapOvr>
+</p:sld>
+</file>
+
 <file path=ppt/slides/slide2.xml><?xml version="1.0" encoding="utf-8"?>
 <p:sld xmlns:a="http://schemas.openxmlformats.org/drawingml/2006/main" xmlns:r="http://schemas.openxmlformats.org/officeDocument/2006/relationships" xmlns:p="http://schemas.openxmlformats.org/presentationml/2006/main">
   <p:cSld>
@@ -4378,8 +4604,21 @@
                   <a:srgbClr val="FF7876"/>
                 </a:solidFill>
               </a:rPr>
-              <a:t>– surf1.ipynb</a:t>
-            </a:r>
+              <a:t>– Surf2 </a:t>
+            </a:r>
+            <a:r>
+              <a:rPr lang="ko-KR" altLang="en-US" sz="1100" i="1" dirty="0" err="1">
+                <a:solidFill>
+                  <a:srgbClr val="FF7876"/>
+                </a:solidFill>
+              </a:rPr>
+              <a:t>파이썬</a:t>
+            </a:r>
+            <a:endParaRPr lang="en-US" altLang="ko-KR" sz="1100" i="1" dirty="0">
+              <a:solidFill>
+                <a:srgbClr val="FF7876"/>
+              </a:solidFill>
+            </a:endParaRPr>
           </a:p>
         </p:txBody>
       </p:sp>
@@ -6492,12 +6731,42 @@
           <a:chExt cx="0" cy="0"/>
         </a:xfrm>
       </p:grpSpPr>
-      <p:sp>
-        <p:nvSpPr>
-          <p:cNvPr id="105" name="직사각형 104">
-            <a:extLst>
-              <a:ext uri="{FF2B5EF4-FFF2-40B4-BE49-F238E27FC236}">
-                <a16:creationId xmlns:a16="http://schemas.microsoft.com/office/drawing/2014/main" id="{92F4E01E-679C-4D6B-8449-8DB2AF7B7D34}"/>
+      <p:pic>
+        <p:nvPicPr>
+          <p:cNvPr id="2" name="그림 1">
+            <a:extLst>
+              <a:ext uri="{FF2B5EF4-FFF2-40B4-BE49-F238E27FC236}">
+                <a16:creationId xmlns:a16="http://schemas.microsoft.com/office/drawing/2014/main" id="{FCED21B8-5F4D-4742-BA4A-B321ACF37BAF}"/>
+              </a:ext>
+            </a:extLst>
+          </p:cNvPr>
+          <p:cNvPicPr>
+            <a:picLocks noChangeAspect="1"/>
+          </p:cNvPicPr>
+          <p:nvPr/>
+        </p:nvPicPr>
+        <p:blipFill>
+          <a:blip r:embed="rId2"/>
+          <a:stretch>
+            <a:fillRect/>
+          </a:stretch>
+        </p:blipFill>
+        <p:spPr>
+          <a:xfrm>
+            <a:off x="587497" y="1512609"/>
+            <a:ext cx="5171694" cy="3684832"/>
+          </a:xfrm>
+          <a:prstGeom prst="rect">
+            <a:avLst/>
+          </a:prstGeom>
+        </p:spPr>
+      </p:pic>
+      <p:sp>
+        <p:nvSpPr>
+          <p:cNvPr id="37" name="직사각형 36">
+            <a:extLst>
+              <a:ext uri="{FF2B5EF4-FFF2-40B4-BE49-F238E27FC236}">
+                <a16:creationId xmlns:a16="http://schemas.microsoft.com/office/drawing/2014/main" id="{3F15C60C-17FE-422D-AFCF-73C75A021362}"/>
               </a:ext>
             </a:extLst>
           </p:cNvPr>
@@ -6506,8 +6775,8 @@
         </p:nvSpPr>
         <p:spPr>
           <a:xfrm>
-            <a:off x="3739117" y="3003678"/>
-            <a:ext cx="4713765" cy="1032077"/>
+            <a:off x="3697172" y="332194"/>
+            <a:ext cx="4713765" cy="735842"/>
           </a:xfrm>
           <a:prstGeom prst="rect">
             <a:avLst/>
@@ -6526,79 +6795,22 @@
               <a:defRPr/>
             </a:pPr>
             <a:r>
-              <a:rPr lang="ko-KR" altLang="en-US" sz="3200" b="1" i="1" kern="0">
+              <a:rPr lang="en-US" altLang="ko-KR" sz="3200" b="1" i="1" kern="0" dirty="0">
                 <a:solidFill>
                   <a:srgbClr val="FF7876"/>
                 </a:solidFill>
               </a:rPr>
-              <a:t>감사합니다</a:t>
-            </a:r>
-            <a:r>
-              <a:rPr lang="en-US" altLang="ko-KR" sz="3200" b="1" i="1" kern="0">
-                <a:solidFill>
-                  <a:prstClr val="black">
-                    <a:lumMod val="75000"/>
-                    <a:lumOff val="25000"/>
-                  </a:prstClr>
-                </a:solidFill>
-              </a:rPr>
-              <a:t> </a:t>
-            </a:r>
-            <a:endParaRPr lang="en-US" altLang="ko-KR" sz="3200" b="1" i="1" kern="0" dirty="0">
-              <a:solidFill>
-                <a:prstClr val="black">
-                  <a:lumMod val="75000"/>
-                  <a:lumOff val="25000"/>
-                </a:prstClr>
-              </a:solidFill>
-            </a:endParaRPr>
-          </a:p>
-          <a:p>
-            <a:pPr algn="ctr" latinLnBrk="0">
-              <a:lnSpc>
-                <a:spcPct val="150000"/>
-              </a:lnSpc>
-              <a:defRPr/>
-            </a:pPr>
-            <a:r>
-              <a:rPr lang="en-US" altLang="ko-KR" sz="900" kern="0" dirty="0">
-                <a:solidFill>
-                  <a:prstClr val="black">
-                    <a:lumMod val="75000"/>
-                    <a:lumOff val="25000"/>
-                  </a:prstClr>
-                </a:solidFill>
-              </a:rPr>
-              <a:t>20164091 </a:t>
-            </a:r>
-            <a:r>
-              <a:rPr lang="ko-KR" altLang="en-US" sz="900" kern="0" dirty="0">
-                <a:solidFill>
-                  <a:prstClr val="black">
-                    <a:lumMod val="75000"/>
-                    <a:lumOff val="25000"/>
-                  </a:prstClr>
-                </a:solidFill>
-              </a:rPr>
-              <a:t>송희령</a:t>
-            </a:r>
-            <a:endParaRPr lang="en-US" altLang="ko-KR" sz="900" kern="0" dirty="0">
-              <a:solidFill>
-                <a:prstClr val="black">
-                  <a:lumMod val="75000"/>
-                  <a:lumOff val="25000"/>
-                </a:prstClr>
-              </a:solidFill>
-            </a:endParaRPr>
+              <a:t>2</a:t>
+            </a:r>
           </a:p>
         </p:txBody>
       </p:sp>
       <p:cxnSp>
         <p:nvCxnSpPr>
-          <p:cNvPr id="25" name="직선 연결선 24">
-            <a:extLst>
-              <a:ext uri="{FF2B5EF4-FFF2-40B4-BE49-F238E27FC236}">
-                <a16:creationId xmlns:a16="http://schemas.microsoft.com/office/drawing/2014/main" id="{5C950320-1D5A-4C58-BB46-CEBCD7EA92EE}"/>
+          <p:cNvPr id="38" name="직선 연결선 37">
+            <a:extLst>
+              <a:ext uri="{FF2B5EF4-FFF2-40B4-BE49-F238E27FC236}">
+                <a16:creationId xmlns:a16="http://schemas.microsoft.com/office/drawing/2014/main" id="{940134F4-F272-426A-B50B-8075427DF501}"/>
               </a:ext>
             </a:extLst>
           </p:cNvPr>
@@ -6609,8 +6821,8 @@
         </p:nvCxnSpPr>
         <p:spPr>
           <a:xfrm flipV="1">
-            <a:off x="859926" y="3518678"/>
-            <a:ext cx="3747936" cy="519"/>
+            <a:off x="843148" y="847712"/>
+            <a:ext cx="4769087" cy="1"/>
           </a:xfrm>
           <a:prstGeom prst="line">
             <a:avLst/>
@@ -6640,10 +6852,10 @@
       </p:cxnSp>
       <p:cxnSp>
         <p:nvCxnSpPr>
-          <p:cNvPr id="26" name="직선 연결선 25">
-            <a:extLst>
-              <a:ext uri="{FF2B5EF4-FFF2-40B4-BE49-F238E27FC236}">
-                <a16:creationId xmlns:a16="http://schemas.microsoft.com/office/drawing/2014/main" id="{4BADCF3C-651C-44CD-8DEE-E875CC3C1444}"/>
+          <p:cNvPr id="39" name="직선 연결선 38">
+            <a:extLst>
+              <a:ext uri="{FF2B5EF4-FFF2-40B4-BE49-F238E27FC236}">
+                <a16:creationId xmlns:a16="http://schemas.microsoft.com/office/drawing/2014/main" id="{55EBD739-0979-4546-8E6B-9CA8052FC540}"/>
               </a:ext>
             </a:extLst>
           </p:cNvPr>
@@ -6654,8 +6866,8 @@
         </p:nvCxnSpPr>
         <p:spPr>
           <a:xfrm flipH="1">
-            <a:off x="7584140" y="3519196"/>
-            <a:ext cx="3688436" cy="0"/>
+            <a:off x="6579767" y="847712"/>
+            <a:ext cx="4692810" cy="0"/>
           </a:xfrm>
           <a:prstGeom prst="line">
             <a:avLst/>
@@ -6666,6 +6878,4141 @@
             </a:solidFill>
             <a:prstDash val="sysDash"/>
             <a:tailEnd type="oval"/>
+          </a:ln>
+        </p:spPr>
+        <p:style>
+          <a:lnRef idx="1">
+            <a:schemeClr val="accent1"/>
+          </a:lnRef>
+          <a:fillRef idx="0">
+            <a:schemeClr val="accent1"/>
+          </a:fillRef>
+          <a:effectRef idx="0">
+            <a:schemeClr val="accent1"/>
+          </a:effectRef>
+          <a:fontRef idx="minor">
+            <a:schemeClr val="tx1"/>
+          </a:fontRef>
+        </p:style>
+      </p:cxnSp>
+      <p:sp>
+        <p:nvSpPr>
+          <p:cNvPr id="8" name="TextBox 7">
+            <a:extLst>
+              <a:ext uri="{FF2B5EF4-FFF2-40B4-BE49-F238E27FC236}">
+                <a16:creationId xmlns:a16="http://schemas.microsoft.com/office/drawing/2014/main" id="{C18154B9-4F65-4277-8C17-63D9702FC25F}"/>
+              </a:ext>
+            </a:extLst>
+          </p:cNvPr>
+          <p:cNvSpPr txBox="1"/>
+          <p:nvPr/>
+        </p:nvSpPr>
+        <p:spPr>
+          <a:xfrm>
+            <a:off x="765146" y="963122"/>
+            <a:ext cx="10507430" cy="261610"/>
+          </a:xfrm>
+          <a:prstGeom prst="rect">
+            <a:avLst/>
+          </a:prstGeom>
+          <a:noFill/>
+        </p:spPr>
+        <p:txBody>
+          <a:bodyPr wrap="square" rtlCol="0">
+            <a:spAutoFit/>
+          </a:bodyPr>
+          <a:lstStyle/>
+          <a:p>
+            <a:pPr algn="ctr"/>
+            <a:r>
+              <a:rPr lang="ko-KR" altLang="en-US" sz="1100" i="1" dirty="0" err="1">
+                <a:solidFill>
+                  <a:srgbClr val="FF7876"/>
+                </a:solidFill>
+              </a:rPr>
+              <a:t>순천향</a:t>
+            </a:r>
+            <a:r>
+              <a:rPr lang="ko-KR" altLang="en-US" sz="1100" i="1" dirty="0">
+                <a:solidFill>
+                  <a:srgbClr val="FF7876"/>
+                </a:solidFill>
+              </a:rPr>
+              <a:t> </a:t>
+            </a:r>
+            <a:r>
+              <a:rPr lang="ko-KR" altLang="en-US" sz="1100" i="1" dirty="0" err="1">
+                <a:solidFill>
+                  <a:srgbClr val="FF7876"/>
+                </a:solidFill>
+              </a:rPr>
+              <a:t>서핑대회</a:t>
+            </a:r>
+            <a:r>
+              <a:rPr lang="ko-KR" altLang="en-US" sz="1100" i="1" dirty="0">
+                <a:solidFill>
+                  <a:srgbClr val="FF7876"/>
+                </a:solidFill>
+              </a:rPr>
+              <a:t> </a:t>
+            </a:r>
+            <a:r>
+              <a:rPr lang="en-US" altLang="ko-KR" sz="1100" i="1" dirty="0">
+                <a:solidFill>
+                  <a:srgbClr val="FF7876"/>
+                </a:solidFill>
+              </a:rPr>
+              <a:t>2</a:t>
+            </a:r>
+            <a:r>
+              <a:rPr lang="ko-KR" altLang="en-US" sz="1100" i="1" dirty="0">
+                <a:solidFill>
+                  <a:srgbClr val="FF7876"/>
+                </a:solidFill>
+              </a:rPr>
+              <a:t> 예제 </a:t>
+            </a:r>
+            <a:r>
+              <a:rPr lang="en-US" altLang="ko-KR" sz="1100" i="1" dirty="0">
+                <a:solidFill>
+                  <a:srgbClr val="FF7876"/>
+                </a:solidFill>
+              </a:rPr>
+              <a:t>– Surf2 </a:t>
+            </a:r>
+            <a:r>
+              <a:rPr lang="ko-KR" altLang="en-US" sz="1100" i="1" dirty="0" err="1">
+                <a:solidFill>
+                  <a:srgbClr val="FF7876"/>
+                </a:solidFill>
+              </a:rPr>
+              <a:t>파이썬</a:t>
+            </a:r>
+            <a:endParaRPr lang="en-US" altLang="ko-KR" sz="1100" i="1" dirty="0">
+              <a:solidFill>
+                <a:srgbClr val="FF7876"/>
+              </a:solidFill>
+            </a:endParaRPr>
+          </a:p>
+        </p:txBody>
+      </p:sp>
+      <p:sp>
+        <p:nvSpPr>
+          <p:cNvPr id="20" name="TextBox 19">
+            <a:extLst>
+              <a:ext uri="{FF2B5EF4-FFF2-40B4-BE49-F238E27FC236}">
+                <a16:creationId xmlns:a16="http://schemas.microsoft.com/office/drawing/2014/main" id="{0A44F1A4-6C6A-9D4E-B036-94D017E6EA00}"/>
+              </a:ext>
+            </a:extLst>
+          </p:cNvPr>
+          <p:cNvSpPr txBox="1"/>
+          <p:nvPr/>
+        </p:nvSpPr>
+        <p:spPr>
+          <a:xfrm>
+            <a:off x="675142" y="2374894"/>
+            <a:ext cx="3629284" cy="530600"/>
+          </a:xfrm>
+          <a:prstGeom prst="rect">
+            <a:avLst/>
+          </a:prstGeom>
+          <a:noFill/>
+          <a:ln w="12700">
+            <a:solidFill>
+              <a:srgbClr val="FF7876"/>
+            </a:solidFill>
+          </a:ln>
+        </p:spPr>
+        <p:txBody>
+          <a:bodyPr wrap="square" rtlCol="0">
+            <a:spAutoFit/>
+          </a:bodyPr>
+          <a:lstStyle/>
+          <a:p>
+            <a:pPr algn="ctr"/>
+            <a:endParaRPr lang="en-US" altLang="ko-Kore-KR" sz="1100" dirty="0"/>
+          </a:p>
+        </p:txBody>
+      </p:sp>
+      <p:sp>
+        <p:nvSpPr>
+          <p:cNvPr id="24" name="TextBox 23">
+            <a:extLst>
+              <a:ext uri="{FF2B5EF4-FFF2-40B4-BE49-F238E27FC236}">
+                <a16:creationId xmlns:a16="http://schemas.microsoft.com/office/drawing/2014/main" id="{2931442C-BE88-0B48-9029-4C4F0AC54E8B}"/>
+              </a:ext>
+            </a:extLst>
+          </p:cNvPr>
+          <p:cNvSpPr txBox="1"/>
+          <p:nvPr/>
+        </p:nvSpPr>
+        <p:spPr>
+          <a:xfrm>
+            <a:off x="657927" y="3092835"/>
+            <a:ext cx="3549931" cy="196577"/>
+          </a:xfrm>
+          <a:prstGeom prst="rect">
+            <a:avLst/>
+          </a:prstGeom>
+          <a:noFill/>
+          <a:ln w="12700">
+            <a:solidFill>
+              <a:srgbClr val="FF7876"/>
+            </a:solidFill>
+          </a:ln>
+        </p:spPr>
+        <p:txBody>
+          <a:bodyPr wrap="square" rtlCol="0">
+            <a:spAutoFit/>
+          </a:bodyPr>
+          <a:lstStyle/>
+          <a:p>
+            <a:pPr algn="ctr"/>
+            <a:endParaRPr lang="en-US" altLang="ko-Kore-KR" sz="1100" dirty="0"/>
+          </a:p>
+        </p:txBody>
+      </p:sp>
+      <p:sp>
+        <p:nvSpPr>
+          <p:cNvPr id="25" name="TextBox 24">
+            <a:extLst>
+              <a:ext uri="{FF2B5EF4-FFF2-40B4-BE49-F238E27FC236}">
+                <a16:creationId xmlns:a16="http://schemas.microsoft.com/office/drawing/2014/main" id="{E503A099-491F-EA46-A3BA-5BA092C8F876}"/>
+              </a:ext>
+            </a:extLst>
+          </p:cNvPr>
+          <p:cNvSpPr txBox="1"/>
+          <p:nvPr/>
+        </p:nvSpPr>
+        <p:spPr>
+          <a:xfrm>
+            <a:off x="657927" y="3311568"/>
+            <a:ext cx="5101264" cy="1245486"/>
+          </a:xfrm>
+          <a:prstGeom prst="rect">
+            <a:avLst/>
+          </a:prstGeom>
+          <a:noFill/>
+          <a:ln w="12700">
+            <a:solidFill>
+              <a:srgbClr val="FF7876"/>
+            </a:solidFill>
+          </a:ln>
+        </p:spPr>
+        <p:txBody>
+          <a:bodyPr wrap="square" rtlCol="0">
+            <a:spAutoFit/>
+          </a:bodyPr>
+          <a:lstStyle/>
+          <a:p>
+            <a:pPr algn="ctr"/>
+            <a:endParaRPr lang="en-US" altLang="ko-Kore-KR" sz="1100" dirty="0"/>
+          </a:p>
+        </p:txBody>
+      </p:sp>
+      <p:cxnSp>
+        <p:nvCxnSpPr>
+          <p:cNvPr id="26" name="직선 화살표 연결선 25">
+            <a:extLst>
+              <a:ext uri="{FF2B5EF4-FFF2-40B4-BE49-F238E27FC236}">
+                <a16:creationId xmlns:a16="http://schemas.microsoft.com/office/drawing/2014/main" id="{B400F4E3-C55A-EB4B-AA0C-9A9A762D6365}"/>
+              </a:ext>
+            </a:extLst>
+          </p:cNvPr>
+          <p:cNvCxnSpPr>
+            <a:cxnSpLocks/>
+          </p:cNvCxnSpPr>
+          <p:nvPr/>
+        </p:nvCxnSpPr>
+        <p:spPr>
+          <a:xfrm flipV="1">
+            <a:off x="4304426" y="2204367"/>
+            <a:ext cx="1825162" cy="408879"/>
+          </a:xfrm>
+          <a:prstGeom prst="straightConnector1">
+            <a:avLst/>
+          </a:prstGeom>
+          <a:ln w="12700">
+            <a:solidFill>
+              <a:srgbClr val="FF7876"/>
+            </a:solidFill>
+            <a:tailEnd type="triangle"/>
+          </a:ln>
+        </p:spPr>
+        <p:style>
+          <a:lnRef idx="1">
+            <a:schemeClr val="accent1"/>
+          </a:lnRef>
+          <a:fillRef idx="0">
+            <a:schemeClr val="accent1"/>
+          </a:fillRef>
+          <a:effectRef idx="0">
+            <a:schemeClr val="accent1"/>
+          </a:effectRef>
+          <a:fontRef idx="minor">
+            <a:schemeClr val="tx1"/>
+          </a:fontRef>
+        </p:style>
+      </p:cxnSp>
+      <p:sp>
+        <p:nvSpPr>
+          <p:cNvPr id="27" name="TextBox 26">
+            <a:extLst>
+              <a:ext uri="{FF2B5EF4-FFF2-40B4-BE49-F238E27FC236}">
+                <a16:creationId xmlns:a16="http://schemas.microsoft.com/office/drawing/2014/main" id="{D5A252CA-0D65-DA4B-9766-2DEA049A2ECE}"/>
+              </a:ext>
+            </a:extLst>
+          </p:cNvPr>
+          <p:cNvSpPr txBox="1"/>
+          <p:nvPr/>
+        </p:nvSpPr>
+        <p:spPr>
+          <a:xfrm>
+            <a:off x="6129588" y="2069487"/>
+            <a:ext cx="4810534" cy="261610"/>
+          </a:xfrm>
+          <a:prstGeom prst="rect">
+            <a:avLst/>
+          </a:prstGeom>
+          <a:noFill/>
+          <a:ln w="12700">
+            <a:solidFill>
+              <a:srgbClr val="FF7876"/>
+            </a:solidFill>
+          </a:ln>
+        </p:spPr>
+        <p:txBody>
+          <a:bodyPr wrap="square" rtlCol="0">
+            <a:spAutoFit/>
+          </a:bodyPr>
+          <a:lstStyle/>
+          <a:p>
+            <a:pPr algn="ctr"/>
+            <a:r>
+              <a:rPr lang="en-US" altLang="ko-KR" sz="1100" dirty="0"/>
+              <a:t>/surf2</a:t>
+            </a:r>
+            <a:r>
+              <a:rPr lang="ko-KR" altLang="en-US" sz="1100" dirty="0"/>
+              <a:t> 로 </a:t>
+            </a:r>
+            <a:r>
+              <a:rPr lang="ko-KR" altLang="en-US" sz="1100" dirty="0" err="1"/>
+              <a:t>접속시</a:t>
+            </a:r>
+            <a:r>
+              <a:rPr lang="ko-KR" altLang="en-US" sz="1100" dirty="0"/>
+              <a:t> </a:t>
+            </a:r>
+            <a:r>
+              <a:rPr lang="en-US" altLang="ko-KR" sz="1100" dirty="0"/>
+              <a:t>surf2.html</a:t>
+            </a:r>
+            <a:r>
+              <a:rPr lang="ko-KR" altLang="en-US" sz="1100" dirty="0"/>
+              <a:t>을 렌더링하여 출력하게 합니다</a:t>
+            </a:r>
+            <a:r>
+              <a:rPr lang="en-US" altLang="ko-KR" sz="1100" dirty="0"/>
+              <a:t>.</a:t>
+            </a:r>
+            <a:endParaRPr lang="en-US" altLang="ko-Kore-KR" sz="1100" dirty="0"/>
+          </a:p>
+        </p:txBody>
+      </p:sp>
+      <p:cxnSp>
+        <p:nvCxnSpPr>
+          <p:cNvPr id="28" name="직선 화살표 연결선 27">
+            <a:extLst>
+              <a:ext uri="{FF2B5EF4-FFF2-40B4-BE49-F238E27FC236}">
+                <a16:creationId xmlns:a16="http://schemas.microsoft.com/office/drawing/2014/main" id="{BB17A129-B5D9-CC41-86AA-68311F0BBCE2}"/>
+              </a:ext>
+            </a:extLst>
+          </p:cNvPr>
+          <p:cNvCxnSpPr>
+            <a:cxnSpLocks/>
+          </p:cNvCxnSpPr>
+          <p:nvPr/>
+        </p:nvCxnSpPr>
+        <p:spPr>
+          <a:xfrm flipV="1">
+            <a:off x="4207858" y="3107982"/>
+            <a:ext cx="1921730" cy="57634"/>
+          </a:xfrm>
+          <a:prstGeom prst="straightConnector1">
+            <a:avLst/>
+          </a:prstGeom>
+          <a:ln w="12700">
+            <a:solidFill>
+              <a:srgbClr val="FF7876"/>
+            </a:solidFill>
+            <a:tailEnd type="triangle"/>
+          </a:ln>
+        </p:spPr>
+        <p:style>
+          <a:lnRef idx="1">
+            <a:schemeClr val="accent1"/>
+          </a:lnRef>
+          <a:fillRef idx="0">
+            <a:schemeClr val="accent1"/>
+          </a:fillRef>
+          <a:effectRef idx="0">
+            <a:schemeClr val="accent1"/>
+          </a:effectRef>
+          <a:fontRef idx="minor">
+            <a:schemeClr val="tx1"/>
+          </a:fontRef>
+        </p:style>
+      </p:cxnSp>
+      <p:sp>
+        <p:nvSpPr>
+          <p:cNvPr id="29" name="TextBox 28">
+            <a:extLst>
+              <a:ext uri="{FF2B5EF4-FFF2-40B4-BE49-F238E27FC236}">
+                <a16:creationId xmlns:a16="http://schemas.microsoft.com/office/drawing/2014/main" id="{C794CC0C-8454-B04F-941F-2815BF8655FD}"/>
+              </a:ext>
+            </a:extLst>
+          </p:cNvPr>
+          <p:cNvSpPr txBox="1"/>
+          <p:nvPr/>
+        </p:nvSpPr>
+        <p:spPr>
+          <a:xfrm>
+            <a:off x="6129588" y="2962030"/>
+            <a:ext cx="4810534" cy="261610"/>
+          </a:xfrm>
+          <a:prstGeom prst="rect">
+            <a:avLst/>
+          </a:prstGeom>
+          <a:noFill/>
+          <a:ln w="12700">
+            <a:solidFill>
+              <a:srgbClr val="FF7876"/>
+            </a:solidFill>
+          </a:ln>
+        </p:spPr>
+        <p:txBody>
+          <a:bodyPr wrap="square" rtlCol="0">
+            <a:spAutoFit/>
+          </a:bodyPr>
+          <a:lstStyle/>
+          <a:p>
+            <a:pPr algn="ctr"/>
+            <a:r>
+              <a:rPr lang="en-US" altLang="ko-KR" sz="1100" dirty="0"/>
+              <a:t>/result</a:t>
+            </a:r>
+            <a:r>
+              <a:rPr lang="ko-KR" altLang="en-US" sz="1100" dirty="0"/>
+              <a:t>로 </a:t>
+            </a:r>
+            <a:r>
+              <a:rPr lang="ko-KR" altLang="en-US" sz="1100" dirty="0" err="1"/>
+              <a:t>접속시</a:t>
+            </a:r>
+            <a:r>
+              <a:rPr lang="ko-KR" altLang="en-US" sz="1100" dirty="0"/>
+              <a:t> </a:t>
+            </a:r>
+            <a:r>
+              <a:rPr lang="en-US" altLang="ko-KR" sz="1100" dirty="0"/>
+              <a:t>POST</a:t>
+            </a:r>
+            <a:r>
+              <a:rPr lang="ko-KR" altLang="en-US" sz="1100" dirty="0"/>
+              <a:t>형식으로 데이터를 넘겨받도록 합니다</a:t>
+            </a:r>
+            <a:r>
+              <a:rPr lang="en-US" altLang="ko-KR" sz="1100" dirty="0"/>
+              <a:t>.</a:t>
+            </a:r>
+            <a:endParaRPr lang="en-US" altLang="ko-Kore-KR" sz="1100" dirty="0"/>
+          </a:p>
+        </p:txBody>
+      </p:sp>
+      <p:cxnSp>
+        <p:nvCxnSpPr>
+          <p:cNvPr id="30" name="직선 화살표 연결선 29">
+            <a:extLst>
+              <a:ext uri="{FF2B5EF4-FFF2-40B4-BE49-F238E27FC236}">
+                <a16:creationId xmlns:a16="http://schemas.microsoft.com/office/drawing/2014/main" id="{5D2F2449-08EB-7143-A28F-CAE72C7BCC0E}"/>
+              </a:ext>
+            </a:extLst>
+          </p:cNvPr>
+          <p:cNvCxnSpPr>
+            <a:cxnSpLocks/>
+          </p:cNvCxnSpPr>
+          <p:nvPr/>
+        </p:nvCxnSpPr>
+        <p:spPr>
+          <a:xfrm flipV="1">
+            <a:off x="5754080" y="3926219"/>
+            <a:ext cx="632316" cy="11519"/>
+          </a:xfrm>
+          <a:prstGeom prst="straightConnector1">
+            <a:avLst/>
+          </a:prstGeom>
+          <a:ln w="12700">
+            <a:solidFill>
+              <a:srgbClr val="FF7876"/>
+            </a:solidFill>
+            <a:tailEnd type="triangle"/>
+          </a:ln>
+        </p:spPr>
+        <p:style>
+          <a:lnRef idx="1">
+            <a:schemeClr val="accent1"/>
+          </a:lnRef>
+          <a:fillRef idx="0">
+            <a:schemeClr val="accent1"/>
+          </a:fillRef>
+          <a:effectRef idx="0">
+            <a:schemeClr val="accent1"/>
+          </a:effectRef>
+          <a:fontRef idx="minor">
+            <a:schemeClr val="tx1"/>
+          </a:fontRef>
+        </p:style>
+      </p:cxnSp>
+      <p:sp>
+        <p:nvSpPr>
+          <p:cNvPr id="31" name="TextBox 30">
+            <a:extLst>
+              <a:ext uri="{FF2B5EF4-FFF2-40B4-BE49-F238E27FC236}">
+                <a16:creationId xmlns:a16="http://schemas.microsoft.com/office/drawing/2014/main" id="{0CA2DA1A-9225-E242-A5E6-5F0DA1667F77}"/>
+              </a:ext>
+            </a:extLst>
+          </p:cNvPr>
+          <p:cNvSpPr txBox="1"/>
+          <p:nvPr/>
+        </p:nvSpPr>
+        <p:spPr>
+          <a:xfrm>
+            <a:off x="6432811" y="3653716"/>
+            <a:ext cx="4810534" cy="600164"/>
+          </a:xfrm>
+          <a:prstGeom prst="rect">
+            <a:avLst/>
+          </a:prstGeom>
+          <a:noFill/>
+          <a:ln w="12700">
+            <a:solidFill>
+              <a:srgbClr val="FF7876"/>
+            </a:solidFill>
+          </a:ln>
+        </p:spPr>
+        <p:txBody>
+          <a:bodyPr wrap="square" rtlCol="0">
+            <a:spAutoFit/>
+          </a:bodyPr>
+          <a:lstStyle/>
+          <a:p>
+            <a:pPr algn="ctr"/>
+            <a:r>
+              <a:rPr lang="ko-KR" altLang="en-US" sz="1100" dirty="0"/>
+              <a:t>이전 </a:t>
+            </a:r>
+            <a:r>
+              <a:rPr lang="en-US" altLang="ko-KR" sz="1100" dirty="0"/>
+              <a:t>html</a:t>
+            </a:r>
+            <a:r>
+              <a:rPr lang="ko-KR" altLang="en-US" sz="1100" dirty="0"/>
+              <a:t>에서 </a:t>
+            </a:r>
+            <a:r>
+              <a:rPr lang="en-US" altLang="ko-KR" sz="1100" dirty="0"/>
+              <a:t>form</a:t>
+            </a:r>
+            <a:r>
+              <a:rPr lang="ko-KR" altLang="en-US" sz="1100" dirty="0"/>
+              <a:t>태그의 데이터들을 각 변수에 </a:t>
+            </a:r>
+            <a:r>
+              <a:rPr lang="ko-KR" altLang="en-US" sz="1100" dirty="0" err="1"/>
+              <a:t>할당시켜</a:t>
+            </a:r>
+            <a:r>
+              <a:rPr lang="ko-KR" altLang="en-US" sz="1100" dirty="0"/>
+              <a:t> 준 후</a:t>
+            </a:r>
+            <a:endParaRPr lang="en-US" altLang="ko-KR" sz="1100" dirty="0"/>
+          </a:p>
+          <a:p>
+            <a:pPr algn="ctr"/>
+            <a:r>
+              <a:rPr lang="en-US" altLang="ko-Kore-KR" sz="1100" dirty="0"/>
+              <a:t>res2.html</a:t>
+            </a:r>
+            <a:r>
+              <a:rPr lang="ko-KR" altLang="en-US" sz="1100" dirty="0"/>
+              <a:t> </a:t>
+            </a:r>
+            <a:r>
+              <a:rPr lang="ko-KR" altLang="en-US" sz="1100" dirty="0" err="1"/>
+              <a:t>렌더링시</a:t>
+            </a:r>
+            <a:r>
+              <a:rPr lang="ko-KR" altLang="en-US" sz="1100" dirty="0"/>
+              <a:t> 할당한 변수들을 매개변수로 넘겨주어</a:t>
+            </a:r>
+            <a:endParaRPr lang="en-US" altLang="ko-KR" sz="1100" dirty="0"/>
+          </a:p>
+          <a:p>
+            <a:pPr algn="ctr"/>
+            <a:r>
+              <a:rPr lang="ko-KR" altLang="en-US" sz="1100" dirty="0"/>
+              <a:t>렌더링하여 </a:t>
+            </a:r>
+            <a:r>
+              <a:rPr lang="ko-KR" altLang="en-US" sz="1100" dirty="0" err="1"/>
+              <a:t>출력하게합니다</a:t>
+            </a:r>
+            <a:r>
+              <a:rPr lang="en-US" altLang="ko-KR" sz="1100" dirty="0"/>
+              <a:t>.</a:t>
+            </a:r>
+            <a:endParaRPr lang="en-US" altLang="ko-Kore-KR" sz="1100" dirty="0"/>
+          </a:p>
+        </p:txBody>
+      </p:sp>
+    </p:spTree>
+    <p:extLst>
+      <p:ext uri="{BB962C8B-B14F-4D97-AF65-F5344CB8AC3E}">
+        <p14:creationId xmlns:p14="http://schemas.microsoft.com/office/powerpoint/2010/main" val="2734799606"/>
+      </p:ext>
+    </p:extLst>
+  </p:cSld>
+  <p:clrMapOvr>
+    <a:masterClrMapping/>
+  </p:clrMapOvr>
+</p:sld>
+</file>
+
+<file path=ppt/slides/slide6.xml><?xml version="1.0" encoding="utf-8"?>
+<p:sld xmlns:a="http://schemas.openxmlformats.org/drawingml/2006/main" xmlns:r="http://schemas.openxmlformats.org/officeDocument/2006/relationships" xmlns:p="http://schemas.openxmlformats.org/presentationml/2006/main">
+  <p:cSld>
+    <p:spTree>
+      <p:nvGrpSpPr>
+        <p:cNvPr id="1" name=""/>
+        <p:cNvGrpSpPr/>
+        <p:nvPr/>
+      </p:nvGrpSpPr>
+      <p:grpSpPr>
+        <a:xfrm>
+          <a:off x="0" y="0"/>
+          <a:ext cx="0" cy="0"/>
+          <a:chOff x="0" y="0"/>
+          <a:chExt cx="0" cy="0"/>
+        </a:xfrm>
+      </p:grpSpPr>
+      <p:pic>
+        <p:nvPicPr>
+          <p:cNvPr id="3" name="그림 2">
+            <a:extLst>
+              <a:ext uri="{FF2B5EF4-FFF2-40B4-BE49-F238E27FC236}">
+                <a16:creationId xmlns:a16="http://schemas.microsoft.com/office/drawing/2014/main" id="{E643D996-B497-4547-8EC6-0D04E92372E2}"/>
+              </a:ext>
+            </a:extLst>
+          </p:cNvPr>
+          <p:cNvPicPr>
+            <a:picLocks noChangeAspect="1"/>
+          </p:cNvPicPr>
+          <p:nvPr/>
+        </p:nvPicPr>
+        <p:blipFill>
+          <a:blip r:embed="rId2"/>
+          <a:stretch>
+            <a:fillRect/>
+          </a:stretch>
+        </p:blipFill>
+        <p:spPr>
+          <a:xfrm>
+            <a:off x="763358" y="1340141"/>
+            <a:ext cx="4317102" cy="5430459"/>
+          </a:xfrm>
+          <a:prstGeom prst="rect">
+            <a:avLst/>
+          </a:prstGeom>
+        </p:spPr>
+      </p:pic>
+      <p:sp>
+        <p:nvSpPr>
+          <p:cNvPr id="37" name="직사각형 36">
+            <a:extLst>
+              <a:ext uri="{FF2B5EF4-FFF2-40B4-BE49-F238E27FC236}">
+                <a16:creationId xmlns:a16="http://schemas.microsoft.com/office/drawing/2014/main" id="{3F15C60C-17FE-422D-AFCF-73C75A021362}"/>
+              </a:ext>
+            </a:extLst>
+          </p:cNvPr>
+          <p:cNvSpPr/>
+          <p:nvPr/>
+        </p:nvSpPr>
+        <p:spPr>
+          <a:xfrm>
+            <a:off x="3697172" y="332194"/>
+            <a:ext cx="4713765" cy="735842"/>
+          </a:xfrm>
+          <a:prstGeom prst="rect">
+            <a:avLst/>
+          </a:prstGeom>
+        </p:spPr>
+        <p:txBody>
+          <a:bodyPr wrap="square">
+            <a:spAutoFit/>
+          </a:bodyPr>
+          <a:lstStyle/>
+          <a:p>
+            <a:pPr algn="ctr" latinLnBrk="0">
+              <a:lnSpc>
+                <a:spcPct val="150000"/>
+              </a:lnSpc>
+              <a:defRPr/>
+            </a:pPr>
+            <a:r>
+              <a:rPr lang="en-US" altLang="ko-KR" sz="3200" b="1" i="1" kern="0" dirty="0">
+                <a:solidFill>
+                  <a:srgbClr val="FF7876"/>
+                </a:solidFill>
+              </a:rPr>
+              <a:t>2</a:t>
+            </a:r>
+          </a:p>
+        </p:txBody>
+      </p:sp>
+      <p:cxnSp>
+        <p:nvCxnSpPr>
+          <p:cNvPr id="38" name="직선 연결선 37">
+            <a:extLst>
+              <a:ext uri="{FF2B5EF4-FFF2-40B4-BE49-F238E27FC236}">
+                <a16:creationId xmlns:a16="http://schemas.microsoft.com/office/drawing/2014/main" id="{940134F4-F272-426A-B50B-8075427DF501}"/>
+              </a:ext>
+            </a:extLst>
+          </p:cNvPr>
+          <p:cNvCxnSpPr>
+            <a:cxnSpLocks/>
+          </p:cNvCxnSpPr>
+          <p:nvPr/>
+        </p:nvCxnSpPr>
+        <p:spPr>
+          <a:xfrm flipV="1">
+            <a:off x="843148" y="847712"/>
+            <a:ext cx="4769087" cy="1"/>
+          </a:xfrm>
+          <a:prstGeom prst="line">
+            <a:avLst/>
+          </a:prstGeom>
+          <a:ln w="6350">
+            <a:solidFill>
+              <a:srgbClr val="FF7876"/>
+            </a:solidFill>
+            <a:prstDash val="sysDash"/>
+            <a:tailEnd type="oval"/>
+          </a:ln>
+        </p:spPr>
+        <p:style>
+          <a:lnRef idx="1">
+            <a:schemeClr val="accent1"/>
+          </a:lnRef>
+          <a:fillRef idx="0">
+            <a:schemeClr val="accent1"/>
+          </a:fillRef>
+          <a:effectRef idx="0">
+            <a:schemeClr val="accent1"/>
+          </a:effectRef>
+          <a:fontRef idx="minor">
+            <a:schemeClr val="tx1"/>
+          </a:fontRef>
+        </p:style>
+      </p:cxnSp>
+      <p:cxnSp>
+        <p:nvCxnSpPr>
+          <p:cNvPr id="39" name="직선 연결선 38">
+            <a:extLst>
+              <a:ext uri="{FF2B5EF4-FFF2-40B4-BE49-F238E27FC236}">
+                <a16:creationId xmlns:a16="http://schemas.microsoft.com/office/drawing/2014/main" id="{55EBD739-0979-4546-8E6B-9CA8052FC540}"/>
+              </a:ext>
+            </a:extLst>
+          </p:cNvPr>
+          <p:cNvCxnSpPr>
+            <a:cxnSpLocks/>
+          </p:cNvCxnSpPr>
+          <p:nvPr/>
+        </p:nvCxnSpPr>
+        <p:spPr>
+          <a:xfrm flipH="1">
+            <a:off x="6579767" y="847712"/>
+            <a:ext cx="4692810" cy="0"/>
+          </a:xfrm>
+          <a:prstGeom prst="line">
+            <a:avLst/>
+          </a:prstGeom>
+          <a:ln w="6350">
+            <a:solidFill>
+              <a:srgbClr val="FF7876"/>
+            </a:solidFill>
+            <a:prstDash val="sysDash"/>
+            <a:tailEnd type="oval"/>
+          </a:ln>
+        </p:spPr>
+        <p:style>
+          <a:lnRef idx="1">
+            <a:schemeClr val="accent1"/>
+          </a:lnRef>
+          <a:fillRef idx="0">
+            <a:schemeClr val="accent1"/>
+          </a:fillRef>
+          <a:effectRef idx="0">
+            <a:schemeClr val="accent1"/>
+          </a:effectRef>
+          <a:fontRef idx="minor">
+            <a:schemeClr val="tx1"/>
+          </a:fontRef>
+        </p:style>
+      </p:cxnSp>
+      <p:sp>
+        <p:nvSpPr>
+          <p:cNvPr id="8" name="TextBox 7">
+            <a:extLst>
+              <a:ext uri="{FF2B5EF4-FFF2-40B4-BE49-F238E27FC236}">
+                <a16:creationId xmlns:a16="http://schemas.microsoft.com/office/drawing/2014/main" id="{C18154B9-4F65-4277-8C17-63D9702FC25F}"/>
+              </a:ext>
+            </a:extLst>
+          </p:cNvPr>
+          <p:cNvSpPr txBox="1"/>
+          <p:nvPr/>
+        </p:nvSpPr>
+        <p:spPr>
+          <a:xfrm>
+            <a:off x="765147" y="939101"/>
+            <a:ext cx="10507430" cy="261610"/>
+          </a:xfrm>
+          <a:prstGeom prst="rect">
+            <a:avLst/>
+          </a:prstGeom>
+          <a:noFill/>
+        </p:spPr>
+        <p:txBody>
+          <a:bodyPr wrap="square" rtlCol="0">
+            <a:spAutoFit/>
+          </a:bodyPr>
+          <a:lstStyle/>
+          <a:p>
+            <a:pPr algn="ctr"/>
+            <a:r>
+              <a:rPr lang="ko-KR" altLang="en-US" sz="1100" i="1" dirty="0" err="1">
+                <a:solidFill>
+                  <a:srgbClr val="FF7876"/>
+                </a:solidFill>
+              </a:rPr>
+              <a:t>순천향</a:t>
+            </a:r>
+            <a:r>
+              <a:rPr lang="ko-KR" altLang="en-US" sz="1100" i="1" dirty="0">
+                <a:solidFill>
+                  <a:srgbClr val="FF7876"/>
+                </a:solidFill>
+              </a:rPr>
+              <a:t> </a:t>
+            </a:r>
+            <a:r>
+              <a:rPr lang="ko-KR" altLang="en-US" sz="1100" i="1" dirty="0" err="1">
+                <a:solidFill>
+                  <a:srgbClr val="FF7876"/>
+                </a:solidFill>
+              </a:rPr>
+              <a:t>서핑대회</a:t>
+            </a:r>
+            <a:r>
+              <a:rPr lang="ko-KR" altLang="en-US" sz="1100" i="1" dirty="0">
+                <a:solidFill>
+                  <a:srgbClr val="FF7876"/>
+                </a:solidFill>
+              </a:rPr>
+              <a:t> </a:t>
+            </a:r>
+            <a:r>
+              <a:rPr lang="en-US" altLang="ko-KR" sz="1100" i="1" dirty="0">
+                <a:solidFill>
+                  <a:srgbClr val="FF7876"/>
+                </a:solidFill>
+              </a:rPr>
+              <a:t>2</a:t>
+            </a:r>
+            <a:r>
+              <a:rPr lang="ko-KR" altLang="en-US" sz="1100" i="1" dirty="0">
+                <a:solidFill>
+                  <a:srgbClr val="FF7876"/>
+                </a:solidFill>
+              </a:rPr>
+              <a:t> 예제 </a:t>
+            </a:r>
+            <a:r>
+              <a:rPr lang="en-US" altLang="ko-KR" sz="1100" i="1" dirty="0">
+                <a:solidFill>
+                  <a:srgbClr val="FF7876"/>
+                </a:solidFill>
+              </a:rPr>
+              <a:t>– surf2.html, res2.html</a:t>
+            </a:r>
+          </a:p>
+        </p:txBody>
+      </p:sp>
+      <p:sp>
+        <p:nvSpPr>
+          <p:cNvPr id="20" name="TextBox 19">
+            <a:extLst>
+              <a:ext uri="{FF2B5EF4-FFF2-40B4-BE49-F238E27FC236}">
+                <a16:creationId xmlns:a16="http://schemas.microsoft.com/office/drawing/2014/main" id="{0A44F1A4-6C6A-9D4E-B036-94D017E6EA00}"/>
+              </a:ext>
+            </a:extLst>
+          </p:cNvPr>
+          <p:cNvSpPr txBox="1"/>
+          <p:nvPr/>
+        </p:nvSpPr>
+        <p:spPr>
+          <a:xfrm>
+            <a:off x="982639" y="1615743"/>
+            <a:ext cx="3289419" cy="530600"/>
+          </a:xfrm>
+          <a:prstGeom prst="rect">
+            <a:avLst/>
+          </a:prstGeom>
+          <a:noFill/>
+          <a:ln w="12700">
+            <a:solidFill>
+              <a:srgbClr val="FF7876"/>
+            </a:solidFill>
+          </a:ln>
+        </p:spPr>
+        <p:txBody>
+          <a:bodyPr wrap="square" rtlCol="0">
+            <a:spAutoFit/>
+          </a:bodyPr>
+          <a:lstStyle/>
+          <a:p>
+            <a:pPr algn="ctr"/>
+            <a:endParaRPr lang="en-US" altLang="ko-Kore-KR" sz="1100" dirty="0"/>
+          </a:p>
+        </p:txBody>
+      </p:sp>
+      <p:sp>
+        <p:nvSpPr>
+          <p:cNvPr id="24" name="TextBox 23">
+            <a:extLst>
+              <a:ext uri="{FF2B5EF4-FFF2-40B4-BE49-F238E27FC236}">
+                <a16:creationId xmlns:a16="http://schemas.microsoft.com/office/drawing/2014/main" id="{2931442C-BE88-0B48-9029-4C4F0AC54E8B}"/>
+              </a:ext>
+            </a:extLst>
+          </p:cNvPr>
+          <p:cNvSpPr txBox="1"/>
+          <p:nvPr/>
+        </p:nvSpPr>
+        <p:spPr>
+          <a:xfrm>
+            <a:off x="1272921" y="2379998"/>
+            <a:ext cx="3807539" cy="4134090"/>
+          </a:xfrm>
+          <a:prstGeom prst="rect">
+            <a:avLst/>
+          </a:prstGeom>
+          <a:noFill/>
+          <a:ln w="12700">
+            <a:solidFill>
+              <a:srgbClr val="FF7876"/>
+            </a:solidFill>
+          </a:ln>
+        </p:spPr>
+        <p:txBody>
+          <a:bodyPr wrap="square" rtlCol="0">
+            <a:spAutoFit/>
+          </a:bodyPr>
+          <a:lstStyle/>
+          <a:p>
+            <a:pPr algn="ctr"/>
+            <a:endParaRPr lang="en-US" altLang="ko-Kore-KR" sz="1100" dirty="0"/>
+          </a:p>
+        </p:txBody>
+      </p:sp>
+      <p:cxnSp>
+        <p:nvCxnSpPr>
+          <p:cNvPr id="28" name="직선 화살표 연결선 27">
+            <a:extLst>
+              <a:ext uri="{FF2B5EF4-FFF2-40B4-BE49-F238E27FC236}">
+                <a16:creationId xmlns:a16="http://schemas.microsoft.com/office/drawing/2014/main" id="{BB17A129-B5D9-CC41-86AA-68311F0BBCE2}"/>
+              </a:ext>
+            </a:extLst>
+          </p:cNvPr>
+          <p:cNvCxnSpPr>
+            <a:cxnSpLocks/>
+          </p:cNvCxnSpPr>
+          <p:nvPr/>
+        </p:nvCxnSpPr>
+        <p:spPr>
+          <a:xfrm flipV="1">
+            <a:off x="4272058" y="1741798"/>
+            <a:ext cx="1921730" cy="57634"/>
+          </a:xfrm>
+          <a:prstGeom prst="straightConnector1">
+            <a:avLst/>
+          </a:prstGeom>
+          <a:ln w="12700">
+            <a:solidFill>
+              <a:srgbClr val="FF7876"/>
+            </a:solidFill>
+            <a:tailEnd type="triangle"/>
+          </a:ln>
+        </p:spPr>
+        <p:style>
+          <a:lnRef idx="1">
+            <a:schemeClr val="accent1"/>
+          </a:lnRef>
+          <a:fillRef idx="0">
+            <a:schemeClr val="accent1"/>
+          </a:fillRef>
+          <a:effectRef idx="0">
+            <a:schemeClr val="accent1"/>
+          </a:effectRef>
+          <a:fontRef idx="minor">
+            <a:schemeClr val="tx1"/>
+          </a:fontRef>
+        </p:style>
+      </p:cxnSp>
+      <p:sp>
+        <p:nvSpPr>
+          <p:cNvPr id="29" name="TextBox 28">
+            <a:extLst>
+              <a:ext uri="{FF2B5EF4-FFF2-40B4-BE49-F238E27FC236}">
+                <a16:creationId xmlns:a16="http://schemas.microsoft.com/office/drawing/2014/main" id="{C794CC0C-8454-B04F-941F-2815BF8655FD}"/>
+              </a:ext>
+            </a:extLst>
+          </p:cNvPr>
+          <p:cNvSpPr txBox="1"/>
+          <p:nvPr/>
+        </p:nvSpPr>
+        <p:spPr>
+          <a:xfrm>
+            <a:off x="6250969" y="1441716"/>
+            <a:ext cx="4810534" cy="600164"/>
+          </a:xfrm>
+          <a:prstGeom prst="rect">
+            <a:avLst/>
+          </a:prstGeom>
+          <a:noFill/>
+          <a:ln w="12700">
+            <a:solidFill>
+              <a:srgbClr val="FF7876"/>
+            </a:solidFill>
+          </a:ln>
+        </p:spPr>
+        <p:txBody>
+          <a:bodyPr wrap="square" rtlCol="0">
+            <a:spAutoFit/>
+          </a:bodyPr>
+          <a:lstStyle/>
+          <a:p>
+            <a:pPr algn="ctr"/>
+            <a:r>
+              <a:rPr lang="en-US" altLang="ko-Kore-KR" sz="1100" dirty="0"/>
+              <a:t>surf2.html</a:t>
+            </a:r>
+            <a:r>
+              <a:rPr lang="ko-Kore-KR" altLang="en-US" sz="1100" dirty="0"/>
+              <a:t>의</a:t>
+            </a:r>
+            <a:r>
+              <a:rPr lang="ko-KR" altLang="en-US" sz="1100" dirty="0"/>
+              <a:t> </a:t>
+            </a:r>
+            <a:r>
+              <a:rPr lang="ko-KR" altLang="en-US" sz="1100" dirty="0" err="1"/>
+              <a:t>헤더부분입니다</a:t>
+            </a:r>
+            <a:r>
+              <a:rPr lang="en-US" altLang="ko-KR" sz="1100" dirty="0"/>
+              <a:t>.</a:t>
+            </a:r>
+          </a:p>
+          <a:p>
+            <a:pPr algn="ctr"/>
+            <a:r>
+              <a:rPr lang="ko-KR" altLang="en-US" sz="1100" dirty="0"/>
+              <a:t>페이지의 제목을 </a:t>
+            </a:r>
+            <a:r>
+              <a:rPr lang="en-US" altLang="ko-KR" sz="1100" dirty="0"/>
+              <a:t>title</a:t>
+            </a:r>
+            <a:r>
+              <a:rPr lang="ko-KR" altLang="en-US" sz="1100" dirty="0"/>
+              <a:t>태그로 설정하고 이후 </a:t>
+            </a:r>
+            <a:r>
+              <a:rPr lang="en-US" altLang="ko-KR" sz="1100" dirty="0"/>
+              <a:t>body</a:t>
+            </a:r>
+            <a:r>
+              <a:rPr lang="ko-KR" altLang="en-US" sz="1100" dirty="0"/>
+              <a:t>에서 사용할</a:t>
+            </a:r>
+            <a:endParaRPr lang="en-US" altLang="ko-KR" sz="1100" dirty="0"/>
+          </a:p>
+          <a:p>
+            <a:pPr algn="ctr"/>
+            <a:r>
+              <a:rPr lang="en-US" altLang="ko-KR" sz="1100" dirty="0"/>
+              <a:t>form</a:t>
+            </a:r>
+            <a:r>
+              <a:rPr lang="ko-KR" altLang="en-US" sz="1100" dirty="0"/>
+              <a:t>태그의 디자인 요소를 적용시킬 </a:t>
+            </a:r>
+            <a:r>
+              <a:rPr lang="en-US" altLang="ko-KR" sz="1100" dirty="0" err="1"/>
+              <a:t>css</a:t>
+            </a:r>
+            <a:r>
+              <a:rPr lang="ko-KR" altLang="en-US" sz="1100" dirty="0"/>
+              <a:t>파일을 </a:t>
+            </a:r>
+            <a:r>
+              <a:rPr lang="ko-KR" altLang="en-US" sz="1100" dirty="0" err="1"/>
+              <a:t>선언시켜줍니다</a:t>
+            </a:r>
+            <a:r>
+              <a:rPr lang="en-US" altLang="ko-KR" sz="1100" dirty="0"/>
+              <a:t>.</a:t>
+            </a:r>
+          </a:p>
+        </p:txBody>
+      </p:sp>
+      <p:cxnSp>
+        <p:nvCxnSpPr>
+          <p:cNvPr id="30" name="직선 화살표 연결선 29">
+            <a:extLst>
+              <a:ext uri="{FF2B5EF4-FFF2-40B4-BE49-F238E27FC236}">
+                <a16:creationId xmlns:a16="http://schemas.microsoft.com/office/drawing/2014/main" id="{5D2F2449-08EB-7143-A28F-CAE72C7BCC0E}"/>
+              </a:ext>
+            </a:extLst>
+          </p:cNvPr>
+          <p:cNvCxnSpPr>
+            <a:cxnSpLocks/>
+          </p:cNvCxnSpPr>
+          <p:nvPr/>
+        </p:nvCxnSpPr>
+        <p:spPr>
+          <a:xfrm flipV="1">
+            <a:off x="5080460" y="3655298"/>
+            <a:ext cx="632316" cy="11519"/>
+          </a:xfrm>
+          <a:prstGeom prst="straightConnector1">
+            <a:avLst/>
+          </a:prstGeom>
+          <a:ln w="12700">
+            <a:solidFill>
+              <a:srgbClr val="FF7876"/>
+            </a:solidFill>
+            <a:tailEnd type="triangle"/>
+          </a:ln>
+        </p:spPr>
+        <p:style>
+          <a:lnRef idx="1">
+            <a:schemeClr val="accent1"/>
+          </a:lnRef>
+          <a:fillRef idx="0">
+            <a:schemeClr val="accent1"/>
+          </a:fillRef>
+          <a:effectRef idx="0">
+            <a:schemeClr val="accent1"/>
+          </a:effectRef>
+          <a:fontRef idx="minor">
+            <a:schemeClr val="tx1"/>
+          </a:fontRef>
+        </p:style>
+      </p:cxnSp>
+      <p:sp>
+        <p:nvSpPr>
+          <p:cNvPr id="31" name="TextBox 30">
+            <a:extLst>
+              <a:ext uri="{FF2B5EF4-FFF2-40B4-BE49-F238E27FC236}">
+                <a16:creationId xmlns:a16="http://schemas.microsoft.com/office/drawing/2014/main" id="{0CA2DA1A-9225-E242-A5E6-5F0DA1667F77}"/>
+              </a:ext>
+            </a:extLst>
+          </p:cNvPr>
+          <p:cNvSpPr txBox="1"/>
+          <p:nvPr/>
+        </p:nvSpPr>
+        <p:spPr>
+          <a:xfrm>
+            <a:off x="5777356" y="3455206"/>
+            <a:ext cx="4810534" cy="769441"/>
+          </a:xfrm>
+          <a:prstGeom prst="rect">
+            <a:avLst/>
+          </a:prstGeom>
+          <a:noFill/>
+          <a:ln w="12700">
+            <a:solidFill>
+              <a:srgbClr val="FF7876"/>
+            </a:solidFill>
+          </a:ln>
+        </p:spPr>
+        <p:txBody>
+          <a:bodyPr wrap="square" rtlCol="0">
+            <a:spAutoFit/>
+          </a:bodyPr>
+          <a:lstStyle/>
+          <a:p>
+            <a:pPr algn="ctr"/>
+            <a:r>
+              <a:rPr lang="en-US" altLang="ko-Kore-KR" sz="1100" dirty="0"/>
+              <a:t>POST</a:t>
+            </a:r>
+            <a:r>
+              <a:rPr lang="ko-KR" altLang="en-US" sz="1100" dirty="0"/>
+              <a:t>형식으로 데이터를 </a:t>
+            </a:r>
+            <a:r>
+              <a:rPr lang="en-US" altLang="ko-KR" sz="1100" dirty="0"/>
+              <a:t>/result</a:t>
+            </a:r>
+            <a:r>
+              <a:rPr lang="ko-KR" altLang="en-US" sz="1100" dirty="0"/>
+              <a:t> 요청에 보낼 </a:t>
+            </a:r>
+            <a:r>
+              <a:rPr lang="en-US" altLang="ko-KR" sz="1100" dirty="0"/>
+              <a:t>form</a:t>
+            </a:r>
+            <a:r>
+              <a:rPr lang="ko-KR" altLang="en-US" sz="1100" dirty="0"/>
+              <a:t>태그 부분입니다</a:t>
+            </a:r>
+            <a:r>
+              <a:rPr lang="en-US" altLang="ko-KR" sz="1100" dirty="0"/>
+              <a:t>.</a:t>
+            </a:r>
+          </a:p>
+          <a:p>
+            <a:pPr algn="ctr"/>
+            <a:r>
+              <a:rPr lang="ko-KR" altLang="en-US" sz="1100" dirty="0"/>
+              <a:t>각 데이터의 입력 구분에 맞게 설정해 준 후</a:t>
+            </a:r>
+            <a:endParaRPr lang="en-US" altLang="ko-KR" sz="1100" dirty="0"/>
+          </a:p>
+          <a:p>
+            <a:pPr algn="ctr"/>
+            <a:r>
+              <a:rPr lang="ko-KR" altLang="en-US" sz="1100" dirty="0"/>
+              <a:t>마지막에 </a:t>
+            </a:r>
+            <a:r>
+              <a:rPr lang="en-US" altLang="ko-KR" sz="1100" dirty="0"/>
+              <a:t>submit</a:t>
+            </a:r>
+            <a:r>
+              <a:rPr lang="ko-KR" altLang="en-US" sz="1100" dirty="0" err="1"/>
+              <a:t>으로</a:t>
+            </a:r>
+            <a:r>
+              <a:rPr lang="ko-KR" altLang="en-US" sz="1100" dirty="0"/>
+              <a:t> 전송하게 해줍니다</a:t>
+            </a:r>
+            <a:r>
+              <a:rPr lang="en-US" altLang="ko-KR" sz="1100" dirty="0"/>
+              <a:t>.</a:t>
+            </a:r>
+          </a:p>
+          <a:p>
+            <a:pPr algn="ctr"/>
+            <a:r>
+              <a:rPr lang="en-US" altLang="ko-KR" sz="1100" dirty="0"/>
+              <a:t>div</a:t>
+            </a:r>
+            <a:r>
+              <a:rPr lang="ko-KR" altLang="en-US" sz="1100" dirty="0"/>
+              <a:t>로 입력데이터간 구분을 해놓은 모습을 볼 수 있습니다</a:t>
+            </a:r>
+            <a:r>
+              <a:rPr lang="en-US" altLang="ko-KR" sz="1100" dirty="0"/>
+              <a:t>.</a:t>
+            </a:r>
+          </a:p>
+        </p:txBody>
+      </p:sp>
+      <p:pic>
+        <p:nvPicPr>
+          <p:cNvPr id="7" name="그림 6">
+            <a:extLst>
+              <a:ext uri="{FF2B5EF4-FFF2-40B4-BE49-F238E27FC236}">
+                <a16:creationId xmlns:a16="http://schemas.microsoft.com/office/drawing/2014/main" id="{E1B84B10-E876-EB48-90EB-A311CFC62765}"/>
+              </a:ext>
+            </a:extLst>
+          </p:cNvPr>
+          <p:cNvPicPr>
+            <a:picLocks noChangeAspect="1"/>
+          </p:cNvPicPr>
+          <p:nvPr/>
+        </p:nvPicPr>
+        <p:blipFill>
+          <a:blip r:embed="rId3"/>
+          <a:stretch>
+            <a:fillRect/>
+          </a:stretch>
+        </p:blipFill>
+        <p:spPr>
+          <a:xfrm>
+            <a:off x="5397398" y="4762769"/>
+            <a:ext cx="3176144" cy="1750408"/>
+          </a:xfrm>
+          <a:prstGeom prst="rect">
+            <a:avLst/>
+          </a:prstGeom>
+        </p:spPr>
+      </p:pic>
+      <p:sp>
+        <p:nvSpPr>
+          <p:cNvPr id="22" name="TextBox 21">
+            <a:extLst>
+              <a:ext uri="{FF2B5EF4-FFF2-40B4-BE49-F238E27FC236}">
+                <a16:creationId xmlns:a16="http://schemas.microsoft.com/office/drawing/2014/main" id="{CB20F70E-F0F1-3F43-B989-696987C573DC}"/>
+              </a:ext>
+            </a:extLst>
+          </p:cNvPr>
+          <p:cNvSpPr txBox="1"/>
+          <p:nvPr/>
+        </p:nvSpPr>
+        <p:spPr>
+          <a:xfrm>
+            <a:off x="664283" y="1127640"/>
+            <a:ext cx="875492" cy="261610"/>
+          </a:xfrm>
+          <a:prstGeom prst="rect">
+            <a:avLst/>
+          </a:prstGeom>
+          <a:noFill/>
+          <a:ln w="12700">
+            <a:noFill/>
+          </a:ln>
+        </p:spPr>
+        <p:txBody>
+          <a:bodyPr wrap="square" rtlCol="0">
+            <a:spAutoFit/>
+          </a:bodyPr>
+          <a:lstStyle/>
+          <a:p>
+            <a:pPr algn="ctr"/>
+            <a:r>
+              <a:rPr lang="en-US" altLang="ko-Kore-KR" sz="1100" dirty="0"/>
+              <a:t>surf2.html</a:t>
+            </a:r>
+          </a:p>
+        </p:txBody>
+      </p:sp>
+      <p:sp>
+        <p:nvSpPr>
+          <p:cNvPr id="23" name="TextBox 22">
+            <a:extLst>
+              <a:ext uri="{FF2B5EF4-FFF2-40B4-BE49-F238E27FC236}">
+                <a16:creationId xmlns:a16="http://schemas.microsoft.com/office/drawing/2014/main" id="{B0A2F92F-EA4D-6D4E-BA12-0EB9DE7BCDD9}"/>
+              </a:ext>
+            </a:extLst>
+          </p:cNvPr>
+          <p:cNvSpPr txBox="1"/>
+          <p:nvPr/>
+        </p:nvSpPr>
+        <p:spPr>
+          <a:xfrm>
+            <a:off x="5275030" y="4570977"/>
+            <a:ext cx="875492" cy="261610"/>
+          </a:xfrm>
+          <a:prstGeom prst="rect">
+            <a:avLst/>
+          </a:prstGeom>
+          <a:noFill/>
+          <a:ln w="12700">
+            <a:noFill/>
+          </a:ln>
+        </p:spPr>
+        <p:txBody>
+          <a:bodyPr wrap="square" rtlCol="0">
+            <a:spAutoFit/>
+          </a:bodyPr>
+          <a:lstStyle/>
+          <a:p>
+            <a:pPr algn="ctr"/>
+            <a:r>
+              <a:rPr lang="en-US" altLang="ko-Kore-KR" sz="1100" dirty="0"/>
+              <a:t>res2.html</a:t>
+            </a:r>
+          </a:p>
+        </p:txBody>
+      </p:sp>
+      <p:sp>
+        <p:nvSpPr>
+          <p:cNvPr id="32" name="TextBox 31">
+            <a:extLst>
+              <a:ext uri="{FF2B5EF4-FFF2-40B4-BE49-F238E27FC236}">
+                <a16:creationId xmlns:a16="http://schemas.microsoft.com/office/drawing/2014/main" id="{6FF55119-C5BE-0041-BE18-59169F0ED477}"/>
+              </a:ext>
+            </a:extLst>
+          </p:cNvPr>
+          <p:cNvSpPr txBox="1"/>
+          <p:nvPr/>
+        </p:nvSpPr>
+        <p:spPr>
+          <a:xfrm>
+            <a:off x="5882733" y="5530939"/>
+            <a:ext cx="2690810" cy="699927"/>
+          </a:xfrm>
+          <a:prstGeom prst="rect">
+            <a:avLst/>
+          </a:prstGeom>
+          <a:noFill/>
+          <a:ln w="12700">
+            <a:solidFill>
+              <a:srgbClr val="FF7876"/>
+            </a:solidFill>
+          </a:ln>
+        </p:spPr>
+        <p:txBody>
+          <a:bodyPr wrap="square" rtlCol="0">
+            <a:spAutoFit/>
+          </a:bodyPr>
+          <a:lstStyle/>
+          <a:p>
+            <a:pPr algn="ctr"/>
+            <a:endParaRPr lang="en-US" altLang="ko-Kore-KR" sz="1100" dirty="0"/>
+          </a:p>
+        </p:txBody>
+      </p:sp>
+      <p:cxnSp>
+        <p:nvCxnSpPr>
+          <p:cNvPr id="33" name="직선 화살표 연결선 32">
+            <a:extLst>
+              <a:ext uri="{FF2B5EF4-FFF2-40B4-BE49-F238E27FC236}">
+                <a16:creationId xmlns:a16="http://schemas.microsoft.com/office/drawing/2014/main" id="{71D2A83C-6E77-E74C-9BFE-1BBE567DAC71}"/>
+              </a:ext>
+            </a:extLst>
+          </p:cNvPr>
+          <p:cNvCxnSpPr>
+            <a:cxnSpLocks/>
+          </p:cNvCxnSpPr>
+          <p:nvPr/>
+        </p:nvCxnSpPr>
+        <p:spPr>
+          <a:xfrm flipV="1">
+            <a:off x="8574322" y="5817949"/>
+            <a:ext cx="316158" cy="1"/>
+          </a:xfrm>
+          <a:prstGeom prst="straightConnector1">
+            <a:avLst/>
+          </a:prstGeom>
+          <a:ln w="12700">
+            <a:solidFill>
+              <a:srgbClr val="FF7876"/>
+            </a:solidFill>
+            <a:tailEnd type="triangle"/>
+          </a:ln>
+        </p:spPr>
+        <p:style>
+          <a:lnRef idx="1">
+            <a:schemeClr val="accent1"/>
+          </a:lnRef>
+          <a:fillRef idx="0">
+            <a:schemeClr val="accent1"/>
+          </a:fillRef>
+          <a:effectRef idx="0">
+            <a:schemeClr val="accent1"/>
+          </a:effectRef>
+          <a:fontRef idx="minor">
+            <a:schemeClr val="tx1"/>
+          </a:fontRef>
+        </p:style>
+      </p:cxnSp>
+      <p:sp>
+        <p:nvSpPr>
+          <p:cNvPr id="34" name="TextBox 33">
+            <a:extLst>
+              <a:ext uri="{FF2B5EF4-FFF2-40B4-BE49-F238E27FC236}">
+                <a16:creationId xmlns:a16="http://schemas.microsoft.com/office/drawing/2014/main" id="{71C6200A-4895-CA40-9A87-9BBEA6036EEE}"/>
+              </a:ext>
+            </a:extLst>
+          </p:cNvPr>
+          <p:cNvSpPr txBox="1"/>
+          <p:nvPr/>
+        </p:nvSpPr>
+        <p:spPr>
+          <a:xfrm>
+            <a:off x="8926172" y="5495700"/>
+            <a:ext cx="2405267" cy="769441"/>
+          </a:xfrm>
+          <a:prstGeom prst="rect">
+            <a:avLst/>
+          </a:prstGeom>
+          <a:noFill/>
+          <a:ln w="12700">
+            <a:solidFill>
+              <a:srgbClr val="FF7876"/>
+            </a:solidFill>
+          </a:ln>
+        </p:spPr>
+        <p:txBody>
+          <a:bodyPr wrap="square" rtlCol="0">
+            <a:spAutoFit/>
+          </a:bodyPr>
+          <a:lstStyle/>
+          <a:p>
+            <a:pPr algn="ctr"/>
+            <a:r>
+              <a:rPr lang="ko-KR" altLang="en-US" sz="1100" dirty="0"/>
+              <a:t>매개변수로 받은 변수들을</a:t>
+            </a:r>
+            <a:endParaRPr lang="en-US" altLang="ko-KR" sz="1100" dirty="0"/>
+          </a:p>
+          <a:p>
+            <a:pPr algn="ctr"/>
+            <a:r>
+              <a:rPr lang="ko-KR" altLang="en-US" sz="1100" dirty="0"/>
+              <a:t>테이블 형식으로 출력하게 합니다</a:t>
+            </a:r>
+            <a:r>
+              <a:rPr lang="en-US" altLang="ko-KR" sz="1100" dirty="0"/>
+              <a:t>.</a:t>
+            </a:r>
+          </a:p>
+          <a:p>
+            <a:pPr algn="ctr"/>
+            <a:r>
+              <a:rPr lang="en-US" altLang="ko-KR" sz="1100" dirty="0"/>
+              <a:t>border</a:t>
+            </a:r>
+            <a:r>
+              <a:rPr lang="ko-KR" altLang="en-US" sz="1100" dirty="0"/>
+              <a:t>옵션을 통해 테이블의</a:t>
+            </a:r>
+            <a:endParaRPr lang="en-US" altLang="ko-KR" sz="1100" dirty="0"/>
+          </a:p>
+          <a:p>
+            <a:pPr algn="ctr"/>
+            <a:r>
+              <a:rPr lang="ko-KR" altLang="en-US" sz="1100" dirty="0"/>
+              <a:t>테두리를 생성해줍니다</a:t>
+            </a:r>
+            <a:r>
+              <a:rPr lang="en-US" altLang="ko-KR" sz="1100" dirty="0"/>
+              <a:t>.</a:t>
+            </a:r>
+          </a:p>
+        </p:txBody>
+      </p:sp>
+    </p:spTree>
+    <p:extLst>
+      <p:ext uri="{BB962C8B-B14F-4D97-AF65-F5344CB8AC3E}">
+        <p14:creationId xmlns:p14="http://schemas.microsoft.com/office/powerpoint/2010/main" val="4125642787"/>
+      </p:ext>
+    </p:extLst>
+  </p:cSld>
+  <p:clrMapOvr>
+    <a:masterClrMapping/>
+  </p:clrMapOvr>
+</p:sld>
+</file>
+
+<file path=ppt/slides/slide7.xml><?xml version="1.0" encoding="utf-8"?>
+<p:sld xmlns:a="http://schemas.openxmlformats.org/drawingml/2006/main" xmlns:r="http://schemas.openxmlformats.org/officeDocument/2006/relationships" xmlns:p="http://schemas.openxmlformats.org/presentationml/2006/main">
+  <p:cSld>
+    <p:spTree>
+      <p:nvGrpSpPr>
+        <p:cNvPr id="1" name=""/>
+        <p:cNvGrpSpPr/>
+        <p:nvPr/>
+      </p:nvGrpSpPr>
+      <p:grpSpPr>
+        <a:xfrm>
+          <a:off x="0" y="0"/>
+          <a:ext cx="0" cy="0"/>
+          <a:chOff x="0" y="0"/>
+          <a:chExt cx="0" cy="0"/>
+        </a:xfrm>
+      </p:grpSpPr>
+      <p:pic>
+        <p:nvPicPr>
+          <p:cNvPr id="4" name="그림 3">
+            <a:extLst>
+              <a:ext uri="{FF2B5EF4-FFF2-40B4-BE49-F238E27FC236}">
+                <a16:creationId xmlns:a16="http://schemas.microsoft.com/office/drawing/2014/main" id="{AC8A5A8E-3522-DF43-B310-FFC577139F27}"/>
+              </a:ext>
+            </a:extLst>
+          </p:cNvPr>
+          <p:cNvPicPr>
+            <a:picLocks noChangeAspect="1"/>
+          </p:cNvPicPr>
+          <p:nvPr/>
+        </p:nvPicPr>
+        <p:blipFill>
+          <a:blip r:embed="rId2"/>
+          <a:stretch>
+            <a:fillRect/>
+          </a:stretch>
+        </p:blipFill>
+        <p:spPr>
+          <a:xfrm>
+            <a:off x="974983" y="1374748"/>
+            <a:ext cx="2665007" cy="5145425"/>
+          </a:xfrm>
+          <a:prstGeom prst="rect">
+            <a:avLst/>
+          </a:prstGeom>
+        </p:spPr>
+      </p:pic>
+      <p:sp>
+        <p:nvSpPr>
+          <p:cNvPr id="37" name="직사각형 36">
+            <a:extLst>
+              <a:ext uri="{FF2B5EF4-FFF2-40B4-BE49-F238E27FC236}">
+                <a16:creationId xmlns:a16="http://schemas.microsoft.com/office/drawing/2014/main" id="{3F15C60C-17FE-422D-AFCF-73C75A021362}"/>
+              </a:ext>
+            </a:extLst>
+          </p:cNvPr>
+          <p:cNvSpPr/>
+          <p:nvPr/>
+        </p:nvSpPr>
+        <p:spPr>
+          <a:xfrm>
+            <a:off x="3697172" y="332194"/>
+            <a:ext cx="4713765" cy="735842"/>
+          </a:xfrm>
+          <a:prstGeom prst="rect">
+            <a:avLst/>
+          </a:prstGeom>
+        </p:spPr>
+        <p:txBody>
+          <a:bodyPr wrap="square">
+            <a:spAutoFit/>
+          </a:bodyPr>
+          <a:lstStyle/>
+          <a:p>
+            <a:pPr algn="ctr" latinLnBrk="0">
+              <a:lnSpc>
+                <a:spcPct val="150000"/>
+              </a:lnSpc>
+              <a:defRPr/>
+            </a:pPr>
+            <a:r>
+              <a:rPr lang="en-US" altLang="ko-KR" sz="3200" b="1" i="1" kern="0" dirty="0">
+                <a:solidFill>
+                  <a:srgbClr val="FF7876"/>
+                </a:solidFill>
+              </a:rPr>
+              <a:t>2</a:t>
+            </a:r>
+          </a:p>
+        </p:txBody>
+      </p:sp>
+      <p:cxnSp>
+        <p:nvCxnSpPr>
+          <p:cNvPr id="38" name="직선 연결선 37">
+            <a:extLst>
+              <a:ext uri="{FF2B5EF4-FFF2-40B4-BE49-F238E27FC236}">
+                <a16:creationId xmlns:a16="http://schemas.microsoft.com/office/drawing/2014/main" id="{940134F4-F272-426A-B50B-8075427DF501}"/>
+              </a:ext>
+            </a:extLst>
+          </p:cNvPr>
+          <p:cNvCxnSpPr>
+            <a:cxnSpLocks/>
+          </p:cNvCxnSpPr>
+          <p:nvPr/>
+        </p:nvCxnSpPr>
+        <p:spPr>
+          <a:xfrm flipV="1">
+            <a:off x="843148" y="847712"/>
+            <a:ext cx="4769087" cy="1"/>
+          </a:xfrm>
+          <a:prstGeom prst="line">
+            <a:avLst/>
+          </a:prstGeom>
+          <a:ln w="6350">
+            <a:solidFill>
+              <a:srgbClr val="FF7876"/>
+            </a:solidFill>
+            <a:prstDash val="sysDash"/>
+            <a:tailEnd type="oval"/>
+          </a:ln>
+        </p:spPr>
+        <p:style>
+          <a:lnRef idx="1">
+            <a:schemeClr val="accent1"/>
+          </a:lnRef>
+          <a:fillRef idx="0">
+            <a:schemeClr val="accent1"/>
+          </a:fillRef>
+          <a:effectRef idx="0">
+            <a:schemeClr val="accent1"/>
+          </a:effectRef>
+          <a:fontRef idx="minor">
+            <a:schemeClr val="tx1"/>
+          </a:fontRef>
+        </p:style>
+      </p:cxnSp>
+      <p:cxnSp>
+        <p:nvCxnSpPr>
+          <p:cNvPr id="39" name="직선 연결선 38">
+            <a:extLst>
+              <a:ext uri="{FF2B5EF4-FFF2-40B4-BE49-F238E27FC236}">
+                <a16:creationId xmlns:a16="http://schemas.microsoft.com/office/drawing/2014/main" id="{55EBD739-0979-4546-8E6B-9CA8052FC540}"/>
+              </a:ext>
+            </a:extLst>
+          </p:cNvPr>
+          <p:cNvCxnSpPr>
+            <a:cxnSpLocks/>
+          </p:cNvCxnSpPr>
+          <p:nvPr/>
+        </p:nvCxnSpPr>
+        <p:spPr>
+          <a:xfrm flipH="1">
+            <a:off x="6579767" y="847712"/>
+            <a:ext cx="4692810" cy="0"/>
+          </a:xfrm>
+          <a:prstGeom prst="line">
+            <a:avLst/>
+          </a:prstGeom>
+          <a:ln w="6350">
+            <a:solidFill>
+              <a:srgbClr val="FF7876"/>
+            </a:solidFill>
+            <a:prstDash val="sysDash"/>
+            <a:tailEnd type="oval"/>
+          </a:ln>
+        </p:spPr>
+        <p:style>
+          <a:lnRef idx="1">
+            <a:schemeClr val="accent1"/>
+          </a:lnRef>
+          <a:fillRef idx="0">
+            <a:schemeClr val="accent1"/>
+          </a:fillRef>
+          <a:effectRef idx="0">
+            <a:schemeClr val="accent1"/>
+          </a:effectRef>
+          <a:fontRef idx="minor">
+            <a:schemeClr val="tx1"/>
+          </a:fontRef>
+        </p:style>
+      </p:cxnSp>
+      <p:sp>
+        <p:nvSpPr>
+          <p:cNvPr id="8" name="TextBox 7">
+            <a:extLst>
+              <a:ext uri="{FF2B5EF4-FFF2-40B4-BE49-F238E27FC236}">
+                <a16:creationId xmlns:a16="http://schemas.microsoft.com/office/drawing/2014/main" id="{C18154B9-4F65-4277-8C17-63D9702FC25F}"/>
+              </a:ext>
+            </a:extLst>
+          </p:cNvPr>
+          <p:cNvSpPr txBox="1"/>
+          <p:nvPr/>
+        </p:nvSpPr>
+        <p:spPr>
+          <a:xfrm>
+            <a:off x="765146" y="963122"/>
+            <a:ext cx="10507430" cy="261610"/>
+          </a:xfrm>
+          <a:prstGeom prst="rect">
+            <a:avLst/>
+          </a:prstGeom>
+          <a:noFill/>
+        </p:spPr>
+        <p:txBody>
+          <a:bodyPr wrap="square" rtlCol="0">
+            <a:spAutoFit/>
+          </a:bodyPr>
+          <a:lstStyle/>
+          <a:p>
+            <a:pPr algn="ctr"/>
+            <a:r>
+              <a:rPr lang="ko-KR" altLang="en-US" sz="1100" i="1" dirty="0" err="1">
+                <a:solidFill>
+                  <a:srgbClr val="FF7876"/>
+                </a:solidFill>
+              </a:rPr>
+              <a:t>순천향</a:t>
+            </a:r>
+            <a:r>
+              <a:rPr lang="ko-KR" altLang="en-US" sz="1100" i="1" dirty="0">
+                <a:solidFill>
+                  <a:srgbClr val="FF7876"/>
+                </a:solidFill>
+              </a:rPr>
+              <a:t> </a:t>
+            </a:r>
+            <a:r>
+              <a:rPr lang="ko-KR" altLang="en-US" sz="1100" i="1" dirty="0" err="1">
+                <a:solidFill>
+                  <a:srgbClr val="FF7876"/>
+                </a:solidFill>
+              </a:rPr>
+              <a:t>서핑대회</a:t>
+            </a:r>
+            <a:r>
+              <a:rPr lang="ko-KR" altLang="en-US" sz="1100" i="1" dirty="0">
+                <a:solidFill>
+                  <a:srgbClr val="FF7876"/>
+                </a:solidFill>
+              </a:rPr>
+              <a:t> </a:t>
+            </a:r>
+            <a:r>
+              <a:rPr lang="en-US" altLang="ko-KR" sz="1100" i="1" dirty="0">
+                <a:solidFill>
+                  <a:srgbClr val="FF7876"/>
+                </a:solidFill>
+              </a:rPr>
+              <a:t>2</a:t>
+            </a:r>
+            <a:r>
+              <a:rPr lang="ko-KR" altLang="en-US" sz="1100" i="1" dirty="0">
+                <a:solidFill>
+                  <a:srgbClr val="FF7876"/>
+                </a:solidFill>
+              </a:rPr>
+              <a:t> 예제 </a:t>
+            </a:r>
+            <a:r>
+              <a:rPr lang="en-US" altLang="ko-KR" sz="1100" i="1" dirty="0">
+                <a:solidFill>
+                  <a:srgbClr val="FF7876"/>
+                </a:solidFill>
+              </a:rPr>
+              <a:t>– </a:t>
+            </a:r>
+            <a:r>
+              <a:rPr lang="en-US" altLang="ko-KR" sz="1100" i="1" dirty="0" err="1">
+                <a:solidFill>
+                  <a:srgbClr val="FF7876"/>
+                </a:solidFill>
+              </a:rPr>
+              <a:t>surf.css</a:t>
+            </a:r>
+            <a:endParaRPr lang="en-US" altLang="ko-KR" sz="1100" i="1" dirty="0">
+              <a:solidFill>
+                <a:srgbClr val="FF7876"/>
+              </a:solidFill>
+            </a:endParaRPr>
+          </a:p>
+        </p:txBody>
+      </p:sp>
+      <p:cxnSp>
+        <p:nvCxnSpPr>
+          <p:cNvPr id="28" name="직선 화살표 연결선 27">
+            <a:extLst>
+              <a:ext uri="{FF2B5EF4-FFF2-40B4-BE49-F238E27FC236}">
+                <a16:creationId xmlns:a16="http://schemas.microsoft.com/office/drawing/2014/main" id="{BB17A129-B5D9-CC41-86AA-68311F0BBCE2}"/>
+              </a:ext>
+            </a:extLst>
+          </p:cNvPr>
+          <p:cNvCxnSpPr>
+            <a:cxnSpLocks/>
+          </p:cNvCxnSpPr>
+          <p:nvPr/>
+        </p:nvCxnSpPr>
+        <p:spPr>
+          <a:xfrm>
+            <a:off x="3463391" y="1756598"/>
+            <a:ext cx="1019597" cy="0"/>
+          </a:xfrm>
+          <a:prstGeom prst="straightConnector1">
+            <a:avLst/>
+          </a:prstGeom>
+          <a:ln w="12700">
+            <a:solidFill>
+              <a:srgbClr val="FF7876"/>
+            </a:solidFill>
+            <a:tailEnd type="triangle"/>
+          </a:ln>
+        </p:spPr>
+        <p:style>
+          <a:lnRef idx="1">
+            <a:schemeClr val="accent1"/>
+          </a:lnRef>
+          <a:fillRef idx="0">
+            <a:schemeClr val="accent1"/>
+          </a:fillRef>
+          <a:effectRef idx="0">
+            <a:schemeClr val="accent1"/>
+          </a:effectRef>
+          <a:fontRef idx="minor">
+            <a:schemeClr val="tx1"/>
+          </a:fontRef>
+        </p:style>
+      </p:cxnSp>
+      <p:sp>
+        <p:nvSpPr>
+          <p:cNvPr id="29" name="TextBox 28">
+            <a:extLst>
+              <a:ext uri="{FF2B5EF4-FFF2-40B4-BE49-F238E27FC236}">
+                <a16:creationId xmlns:a16="http://schemas.microsoft.com/office/drawing/2014/main" id="{C794CC0C-8454-B04F-941F-2815BF8655FD}"/>
+              </a:ext>
+            </a:extLst>
+          </p:cNvPr>
+          <p:cNvSpPr txBox="1"/>
+          <p:nvPr/>
+        </p:nvSpPr>
+        <p:spPr>
+          <a:xfrm>
+            <a:off x="4482987" y="1496159"/>
+            <a:ext cx="5915277" cy="769441"/>
+          </a:xfrm>
+          <a:prstGeom prst="rect">
+            <a:avLst/>
+          </a:prstGeom>
+          <a:noFill/>
+          <a:ln w="12700">
+            <a:solidFill>
+              <a:srgbClr val="FF7876"/>
+            </a:solidFill>
+          </a:ln>
+        </p:spPr>
+        <p:txBody>
+          <a:bodyPr wrap="square" rtlCol="0">
+            <a:spAutoFit/>
+          </a:bodyPr>
+          <a:lstStyle/>
+          <a:p>
+            <a:pPr algn="ctr"/>
+            <a:r>
+              <a:rPr lang="en-US" altLang="ko-KR" sz="1100" dirty="0"/>
+              <a:t>h2</a:t>
+            </a:r>
+            <a:r>
+              <a:rPr lang="ko-KR" altLang="en-US" sz="1100" dirty="0"/>
+              <a:t>태그에 대한 설정입니다</a:t>
+            </a:r>
+            <a:r>
+              <a:rPr lang="en-US" altLang="ko-KR" sz="1100" dirty="0"/>
+              <a:t>.</a:t>
+            </a:r>
+          </a:p>
+          <a:p>
+            <a:pPr algn="ctr"/>
+            <a:r>
+              <a:rPr lang="ko-KR" altLang="en-US" sz="1100" dirty="0"/>
+              <a:t>폰트사이즈는 </a:t>
+            </a:r>
+            <a:r>
+              <a:rPr lang="en-US" altLang="ko-KR" sz="1100" dirty="0"/>
+              <a:t>2em</a:t>
+            </a:r>
+            <a:r>
+              <a:rPr lang="ko-KR" altLang="en-US" sz="1100" dirty="0" err="1"/>
+              <a:t>으로</a:t>
+            </a:r>
+            <a:r>
+              <a:rPr lang="ko-KR" altLang="en-US" sz="1100" dirty="0"/>
+              <a:t> </a:t>
+            </a:r>
+            <a:r>
+              <a:rPr lang="en-US" altLang="ko-KR" sz="1100" dirty="0" err="1"/>
+              <a:t>em</a:t>
+            </a:r>
+            <a:r>
+              <a:rPr lang="ko-KR" altLang="en-US" sz="1100" dirty="0"/>
+              <a:t>은 해당 폰트의 대문자 </a:t>
+            </a:r>
+            <a:r>
+              <a:rPr lang="en-US" altLang="ko-KR" sz="1100" dirty="0"/>
+              <a:t>M</a:t>
+            </a:r>
+            <a:r>
+              <a:rPr lang="ko-KR" altLang="en-US" sz="1100" dirty="0"/>
+              <a:t>의 너비 기준으로 하는 단위입니다</a:t>
+            </a:r>
+            <a:r>
+              <a:rPr lang="en-US" altLang="ko-KR" sz="1100" dirty="0"/>
+              <a:t>.</a:t>
+            </a:r>
+          </a:p>
+          <a:p>
+            <a:pPr algn="ctr"/>
+            <a:r>
+              <a:rPr lang="ko-KR" altLang="en-US" sz="1100" dirty="0"/>
+              <a:t>상단 </a:t>
+            </a:r>
+            <a:r>
+              <a:rPr lang="ko-KR" altLang="en-US" sz="1100" dirty="0" err="1"/>
+              <a:t>마진값은</a:t>
+            </a:r>
+            <a:r>
+              <a:rPr lang="ko-KR" altLang="en-US" sz="1100" dirty="0"/>
+              <a:t> </a:t>
+            </a:r>
+            <a:r>
+              <a:rPr lang="en-US" altLang="ko-KR" sz="1100" dirty="0"/>
+              <a:t>40</a:t>
+            </a:r>
+            <a:r>
+              <a:rPr lang="ko-KR" altLang="en-US" sz="1100" dirty="0"/>
+              <a:t>픽셀을 주고 </a:t>
+            </a:r>
+            <a:r>
+              <a:rPr lang="ko-KR" altLang="en-US" sz="1100" dirty="0" err="1"/>
+              <a:t>문자정렬은</a:t>
+            </a:r>
+            <a:r>
+              <a:rPr lang="ko-KR" altLang="en-US" sz="1100" dirty="0"/>
+              <a:t> 가운데정렬로 지정합니다</a:t>
+            </a:r>
+            <a:r>
+              <a:rPr lang="en-US" altLang="ko-KR" sz="1100" dirty="0"/>
+              <a:t>.</a:t>
+            </a:r>
+          </a:p>
+          <a:p>
+            <a:pPr algn="ctr"/>
+            <a:r>
+              <a:rPr lang="en-US" altLang="ko-KR" sz="1100" dirty="0"/>
+              <a:t>letter-spacing</a:t>
+            </a:r>
+            <a:r>
+              <a:rPr lang="ko-KR" altLang="en-US" sz="1100" dirty="0"/>
+              <a:t>은 </a:t>
+            </a:r>
+            <a:r>
+              <a:rPr lang="ko-KR" altLang="en-US" sz="1100" dirty="0" err="1"/>
+              <a:t>글자사이의</a:t>
+            </a:r>
+            <a:r>
+              <a:rPr lang="ko-KR" altLang="en-US" sz="1100" dirty="0"/>
+              <a:t> 간격을 말하며 </a:t>
+            </a:r>
+            <a:r>
+              <a:rPr lang="en-US" altLang="ko-KR" sz="1100" dirty="0"/>
+              <a:t>-2</a:t>
+            </a:r>
+            <a:r>
+              <a:rPr lang="ko-KR" altLang="en-US" sz="1100" dirty="0"/>
+              <a:t>픽셀만큼 지정합니다</a:t>
+            </a:r>
+            <a:r>
+              <a:rPr lang="en-US" altLang="ko-KR" sz="1100" dirty="0"/>
+              <a:t>.</a:t>
+            </a:r>
+          </a:p>
+        </p:txBody>
+      </p:sp>
+      <p:cxnSp>
+        <p:nvCxnSpPr>
+          <p:cNvPr id="30" name="직선 화살표 연결선 29">
+            <a:extLst>
+              <a:ext uri="{FF2B5EF4-FFF2-40B4-BE49-F238E27FC236}">
+                <a16:creationId xmlns:a16="http://schemas.microsoft.com/office/drawing/2014/main" id="{5D2F2449-08EB-7143-A28F-CAE72C7BCC0E}"/>
+              </a:ext>
+            </a:extLst>
+          </p:cNvPr>
+          <p:cNvCxnSpPr>
+            <a:cxnSpLocks/>
+          </p:cNvCxnSpPr>
+          <p:nvPr/>
+        </p:nvCxnSpPr>
+        <p:spPr>
+          <a:xfrm flipV="1">
+            <a:off x="3639989" y="3060127"/>
+            <a:ext cx="632606" cy="1"/>
+          </a:xfrm>
+          <a:prstGeom prst="straightConnector1">
+            <a:avLst/>
+          </a:prstGeom>
+          <a:ln w="12700">
+            <a:solidFill>
+              <a:srgbClr val="FF7876"/>
+            </a:solidFill>
+            <a:tailEnd type="triangle"/>
+          </a:ln>
+        </p:spPr>
+        <p:style>
+          <a:lnRef idx="1">
+            <a:schemeClr val="accent1"/>
+          </a:lnRef>
+          <a:fillRef idx="0">
+            <a:schemeClr val="accent1"/>
+          </a:fillRef>
+          <a:effectRef idx="0">
+            <a:schemeClr val="accent1"/>
+          </a:effectRef>
+          <a:fontRef idx="minor">
+            <a:schemeClr val="tx1"/>
+          </a:fontRef>
+        </p:style>
+      </p:cxnSp>
+      <p:sp>
+        <p:nvSpPr>
+          <p:cNvPr id="31" name="TextBox 30">
+            <a:extLst>
+              <a:ext uri="{FF2B5EF4-FFF2-40B4-BE49-F238E27FC236}">
+                <a16:creationId xmlns:a16="http://schemas.microsoft.com/office/drawing/2014/main" id="{0CA2DA1A-9225-E242-A5E6-5F0DA1667F77}"/>
+              </a:ext>
+            </a:extLst>
+          </p:cNvPr>
+          <p:cNvSpPr txBox="1"/>
+          <p:nvPr/>
+        </p:nvSpPr>
+        <p:spPr>
+          <a:xfrm>
+            <a:off x="4272595" y="2573249"/>
+            <a:ext cx="4810534" cy="1107996"/>
+          </a:xfrm>
+          <a:prstGeom prst="rect">
+            <a:avLst/>
+          </a:prstGeom>
+          <a:noFill/>
+          <a:ln w="12700">
+            <a:solidFill>
+              <a:srgbClr val="FF7876"/>
+            </a:solidFill>
+          </a:ln>
+        </p:spPr>
+        <p:txBody>
+          <a:bodyPr wrap="square" rtlCol="0">
+            <a:spAutoFit/>
+          </a:bodyPr>
+          <a:lstStyle/>
+          <a:p>
+            <a:pPr algn="ctr"/>
+            <a:r>
+              <a:rPr lang="en-US" altLang="ko-KR" sz="1100" dirty="0"/>
+              <a:t>form</a:t>
+            </a:r>
+            <a:r>
+              <a:rPr lang="ko-KR" altLang="en-US" sz="1100" dirty="0"/>
+              <a:t>태그에 대한 설정입니다</a:t>
+            </a:r>
+            <a:r>
+              <a:rPr lang="en-US" altLang="ko-KR" sz="1100" dirty="0"/>
+              <a:t>.</a:t>
+            </a:r>
+          </a:p>
+          <a:p>
+            <a:pPr algn="ctr"/>
+            <a:r>
+              <a:rPr lang="en-US" altLang="ko-KR" sz="1100" dirty="0"/>
+              <a:t>margin:</a:t>
+            </a:r>
+            <a:r>
+              <a:rPr lang="ko-KR" altLang="en-US" sz="1100" dirty="0"/>
+              <a:t> </a:t>
+            </a:r>
+            <a:r>
+              <a:rPr lang="en-US" altLang="ko-KR" sz="1100" dirty="0"/>
+              <a:t>0</a:t>
+            </a:r>
+            <a:r>
+              <a:rPr lang="ko-KR" altLang="en-US" sz="1100" dirty="0"/>
+              <a:t> </a:t>
+            </a:r>
+            <a:r>
+              <a:rPr lang="en-US" altLang="ko-KR" sz="1100" dirty="0"/>
+              <a:t>auto</a:t>
+            </a:r>
+            <a:r>
+              <a:rPr lang="ko-KR" altLang="en-US" sz="1100" dirty="0"/>
+              <a:t>로 위아래 여백 없이 </a:t>
+            </a:r>
+            <a:r>
+              <a:rPr lang="ko-KR" altLang="en-US" sz="1100" dirty="0" err="1"/>
+              <a:t>가로기준</a:t>
+            </a:r>
+            <a:r>
+              <a:rPr lang="ko-KR" altLang="en-US" sz="1100" dirty="0"/>
+              <a:t> 중앙에 배치하도록 합니다</a:t>
+            </a:r>
+            <a:r>
+              <a:rPr lang="en-US" altLang="ko-KR" sz="1100" dirty="0"/>
+              <a:t>.</a:t>
+            </a:r>
+          </a:p>
+          <a:p>
+            <a:pPr algn="ctr"/>
+            <a:r>
+              <a:rPr lang="ko-KR" altLang="en-US" sz="1100" dirty="0"/>
+              <a:t>세로는 </a:t>
+            </a:r>
+            <a:r>
+              <a:rPr lang="en-US" altLang="ko-KR" sz="1100" dirty="0"/>
+              <a:t>350</a:t>
+            </a:r>
+            <a:r>
+              <a:rPr lang="ko-KR" altLang="en-US" sz="1100" dirty="0" err="1"/>
+              <a:t>픽셀값으로</a:t>
+            </a:r>
+            <a:r>
+              <a:rPr lang="ko-KR" altLang="en-US" sz="1100" dirty="0"/>
+              <a:t> 설정하고 패딩은 </a:t>
+            </a:r>
+            <a:r>
+              <a:rPr lang="en-US" altLang="ko-KR" sz="1100" dirty="0"/>
+              <a:t>1em</a:t>
+            </a:r>
+            <a:r>
+              <a:rPr lang="ko-KR" altLang="en-US" sz="1100" dirty="0" err="1"/>
+              <a:t>으로</a:t>
+            </a:r>
+            <a:r>
+              <a:rPr lang="ko-KR" altLang="en-US" sz="1100" dirty="0"/>
+              <a:t> 설정합니다</a:t>
+            </a:r>
+            <a:r>
+              <a:rPr lang="en-US" altLang="ko-KR" sz="1100" dirty="0"/>
+              <a:t>.</a:t>
+            </a:r>
+          </a:p>
+          <a:p>
+            <a:pPr algn="ctr"/>
+            <a:r>
+              <a:rPr lang="en-US" altLang="ko-KR" sz="1100" dirty="0"/>
+              <a:t>border 1px </a:t>
+            </a:r>
+            <a:r>
+              <a:rPr lang="ko-KR" altLang="en-US" sz="1100" dirty="0"/>
+              <a:t>로 주변 </a:t>
+            </a:r>
+            <a:r>
+              <a:rPr lang="en-US" altLang="ko-KR" sz="1100" dirty="0"/>
+              <a:t>1px</a:t>
+            </a:r>
+            <a:r>
+              <a:rPr lang="ko-KR" altLang="en-US" sz="1100" dirty="0"/>
+              <a:t>만큼의 테두리를 만들고 </a:t>
+            </a:r>
+            <a:r>
+              <a:rPr lang="en-US" altLang="ko-KR" sz="1100" dirty="0"/>
+              <a:t>solid</a:t>
+            </a:r>
+            <a:r>
+              <a:rPr lang="ko-KR" altLang="en-US" sz="1100" dirty="0"/>
+              <a:t>옵션으로</a:t>
+            </a:r>
+            <a:endParaRPr lang="en-US" altLang="ko-KR" sz="1100" dirty="0"/>
+          </a:p>
+          <a:p>
+            <a:pPr algn="ctr"/>
+            <a:r>
+              <a:rPr lang="ko-KR" altLang="en-US" sz="1100" dirty="0"/>
+              <a:t>평면 일직선 테두리모양으로 생성하게 합니다</a:t>
+            </a:r>
+            <a:r>
+              <a:rPr lang="en-US" altLang="ko-KR" sz="1100" dirty="0"/>
+              <a:t>.</a:t>
+            </a:r>
+          </a:p>
+          <a:p>
+            <a:pPr algn="ctr"/>
+            <a:r>
+              <a:rPr lang="en-US" altLang="ko-KR" sz="1100" dirty="0"/>
+              <a:t>border-radius</a:t>
+            </a:r>
+            <a:r>
+              <a:rPr lang="ko-KR" altLang="en-US" sz="1100" dirty="0"/>
+              <a:t>로 테두리 주변을 둥글게 처리해줍니다</a:t>
+            </a:r>
+            <a:r>
+              <a:rPr lang="en-US" altLang="ko-KR" sz="1100" dirty="0"/>
+              <a:t>.</a:t>
+            </a:r>
+          </a:p>
+        </p:txBody>
+      </p:sp>
+      <p:sp>
+        <p:nvSpPr>
+          <p:cNvPr id="15" name="TextBox 14">
+            <a:extLst>
+              <a:ext uri="{FF2B5EF4-FFF2-40B4-BE49-F238E27FC236}">
+                <a16:creationId xmlns:a16="http://schemas.microsoft.com/office/drawing/2014/main" id="{DF4726A9-0C0C-A14C-AA80-217B7732A160}"/>
+              </a:ext>
+            </a:extLst>
+          </p:cNvPr>
+          <p:cNvSpPr txBox="1"/>
+          <p:nvPr/>
+        </p:nvSpPr>
+        <p:spPr>
+          <a:xfrm>
+            <a:off x="974983" y="1363231"/>
+            <a:ext cx="2488408" cy="1169576"/>
+          </a:xfrm>
+          <a:prstGeom prst="rect">
+            <a:avLst/>
+          </a:prstGeom>
+          <a:noFill/>
+          <a:ln w="12700">
+            <a:solidFill>
+              <a:srgbClr val="FF7876"/>
+            </a:solidFill>
+          </a:ln>
+        </p:spPr>
+        <p:txBody>
+          <a:bodyPr wrap="square" rtlCol="0">
+            <a:spAutoFit/>
+          </a:bodyPr>
+          <a:lstStyle/>
+          <a:p>
+            <a:pPr algn="ctr"/>
+            <a:endParaRPr lang="en-US" altLang="ko-Kore-KR" sz="1100" dirty="0"/>
+          </a:p>
+        </p:txBody>
+      </p:sp>
+      <p:sp>
+        <p:nvSpPr>
+          <p:cNvPr id="16" name="TextBox 15">
+            <a:extLst>
+              <a:ext uri="{FF2B5EF4-FFF2-40B4-BE49-F238E27FC236}">
+                <a16:creationId xmlns:a16="http://schemas.microsoft.com/office/drawing/2014/main" id="{4250FC58-FD17-1149-9CD0-55786FF6E6A2}"/>
+              </a:ext>
+            </a:extLst>
+          </p:cNvPr>
+          <p:cNvSpPr txBox="1"/>
+          <p:nvPr/>
+        </p:nvSpPr>
+        <p:spPr>
+          <a:xfrm>
+            <a:off x="974982" y="2573249"/>
+            <a:ext cx="2665007" cy="1351387"/>
+          </a:xfrm>
+          <a:prstGeom prst="rect">
+            <a:avLst/>
+          </a:prstGeom>
+          <a:noFill/>
+          <a:ln w="12700">
+            <a:solidFill>
+              <a:srgbClr val="FF7876"/>
+            </a:solidFill>
+          </a:ln>
+        </p:spPr>
+        <p:txBody>
+          <a:bodyPr wrap="square" rtlCol="0">
+            <a:spAutoFit/>
+          </a:bodyPr>
+          <a:lstStyle/>
+          <a:p>
+            <a:pPr algn="ctr"/>
+            <a:endParaRPr lang="en-US" altLang="ko-Kore-KR" sz="1100" dirty="0"/>
+          </a:p>
+        </p:txBody>
+      </p:sp>
+      <p:sp>
+        <p:nvSpPr>
+          <p:cNvPr id="17" name="TextBox 16">
+            <a:extLst>
+              <a:ext uri="{FF2B5EF4-FFF2-40B4-BE49-F238E27FC236}">
+                <a16:creationId xmlns:a16="http://schemas.microsoft.com/office/drawing/2014/main" id="{371D10E9-2BC1-6B4B-A273-F5A3038E4E37}"/>
+              </a:ext>
+            </a:extLst>
+          </p:cNvPr>
+          <p:cNvSpPr txBox="1"/>
+          <p:nvPr/>
+        </p:nvSpPr>
+        <p:spPr>
+          <a:xfrm>
+            <a:off x="974982" y="3948895"/>
+            <a:ext cx="1978612" cy="566462"/>
+          </a:xfrm>
+          <a:prstGeom prst="rect">
+            <a:avLst/>
+          </a:prstGeom>
+          <a:noFill/>
+          <a:ln w="12700">
+            <a:solidFill>
+              <a:srgbClr val="FF7876"/>
+            </a:solidFill>
+          </a:ln>
+        </p:spPr>
+        <p:txBody>
+          <a:bodyPr wrap="square" rtlCol="0">
+            <a:spAutoFit/>
+          </a:bodyPr>
+          <a:lstStyle/>
+          <a:p>
+            <a:pPr algn="ctr"/>
+            <a:endParaRPr lang="en-US" altLang="ko-Kore-KR" sz="1100" dirty="0"/>
+          </a:p>
+        </p:txBody>
+      </p:sp>
+      <p:sp>
+        <p:nvSpPr>
+          <p:cNvPr id="18" name="TextBox 17">
+            <a:extLst>
+              <a:ext uri="{FF2B5EF4-FFF2-40B4-BE49-F238E27FC236}">
+                <a16:creationId xmlns:a16="http://schemas.microsoft.com/office/drawing/2014/main" id="{E139919F-9E00-FB4D-A24B-4C11EEBA7598}"/>
+              </a:ext>
+            </a:extLst>
+          </p:cNvPr>
+          <p:cNvSpPr txBox="1"/>
+          <p:nvPr/>
+        </p:nvSpPr>
+        <p:spPr>
+          <a:xfrm>
+            <a:off x="974981" y="4539615"/>
+            <a:ext cx="2553145" cy="955153"/>
+          </a:xfrm>
+          <a:prstGeom prst="rect">
+            <a:avLst/>
+          </a:prstGeom>
+          <a:noFill/>
+          <a:ln w="12700">
+            <a:solidFill>
+              <a:srgbClr val="FF7876"/>
+            </a:solidFill>
+          </a:ln>
+        </p:spPr>
+        <p:txBody>
+          <a:bodyPr wrap="square" rtlCol="0">
+            <a:spAutoFit/>
+          </a:bodyPr>
+          <a:lstStyle/>
+          <a:p>
+            <a:pPr algn="ctr"/>
+            <a:endParaRPr lang="en-US" altLang="ko-Kore-KR" sz="1100" dirty="0"/>
+          </a:p>
+        </p:txBody>
+      </p:sp>
+      <p:sp>
+        <p:nvSpPr>
+          <p:cNvPr id="19" name="TextBox 18">
+            <a:extLst>
+              <a:ext uri="{FF2B5EF4-FFF2-40B4-BE49-F238E27FC236}">
+                <a16:creationId xmlns:a16="http://schemas.microsoft.com/office/drawing/2014/main" id="{43E5A5B2-BCE0-8046-BB07-F70680902C30}"/>
+              </a:ext>
+            </a:extLst>
+          </p:cNvPr>
+          <p:cNvSpPr txBox="1"/>
+          <p:nvPr/>
+        </p:nvSpPr>
+        <p:spPr>
+          <a:xfrm>
+            <a:off x="974981" y="5532711"/>
+            <a:ext cx="2269925" cy="955153"/>
+          </a:xfrm>
+          <a:prstGeom prst="rect">
+            <a:avLst/>
+          </a:prstGeom>
+          <a:noFill/>
+          <a:ln w="12700">
+            <a:solidFill>
+              <a:srgbClr val="FF7876"/>
+            </a:solidFill>
+          </a:ln>
+        </p:spPr>
+        <p:txBody>
+          <a:bodyPr wrap="square" rtlCol="0">
+            <a:spAutoFit/>
+          </a:bodyPr>
+          <a:lstStyle/>
+          <a:p>
+            <a:pPr algn="ctr"/>
+            <a:endParaRPr lang="en-US" altLang="ko-Kore-KR" sz="1100" dirty="0"/>
+          </a:p>
+        </p:txBody>
+      </p:sp>
+      <p:cxnSp>
+        <p:nvCxnSpPr>
+          <p:cNvPr id="22" name="직선 화살표 연결선 21">
+            <a:extLst>
+              <a:ext uri="{FF2B5EF4-FFF2-40B4-BE49-F238E27FC236}">
+                <a16:creationId xmlns:a16="http://schemas.microsoft.com/office/drawing/2014/main" id="{DF14371B-80B0-1146-B84D-D983EE687697}"/>
+              </a:ext>
+            </a:extLst>
+          </p:cNvPr>
+          <p:cNvCxnSpPr>
+            <a:cxnSpLocks/>
+          </p:cNvCxnSpPr>
+          <p:nvPr/>
+        </p:nvCxnSpPr>
+        <p:spPr>
+          <a:xfrm flipV="1">
+            <a:off x="2953594" y="4162596"/>
+            <a:ext cx="1319001" cy="1397"/>
+          </a:xfrm>
+          <a:prstGeom prst="straightConnector1">
+            <a:avLst/>
+          </a:prstGeom>
+          <a:ln w="12700">
+            <a:solidFill>
+              <a:srgbClr val="FF7876"/>
+            </a:solidFill>
+            <a:tailEnd type="triangle"/>
+          </a:ln>
+        </p:spPr>
+        <p:style>
+          <a:lnRef idx="1">
+            <a:schemeClr val="accent1"/>
+          </a:lnRef>
+          <a:fillRef idx="0">
+            <a:schemeClr val="accent1"/>
+          </a:fillRef>
+          <a:effectRef idx="0">
+            <a:schemeClr val="accent1"/>
+          </a:effectRef>
+          <a:fontRef idx="minor">
+            <a:schemeClr val="tx1"/>
+          </a:fontRef>
+        </p:style>
+      </p:cxnSp>
+      <p:sp>
+        <p:nvSpPr>
+          <p:cNvPr id="25" name="TextBox 24">
+            <a:extLst>
+              <a:ext uri="{FF2B5EF4-FFF2-40B4-BE49-F238E27FC236}">
+                <a16:creationId xmlns:a16="http://schemas.microsoft.com/office/drawing/2014/main" id="{D3129F8E-B681-3A47-A945-BACE4D58A30E}"/>
+              </a:ext>
+            </a:extLst>
+          </p:cNvPr>
+          <p:cNvSpPr txBox="1"/>
+          <p:nvPr/>
+        </p:nvSpPr>
+        <p:spPr>
+          <a:xfrm>
+            <a:off x="4272595" y="3862514"/>
+            <a:ext cx="4810534" cy="600164"/>
+          </a:xfrm>
+          <a:prstGeom prst="rect">
+            <a:avLst/>
+          </a:prstGeom>
+          <a:noFill/>
+          <a:ln w="12700">
+            <a:solidFill>
+              <a:srgbClr val="FF7876"/>
+            </a:solidFill>
+          </a:ln>
+        </p:spPr>
+        <p:txBody>
+          <a:bodyPr wrap="square" rtlCol="0">
+            <a:spAutoFit/>
+          </a:bodyPr>
+          <a:lstStyle/>
+          <a:p>
+            <a:pPr algn="ctr"/>
+            <a:r>
+              <a:rPr lang="en-US" altLang="ko-KR" sz="1100" dirty="0"/>
+              <a:t>form</a:t>
+            </a:r>
+            <a:r>
+              <a:rPr lang="ko-KR" altLang="en-US" sz="1100" dirty="0"/>
+              <a:t> 태그의 </a:t>
+            </a:r>
+            <a:r>
+              <a:rPr lang="en-US" altLang="ko-KR" sz="1100" dirty="0"/>
+              <a:t>div</a:t>
+            </a:r>
+            <a:r>
+              <a:rPr lang="ko-KR" altLang="en-US" sz="1100" dirty="0"/>
+              <a:t>와 바로 뒤에 오는 </a:t>
+            </a:r>
+            <a:r>
+              <a:rPr lang="en-US" altLang="ko-KR" sz="1100" dirty="0"/>
+              <a:t>div</a:t>
+            </a:r>
+            <a:r>
+              <a:rPr lang="ko-KR" altLang="en-US" sz="1100" dirty="0"/>
+              <a:t>에 대한 설정입니다</a:t>
+            </a:r>
+            <a:r>
+              <a:rPr lang="en-US" altLang="ko-KR" sz="1100" dirty="0"/>
+              <a:t>.</a:t>
+            </a:r>
+          </a:p>
+          <a:p>
+            <a:pPr algn="ctr"/>
+            <a:r>
+              <a:rPr lang="ko-KR" altLang="en-US" sz="1100" dirty="0"/>
+              <a:t>해당 </a:t>
+            </a:r>
+            <a:r>
+              <a:rPr lang="en-US" altLang="ko-KR" sz="1100" dirty="0"/>
+              <a:t>div</a:t>
+            </a:r>
+            <a:r>
+              <a:rPr lang="ko-KR" altLang="en-US" sz="1100" dirty="0"/>
+              <a:t>의 상단 </a:t>
+            </a:r>
+            <a:r>
+              <a:rPr lang="ko-KR" altLang="en-US" sz="1100" dirty="0" err="1"/>
+              <a:t>마진값을</a:t>
+            </a:r>
+            <a:r>
+              <a:rPr lang="ko-KR" altLang="en-US" sz="1100" dirty="0"/>
+              <a:t> </a:t>
+            </a:r>
+            <a:r>
+              <a:rPr lang="en-US" altLang="ko-KR" sz="1100" dirty="0"/>
+              <a:t>1em</a:t>
+            </a:r>
+            <a:r>
+              <a:rPr lang="ko-KR" altLang="en-US" sz="1100" dirty="0"/>
+              <a:t>만큼 줘서</a:t>
+            </a:r>
+            <a:endParaRPr lang="en-US" altLang="ko-KR" sz="1100" dirty="0"/>
+          </a:p>
+          <a:p>
+            <a:pPr algn="ctr"/>
+            <a:r>
+              <a:rPr lang="en-US" altLang="ko-KR" sz="1100" dirty="0"/>
+              <a:t>div</a:t>
+            </a:r>
+            <a:r>
+              <a:rPr lang="ko-KR" altLang="en-US" sz="1100" dirty="0" err="1"/>
+              <a:t>태그끼리</a:t>
+            </a:r>
+            <a:r>
+              <a:rPr lang="ko-KR" altLang="en-US" sz="1100" dirty="0"/>
+              <a:t> </a:t>
+            </a:r>
+            <a:r>
+              <a:rPr lang="en-US" altLang="ko-KR" sz="1100" dirty="0"/>
+              <a:t>1em</a:t>
+            </a:r>
+            <a:r>
+              <a:rPr lang="ko-KR" altLang="en-US" sz="1100" dirty="0"/>
+              <a:t>만큼 간격을 두게 합니다</a:t>
+            </a:r>
+            <a:r>
+              <a:rPr lang="en-US" altLang="ko-KR" sz="1100" dirty="0"/>
+              <a:t>.</a:t>
+            </a:r>
+          </a:p>
+        </p:txBody>
+      </p:sp>
+      <p:cxnSp>
+        <p:nvCxnSpPr>
+          <p:cNvPr id="26" name="직선 화살표 연결선 25">
+            <a:extLst>
+              <a:ext uri="{FF2B5EF4-FFF2-40B4-BE49-F238E27FC236}">
+                <a16:creationId xmlns:a16="http://schemas.microsoft.com/office/drawing/2014/main" id="{A705880A-4A85-4D42-903A-492E539976D7}"/>
+              </a:ext>
+            </a:extLst>
+          </p:cNvPr>
+          <p:cNvCxnSpPr>
+            <a:cxnSpLocks/>
+          </p:cNvCxnSpPr>
+          <p:nvPr/>
+        </p:nvCxnSpPr>
+        <p:spPr>
+          <a:xfrm flipV="1">
+            <a:off x="3551689" y="5065539"/>
+            <a:ext cx="1319001" cy="1397"/>
+          </a:xfrm>
+          <a:prstGeom prst="straightConnector1">
+            <a:avLst/>
+          </a:prstGeom>
+          <a:ln w="12700">
+            <a:solidFill>
+              <a:srgbClr val="FF7876"/>
+            </a:solidFill>
+            <a:tailEnd type="triangle"/>
+          </a:ln>
+        </p:spPr>
+        <p:style>
+          <a:lnRef idx="1">
+            <a:schemeClr val="accent1"/>
+          </a:lnRef>
+          <a:fillRef idx="0">
+            <a:schemeClr val="accent1"/>
+          </a:fillRef>
+          <a:effectRef idx="0">
+            <a:schemeClr val="accent1"/>
+          </a:effectRef>
+          <a:fontRef idx="minor">
+            <a:schemeClr val="tx1"/>
+          </a:fontRef>
+        </p:style>
+      </p:cxnSp>
+      <p:sp>
+        <p:nvSpPr>
+          <p:cNvPr id="27" name="TextBox 26">
+            <a:extLst>
+              <a:ext uri="{FF2B5EF4-FFF2-40B4-BE49-F238E27FC236}">
+                <a16:creationId xmlns:a16="http://schemas.microsoft.com/office/drawing/2014/main" id="{34D2A377-79AE-2D4A-8B20-17622489ED33}"/>
+              </a:ext>
+            </a:extLst>
+          </p:cNvPr>
+          <p:cNvSpPr txBox="1"/>
+          <p:nvPr/>
+        </p:nvSpPr>
+        <p:spPr>
+          <a:xfrm>
+            <a:off x="4894253" y="4539615"/>
+            <a:ext cx="6782554" cy="938719"/>
+          </a:xfrm>
+          <a:prstGeom prst="rect">
+            <a:avLst/>
+          </a:prstGeom>
+          <a:noFill/>
+          <a:ln w="12700">
+            <a:solidFill>
+              <a:srgbClr val="FF7876"/>
+            </a:solidFill>
+          </a:ln>
+        </p:spPr>
+        <p:txBody>
+          <a:bodyPr wrap="square" rtlCol="0">
+            <a:spAutoFit/>
+          </a:bodyPr>
+          <a:lstStyle/>
+          <a:p>
+            <a:pPr algn="ctr"/>
+            <a:r>
+              <a:rPr lang="en-US" altLang="ko-KR" sz="1100" dirty="0"/>
+              <a:t>label</a:t>
+            </a:r>
+            <a:r>
+              <a:rPr lang="ko-KR" altLang="en-US" sz="1100" dirty="0"/>
+              <a:t>태그에 대한 설정입니다</a:t>
+            </a:r>
+            <a:r>
+              <a:rPr lang="en-US" altLang="ko-KR" sz="1100" dirty="0"/>
+              <a:t>.</a:t>
+            </a:r>
+          </a:p>
+          <a:p>
+            <a:pPr algn="ctr"/>
+            <a:r>
+              <a:rPr lang="en-US" altLang="ko-KR" sz="1100" dirty="0"/>
+              <a:t>display(</a:t>
+            </a:r>
+            <a:r>
+              <a:rPr lang="ko-KR" altLang="en-US" sz="1100" dirty="0"/>
+              <a:t>표시형식</a:t>
+            </a:r>
+            <a:r>
+              <a:rPr lang="en-US" altLang="ko-KR" sz="1100" dirty="0"/>
+              <a:t>)</a:t>
+            </a:r>
+            <a:r>
+              <a:rPr lang="ko-KR" altLang="en-US" sz="1100" dirty="0" err="1"/>
+              <a:t>를</a:t>
+            </a:r>
+            <a:r>
+              <a:rPr lang="ko-KR" altLang="en-US" sz="1100" dirty="0"/>
+              <a:t> </a:t>
+            </a:r>
+            <a:r>
+              <a:rPr lang="en-US" altLang="ko-KR" sz="1100" dirty="0"/>
+              <a:t>inline-block</a:t>
+            </a:r>
+            <a:r>
+              <a:rPr lang="ko-KR" altLang="en-US" sz="1100" dirty="0" err="1"/>
+              <a:t>으로</a:t>
+            </a:r>
+            <a:r>
+              <a:rPr lang="ko-KR" altLang="en-US" sz="1100" dirty="0"/>
+              <a:t> </a:t>
+            </a:r>
+            <a:r>
+              <a:rPr lang="ko-KR" altLang="en-US" sz="1100" dirty="0" err="1"/>
+              <a:t>설정하게합니다</a:t>
+            </a:r>
+            <a:r>
+              <a:rPr lang="en-US" altLang="ko-KR" sz="1100" dirty="0"/>
+              <a:t>.</a:t>
+            </a:r>
+          </a:p>
+          <a:p>
+            <a:pPr algn="ctr"/>
+            <a:r>
+              <a:rPr lang="en-US" altLang="ko-KR" sz="1100" dirty="0"/>
+              <a:t>inline-block</a:t>
+            </a:r>
+            <a:r>
+              <a:rPr lang="ko-KR" altLang="en-US" sz="1100" dirty="0"/>
+              <a:t>은 </a:t>
+            </a:r>
+            <a:r>
+              <a:rPr lang="en-US" altLang="ko-KR" sz="1100" dirty="0"/>
+              <a:t>block</a:t>
+            </a:r>
+            <a:r>
+              <a:rPr lang="ko-KR" altLang="en-US" sz="1100" dirty="0"/>
+              <a:t>과 </a:t>
+            </a:r>
+            <a:r>
+              <a:rPr lang="en-US" altLang="ko-KR" sz="1100" dirty="0"/>
+              <a:t>inline</a:t>
+            </a:r>
+            <a:r>
+              <a:rPr lang="ko-KR" altLang="en-US" sz="1100" dirty="0"/>
+              <a:t>의 </a:t>
+            </a:r>
+            <a:r>
+              <a:rPr lang="ko-KR" altLang="en-US" sz="1100" dirty="0" err="1"/>
+              <a:t>중간상태로</a:t>
+            </a:r>
+            <a:r>
+              <a:rPr lang="ko-KR" altLang="en-US" sz="1100" dirty="0"/>
+              <a:t> </a:t>
+            </a:r>
+            <a:r>
+              <a:rPr lang="ko-KR" altLang="en-US" sz="1100" dirty="0" err="1"/>
+              <a:t>줄바꿈이</a:t>
+            </a:r>
+            <a:r>
+              <a:rPr lang="ko-KR" altLang="en-US" sz="1100" dirty="0"/>
+              <a:t> 되진 않지만</a:t>
+            </a:r>
+            <a:endParaRPr lang="en-US" altLang="ko-KR" sz="1100" dirty="0"/>
+          </a:p>
+          <a:p>
+            <a:pPr algn="ctr"/>
+            <a:r>
+              <a:rPr lang="ko-KR" altLang="en-US" sz="1100" dirty="0"/>
+              <a:t>크기를 지정할 수 </a:t>
+            </a:r>
+            <a:r>
+              <a:rPr lang="ko-KR" altLang="en-US" sz="1100" dirty="0" err="1"/>
+              <a:t>있게합니다</a:t>
+            </a:r>
+            <a:r>
+              <a:rPr lang="en-US" altLang="ko-KR" sz="1100" dirty="0"/>
+              <a:t>.</a:t>
+            </a:r>
+          </a:p>
+          <a:p>
+            <a:pPr algn="ctr"/>
+            <a:r>
+              <a:rPr lang="en-US" altLang="ko-KR" sz="1100" dirty="0"/>
+              <a:t>width</a:t>
+            </a:r>
+            <a:r>
+              <a:rPr lang="ko-KR" altLang="en-US" sz="1100" dirty="0"/>
+              <a:t>로 </a:t>
+            </a:r>
+            <a:r>
+              <a:rPr lang="ko-KR" altLang="en-US" sz="1100" dirty="0" err="1"/>
+              <a:t>가로길이를</a:t>
+            </a:r>
+            <a:r>
+              <a:rPr lang="ko-KR" altLang="en-US" sz="1100" dirty="0"/>
+              <a:t> </a:t>
+            </a:r>
+            <a:r>
+              <a:rPr lang="en-US" altLang="ko-KR" sz="1100" dirty="0"/>
+              <a:t>70px</a:t>
+            </a:r>
+            <a:r>
+              <a:rPr lang="ko-KR" altLang="en-US" sz="1100" dirty="0"/>
+              <a:t>로 설정하고 </a:t>
+            </a:r>
+            <a:r>
+              <a:rPr lang="en-US" altLang="ko-KR" sz="1100" dirty="0"/>
+              <a:t>text-align(</a:t>
+            </a:r>
+            <a:r>
+              <a:rPr lang="ko-KR" altLang="en-US" sz="1100" dirty="0" err="1"/>
+              <a:t>텍스트정렬</a:t>
+            </a:r>
+            <a:r>
+              <a:rPr lang="en-US" altLang="ko-KR" sz="1100" dirty="0"/>
+              <a:t>)</a:t>
+            </a:r>
+            <a:r>
+              <a:rPr lang="ko-KR" altLang="en-US" sz="1100" dirty="0"/>
+              <a:t>로 </a:t>
+            </a:r>
+            <a:r>
+              <a:rPr lang="en-US" altLang="ko-KR" sz="1100" dirty="0"/>
+              <a:t>right</a:t>
+            </a:r>
+            <a:r>
+              <a:rPr lang="ko-KR" altLang="en-US" sz="1100" dirty="0" err="1"/>
+              <a:t>를</a:t>
+            </a:r>
+            <a:r>
+              <a:rPr lang="ko-KR" altLang="en-US" sz="1100" dirty="0"/>
+              <a:t> 주어 오른쪽 정렬로 설정합니다</a:t>
+            </a:r>
+            <a:r>
+              <a:rPr lang="en-US" altLang="ko-KR" sz="1100" dirty="0"/>
+              <a:t>.</a:t>
+            </a:r>
+          </a:p>
+        </p:txBody>
+      </p:sp>
+      <p:cxnSp>
+        <p:nvCxnSpPr>
+          <p:cNvPr id="32" name="직선 화살표 연결선 31">
+            <a:extLst>
+              <a:ext uri="{FF2B5EF4-FFF2-40B4-BE49-F238E27FC236}">
+                <a16:creationId xmlns:a16="http://schemas.microsoft.com/office/drawing/2014/main" id="{A63C56A5-78A3-1040-85C2-A787755EB60B}"/>
+              </a:ext>
+            </a:extLst>
+          </p:cNvPr>
+          <p:cNvCxnSpPr>
+            <a:cxnSpLocks/>
+          </p:cNvCxnSpPr>
+          <p:nvPr/>
+        </p:nvCxnSpPr>
+        <p:spPr>
+          <a:xfrm flipV="1">
+            <a:off x="3242130" y="5942782"/>
+            <a:ext cx="1319001" cy="1397"/>
+          </a:xfrm>
+          <a:prstGeom prst="straightConnector1">
+            <a:avLst/>
+          </a:prstGeom>
+          <a:ln w="12700">
+            <a:solidFill>
+              <a:srgbClr val="FF7876"/>
+            </a:solidFill>
+            <a:tailEnd type="triangle"/>
+          </a:ln>
+        </p:spPr>
+        <p:style>
+          <a:lnRef idx="1">
+            <a:schemeClr val="accent1"/>
+          </a:lnRef>
+          <a:fillRef idx="0">
+            <a:schemeClr val="accent1"/>
+          </a:fillRef>
+          <a:effectRef idx="0">
+            <a:schemeClr val="accent1"/>
+          </a:effectRef>
+          <a:fontRef idx="minor">
+            <a:schemeClr val="tx1"/>
+          </a:fontRef>
+        </p:style>
+      </p:cxnSp>
+      <p:sp>
+        <p:nvSpPr>
+          <p:cNvPr id="33" name="TextBox 32">
+            <a:extLst>
+              <a:ext uri="{FF2B5EF4-FFF2-40B4-BE49-F238E27FC236}">
+                <a16:creationId xmlns:a16="http://schemas.microsoft.com/office/drawing/2014/main" id="{4280F6A8-01FE-9C42-A64A-10AA4760613D}"/>
+              </a:ext>
+            </a:extLst>
+          </p:cNvPr>
+          <p:cNvSpPr txBox="1"/>
+          <p:nvPr/>
+        </p:nvSpPr>
+        <p:spPr>
+          <a:xfrm>
+            <a:off x="4577311" y="5669797"/>
+            <a:ext cx="4810534" cy="600164"/>
+          </a:xfrm>
+          <a:prstGeom prst="rect">
+            <a:avLst/>
+          </a:prstGeom>
+          <a:noFill/>
+          <a:ln w="12700">
+            <a:solidFill>
+              <a:srgbClr val="FF7876"/>
+            </a:solidFill>
+          </a:ln>
+        </p:spPr>
+        <p:txBody>
+          <a:bodyPr wrap="square" rtlCol="0">
+            <a:spAutoFit/>
+          </a:bodyPr>
+          <a:lstStyle/>
+          <a:p>
+            <a:pPr algn="ctr"/>
+            <a:r>
+              <a:rPr lang="en-US" altLang="ko-KR" sz="1100" dirty="0"/>
+              <a:t>button</a:t>
+            </a:r>
+            <a:r>
+              <a:rPr lang="ko-KR" altLang="en-US" sz="1100" dirty="0"/>
+              <a:t>클래스에 대한 설정입니다</a:t>
+            </a:r>
+            <a:r>
+              <a:rPr lang="en-US" altLang="ko-KR" sz="1100" dirty="0"/>
+              <a:t>.</a:t>
+            </a:r>
+          </a:p>
+          <a:p>
+            <a:pPr algn="ctr"/>
+            <a:r>
+              <a:rPr lang="ko-KR" altLang="en-US" sz="1100" dirty="0"/>
+              <a:t>상단 마진을 </a:t>
+            </a:r>
+            <a:r>
+              <a:rPr lang="en-US" altLang="ko-KR" sz="1100" dirty="0"/>
+              <a:t>2em</a:t>
+            </a:r>
+            <a:r>
+              <a:rPr lang="ko-KR" altLang="en-US" sz="1100" dirty="0"/>
+              <a:t>만큼 주고 왼쪽 패딩여백값을 </a:t>
+            </a:r>
+            <a:r>
+              <a:rPr lang="en-US" altLang="ko-KR" sz="1100" dirty="0"/>
+              <a:t>90px</a:t>
+            </a:r>
+            <a:r>
+              <a:rPr lang="ko-KR" altLang="en-US" sz="1100" dirty="0"/>
+              <a:t>만큼 줍니다</a:t>
+            </a:r>
+            <a:r>
+              <a:rPr lang="en-US" altLang="ko-KR" sz="1100" dirty="0"/>
+              <a:t>.</a:t>
+            </a:r>
+          </a:p>
+          <a:p>
+            <a:pPr algn="ctr"/>
+            <a:r>
+              <a:rPr lang="ko-KR" altLang="en-US" sz="1100" dirty="0"/>
+              <a:t>왼쪽 </a:t>
+            </a:r>
+            <a:r>
+              <a:rPr lang="ko-KR" altLang="en-US" sz="1100" dirty="0" err="1"/>
+              <a:t>마진값은</a:t>
+            </a:r>
+            <a:r>
+              <a:rPr lang="ko-KR" altLang="en-US" sz="1100" dirty="0"/>
+              <a:t> </a:t>
+            </a:r>
+            <a:r>
+              <a:rPr lang="en-US" altLang="ko-KR" sz="1100" dirty="0"/>
+              <a:t>0.5em</a:t>
+            </a:r>
+            <a:r>
+              <a:rPr lang="ko-KR" altLang="en-US" sz="1100" dirty="0"/>
+              <a:t>만큼 설정해줍니다</a:t>
+            </a:r>
+            <a:r>
+              <a:rPr lang="en-US" altLang="ko-KR" sz="1100" dirty="0"/>
+              <a:t>.</a:t>
+            </a:r>
+          </a:p>
+        </p:txBody>
+      </p:sp>
+    </p:spTree>
+    <p:extLst>
+      <p:ext uri="{BB962C8B-B14F-4D97-AF65-F5344CB8AC3E}">
+        <p14:creationId xmlns:p14="http://schemas.microsoft.com/office/powerpoint/2010/main" val="354720604"/>
+      </p:ext>
+    </p:extLst>
+  </p:cSld>
+  <p:clrMapOvr>
+    <a:masterClrMapping/>
+  </p:clrMapOvr>
+</p:sld>
+</file>
+
+<file path=ppt/slides/slide8.xml><?xml version="1.0" encoding="utf-8"?>
+<p:sld xmlns:a="http://schemas.openxmlformats.org/drawingml/2006/main" xmlns:r="http://schemas.openxmlformats.org/officeDocument/2006/relationships" xmlns:p="http://schemas.openxmlformats.org/presentationml/2006/main">
+  <p:cSld>
+    <p:spTree>
+      <p:nvGrpSpPr>
+        <p:cNvPr id="1" name=""/>
+        <p:cNvGrpSpPr/>
+        <p:nvPr/>
+      </p:nvGrpSpPr>
+      <p:grpSpPr>
+        <a:xfrm>
+          <a:off x="0" y="0"/>
+          <a:ext cx="0" cy="0"/>
+          <a:chOff x="0" y="0"/>
+          <a:chExt cx="0" cy="0"/>
+        </a:xfrm>
+      </p:grpSpPr>
+      <p:pic>
+        <p:nvPicPr>
+          <p:cNvPr id="4" name="그림 3">
+            <a:extLst>
+              <a:ext uri="{FF2B5EF4-FFF2-40B4-BE49-F238E27FC236}">
+                <a16:creationId xmlns:a16="http://schemas.microsoft.com/office/drawing/2014/main" id="{19562743-EAF5-5A46-995D-D26E5B1FFC8B}"/>
+              </a:ext>
+            </a:extLst>
+          </p:cNvPr>
+          <p:cNvPicPr>
+            <a:picLocks noChangeAspect="1"/>
+          </p:cNvPicPr>
+          <p:nvPr/>
+        </p:nvPicPr>
+        <p:blipFill>
+          <a:blip r:embed="rId2"/>
+          <a:stretch>
+            <a:fillRect/>
+          </a:stretch>
+        </p:blipFill>
+        <p:spPr>
+          <a:xfrm>
+            <a:off x="1392137" y="1988445"/>
+            <a:ext cx="3316541" cy="3262925"/>
+          </a:xfrm>
+          <a:prstGeom prst="rect">
+            <a:avLst/>
+          </a:prstGeom>
+        </p:spPr>
+      </p:pic>
+      <p:sp>
+        <p:nvSpPr>
+          <p:cNvPr id="37" name="직사각형 36">
+            <a:extLst>
+              <a:ext uri="{FF2B5EF4-FFF2-40B4-BE49-F238E27FC236}">
+                <a16:creationId xmlns:a16="http://schemas.microsoft.com/office/drawing/2014/main" id="{3F15C60C-17FE-422D-AFCF-73C75A021362}"/>
+              </a:ext>
+            </a:extLst>
+          </p:cNvPr>
+          <p:cNvSpPr/>
+          <p:nvPr/>
+        </p:nvSpPr>
+        <p:spPr>
+          <a:xfrm>
+            <a:off x="3697172" y="332194"/>
+            <a:ext cx="4713765" cy="735842"/>
+          </a:xfrm>
+          <a:prstGeom prst="rect">
+            <a:avLst/>
+          </a:prstGeom>
+        </p:spPr>
+        <p:txBody>
+          <a:bodyPr wrap="square">
+            <a:spAutoFit/>
+          </a:bodyPr>
+          <a:lstStyle/>
+          <a:p>
+            <a:pPr algn="ctr" latinLnBrk="0">
+              <a:lnSpc>
+                <a:spcPct val="150000"/>
+              </a:lnSpc>
+              <a:defRPr/>
+            </a:pPr>
+            <a:r>
+              <a:rPr lang="en-US" altLang="ko-KR" sz="3200" b="1" i="1" kern="0" dirty="0">
+                <a:solidFill>
+                  <a:srgbClr val="FF7876"/>
+                </a:solidFill>
+              </a:rPr>
+              <a:t>2</a:t>
+            </a:r>
+          </a:p>
+        </p:txBody>
+      </p:sp>
+      <p:cxnSp>
+        <p:nvCxnSpPr>
+          <p:cNvPr id="38" name="직선 연결선 37">
+            <a:extLst>
+              <a:ext uri="{FF2B5EF4-FFF2-40B4-BE49-F238E27FC236}">
+                <a16:creationId xmlns:a16="http://schemas.microsoft.com/office/drawing/2014/main" id="{940134F4-F272-426A-B50B-8075427DF501}"/>
+              </a:ext>
+            </a:extLst>
+          </p:cNvPr>
+          <p:cNvCxnSpPr>
+            <a:cxnSpLocks/>
+          </p:cNvCxnSpPr>
+          <p:nvPr/>
+        </p:nvCxnSpPr>
+        <p:spPr>
+          <a:xfrm flipV="1">
+            <a:off x="843148" y="847712"/>
+            <a:ext cx="4769087" cy="1"/>
+          </a:xfrm>
+          <a:prstGeom prst="line">
+            <a:avLst/>
+          </a:prstGeom>
+          <a:ln w="6350">
+            <a:solidFill>
+              <a:srgbClr val="FF7876"/>
+            </a:solidFill>
+            <a:prstDash val="sysDash"/>
+            <a:tailEnd type="oval"/>
+          </a:ln>
+        </p:spPr>
+        <p:style>
+          <a:lnRef idx="1">
+            <a:schemeClr val="accent1"/>
+          </a:lnRef>
+          <a:fillRef idx="0">
+            <a:schemeClr val="accent1"/>
+          </a:fillRef>
+          <a:effectRef idx="0">
+            <a:schemeClr val="accent1"/>
+          </a:effectRef>
+          <a:fontRef idx="minor">
+            <a:schemeClr val="tx1"/>
+          </a:fontRef>
+        </p:style>
+      </p:cxnSp>
+      <p:cxnSp>
+        <p:nvCxnSpPr>
+          <p:cNvPr id="39" name="직선 연결선 38">
+            <a:extLst>
+              <a:ext uri="{FF2B5EF4-FFF2-40B4-BE49-F238E27FC236}">
+                <a16:creationId xmlns:a16="http://schemas.microsoft.com/office/drawing/2014/main" id="{55EBD739-0979-4546-8E6B-9CA8052FC540}"/>
+              </a:ext>
+            </a:extLst>
+          </p:cNvPr>
+          <p:cNvCxnSpPr>
+            <a:cxnSpLocks/>
+          </p:cNvCxnSpPr>
+          <p:nvPr/>
+        </p:nvCxnSpPr>
+        <p:spPr>
+          <a:xfrm flipH="1">
+            <a:off x="6579767" y="847712"/>
+            <a:ext cx="4692810" cy="0"/>
+          </a:xfrm>
+          <a:prstGeom prst="line">
+            <a:avLst/>
+          </a:prstGeom>
+          <a:ln w="6350">
+            <a:solidFill>
+              <a:srgbClr val="FF7876"/>
+            </a:solidFill>
+            <a:prstDash val="sysDash"/>
+            <a:tailEnd type="oval"/>
+          </a:ln>
+        </p:spPr>
+        <p:style>
+          <a:lnRef idx="1">
+            <a:schemeClr val="accent1"/>
+          </a:lnRef>
+          <a:fillRef idx="0">
+            <a:schemeClr val="accent1"/>
+          </a:fillRef>
+          <a:effectRef idx="0">
+            <a:schemeClr val="accent1"/>
+          </a:effectRef>
+          <a:fontRef idx="minor">
+            <a:schemeClr val="tx1"/>
+          </a:fontRef>
+        </p:style>
+      </p:cxnSp>
+      <p:sp>
+        <p:nvSpPr>
+          <p:cNvPr id="8" name="TextBox 7">
+            <a:extLst>
+              <a:ext uri="{FF2B5EF4-FFF2-40B4-BE49-F238E27FC236}">
+                <a16:creationId xmlns:a16="http://schemas.microsoft.com/office/drawing/2014/main" id="{C18154B9-4F65-4277-8C17-63D9702FC25F}"/>
+              </a:ext>
+            </a:extLst>
+          </p:cNvPr>
+          <p:cNvSpPr txBox="1"/>
+          <p:nvPr/>
+        </p:nvSpPr>
+        <p:spPr>
+          <a:xfrm>
+            <a:off x="765146" y="963122"/>
+            <a:ext cx="10507430" cy="261610"/>
+          </a:xfrm>
+          <a:prstGeom prst="rect">
+            <a:avLst/>
+          </a:prstGeom>
+          <a:noFill/>
+        </p:spPr>
+        <p:txBody>
+          <a:bodyPr wrap="square" rtlCol="0">
+            <a:spAutoFit/>
+          </a:bodyPr>
+          <a:lstStyle/>
+          <a:p>
+            <a:pPr algn="ctr"/>
+            <a:r>
+              <a:rPr lang="ko-KR" altLang="en-US" sz="1100" i="1" dirty="0" err="1">
+                <a:solidFill>
+                  <a:srgbClr val="FF7876"/>
+                </a:solidFill>
+              </a:rPr>
+              <a:t>순천향</a:t>
+            </a:r>
+            <a:r>
+              <a:rPr lang="ko-KR" altLang="en-US" sz="1100" i="1" dirty="0">
+                <a:solidFill>
+                  <a:srgbClr val="FF7876"/>
+                </a:solidFill>
+              </a:rPr>
+              <a:t> </a:t>
+            </a:r>
+            <a:r>
+              <a:rPr lang="ko-KR" altLang="en-US" sz="1100" i="1" dirty="0" err="1">
+                <a:solidFill>
+                  <a:srgbClr val="FF7876"/>
+                </a:solidFill>
+              </a:rPr>
+              <a:t>서핑대회</a:t>
+            </a:r>
+            <a:r>
+              <a:rPr lang="ko-KR" altLang="en-US" sz="1100" i="1" dirty="0">
+                <a:solidFill>
+                  <a:srgbClr val="FF7876"/>
+                </a:solidFill>
+              </a:rPr>
+              <a:t> </a:t>
+            </a:r>
+            <a:r>
+              <a:rPr lang="en-US" altLang="ko-KR" sz="1100" i="1" dirty="0">
+                <a:solidFill>
+                  <a:srgbClr val="FF7876"/>
+                </a:solidFill>
+              </a:rPr>
+              <a:t>2</a:t>
+            </a:r>
+            <a:r>
+              <a:rPr lang="ko-KR" altLang="en-US" sz="1100" i="1" dirty="0">
+                <a:solidFill>
+                  <a:srgbClr val="FF7876"/>
+                </a:solidFill>
+              </a:rPr>
+              <a:t> 예제 </a:t>
+            </a:r>
+            <a:r>
+              <a:rPr lang="en-US" altLang="ko-KR" sz="1100" i="1" dirty="0">
+                <a:solidFill>
+                  <a:srgbClr val="FF7876"/>
+                </a:solidFill>
+              </a:rPr>
+              <a:t>– </a:t>
+            </a:r>
+            <a:r>
+              <a:rPr lang="ko-KR" altLang="en-US" sz="1100" i="1" dirty="0">
+                <a:solidFill>
+                  <a:srgbClr val="FF7876"/>
+                </a:solidFill>
+              </a:rPr>
+              <a:t>실행</a:t>
+            </a:r>
+            <a:endParaRPr lang="en-US" altLang="ko-KR" sz="1100" i="1" dirty="0">
+              <a:solidFill>
+                <a:srgbClr val="FF7876"/>
+              </a:solidFill>
+            </a:endParaRPr>
+          </a:p>
+        </p:txBody>
+      </p:sp>
+      <p:cxnSp>
+        <p:nvCxnSpPr>
+          <p:cNvPr id="21" name="직선 화살표 연결선 20">
+            <a:extLst>
+              <a:ext uri="{FF2B5EF4-FFF2-40B4-BE49-F238E27FC236}">
+                <a16:creationId xmlns:a16="http://schemas.microsoft.com/office/drawing/2014/main" id="{F477EEF6-918C-8B49-B31D-1078A9C7713F}"/>
+              </a:ext>
+            </a:extLst>
+          </p:cNvPr>
+          <p:cNvCxnSpPr>
+            <a:cxnSpLocks/>
+          </p:cNvCxnSpPr>
+          <p:nvPr/>
+        </p:nvCxnSpPr>
+        <p:spPr>
+          <a:xfrm flipV="1">
+            <a:off x="4708678" y="3717420"/>
+            <a:ext cx="477430" cy="1"/>
+          </a:xfrm>
+          <a:prstGeom prst="straightConnector1">
+            <a:avLst/>
+          </a:prstGeom>
+          <a:ln w="12700">
+            <a:solidFill>
+              <a:srgbClr val="FF7876"/>
+            </a:solidFill>
+            <a:tailEnd type="triangle"/>
+          </a:ln>
+        </p:spPr>
+        <p:style>
+          <a:lnRef idx="1">
+            <a:schemeClr val="accent1"/>
+          </a:lnRef>
+          <a:fillRef idx="0">
+            <a:schemeClr val="accent1"/>
+          </a:fillRef>
+          <a:effectRef idx="0">
+            <a:schemeClr val="accent1"/>
+          </a:effectRef>
+          <a:fontRef idx="minor">
+            <a:schemeClr val="tx1"/>
+          </a:fontRef>
+        </p:style>
+      </p:cxnSp>
+      <p:sp>
+        <p:nvSpPr>
+          <p:cNvPr id="23" name="TextBox 22">
+            <a:extLst>
+              <a:ext uri="{FF2B5EF4-FFF2-40B4-BE49-F238E27FC236}">
+                <a16:creationId xmlns:a16="http://schemas.microsoft.com/office/drawing/2014/main" id="{F7A7761F-1B6B-4546-896D-DB9794219E22}"/>
+              </a:ext>
+            </a:extLst>
+          </p:cNvPr>
+          <p:cNvSpPr txBox="1"/>
+          <p:nvPr/>
+        </p:nvSpPr>
+        <p:spPr>
+          <a:xfrm>
+            <a:off x="5186108" y="3466351"/>
+            <a:ext cx="3707040" cy="430887"/>
+          </a:xfrm>
+          <a:prstGeom prst="rect">
+            <a:avLst/>
+          </a:prstGeom>
+          <a:noFill/>
+          <a:ln w="12700">
+            <a:solidFill>
+              <a:srgbClr val="FF7876"/>
+            </a:solidFill>
+          </a:ln>
+        </p:spPr>
+        <p:txBody>
+          <a:bodyPr wrap="square" rtlCol="0">
+            <a:spAutoFit/>
+          </a:bodyPr>
+          <a:lstStyle/>
+          <a:p>
+            <a:pPr algn="ctr"/>
+            <a:r>
+              <a:rPr lang="en-US" altLang="ko-Kore-KR" sz="1100" dirty="0" err="1"/>
+              <a:t>css</a:t>
+            </a:r>
+            <a:r>
+              <a:rPr lang="ko-KR" altLang="en-US" sz="1100" dirty="0"/>
+              <a:t>상에서 설정한 옵션만큼 </a:t>
+            </a:r>
+            <a:r>
+              <a:rPr lang="en-US" altLang="ko-KR" sz="1100" dirty="0"/>
+              <a:t>surf2</a:t>
+            </a:r>
+            <a:r>
+              <a:rPr lang="ko-KR" altLang="en-US" sz="1100" dirty="0"/>
+              <a:t>의 </a:t>
+            </a:r>
+            <a:r>
+              <a:rPr lang="en-US" altLang="ko-KR" sz="1100" dirty="0"/>
+              <a:t>form</a:t>
+            </a:r>
+            <a:r>
+              <a:rPr lang="ko-KR" altLang="en-US" sz="1100" dirty="0"/>
+              <a:t>형식들 모두</a:t>
+            </a:r>
+            <a:endParaRPr lang="en-US" altLang="ko-KR" sz="1100" dirty="0"/>
+          </a:p>
+          <a:p>
+            <a:pPr algn="ctr"/>
+            <a:r>
+              <a:rPr lang="ko-KR" altLang="en-US" sz="1100" dirty="0"/>
+              <a:t>정상적으로 </a:t>
+            </a:r>
+            <a:r>
+              <a:rPr lang="ko-KR" altLang="en-US" sz="1100" dirty="0" err="1"/>
+              <a:t>출력된것을</a:t>
+            </a:r>
+            <a:r>
+              <a:rPr lang="ko-KR" altLang="en-US" sz="1100" dirty="0"/>
+              <a:t> 볼 수 있습니다</a:t>
+            </a:r>
+            <a:endParaRPr lang="en-US" altLang="ko-Kore-KR" sz="1100" dirty="0"/>
+          </a:p>
+        </p:txBody>
+      </p:sp>
+      <p:sp>
+        <p:nvSpPr>
+          <p:cNvPr id="14" name="TextBox 13">
+            <a:extLst>
+              <a:ext uri="{FF2B5EF4-FFF2-40B4-BE49-F238E27FC236}">
+                <a16:creationId xmlns:a16="http://schemas.microsoft.com/office/drawing/2014/main" id="{7B5E3C3D-0DA4-7C4B-A7F1-BD0232F52D5C}"/>
+              </a:ext>
+            </a:extLst>
+          </p:cNvPr>
+          <p:cNvSpPr txBox="1"/>
+          <p:nvPr/>
+        </p:nvSpPr>
+        <p:spPr>
+          <a:xfrm>
+            <a:off x="1548588" y="2657151"/>
+            <a:ext cx="3160090" cy="2594197"/>
+          </a:xfrm>
+          <a:prstGeom prst="rect">
+            <a:avLst/>
+          </a:prstGeom>
+          <a:noFill/>
+          <a:ln w="12700">
+            <a:solidFill>
+              <a:srgbClr val="FF7876"/>
+            </a:solidFill>
+          </a:ln>
+        </p:spPr>
+        <p:txBody>
+          <a:bodyPr wrap="square" rtlCol="0">
+            <a:spAutoFit/>
+          </a:bodyPr>
+          <a:lstStyle/>
+          <a:p>
+            <a:pPr algn="ctr"/>
+            <a:endParaRPr lang="en-US" altLang="ko-Kore-KR" sz="1100" dirty="0"/>
+          </a:p>
+        </p:txBody>
+      </p:sp>
+      <p:pic>
+        <p:nvPicPr>
+          <p:cNvPr id="24" name="그림 23">
+            <a:extLst>
+              <a:ext uri="{FF2B5EF4-FFF2-40B4-BE49-F238E27FC236}">
+                <a16:creationId xmlns:a16="http://schemas.microsoft.com/office/drawing/2014/main" id="{2CB2C61A-01F2-2D4C-83A9-AD959B86CC3D}"/>
+              </a:ext>
+            </a:extLst>
+          </p:cNvPr>
+          <p:cNvPicPr>
+            <a:picLocks noChangeAspect="1"/>
+          </p:cNvPicPr>
+          <p:nvPr/>
+        </p:nvPicPr>
+        <p:blipFill>
+          <a:blip r:embed="rId3"/>
+          <a:stretch>
+            <a:fillRect/>
+          </a:stretch>
+        </p:blipFill>
+        <p:spPr>
+          <a:xfrm>
+            <a:off x="8926172" y="2189817"/>
+            <a:ext cx="1545501" cy="2983954"/>
+          </a:xfrm>
+          <a:prstGeom prst="rect">
+            <a:avLst/>
+          </a:prstGeom>
+        </p:spPr>
+      </p:pic>
+    </p:spTree>
+    <p:extLst>
+      <p:ext uri="{BB962C8B-B14F-4D97-AF65-F5344CB8AC3E}">
+        <p14:creationId xmlns:p14="http://schemas.microsoft.com/office/powerpoint/2010/main" val="3333686540"/>
+      </p:ext>
+    </p:extLst>
+  </p:cSld>
+  <p:clrMapOvr>
+    <a:masterClrMapping/>
+  </p:clrMapOvr>
+</p:sld>
+</file>
+
+<file path=ppt/slides/slide9.xml><?xml version="1.0" encoding="utf-8"?>
+<p:sld xmlns:a="http://schemas.openxmlformats.org/drawingml/2006/main" xmlns:r="http://schemas.openxmlformats.org/officeDocument/2006/relationships" xmlns:p="http://schemas.openxmlformats.org/presentationml/2006/main">
+  <p:cSld>
+    <p:spTree>
+      <p:nvGrpSpPr>
+        <p:cNvPr id="1" name=""/>
+        <p:cNvGrpSpPr/>
+        <p:nvPr/>
+      </p:nvGrpSpPr>
+      <p:grpSpPr>
+        <a:xfrm>
+          <a:off x="0" y="0"/>
+          <a:ext cx="0" cy="0"/>
+          <a:chOff x="0" y="0"/>
+          <a:chExt cx="0" cy="0"/>
+        </a:xfrm>
+      </p:grpSpPr>
+      <p:pic>
+        <p:nvPicPr>
+          <p:cNvPr id="7" name="그림 6">
+            <a:extLst>
+              <a:ext uri="{FF2B5EF4-FFF2-40B4-BE49-F238E27FC236}">
+                <a16:creationId xmlns:a16="http://schemas.microsoft.com/office/drawing/2014/main" id="{20C149CC-D285-9C42-BDD0-963513B54D51}"/>
+              </a:ext>
+            </a:extLst>
+          </p:cNvPr>
+          <p:cNvPicPr>
+            <a:picLocks noChangeAspect="1"/>
+          </p:cNvPicPr>
+          <p:nvPr/>
+        </p:nvPicPr>
+        <p:blipFill>
+          <a:blip r:embed="rId2"/>
+          <a:stretch>
+            <a:fillRect/>
+          </a:stretch>
+        </p:blipFill>
+        <p:spPr>
+          <a:xfrm>
+            <a:off x="783587" y="1978178"/>
+            <a:ext cx="4888208" cy="3490449"/>
+          </a:xfrm>
+          <a:prstGeom prst="rect">
+            <a:avLst/>
+          </a:prstGeom>
+        </p:spPr>
+      </p:pic>
+      <p:sp>
+        <p:nvSpPr>
+          <p:cNvPr id="37" name="직사각형 36">
+            <a:extLst>
+              <a:ext uri="{FF2B5EF4-FFF2-40B4-BE49-F238E27FC236}">
+                <a16:creationId xmlns:a16="http://schemas.microsoft.com/office/drawing/2014/main" id="{3F15C60C-17FE-422D-AFCF-73C75A021362}"/>
+              </a:ext>
+            </a:extLst>
+          </p:cNvPr>
+          <p:cNvSpPr/>
+          <p:nvPr/>
+        </p:nvSpPr>
+        <p:spPr>
+          <a:xfrm>
+            <a:off x="3697172" y="332194"/>
+            <a:ext cx="4713765" cy="735842"/>
+          </a:xfrm>
+          <a:prstGeom prst="rect">
+            <a:avLst/>
+          </a:prstGeom>
+        </p:spPr>
+        <p:txBody>
+          <a:bodyPr wrap="square">
+            <a:spAutoFit/>
+          </a:bodyPr>
+          <a:lstStyle/>
+          <a:p>
+            <a:pPr algn="ctr" latinLnBrk="0">
+              <a:lnSpc>
+                <a:spcPct val="150000"/>
+              </a:lnSpc>
+              <a:defRPr/>
+            </a:pPr>
+            <a:r>
+              <a:rPr lang="en-US" altLang="ko-KR" sz="3200" b="1" i="1" kern="0" dirty="0">
+                <a:solidFill>
+                  <a:srgbClr val="FF7876"/>
+                </a:solidFill>
+              </a:rPr>
+              <a:t>2</a:t>
+            </a:r>
+          </a:p>
+        </p:txBody>
+      </p:sp>
+      <p:cxnSp>
+        <p:nvCxnSpPr>
+          <p:cNvPr id="38" name="직선 연결선 37">
+            <a:extLst>
+              <a:ext uri="{FF2B5EF4-FFF2-40B4-BE49-F238E27FC236}">
+                <a16:creationId xmlns:a16="http://schemas.microsoft.com/office/drawing/2014/main" id="{940134F4-F272-426A-B50B-8075427DF501}"/>
+              </a:ext>
+            </a:extLst>
+          </p:cNvPr>
+          <p:cNvCxnSpPr>
+            <a:cxnSpLocks/>
+          </p:cNvCxnSpPr>
+          <p:nvPr/>
+        </p:nvCxnSpPr>
+        <p:spPr>
+          <a:xfrm flipV="1">
+            <a:off x="843148" y="847712"/>
+            <a:ext cx="4769087" cy="1"/>
+          </a:xfrm>
+          <a:prstGeom prst="line">
+            <a:avLst/>
+          </a:prstGeom>
+          <a:ln w="6350">
+            <a:solidFill>
+              <a:srgbClr val="FF7876"/>
+            </a:solidFill>
+            <a:prstDash val="sysDash"/>
+            <a:tailEnd type="oval"/>
+          </a:ln>
+        </p:spPr>
+        <p:style>
+          <a:lnRef idx="1">
+            <a:schemeClr val="accent1"/>
+          </a:lnRef>
+          <a:fillRef idx="0">
+            <a:schemeClr val="accent1"/>
+          </a:fillRef>
+          <a:effectRef idx="0">
+            <a:schemeClr val="accent1"/>
+          </a:effectRef>
+          <a:fontRef idx="minor">
+            <a:schemeClr val="tx1"/>
+          </a:fontRef>
+        </p:style>
+      </p:cxnSp>
+      <p:cxnSp>
+        <p:nvCxnSpPr>
+          <p:cNvPr id="39" name="직선 연결선 38">
+            <a:extLst>
+              <a:ext uri="{FF2B5EF4-FFF2-40B4-BE49-F238E27FC236}">
+                <a16:creationId xmlns:a16="http://schemas.microsoft.com/office/drawing/2014/main" id="{55EBD739-0979-4546-8E6B-9CA8052FC540}"/>
+              </a:ext>
+            </a:extLst>
+          </p:cNvPr>
+          <p:cNvCxnSpPr>
+            <a:cxnSpLocks/>
+          </p:cNvCxnSpPr>
+          <p:nvPr/>
+        </p:nvCxnSpPr>
+        <p:spPr>
+          <a:xfrm flipH="1">
+            <a:off x="6579767" y="847712"/>
+            <a:ext cx="4692810" cy="0"/>
+          </a:xfrm>
+          <a:prstGeom prst="line">
+            <a:avLst/>
+          </a:prstGeom>
+          <a:ln w="6350">
+            <a:solidFill>
+              <a:srgbClr val="FF7876"/>
+            </a:solidFill>
+            <a:prstDash val="sysDash"/>
+            <a:tailEnd type="oval"/>
+          </a:ln>
+        </p:spPr>
+        <p:style>
+          <a:lnRef idx="1">
+            <a:schemeClr val="accent1"/>
+          </a:lnRef>
+          <a:fillRef idx="0">
+            <a:schemeClr val="accent1"/>
+          </a:fillRef>
+          <a:effectRef idx="0">
+            <a:schemeClr val="accent1"/>
+          </a:effectRef>
+          <a:fontRef idx="minor">
+            <a:schemeClr val="tx1"/>
+          </a:fontRef>
+        </p:style>
+      </p:cxnSp>
+      <p:sp>
+        <p:nvSpPr>
+          <p:cNvPr id="8" name="TextBox 7">
+            <a:extLst>
+              <a:ext uri="{FF2B5EF4-FFF2-40B4-BE49-F238E27FC236}">
+                <a16:creationId xmlns:a16="http://schemas.microsoft.com/office/drawing/2014/main" id="{C18154B9-4F65-4277-8C17-63D9702FC25F}"/>
+              </a:ext>
+            </a:extLst>
+          </p:cNvPr>
+          <p:cNvSpPr txBox="1"/>
+          <p:nvPr/>
+        </p:nvSpPr>
+        <p:spPr>
+          <a:xfrm>
+            <a:off x="765146" y="963122"/>
+            <a:ext cx="10507430" cy="261610"/>
+          </a:xfrm>
+          <a:prstGeom prst="rect">
+            <a:avLst/>
+          </a:prstGeom>
+          <a:noFill/>
+        </p:spPr>
+        <p:txBody>
+          <a:bodyPr wrap="square" rtlCol="0">
+            <a:spAutoFit/>
+          </a:bodyPr>
+          <a:lstStyle/>
+          <a:p>
+            <a:pPr algn="ctr"/>
+            <a:r>
+              <a:rPr lang="ko-KR" altLang="en-US" sz="1100" i="1" dirty="0" err="1">
+                <a:solidFill>
+                  <a:srgbClr val="FF7876"/>
+                </a:solidFill>
+              </a:rPr>
+              <a:t>순천향</a:t>
+            </a:r>
+            <a:r>
+              <a:rPr lang="ko-KR" altLang="en-US" sz="1100" i="1" dirty="0">
+                <a:solidFill>
+                  <a:srgbClr val="FF7876"/>
+                </a:solidFill>
+              </a:rPr>
+              <a:t> </a:t>
+            </a:r>
+            <a:r>
+              <a:rPr lang="ko-KR" altLang="en-US" sz="1100" i="1" dirty="0" err="1">
+                <a:solidFill>
+                  <a:srgbClr val="FF7876"/>
+                </a:solidFill>
+              </a:rPr>
+              <a:t>서핑대회</a:t>
+            </a:r>
+            <a:r>
+              <a:rPr lang="ko-KR" altLang="en-US" sz="1100" i="1" dirty="0">
+                <a:solidFill>
+                  <a:srgbClr val="FF7876"/>
+                </a:solidFill>
+              </a:rPr>
+              <a:t> </a:t>
+            </a:r>
+            <a:r>
+              <a:rPr lang="en-US" altLang="ko-KR" sz="1100" i="1" dirty="0">
+                <a:solidFill>
+                  <a:srgbClr val="FF7876"/>
+                </a:solidFill>
+              </a:rPr>
+              <a:t>2</a:t>
+            </a:r>
+            <a:r>
+              <a:rPr lang="ko-KR" altLang="en-US" sz="1100" i="1" dirty="0">
+                <a:solidFill>
+                  <a:srgbClr val="FF7876"/>
+                </a:solidFill>
+              </a:rPr>
+              <a:t> 예제 </a:t>
+            </a:r>
+            <a:r>
+              <a:rPr lang="en-US" altLang="ko-KR" sz="1100" i="1" dirty="0">
+                <a:solidFill>
+                  <a:srgbClr val="FF7876"/>
+                </a:solidFill>
+              </a:rPr>
+              <a:t>– </a:t>
+            </a:r>
+            <a:r>
+              <a:rPr lang="ko-KR" altLang="en-US" sz="1100" i="1" dirty="0">
+                <a:solidFill>
+                  <a:srgbClr val="FF7876"/>
+                </a:solidFill>
+              </a:rPr>
+              <a:t>실행</a:t>
+            </a:r>
+            <a:endParaRPr lang="en-US" altLang="ko-KR" sz="1100" i="1" dirty="0">
+              <a:solidFill>
+                <a:srgbClr val="FF7876"/>
+              </a:solidFill>
+            </a:endParaRPr>
+          </a:p>
+        </p:txBody>
+      </p:sp>
+      <p:cxnSp>
+        <p:nvCxnSpPr>
+          <p:cNvPr id="15" name="직선 화살표 연결선 14">
+            <a:extLst>
+              <a:ext uri="{FF2B5EF4-FFF2-40B4-BE49-F238E27FC236}">
+                <a16:creationId xmlns:a16="http://schemas.microsoft.com/office/drawing/2014/main" id="{E1F927A7-554A-E240-A147-D1F4334FBF91}"/>
+              </a:ext>
+            </a:extLst>
+          </p:cNvPr>
+          <p:cNvCxnSpPr>
+            <a:cxnSpLocks/>
+          </p:cNvCxnSpPr>
+          <p:nvPr/>
+        </p:nvCxnSpPr>
+        <p:spPr>
+          <a:xfrm>
+            <a:off x="3031488" y="2079986"/>
+            <a:ext cx="3439115" cy="0"/>
+          </a:xfrm>
+          <a:prstGeom prst="straightConnector1">
+            <a:avLst/>
+          </a:prstGeom>
+          <a:ln w="12700">
+            <a:solidFill>
+              <a:srgbClr val="FF7876"/>
+            </a:solidFill>
+            <a:tailEnd type="triangle"/>
+          </a:ln>
+        </p:spPr>
+        <p:style>
+          <a:lnRef idx="1">
+            <a:schemeClr val="accent1"/>
+          </a:lnRef>
+          <a:fillRef idx="0">
+            <a:schemeClr val="accent1"/>
+          </a:fillRef>
+          <a:effectRef idx="0">
+            <a:schemeClr val="accent1"/>
+          </a:effectRef>
+          <a:fontRef idx="minor">
+            <a:schemeClr val="tx1"/>
+          </a:fontRef>
+        </p:style>
+      </p:cxnSp>
+      <p:sp>
+        <p:nvSpPr>
+          <p:cNvPr id="17" name="TextBox 16">
+            <a:extLst>
+              <a:ext uri="{FF2B5EF4-FFF2-40B4-BE49-F238E27FC236}">
+                <a16:creationId xmlns:a16="http://schemas.microsoft.com/office/drawing/2014/main" id="{FBB57B33-436D-ED47-9BC4-3DFF534B040A}"/>
+              </a:ext>
+            </a:extLst>
+          </p:cNvPr>
+          <p:cNvSpPr txBox="1"/>
+          <p:nvPr/>
+        </p:nvSpPr>
+        <p:spPr>
+          <a:xfrm>
+            <a:off x="6487729" y="1855660"/>
+            <a:ext cx="4810534" cy="600164"/>
+          </a:xfrm>
+          <a:prstGeom prst="rect">
+            <a:avLst/>
+          </a:prstGeom>
+          <a:noFill/>
+          <a:ln w="12700">
+            <a:solidFill>
+              <a:srgbClr val="FF7876"/>
+            </a:solidFill>
+          </a:ln>
+        </p:spPr>
+        <p:txBody>
+          <a:bodyPr wrap="square" rtlCol="0">
+            <a:spAutoFit/>
+          </a:bodyPr>
+          <a:lstStyle/>
+          <a:p>
+            <a:pPr algn="ctr"/>
+            <a:r>
+              <a:rPr lang="en-US" altLang="ko-Kore-KR" sz="1100" dirty="0"/>
+              <a:t>POST</a:t>
+            </a:r>
+            <a:r>
+              <a:rPr lang="ko-KR" altLang="en-US" sz="1100" dirty="0"/>
+              <a:t>형식으로 데이터를 받기에</a:t>
+            </a:r>
+            <a:endParaRPr lang="en-US" altLang="ko-KR" sz="1100" dirty="0"/>
+          </a:p>
+          <a:p>
+            <a:pPr algn="ctr"/>
+            <a:r>
+              <a:rPr lang="ko-KR" altLang="en-US" sz="1100" dirty="0"/>
+              <a:t>주소에는 데이터에 대한 정보가 없고</a:t>
+            </a:r>
+            <a:endParaRPr lang="en-US" altLang="ko-KR" sz="1100" dirty="0"/>
+          </a:p>
+          <a:p>
+            <a:pPr algn="ctr"/>
+            <a:r>
+              <a:rPr lang="ko-KR" altLang="en-US" sz="1100" dirty="0"/>
+              <a:t>네트워크탭에서 헤더에 양식데이터를 통해 확인할 수 있습니다</a:t>
+            </a:r>
+            <a:r>
+              <a:rPr lang="en-US" altLang="ko-KR" sz="1100" dirty="0"/>
+              <a:t>.</a:t>
+            </a:r>
+            <a:endParaRPr lang="en-US" altLang="ko-Kore-KR" sz="1100" dirty="0"/>
+          </a:p>
+        </p:txBody>
+      </p:sp>
+      <p:cxnSp>
+        <p:nvCxnSpPr>
+          <p:cNvPr id="19" name="직선 화살표 연결선 18">
+            <a:extLst>
+              <a:ext uri="{FF2B5EF4-FFF2-40B4-BE49-F238E27FC236}">
+                <a16:creationId xmlns:a16="http://schemas.microsoft.com/office/drawing/2014/main" id="{53C74BC1-B4AB-A941-ACC3-788458D425CA}"/>
+              </a:ext>
+            </a:extLst>
+          </p:cNvPr>
+          <p:cNvCxnSpPr>
+            <a:cxnSpLocks/>
+          </p:cNvCxnSpPr>
+          <p:nvPr/>
+        </p:nvCxnSpPr>
+        <p:spPr>
+          <a:xfrm flipV="1">
+            <a:off x="4989761" y="2155742"/>
+            <a:ext cx="1480842" cy="2718924"/>
+          </a:xfrm>
+          <a:prstGeom prst="straightConnector1">
+            <a:avLst/>
+          </a:prstGeom>
+          <a:ln w="12700">
+            <a:solidFill>
+              <a:srgbClr val="FF7876"/>
+            </a:solidFill>
+            <a:tailEnd type="triangle"/>
+          </a:ln>
+        </p:spPr>
+        <p:style>
+          <a:lnRef idx="1">
+            <a:schemeClr val="accent1"/>
+          </a:lnRef>
+          <a:fillRef idx="0">
+            <a:schemeClr val="accent1"/>
+          </a:fillRef>
+          <a:effectRef idx="0">
+            <a:schemeClr val="accent1"/>
+          </a:effectRef>
+          <a:fontRef idx="minor">
+            <a:schemeClr val="tx1"/>
+          </a:fontRef>
+        </p:style>
+      </p:cxnSp>
+      <p:sp>
+        <p:nvSpPr>
+          <p:cNvPr id="22" name="TextBox 21">
+            <a:extLst>
+              <a:ext uri="{FF2B5EF4-FFF2-40B4-BE49-F238E27FC236}">
+                <a16:creationId xmlns:a16="http://schemas.microsoft.com/office/drawing/2014/main" id="{36D277C1-6137-1B46-AC33-7BB417F20BCC}"/>
+              </a:ext>
+            </a:extLst>
+          </p:cNvPr>
+          <p:cNvSpPr txBox="1"/>
+          <p:nvPr/>
+        </p:nvSpPr>
+        <p:spPr>
+          <a:xfrm>
+            <a:off x="6398146" y="3607295"/>
+            <a:ext cx="4810534" cy="430887"/>
+          </a:xfrm>
+          <a:prstGeom prst="rect">
+            <a:avLst/>
+          </a:prstGeom>
+          <a:noFill/>
+          <a:ln w="12700">
+            <a:solidFill>
+              <a:srgbClr val="FF7876"/>
+            </a:solidFill>
+          </a:ln>
+        </p:spPr>
+        <p:txBody>
+          <a:bodyPr wrap="square" rtlCol="0">
+            <a:spAutoFit/>
+          </a:bodyPr>
+          <a:lstStyle/>
+          <a:p>
+            <a:pPr algn="ctr"/>
+            <a:r>
+              <a:rPr lang="ko-Kore-KR" altLang="en-US" sz="1100" dirty="0"/>
+              <a:t>입력받은값들이</a:t>
+            </a:r>
+            <a:r>
+              <a:rPr lang="ko-KR" altLang="en-US" sz="1100" dirty="0"/>
+              <a:t> 모두 정상적으로 출력된 것을</a:t>
+            </a:r>
+            <a:endParaRPr lang="en-US" altLang="ko-KR" sz="1100" dirty="0"/>
+          </a:p>
+          <a:p>
+            <a:pPr algn="ctr"/>
+            <a:r>
+              <a:rPr lang="ko-KR" altLang="en-US" sz="1100" dirty="0"/>
+              <a:t>볼 수 있습니다</a:t>
+            </a:r>
+            <a:r>
+              <a:rPr lang="en-US" altLang="ko-KR" sz="1100" dirty="0"/>
+              <a:t>.</a:t>
+            </a:r>
+            <a:endParaRPr lang="en-US" altLang="ko-Kore-KR" sz="1100" dirty="0"/>
+          </a:p>
+        </p:txBody>
+      </p:sp>
+      <p:sp>
+        <p:nvSpPr>
+          <p:cNvPr id="16" name="TextBox 15">
+            <a:extLst>
+              <a:ext uri="{FF2B5EF4-FFF2-40B4-BE49-F238E27FC236}">
+                <a16:creationId xmlns:a16="http://schemas.microsoft.com/office/drawing/2014/main" id="{A1177A5E-D494-7B47-BA65-B194E01DDBB1}"/>
+              </a:ext>
+            </a:extLst>
+          </p:cNvPr>
+          <p:cNvSpPr txBox="1"/>
+          <p:nvPr/>
+        </p:nvSpPr>
+        <p:spPr>
+          <a:xfrm>
+            <a:off x="1764046" y="1982881"/>
+            <a:ext cx="1267442" cy="172861"/>
+          </a:xfrm>
+          <a:prstGeom prst="rect">
+            <a:avLst/>
+          </a:prstGeom>
+          <a:noFill/>
+          <a:ln w="12700">
+            <a:solidFill>
+              <a:srgbClr val="FF7876"/>
+            </a:solidFill>
+          </a:ln>
+        </p:spPr>
+        <p:txBody>
+          <a:bodyPr wrap="square" rtlCol="0">
+            <a:spAutoFit/>
+          </a:bodyPr>
+          <a:lstStyle/>
+          <a:p>
+            <a:pPr algn="ctr"/>
+            <a:endParaRPr lang="en-US" altLang="ko-Kore-KR" sz="1100" dirty="0"/>
+          </a:p>
+        </p:txBody>
+      </p:sp>
+      <p:sp>
+        <p:nvSpPr>
+          <p:cNvPr id="24" name="TextBox 23">
+            <a:extLst>
+              <a:ext uri="{FF2B5EF4-FFF2-40B4-BE49-F238E27FC236}">
+                <a16:creationId xmlns:a16="http://schemas.microsoft.com/office/drawing/2014/main" id="{209E80F4-E134-5C43-BE61-A98AD8C10567}"/>
+              </a:ext>
+            </a:extLst>
+          </p:cNvPr>
+          <p:cNvSpPr txBox="1"/>
+          <p:nvPr/>
+        </p:nvSpPr>
+        <p:spPr>
+          <a:xfrm>
+            <a:off x="1990075" y="4344406"/>
+            <a:ext cx="2998744" cy="1084544"/>
+          </a:xfrm>
+          <a:prstGeom prst="rect">
+            <a:avLst/>
+          </a:prstGeom>
+          <a:noFill/>
+          <a:ln w="12700">
+            <a:solidFill>
+              <a:srgbClr val="FF7876"/>
+            </a:solidFill>
+          </a:ln>
+        </p:spPr>
+        <p:txBody>
+          <a:bodyPr wrap="square" rtlCol="0">
+            <a:spAutoFit/>
+          </a:bodyPr>
+          <a:lstStyle/>
+          <a:p>
+            <a:pPr algn="ctr"/>
+            <a:endParaRPr lang="en-US" altLang="ko-Kore-KR" sz="1100" dirty="0"/>
+          </a:p>
+        </p:txBody>
+      </p:sp>
+      <p:sp>
+        <p:nvSpPr>
+          <p:cNvPr id="25" name="TextBox 24">
+            <a:extLst>
+              <a:ext uri="{FF2B5EF4-FFF2-40B4-BE49-F238E27FC236}">
+                <a16:creationId xmlns:a16="http://schemas.microsoft.com/office/drawing/2014/main" id="{554F2E62-C20A-EF46-83A5-BBD9752FD7E3}"/>
+              </a:ext>
+            </a:extLst>
+          </p:cNvPr>
+          <p:cNvSpPr txBox="1"/>
+          <p:nvPr/>
+        </p:nvSpPr>
+        <p:spPr>
+          <a:xfrm>
+            <a:off x="726369" y="2515106"/>
+            <a:ext cx="1131774" cy="1493712"/>
+          </a:xfrm>
+          <a:prstGeom prst="rect">
+            <a:avLst/>
+          </a:prstGeom>
+          <a:noFill/>
+          <a:ln w="12700">
+            <a:solidFill>
+              <a:srgbClr val="FF7876"/>
+            </a:solidFill>
+          </a:ln>
+        </p:spPr>
+        <p:txBody>
+          <a:bodyPr wrap="square" rtlCol="0">
+            <a:spAutoFit/>
+          </a:bodyPr>
+          <a:lstStyle/>
+          <a:p>
+            <a:pPr algn="ctr"/>
+            <a:endParaRPr lang="en-US" altLang="ko-Kore-KR" sz="1100" dirty="0"/>
+          </a:p>
+        </p:txBody>
+      </p:sp>
+      <p:cxnSp>
+        <p:nvCxnSpPr>
+          <p:cNvPr id="26" name="직선 화살표 연결선 25">
+            <a:extLst>
+              <a:ext uri="{FF2B5EF4-FFF2-40B4-BE49-F238E27FC236}">
+                <a16:creationId xmlns:a16="http://schemas.microsoft.com/office/drawing/2014/main" id="{A1F68363-603E-124C-84FC-6FCDC6861E39}"/>
+              </a:ext>
+            </a:extLst>
+          </p:cNvPr>
+          <p:cNvCxnSpPr>
+            <a:cxnSpLocks/>
+          </p:cNvCxnSpPr>
+          <p:nvPr/>
+        </p:nvCxnSpPr>
+        <p:spPr>
+          <a:xfrm>
+            <a:off x="1858143" y="3122510"/>
+            <a:ext cx="4469501" cy="665800"/>
+          </a:xfrm>
+          <a:prstGeom prst="straightConnector1">
+            <a:avLst/>
+          </a:prstGeom>
+          <a:ln w="12700">
+            <a:solidFill>
+              <a:srgbClr val="FF7876"/>
+            </a:solidFill>
+            <a:tailEnd type="triangle"/>
           </a:ln>
         </p:spPr>
         <p:style>
@@ -6686,7 +11033,7 @@
     </p:spTree>
     <p:extLst>
       <p:ext uri="{BB962C8B-B14F-4D97-AF65-F5344CB8AC3E}">
-        <p14:creationId xmlns:p14="http://schemas.microsoft.com/office/powerpoint/2010/main" val="1066393970"/>
+        <p14:creationId xmlns:p14="http://schemas.microsoft.com/office/powerpoint/2010/main" val="262562920"/>
       </p:ext>
     </p:extLst>
   </p:cSld>

--- a/6장/20164091-송희령-6주차 과제.pptx
+++ b/6장/20164091-송희령-6주차 과제.pptx
@@ -14,7 +14,18 @@
     <p:sldId id="326" r:id="rId8"/>
     <p:sldId id="328" r:id="rId9"/>
     <p:sldId id="329" r:id="rId10"/>
-    <p:sldId id="258" r:id="rId11"/>
+    <p:sldId id="330" r:id="rId11"/>
+    <p:sldId id="331" r:id="rId12"/>
+    <p:sldId id="332" r:id="rId13"/>
+    <p:sldId id="333" r:id="rId14"/>
+    <p:sldId id="334" r:id="rId15"/>
+    <p:sldId id="335" r:id="rId16"/>
+    <p:sldId id="336" r:id="rId17"/>
+    <p:sldId id="337" r:id="rId18"/>
+    <p:sldId id="338" r:id="rId19"/>
+    <p:sldId id="339" r:id="rId20"/>
+    <p:sldId id="340" r:id="rId21"/>
+    <p:sldId id="258" r:id="rId22"/>
   </p:sldIdLst>
   <p:sldSz cx="12192000" cy="6858000"/>
   <p:notesSz cx="6858000" cy="9144000"/>
@@ -4166,12 +4177,42 @@
           <a:chExt cx="0" cy="0"/>
         </a:xfrm>
       </p:grpSpPr>
-      <p:sp>
-        <p:nvSpPr>
-          <p:cNvPr id="105" name="직사각형 104">
-            <a:extLst>
-              <a:ext uri="{FF2B5EF4-FFF2-40B4-BE49-F238E27FC236}">
-                <a16:creationId xmlns:a16="http://schemas.microsoft.com/office/drawing/2014/main" id="{92F4E01E-679C-4D6B-8449-8DB2AF7B7D34}"/>
+      <p:pic>
+        <p:nvPicPr>
+          <p:cNvPr id="2" name="그림 1">
+            <a:extLst>
+              <a:ext uri="{FF2B5EF4-FFF2-40B4-BE49-F238E27FC236}">
+                <a16:creationId xmlns:a16="http://schemas.microsoft.com/office/drawing/2014/main" id="{3F4B6815-5B47-7243-83CF-7E6235993EE1}"/>
+              </a:ext>
+            </a:extLst>
+          </p:cNvPr>
+          <p:cNvPicPr>
+            <a:picLocks noChangeAspect="1"/>
+          </p:cNvPicPr>
+          <p:nvPr/>
+        </p:nvPicPr>
+        <p:blipFill>
+          <a:blip r:embed="rId2"/>
+          <a:stretch>
+            <a:fillRect/>
+          </a:stretch>
+        </p:blipFill>
+        <p:spPr>
+          <a:xfrm>
+            <a:off x="566184" y="1711001"/>
+            <a:ext cx="5127770" cy="4154617"/>
+          </a:xfrm>
+          <a:prstGeom prst="rect">
+            <a:avLst/>
+          </a:prstGeom>
+        </p:spPr>
+      </p:pic>
+      <p:sp>
+        <p:nvSpPr>
+          <p:cNvPr id="37" name="직사각형 36">
+            <a:extLst>
+              <a:ext uri="{FF2B5EF4-FFF2-40B4-BE49-F238E27FC236}">
+                <a16:creationId xmlns:a16="http://schemas.microsoft.com/office/drawing/2014/main" id="{3F15C60C-17FE-422D-AFCF-73C75A021362}"/>
               </a:ext>
             </a:extLst>
           </p:cNvPr>
@@ -4180,8 +4221,8 @@
         </p:nvSpPr>
         <p:spPr>
           <a:xfrm>
-            <a:off x="3739117" y="3003678"/>
-            <a:ext cx="4713765" cy="1032077"/>
+            <a:off x="3697172" y="332194"/>
+            <a:ext cx="4713765" cy="735842"/>
           </a:xfrm>
           <a:prstGeom prst="rect">
             <a:avLst/>
@@ -4200,79 +4241,22 @@
               <a:defRPr/>
             </a:pPr>
             <a:r>
-              <a:rPr lang="ko-KR" altLang="en-US" sz="3200" b="1" i="1" kern="0">
-                <a:solidFill>
-                  <a:srgbClr val="FF7876"/>
-                </a:solidFill>
-              </a:rPr>
-              <a:t>감사합니다</a:t>
-            </a:r>
-            <a:r>
-              <a:rPr lang="en-US" altLang="ko-KR" sz="3200" b="1" i="1" kern="0">
-                <a:solidFill>
-                  <a:prstClr val="black">
-                    <a:lumMod val="75000"/>
-                    <a:lumOff val="25000"/>
-                  </a:prstClr>
-                </a:solidFill>
-              </a:rPr>
-              <a:t> </a:t>
-            </a:r>
-            <a:endParaRPr lang="en-US" altLang="ko-KR" sz="3200" b="1" i="1" kern="0" dirty="0">
-              <a:solidFill>
-                <a:prstClr val="black">
-                  <a:lumMod val="75000"/>
-                  <a:lumOff val="25000"/>
-                </a:prstClr>
-              </a:solidFill>
-            </a:endParaRPr>
-          </a:p>
-          <a:p>
-            <a:pPr algn="ctr" latinLnBrk="0">
-              <a:lnSpc>
-                <a:spcPct val="150000"/>
-              </a:lnSpc>
-              <a:defRPr/>
-            </a:pPr>
-            <a:r>
-              <a:rPr lang="en-US" altLang="ko-KR" sz="900" kern="0" dirty="0">
-                <a:solidFill>
-                  <a:prstClr val="black">
-                    <a:lumMod val="75000"/>
-                    <a:lumOff val="25000"/>
-                  </a:prstClr>
-                </a:solidFill>
-              </a:rPr>
-              <a:t>20164091 </a:t>
-            </a:r>
-            <a:r>
-              <a:rPr lang="ko-KR" altLang="en-US" sz="900" kern="0" dirty="0">
-                <a:solidFill>
-                  <a:prstClr val="black">
-                    <a:lumMod val="75000"/>
-                    <a:lumOff val="25000"/>
-                  </a:prstClr>
-                </a:solidFill>
-              </a:rPr>
-              <a:t>송희령</a:t>
-            </a:r>
-            <a:endParaRPr lang="en-US" altLang="ko-KR" sz="900" kern="0" dirty="0">
-              <a:solidFill>
-                <a:prstClr val="black">
-                  <a:lumMod val="75000"/>
-                  <a:lumOff val="25000"/>
-                </a:prstClr>
-              </a:solidFill>
-            </a:endParaRPr>
+              <a:rPr lang="en-US" altLang="ko-KR" sz="3200" b="1" i="1" kern="0" dirty="0">
+                <a:solidFill>
+                  <a:srgbClr val="FF7876"/>
+                </a:solidFill>
+              </a:rPr>
+              <a:t>3</a:t>
+            </a:r>
           </a:p>
         </p:txBody>
       </p:sp>
       <p:cxnSp>
         <p:nvCxnSpPr>
-          <p:cNvPr id="25" name="직선 연결선 24">
-            <a:extLst>
-              <a:ext uri="{FF2B5EF4-FFF2-40B4-BE49-F238E27FC236}">
-                <a16:creationId xmlns:a16="http://schemas.microsoft.com/office/drawing/2014/main" id="{5C950320-1D5A-4C58-BB46-CEBCD7EA92EE}"/>
+          <p:cNvPr id="38" name="직선 연결선 37">
+            <a:extLst>
+              <a:ext uri="{FF2B5EF4-FFF2-40B4-BE49-F238E27FC236}">
+                <a16:creationId xmlns:a16="http://schemas.microsoft.com/office/drawing/2014/main" id="{940134F4-F272-426A-B50B-8075427DF501}"/>
               </a:ext>
             </a:extLst>
           </p:cNvPr>
@@ -4283,8 +4267,8 @@
         </p:nvCxnSpPr>
         <p:spPr>
           <a:xfrm flipV="1">
-            <a:off x="859926" y="3518678"/>
-            <a:ext cx="3747936" cy="519"/>
+            <a:off x="843148" y="847712"/>
+            <a:ext cx="4769087" cy="1"/>
           </a:xfrm>
           <a:prstGeom prst="line">
             <a:avLst/>
@@ -4314,10 +4298,10 @@
       </p:cxnSp>
       <p:cxnSp>
         <p:nvCxnSpPr>
-          <p:cNvPr id="26" name="직선 연결선 25">
-            <a:extLst>
-              <a:ext uri="{FF2B5EF4-FFF2-40B4-BE49-F238E27FC236}">
-                <a16:creationId xmlns:a16="http://schemas.microsoft.com/office/drawing/2014/main" id="{4BADCF3C-651C-44CD-8DEE-E875CC3C1444}"/>
+          <p:cNvPr id="39" name="직선 연결선 38">
+            <a:extLst>
+              <a:ext uri="{FF2B5EF4-FFF2-40B4-BE49-F238E27FC236}">
+                <a16:creationId xmlns:a16="http://schemas.microsoft.com/office/drawing/2014/main" id="{55EBD739-0979-4546-8E6B-9CA8052FC540}"/>
               </a:ext>
             </a:extLst>
           </p:cNvPr>
@@ -4328,8 +4312,8 @@
         </p:nvCxnSpPr>
         <p:spPr>
           <a:xfrm flipH="1">
-            <a:off x="7584140" y="3519196"/>
-            <a:ext cx="3688436" cy="0"/>
+            <a:off x="6579767" y="847712"/>
+            <a:ext cx="4692810" cy="0"/>
           </a:xfrm>
           <a:prstGeom prst="line">
             <a:avLst/>
@@ -4340,6 +4324,472 @@
             </a:solidFill>
             <a:prstDash val="sysDash"/>
             <a:tailEnd type="oval"/>
+          </a:ln>
+        </p:spPr>
+        <p:style>
+          <a:lnRef idx="1">
+            <a:schemeClr val="accent1"/>
+          </a:lnRef>
+          <a:fillRef idx="0">
+            <a:schemeClr val="accent1"/>
+          </a:fillRef>
+          <a:effectRef idx="0">
+            <a:schemeClr val="accent1"/>
+          </a:effectRef>
+          <a:fontRef idx="minor">
+            <a:schemeClr val="tx1"/>
+          </a:fontRef>
+        </p:style>
+      </p:cxnSp>
+      <p:sp>
+        <p:nvSpPr>
+          <p:cNvPr id="8" name="TextBox 7">
+            <a:extLst>
+              <a:ext uri="{FF2B5EF4-FFF2-40B4-BE49-F238E27FC236}">
+                <a16:creationId xmlns:a16="http://schemas.microsoft.com/office/drawing/2014/main" id="{C18154B9-4F65-4277-8C17-63D9702FC25F}"/>
+              </a:ext>
+            </a:extLst>
+          </p:cNvPr>
+          <p:cNvSpPr txBox="1"/>
+          <p:nvPr/>
+        </p:nvSpPr>
+        <p:spPr>
+          <a:xfrm>
+            <a:off x="765146" y="963122"/>
+            <a:ext cx="10507430" cy="261610"/>
+          </a:xfrm>
+          <a:prstGeom prst="rect">
+            <a:avLst/>
+          </a:prstGeom>
+          <a:noFill/>
+        </p:spPr>
+        <p:txBody>
+          <a:bodyPr wrap="square" rtlCol="0">
+            <a:spAutoFit/>
+          </a:bodyPr>
+          <a:lstStyle/>
+          <a:p>
+            <a:pPr algn="ctr"/>
+            <a:r>
+              <a:rPr lang="ko-KR" altLang="en-US" sz="1100" i="1" dirty="0" err="1">
+                <a:solidFill>
+                  <a:srgbClr val="FF7876"/>
+                </a:solidFill>
+              </a:rPr>
+              <a:t>순천향</a:t>
+            </a:r>
+            <a:r>
+              <a:rPr lang="ko-KR" altLang="en-US" sz="1100" i="1" dirty="0">
+                <a:solidFill>
+                  <a:srgbClr val="FF7876"/>
+                </a:solidFill>
+              </a:rPr>
+              <a:t> </a:t>
+            </a:r>
+            <a:r>
+              <a:rPr lang="ko-KR" altLang="en-US" sz="1100" i="1" dirty="0" err="1">
+                <a:solidFill>
+                  <a:srgbClr val="FF7876"/>
+                </a:solidFill>
+              </a:rPr>
+              <a:t>서핑대회</a:t>
+            </a:r>
+            <a:r>
+              <a:rPr lang="ko-KR" altLang="en-US" sz="1100" i="1" dirty="0">
+                <a:solidFill>
+                  <a:srgbClr val="FF7876"/>
+                </a:solidFill>
+              </a:rPr>
+              <a:t> </a:t>
+            </a:r>
+            <a:r>
+              <a:rPr lang="en-US" altLang="ko-KR" sz="1100" i="1" dirty="0" err="1">
+                <a:solidFill>
+                  <a:srgbClr val="FF7876"/>
+                </a:solidFill>
+              </a:rPr>
+              <a:t>db</a:t>
+            </a:r>
+            <a:r>
+              <a:rPr lang="ko-KR" altLang="en-US" sz="1100" i="1" dirty="0">
+                <a:solidFill>
+                  <a:srgbClr val="FF7876"/>
+                </a:solidFill>
+              </a:rPr>
+              <a:t>연동 예제 </a:t>
+            </a:r>
+            <a:r>
+              <a:rPr lang="en-US" altLang="ko-KR" sz="1100" i="1" dirty="0">
+                <a:solidFill>
+                  <a:srgbClr val="FF7876"/>
+                </a:solidFill>
+              </a:rPr>
+              <a:t>– </a:t>
+            </a:r>
+            <a:r>
+              <a:rPr lang="ko-KR" altLang="en-US" sz="1100" i="1" dirty="0" err="1">
+                <a:solidFill>
+                  <a:srgbClr val="FF7876"/>
+                </a:solidFill>
+              </a:rPr>
+              <a:t>파이썬</a:t>
+            </a:r>
+            <a:endParaRPr lang="en-US" altLang="ko-KR" sz="1100" i="1" dirty="0">
+              <a:solidFill>
+                <a:srgbClr val="FF7876"/>
+              </a:solidFill>
+            </a:endParaRPr>
+          </a:p>
+        </p:txBody>
+      </p:sp>
+      <p:cxnSp>
+        <p:nvCxnSpPr>
+          <p:cNvPr id="15" name="직선 화살표 연결선 14">
+            <a:extLst>
+              <a:ext uri="{FF2B5EF4-FFF2-40B4-BE49-F238E27FC236}">
+                <a16:creationId xmlns:a16="http://schemas.microsoft.com/office/drawing/2014/main" id="{E1F927A7-554A-E240-A147-D1F4334FBF91}"/>
+              </a:ext>
+            </a:extLst>
+          </p:cNvPr>
+          <p:cNvCxnSpPr>
+            <a:cxnSpLocks/>
+          </p:cNvCxnSpPr>
+          <p:nvPr/>
+        </p:nvCxnSpPr>
+        <p:spPr>
+          <a:xfrm>
+            <a:off x="4078386" y="2605968"/>
+            <a:ext cx="1917812" cy="0"/>
+          </a:xfrm>
+          <a:prstGeom prst="straightConnector1">
+            <a:avLst/>
+          </a:prstGeom>
+          <a:ln w="12700">
+            <a:solidFill>
+              <a:srgbClr val="FF7876"/>
+            </a:solidFill>
+            <a:tailEnd type="triangle"/>
+          </a:ln>
+        </p:spPr>
+        <p:style>
+          <a:lnRef idx="1">
+            <a:schemeClr val="accent1"/>
+          </a:lnRef>
+          <a:fillRef idx="0">
+            <a:schemeClr val="accent1"/>
+          </a:fillRef>
+          <a:effectRef idx="0">
+            <a:schemeClr val="accent1"/>
+          </a:effectRef>
+          <a:fontRef idx="minor">
+            <a:schemeClr val="tx1"/>
+          </a:fontRef>
+        </p:style>
+      </p:cxnSp>
+      <p:sp>
+        <p:nvSpPr>
+          <p:cNvPr id="17" name="TextBox 16">
+            <a:extLst>
+              <a:ext uri="{FF2B5EF4-FFF2-40B4-BE49-F238E27FC236}">
+                <a16:creationId xmlns:a16="http://schemas.microsoft.com/office/drawing/2014/main" id="{FBB57B33-436D-ED47-9BC4-3DFF534B040A}"/>
+              </a:ext>
+            </a:extLst>
+          </p:cNvPr>
+          <p:cNvSpPr txBox="1"/>
+          <p:nvPr/>
+        </p:nvSpPr>
+        <p:spPr>
+          <a:xfrm>
+            <a:off x="5996198" y="2401956"/>
+            <a:ext cx="4810534" cy="430887"/>
+          </a:xfrm>
+          <a:prstGeom prst="rect">
+            <a:avLst/>
+          </a:prstGeom>
+          <a:noFill/>
+          <a:ln w="12700">
+            <a:solidFill>
+              <a:srgbClr val="FF7876"/>
+            </a:solidFill>
+          </a:ln>
+        </p:spPr>
+        <p:txBody>
+          <a:bodyPr wrap="square" rtlCol="0">
+            <a:spAutoFit/>
+          </a:bodyPr>
+          <a:lstStyle/>
+          <a:p>
+            <a:pPr algn="ctr"/>
+            <a:r>
+              <a:rPr lang="ko-KR" altLang="en-US" sz="1100" dirty="0" err="1"/>
+              <a:t>초기화면인</a:t>
+            </a:r>
+            <a:r>
+              <a:rPr lang="ko-KR" altLang="en-US" sz="1100" dirty="0"/>
+              <a:t> </a:t>
+            </a:r>
+            <a:r>
+              <a:rPr lang="en-US" altLang="ko-KR" sz="1100" dirty="0" err="1"/>
+              <a:t>SoonSurf</a:t>
+            </a:r>
+            <a:r>
+              <a:rPr lang="ko-KR" altLang="en-US" sz="1100" dirty="0"/>
+              <a:t>에 </a:t>
+            </a:r>
+            <a:r>
+              <a:rPr lang="ko-KR" altLang="en-US" sz="1100" dirty="0" err="1"/>
+              <a:t>접속했을때</a:t>
+            </a:r>
+            <a:r>
+              <a:rPr lang="ko-KR" altLang="en-US" sz="1100" dirty="0"/>
+              <a:t> 실행됩니다</a:t>
+            </a:r>
+            <a:r>
+              <a:rPr lang="en-US" altLang="ko-KR" sz="1100" dirty="0"/>
+              <a:t>.</a:t>
+            </a:r>
+          </a:p>
+          <a:p>
+            <a:pPr algn="ctr"/>
+            <a:r>
+              <a:rPr lang="en-US" altLang="ko-KR" sz="1100" dirty="0" err="1"/>
+              <a:t>loginForm.html</a:t>
+            </a:r>
+            <a:r>
+              <a:rPr lang="ko-KR" altLang="en-US" sz="1100" dirty="0"/>
+              <a:t>을 렌더링하여 </a:t>
+            </a:r>
+            <a:r>
+              <a:rPr lang="ko-KR" altLang="en-US" sz="1100" dirty="0" err="1"/>
+              <a:t>출력하게합니다</a:t>
+            </a:r>
+            <a:r>
+              <a:rPr lang="en-US" altLang="ko-KR" sz="1100" dirty="0"/>
+              <a:t>.</a:t>
+            </a:r>
+            <a:endParaRPr lang="en-US" altLang="ko-Kore-KR" sz="1100" dirty="0"/>
+          </a:p>
+        </p:txBody>
+      </p:sp>
+      <p:sp>
+        <p:nvSpPr>
+          <p:cNvPr id="22" name="TextBox 21">
+            <a:extLst>
+              <a:ext uri="{FF2B5EF4-FFF2-40B4-BE49-F238E27FC236}">
+                <a16:creationId xmlns:a16="http://schemas.microsoft.com/office/drawing/2014/main" id="{36D277C1-6137-1B46-AC33-7BB417F20BCC}"/>
+              </a:ext>
+            </a:extLst>
+          </p:cNvPr>
+          <p:cNvSpPr txBox="1"/>
+          <p:nvPr/>
+        </p:nvSpPr>
+        <p:spPr>
+          <a:xfrm>
+            <a:off x="6279419" y="3213556"/>
+            <a:ext cx="4810534" cy="938719"/>
+          </a:xfrm>
+          <a:prstGeom prst="rect">
+            <a:avLst/>
+          </a:prstGeom>
+          <a:noFill/>
+          <a:ln w="12700">
+            <a:solidFill>
+              <a:srgbClr val="FF7876"/>
+            </a:solidFill>
+          </a:ln>
+        </p:spPr>
+        <p:txBody>
+          <a:bodyPr wrap="square" rtlCol="0">
+            <a:spAutoFit/>
+          </a:bodyPr>
+          <a:lstStyle/>
+          <a:p>
+            <a:pPr algn="ctr"/>
+            <a:r>
+              <a:rPr lang="ko-KR" altLang="en-US" sz="1100" dirty="0"/>
+              <a:t>화면에서 로그인버튼을 누르면 실행되는 부분입니다</a:t>
+            </a:r>
+            <a:r>
+              <a:rPr lang="en-US" altLang="ko-KR" sz="1100" dirty="0"/>
+              <a:t>.</a:t>
+            </a:r>
+          </a:p>
+          <a:p>
+            <a:pPr algn="ctr"/>
+            <a:r>
+              <a:rPr lang="en-US" altLang="ko-Kore-KR" sz="1100" dirty="0"/>
+              <a:t>POST</a:t>
+            </a:r>
+            <a:r>
+              <a:rPr lang="ko-KR" altLang="en-US" sz="1100" dirty="0"/>
+              <a:t>형식으로 데이터를 가져오며 </a:t>
+            </a:r>
+            <a:r>
+              <a:rPr lang="en-US" altLang="ko-KR" sz="1100" dirty="0"/>
+              <a:t>id</a:t>
+            </a:r>
+            <a:r>
+              <a:rPr lang="ko-KR" altLang="en-US" sz="1100" dirty="0"/>
+              <a:t>값과 </a:t>
+            </a:r>
+            <a:r>
+              <a:rPr lang="en-US" altLang="ko-KR" sz="1100" dirty="0"/>
+              <a:t>passwd</a:t>
+            </a:r>
+            <a:r>
+              <a:rPr lang="ko-KR" altLang="en-US" sz="1100" dirty="0"/>
+              <a:t>값을 가져와서</a:t>
+            </a:r>
+            <a:endParaRPr lang="en-US" altLang="ko-KR" sz="1100" dirty="0"/>
+          </a:p>
+          <a:p>
+            <a:pPr algn="ctr"/>
+            <a:r>
+              <a:rPr lang="ko-KR" altLang="en-US" sz="1100" dirty="0"/>
+              <a:t>계정정보들이 담겨있는 </a:t>
+            </a:r>
+            <a:r>
+              <a:rPr lang="en-US" altLang="ko-KR" sz="1100" dirty="0" err="1"/>
+              <a:t>member.db</a:t>
+            </a:r>
+            <a:r>
+              <a:rPr lang="ko-KR" altLang="en-US" sz="1100" dirty="0"/>
+              <a:t>에 검색해서</a:t>
+            </a:r>
+            <a:endParaRPr lang="en-US" altLang="ko-KR" sz="1100" dirty="0"/>
+          </a:p>
+          <a:p>
+            <a:pPr algn="ctr"/>
+            <a:r>
+              <a:rPr lang="ko-KR" altLang="en-US" sz="1100" dirty="0"/>
+              <a:t>해당 정보가 일치하면 </a:t>
+            </a:r>
+            <a:r>
+              <a:rPr lang="en-US" altLang="ko-KR" sz="1100" dirty="0" err="1"/>
+              <a:t>surfForm.html</a:t>
+            </a:r>
+            <a:r>
+              <a:rPr lang="ko-KR" altLang="en-US" sz="1100" dirty="0"/>
+              <a:t>을 렌더링하여 보여주고</a:t>
+            </a:r>
+            <a:endParaRPr lang="en-US" altLang="ko-KR" sz="1100" dirty="0"/>
+          </a:p>
+          <a:p>
+            <a:pPr algn="ctr"/>
+            <a:r>
+              <a:rPr lang="ko-KR" altLang="en-US" sz="1100" dirty="0"/>
+              <a:t>아닌 경우 로그인 에러를 출력하는 페이지를 보여주게 합니다</a:t>
+            </a:r>
+            <a:r>
+              <a:rPr lang="en-US" altLang="ko-KR" sz="1100" dirty="0"/>
+              <a:t>.</a:t>
+            </a:r>
+          </a:p>
+        </p:txBody>
+      </p:sp>
+      <p:sp>
+        <p:nvSpPr>
+          <p:cNvPr id="16" name="TextBox 15">
+            <a:extLst>
+              <a:ext uri="{FF2B5EF4-FFF2-40B4-BE49-F238E27FC236}">
+                <a16:creationId xmlns:a16="http://schemas.microsoft.com/office/drawing/2014/main" id="{A1177A5E-D494-7B47-BA65-B194E01DDBB1}"/>
+              </a:ext>
+            </a:extLst>
+          </p:cNvPr>
+          <p:cNvSpPr txBox="1"/>
+          <p:nvPr/>
+        </p:nvSpPr>
+        <p:spPr>
+          <a:xfrm>
+            <a:off x="566184" y="2491453"/>
+            <a:ext cx="3512202" cy="510667"/>
+          </a:xfrm>
+          <a:prstGeom prst="rect">
+            <a:avLst/>
+          </a:prstGeom>
+          <a:noFill/>
+          <a:ln w="12700">
+            <a:solidFill>
+              <a:srgbClr val="FF7876"/>
+            </a:solidFill>
+          </a:ln>
+        </p:spPr>
+        <p:txBody>
+          <a:bodyPr wrap="square" rtlCol="0">
+            <a:spAutoFit/>
+          </a:bodyPr>
+          <a:lstStyle/>
+          <a:p>
+            <a:pPr algn="ctr"/>
+            <a:endParaRPr lang="en-US" altLang="ko-Kore-KR" sz="1100" dirty="0"/>
+          </a:p>
+        </p:txBody>
+      </p:sp>
+      <p:sp>
+        <p:nvSpPr>
+          <p:cNvPr id="18" name="TextBox 17">
+            <a:extLst>
+              <a:ext uri="{FF2B5EF4-FFF2-40B4-BE49-F238E27FC236}">
+                <a16:creationId xmlns:a16="http://schemas.microsoft.com/office/drawing/2014/main" id="{74FA1D4D-C9F9-F34E-884B-3222D27F07E3}"/>
+              </a:ext>
+            </a:extLst>
+          </p:cNvPr>
+          <p:cNvSpPr txBox="1"/>
+          <p:nvPr/>
+        </p:nvSpPr>
+        <p:spPr>
+          <a:xfrm>
+            <a:off x="601049" y="3158781"/>
+            <a:ext cx="5035462" cy="2714897"/>
+          </a:xfrm>
+          <a:prstGeom prst="rect">
+            <a:avLst/>
+          </a:prstGeom>
+          <a:noFill/>
+          <a:ln w="12700">
+            <a:solidFill>
+              <a:srgbClr val="FF7876"/>
+            </a:solidFill>
+          </a:ln>
+        </p:spPr>
+        <p:txBody>
+          <a:bodyPr wrap="square" rtlCol="0">
+            <a:spAutoFit/>
+          </a:bodyPr>
+          <a:lstStyle/>
+          <a:p>
+            <a:pPr algn="ctr"/>
+            <a:endParaRPr lang="en-US" altLang="ko-Kore-KR" sz="1100" dirty="0"/>
+          </a:p>
+        </p:txBody>
+      </p:sp>
+      <p:cxnSp>
+        <p:nvCxnSpPr>
+          <p:cNvPr id="20" name="직선 화살표 연결선 19">
+            <a:extLst>
+              <a:ext uri="{FF2B5EF4-FFF2-40B4-BE49-F238E27FC236}">
+                <a16:creationId xmlns:a16="http://schemas.microsoft.com/office/drawing/2014/main" id="{F60DBCB6-6AF3-1A4E-AC01-64F074D7A322}"/>
+              </a:ext>
+            </a:extLst>
+          </p:cNvPr>
+          <p:cNvCxnSpPr>
+            <a:cxnSpLocks/>
+          </p:cNvCxnSpPr>
+          <p:nvPr/>
+        </p:nvCxnSpPr>
+        <p:spPr>
+          <a:xfrm>
+            <a:off x="5636511" y="3429000"/>
+            <a:ext cx="642908" cy="0"/>
+          </a:xfrm>
+          <a:prstGeom prst="straightConnector1">
+            <a:avLst/>
+          </a:prstGeom>
+          <a:ln w="12700">
+            <a:solidFill>
+              <a:srgbClr val="FF7876"/>
+            </a:solidFill>
+            <a:tailEnd type="triangle"/>
           </a:ln>
         </p:spPr>
         <p:style>
@@ -4360,7 +4810,5520 @@
     </p:spTree>
     <p:extLst>
       <p:ext uri="{BB962C8B-B14F-4D97-AF65-F5344CB8AC3E}">
-        <p14:creationId xmlns:p14="http://schemas.microsoft.com/office/powerpoint/2010/main" val="1066393970"/>
+        <p14:creationId xmlns:p14="http://schemas.microsoft.com/office/powerpoint/2010/main" val="3231432546"/>
+      </p:ext>
+    </p:extLst>
+  </p:cSld>
+  <p:clrMapOvr>
+    <a:masterClrMapping/>
+  </p:clrMapOvr>
+</p:sld>
+</file>
+
+<file path=ppt/slides/slide11.xml><?xml version="1.0" encoding="utf-8"?>
+<p:sld xmlns:a="http://schemas.openxmlformats.org/drawingml/2006/main" xmlns:r="http://schemas.openxmlformats.org/officeDocument/2006/relationships" xmlns:p="http://schemas.openxmlformats.org/presentationml/2006/main">
+  <p:cSld>
+    <p:spTree>
+      <p:nvGrpSpPr>
+        <p:cNvPr id="1" name=""/>
+        <p:cNvGrpSpPr/>
+        <p:nvPr/>
+      </p:nvGrpSpPr>
+      <p:grpSpPr>
+        <a:xfrm>
+          <a:off x="0" y="0"/>
+          <a:ext cx="0" cy="0"/>
+          <a:chOff x="0" y="0"/>
+          <a:chExt cx="0" cy="0"/>
+        </a:xfrm>
+      </p:grpSpPr>
+      <p:pic>
+        <p:nvPicPr>
+          <p:cNvPr id="3" name="그림 2">
+            <a:extLst>
+              <a:ext uri="{FF2B5EF4-FFF2-40B4-BE49-F238E27FC236}">
+                <a16:creationId xmlns:a16="http://schemas.microsoft.com/office/drawing/2014/main" id="{492F0DC5-0BC5-7142-8259-9FE9F4898FC3}"/>
+              </a:ext>
+            </a:extLst>
+          </p:cNvPr>
+          <p:cNvPicPr>
+            <a:picLocks noChangeAspect="1"/>
+          </p:cNvPicPr>
+          <p:nvPr/>
+        </p:nvPicPr>
+        <p:blipFill>
+          <a:blip r:embed="rId2"/>
+          <a:stretch>
+            <a:fillRect/>
+          </a:stretch>
+        </p:blipFill>
+        <p:spPr>
+          <a:xfrm>
+            <a:off x="159744" y="1777544"/>
+            <a:ext cx="5688811" cy="3612925"/>
+          </a:xfrm>
+          <a:prstGeom prst="rect">
+            <a:avLst/>
+          </a:prstGeom>
+        </p:spPr>
+      </p:pic>
+      <p:sp>
+        <p:nvSpPr>
+          <p:cNvPr id="37" name="직사각형 36">
+            <a:extLst>
+              <a:ext uri="{FF2B5EF4-FFF2-40B4-BE49-F238E27FC236}">
+                <a16:creationId xmlns:a16="http://schemas.microsoft.com/office/drawing/2014/main" id="{3F15C60C-17FE-422D-AFCF-73C75A021362}"/>
+              </a:ext>
+            </a:extLst>
+          </p:cNvPr>
+          <p:cNvSpPr/>
+          <p:nvPr/>
+        </p:nvSpPr>
+        <p:spPr>
+          <a:xfrm>
+            <a:off x="3697172" y="332194"/>
+            <a:ext cx="4713765" cy="735842"/>
+          </a:xfrm>
+          <a:prstGeom prst="rect">
+            <a:avLst/>
+          </a:prstGeom>
+        </p:spPr>
+        <p:txBody>
+          <a:bodyPr wrap="square">
+            <a:spAutoFit/>
+          </a:bodyPr>
+          <a:lstStyle/>
+          <a:p>
+            <a:pPr algn="ctr" latinLnBrk="0">
+              <a:lnSpc>
+                <a:spcPct val="150000"/>
+              </a:lnSpc>
+              <a:defRPr/>
+            </a:pPr>
+            <a:r>
+              <a:rPr lang="en-US" altLang="ko-KR" sz="3200" b="1" i="1" kern="0" dirty="0">
+                <a:solidFill>
+                  <a:srgbClr val="FF7876"/>
+                </a:solidFill>
+              </a:rPr>
+              <a:t>3</a:t>
+            </a:r>
+          </a:p>
+        </p:txBody>
+      </p:sp>
+      <p:cxnSp>
+        <p:nvCxnSpPr>
+          <p:cNvPr id="38" name="직선 연결선 37">
+            <a:extLst>
+              <a:ext uri="{FF2B5EF4-FFF2-40B4-BE49-F238E27FC236}">
+                <a16:creationId xmlns:a16="http://schemas.microsoft.com/office/drawing/2014/main" id="{940134F4-F272-426A-B50B-8075427DF501}"/>
+              </a:ext>
+            </a:extLst>
+          </p:cNvPr>
+          <p:cNvCxnSpPr>
+            <a:cxnSpLocks/>
+          </p:cNvCxnSpPr>
+          <p:nvPr/>
+        </p:nvCxnSpPr>
+        <p:spPr>
+          <a:xfrm flipV="1">
+            <a:off x="843148" y="847712"/>
+            <a:ext cx="4769087" cy="1"/>
+          </a:xfrm>
+          <a:prstGeom prst="line">
+            <a:avLst/>
+          </a:prstGeom>
+          <a:ln w="6350">
+            <a:solidFill>
+              <a:srgbClr val="FF7876"/>
+            </a:solidFill>
+            <a:prstDash val="sysDash"/>
+            <a:tailEnd type="oval"/>
+          </a:ln>
+        </p:spPr>
+        <p:style>
+          <a:lnRef idx="1">
+            <a:schemeClr val="accent1"/>
+          </a:lnRef>
+          <a:fillRef idx="0">
+            <a:schemeClr val="accent1"/>
+          </a:fillRef>
+          <a:effectRef idx="0">
+            <a:schemeClr val="accent1"/>
+          </a:effectRef>
+          <a:fontRef idx="minor">
+            <a:schemeClr val="tx1"/>
+          </a:fontRef>
+        </p:style>
+      </p:cxnSp>
+      <p:cxnSp>
+        <p:nvCxnSpPr>
+          <p:cNvPr id="39" name="직선 연결선 38">
+            <a:extLst>
+              <a:ext uri="{FF2B5EF4-FFF2-40B4-BE49-F238E27FC236}">
+                <a16:creationId xmlns:a16="http://schemas.microsoft.com/office/drawing/2014/main" id="{55EBD739-0979-4546-8E6B-9CA8052FC540}"/>
+              </a:ext>
+            </a:extLst>
+          </p:cNvPr>
+          <p:cNvCxnSpPr>
+            <a:cxnSpLocks/>
+          </p:cNvCxnSpPr>
+          <p:nvPr/>
+        </p:nvCxnSpPr>
+        <p:spPr>
+          <a:xfrm flipH="1">
+            <a:off x="6579767" y="847712"/>
+            <a:ext cx="4692810" cy="0"/>
+          </a:xfrm>
+          <a:prstGeom prst="line">
+            <a:avLst/>
+          </a:prstGeom>
+          <a:ln w="6350">
+            <a:solidFill>
+              <a:srgbClr val="FF7876"/>
+            </a:solidFill>
+            <a:prstDash val="sysDash"/>
+            <a:tailEnd type="oval"/>
+          </a:ln>
+        </p:spPr>
+        <p:style>
+          <a:lnRef idx="1">
+            <a:schemeClr val="accent1"/>
+          </a:lnRef>
+          <a:fillRef idx="0">
+            <a:schemeClr val="accent1"/>
+          </a:fillRef>
+          <a:effectRef idx="0">
+            <a:schemeClr val="accent1"/>
+          </a:effectRef>
+          <a:fontRef idx="minor">
+            <a:schemeClr val="tx1"/>
+          </a:fontRef>
+        </p:style>
+      </p:cxnSp>
+      <p:sp>
+        <p:nvSpPr>
+          <p:cNvPr id="8" name="TextBox 7">
+            <a:extLst>
+              <a:ext uri="{FF2B5EF4-FFF2-40B4-BE49-F238E27FC236}">
+                <a16:creationId xmlns:a16="http://schemas.microsoft.com/office/drawing/2014/main" id="{C18154B9-4F65-4277-8C17-63D9702FC25F}"/>
+              </a:ext>
+            </a:extLst>
+          </p:cNvPr>
+          <p:cNvSpPr txBox="1"/>
+          <p:nvPr/>
+        </p:nvSpPr>
+        <p:spPr>
+          <a:xfrm>
+            <a:off x="765146" y="963122"/>
+            <a:ext cx="10507430" cy="261610"/>
+          </a:xfrm>
+          <a:prstGeom prst="rect">
+            <a:avLst/>
+          </a:prstGeom>
+          <a:noFill/>
+        </p:spPr>
+        <p:txBody>
+          <a:bodyPr wrap="square" rtlCol="0">
+            <a:spAutoFit/>
+          </a:bodyPr>
+          <a:lstStyle/>
+          <a:p>
+            <a:pPr algn="ctr"/>
+            <a:r>
+              <a:rPr lang="ko-KR" altLang="en-US" sz="1100" i="1" dirty="0" err="1">
+                <a:solidFill>
+                  <a:srgbClr val="FF7876"/>
+                </a:solidFill>
+              </a:rPr>
+              <a:t>순천향</a:t>
+            </a:r>
+            <a:r>
+              <a:rPr lang="ko-KR" altLang="en-US" sz="1100" i="1" dirty="0">
+                <a:solidFill>
+                  <a:srgbClr val="FF7876"/>
+                </a:solidFill>
+              </a:rPr>
+              <a:t> </a:t>
+            </a:r>
+            <a:r>
+              <a:rPr lang="ko-KR" altLang="en-US" sz="1100" i="1" dirty="0" err="1">
+                <a:solidFill>
+                  <a:srgbClr val="FF7876"/>
+                </a:solidFill>
+              </a:rPr>
+              <a:t>서핑대회</a:t>
+            </a:r>
+            <a:r>
+              <a:rPr lang="ko-KR" altLang="en-US" sz="1100" i="1" dirty="0">
+                <a:solidFill>
+                  <a:srgbClr val="FF7876"/>
+                </a:solidFill>
+              </a:rPr>
+              <a:t> </a:t>
+            </a:r>
+            <a:r>
+              <a:rPr lang="en-US" altLang="ko-KR" sz="1100" i="1" dirty="0" err="1">
+                <a:solidFill>
+                  <a:srgbClr val="FF7876"/>
+                </a:solidFill>
+              </a:rPr>
+              <a:t>db</a:t>
+            </a:r>
+            <a:r>
+              <a:rPr lang="ko-KR" altLang="en-US" sz="1100" i="1" dirty="0">
+                <a:solidFill>
+                  <a:srgbClr val="FF7876"/>
+                </a:solidFill>
+              </a:rPr>
+              <a:t>연동 예제 </a:t>
+            </a:r>
+            <a:r>
+              <a:rPr lang="en-US" altLang="ko-KR" sz="1100" i="1" dirty="0">
+                <a:solidFill>
+                  <a:srgbClr val="FF7876"/>
+                </a:solidFill>
+              </a:rPr>
+              <a:t>– </a:t>
+            </a:r>
+            <a:r>
+              <a:rPr lang="ko-KR" altLang="en-US" sz="1100" i="1" dirty="0" err="1">
+                <a:solidFill>
+                  <a:srgbClr val="FF7876"/>
+                </a:solidFill>
+              </a:rPr>
+              <a:t>파이썬</a:t>
+            </a:r>
+            <a:endParaRPr lang="en-US" altLang="ko-KR" sz="1100" i="1" dirty="0">
+              <a:solidFill>
+                <a:srgbClr val="FF7876"/>
+              </a:solidFill>
+            </a:endParaRPr>
+          </a:p>
+        </p:txBody>
+      </p:sp>
+      <p:cxnSp>
+        <p:nvCxnSpPr>
+          <p:cNvPr id="15" name="직선 화살표 연결선 14">
+            <a:extLst>
+              <a:ext uri="{FF2B5EF4-FFF2-40B4-BE49-F238E27FC236}">
+                <a16:creationId xmlns:a16="http://schemas.microsoft.com/office/drawing/2014/main" id="{E1F927A7-554A-E240-A147-D1F4334FBF91}"/>
+              </a:ext>
+            </a:extLst>
+          </p:cNvPr>
+          <p:cNvCxnSpPr>
+            <a:cxnSpLocks/>
+          </p:cNvCxnSpPr>
+          <p:nvPr/>
+        </p:nvCxnSpPr>
+        <p:spPr>
+          <a:xfrm>
+            <a:off x="3325827" y="1958605"/>
+            <a:ext cx="2597543" cy="0"/>
+          </a:xfrm>
+          <a:prstGeom prst="straightConnector1">
+            <a:avLst/>
+          </a:prstGeom>
+          <a:ln w="12700">
+            <a:solidFill>
+              <a:srgbClr val="FF7876"/>
+            </a:solidFill>
+            <a:tailEnd type="triangle"/>
+          </a:ln>
+        </p:spPr>
+        <p:style>
+          <a:lnRef idx="1">
+            <a:schemeClr val="accent1"/>
+          </a:lnRef>
+          <a:fillRef idx="0">
+            <a:schemeClr val="accent1"/>
+          </a:fillRef>
+          <a:effectRef idx="0">
+            <a:schemeClr val="accent1"/>
+          </a:effectRef>
+          <a:fontRef idx="minor">
+            <a:schemeClr val="tx1"/>
+          </a:fontRef>
+        </p:style>
+      </p:cxnSp>
+      <p:sp>
+        <p:nvSpPr>
+          <p:cNvPr id="17" name="TextBox 16">
+            <a:extLst>
+              <a:ext uri="{FF2B5EF4-FFF2-40B4-BE49-F238E27FC236}">
+                <a16:creationId xmlns:a16="http://schemas.microsoft.com/office/drawing/2014/main" id="{FBB57B33-436D-ED47-9BC4-3DFF534B040A}"/>
+              </a:ext>
+            </a:extLst>
+          </p:cNvPr>
+          <p:cNvSpPr txBox="1"/>
+          <p:nvPr/>
+        </p:nvSpPr>
+        <p:spPr>
+          <a:xfrm>
+            <a:off x="5990333" y="1739282"/>
+            <a:ext cx="4810534" cy="430887"/>
+          </a:xfrm>
+          <a:prstGeom prst="rect">
+            <a:avLst/>
+          </a:prstGeom>
+          <a:noFill/>
+          <a:ln w="12700">
+            <a:solidFill>
+              <a:srgbClr val="FF7876"/>
+            </a:solidFill>
+          </a:ln>
+        </p:spPr>
+        <p:txBody>
+          <a:bodyPr wrap="square" rtlCol="0">
+            <a:spAutoFit/>
+          </a:bodyPr>
+          <a:lstStyle/>
+          <a:p>
+            <a:pPr algn="ctr"/>
+            <a:r>
+              <a:rPr lang="ko-Kore-KR" altLang="en-US" sz="1100" dirty="0"/>
+              <a:t>초기화면에서</a:t>
+            </a:r>
+            <a:r>
+              <a:rPr lang="ko-KR" altLang="en-US" sz="1100" dirty="0"/>
+              <a:t> 회원가입을 </a:t>
+            </a:r>
+            <a:r>
+              <a:rPr lang="ko-KR" altLang="en-US" sz="1100" dirty="0" err="1"/>
+              <a:t>누른경우</a:t>
+            </a:r>
+            <a:r>
+              <a:rPr lang="ko-KR" altLang="en-US" sz="1100" dirty="0"/>
+              <a:t> 실행될 부분입니다</a:t>
+            </a:r>
+            <a:r>
+              <a:rPr lang="en-US" altLang="ko-KR" sz="1100" dirty="0"/>
+              <a:t>.</a:t>
+            </a:r>
+          </a:p>
+          <a:p>
+            <a:pPr algn="ctr"/>
+            <a:r>
+              <a:rPr lang="ko-KR" altLang="en-US" sz="1100" dirty="0"/>
+              <a:t>회원가입양식을 담은 </a:t>
+            </a:r>
+            <a:r>
+              <a:rPr lang="en-US" altLang="ko-Kore-KR" sz="1100" dirty="0" err="1"/>
+              <a:t>memForm.html</a:t>
+            </a:r>
+            <a:r>
+              <a:rPr lang="ko-KR" altLang="en-US" sz="1100" dirty="0"/>
+              <a:t>을 렌더링하여 보여줍니다</a:t>
+            </a:r>
+            <a:r>
+              <a:rPr lang="en-US" altLang="ko-KR" sz="1100" dirty="0"/>
+              <a:t>.</a:t>
+            </a:r>
+            <a:endParaRPr lang="en-US" altLang="ko-Kore-KR" sz="1100" dirty="0"/>
+          </a:p>
+        </p:txBody>
+      </p:sp>
+      <p:sp>
+        <p:nvSpPr>
+          <p:cNvPr id="22" name="TextBox 21">
+            <a:extLst>
+              <a:ext uri="{FF2B5EF4-FFF2-40B4-BE49-F238E27FC236}">
+                <a16:creationId xmlns:a16="http://schemas.microsoft.com/office/drawing/2014/main" id="{36D277C1-6137-1B46-AC33-7BB417F20BCC}"/>
+              </a:ext>
+            </a:extLst>
+          </p:cNvPr>
+          <p:cNvSpPr txBox="1"/>
+          <p:nvPr/>
+        </p:nvSpPr>
+        <p:spPr>
+          <a:xfrm>
+            <a:off x="6279419" y="3213556"/>
+            <a:ext cx="4810534" cy="1107996"/>
+          </a:xfrm>
+          <a:prstGeom prst="rect">
+            <a:avLst/>
+          </a:prstGeom>
+          <a:noFill/>
+          <a:ln w="12700">
+            <a:solidFill>
+              <a:srgbClr val="FF7876"/>
+            </a:solidFill>
+          </a:ln>
+        </p:spPr>
+        <p:txBody>
+          <a:bodyPr wrap="square" rtlCol="0">
+            <a:spAutoFit/>
+          </a:bodyPr>
+          <a:lstStyle/>
+          <a:p>
+            <a:pPr algn="ctr"/>
+            <a:r>
+              <a:rPr lang="ko-KR" altLang="en-US" sz="1100" dirty="0"/>
+              <a:t>회원가입창인 </a:t>
+            </a:r>
+            <a:r>
+              <a:rPr lang="en-US" altLang="ko-KR" sz="1100" dirty="0" err="1"/>
+              <a:t>memForm.html</a:t>
+            </a:r>
+            <a:r>
+              <a:rPr lang="ko-KR" altLang="en-US" sz="1100" dirty="0"/>
+              <a:t>에서</a:t>
+            </a:r>
+            <a:endParaRPr lang="en-US" altLang="ko-KR" sz="1100" dirty="0"/>
+          </a:p>
+          <a:p>
+            <a:pPr algn="ctr"/>
+            <a:r>
+              <a:rPr lang="ko-KR" altLang="en-US" sz="1100" dirty="0"/>
+              <a:t>회원가입에 필요한 아이디</a:t>
+            </a:r>
+            <a:r>
+              <a:rPr lang="en-US" altLang="ko-KR" sz="1100" dirty="0"/>
+              <a:t>,</a:t>
+            </a:r>
+            <a:r>
+              <a:rPr lang="ko-KR" altLang="en-US" sz="1100" dirty="0"/>
+              <a:t> 비밀번호</a:t>
+            </a:r>
+            <a:r>
+              <a:rPr lang="en-US" altLang="ko-KR" sz="1100" dirty="0"/>
+              <a:t>,</a:t>
+            </a:r>
+            <a:r>
+              <a:rPr lang="ko-KR" altLang="en-US" sz="1100" dirty="0"/>
+              <a:t> </a:t>
+            </a:r>
+            <a:r>
+              <a:rPr lang="ko-KR" altLang="en-US" sz="1100" dirty="0" err="1"/>
+              <a:t>이름정보와</a:t>
+            </a:r>
+            <a:endParaRPr lang="en-US" altLang="ko-KR" sz="1100" dirty="0"/>
+          </a:p>
+          <a:p>
+            <a:pPr algn="ctr"/>
+            <a:r>
+              <a:rPr lang="ko-KR" altLang="en-US" sz="1100" dirty="0" err="1"/>
+              <a:t>현재시간을</a:t>
+            </a:r>
+            <a:r>
+              <a:rPr lang="ko-KR" altLang="en-US" sz="1100" dirty="0"/>
+              <a:t> 각 변수에 할당하고 이후 회원정보가 담긴 </a:t>
+            </a:r>
+            <a:r>
+              <a:rPr lang="en-US" altLang="ko-KR" sz="1100" dirty="0" err="1"/>
+              <a:t>member.db</a:t>
+            </a:r>
+            <a:r>
+              <a:rPr lang="ko-KR" altLang="en-US" sz="1100" dirty="0"/>
+              <a:t>에</a:t>
+            </a:r>
+            <a:endParaRPr lang="en-US" altLang="ko-KR" sz="1100" dirty="0"/>
+          </a:p>
+          <a:p>
+            <a:pPr algn="ctr"/>
+            <a:r>
+              <a:rPr lang="ko-KR" altLang="en-US" sz="1100" dirty="0"/>
+              <a:t>새로운 회원정보를 </a:t>
+            </a:r>
+            <a:r>
+              <a:rPr lang="ko-KR" altLang="en-US" sz="1100" dirty="0" err="1"/>
+              <a:t>입력하게합니다</a:t>
+            </a:r>
+            <a:r>
+              <a:rPr lang="en-US" altLang="ko-KR" sz="1100" dirty="0"/>
+              <a:t>.</a:t>
+            </a:r>
+          </a:p>
+          <a:p>
+            <a:pPr algn="ctr"/>
+            <a:r>
+              <a:rPr lang="ko-KR" altLang="en-US" sz="1100" dirty="0"/>
+              <a:t>입력 후 </a:t>
+            </a:r>
+            <a:r>
+              <a:rPr lang="en-US" altLang="ko-KR" sz="1100" dirty="0"/>
+              <a:t>DB</a:t>
+            </a:r>
+            <a:r>
+              <a:rPr lang="ko-KR" altLang="en-US" sz="1100" dirty="0"/>
+              <a:t>에 </a:t>
+            </a:r>
+            <a:r>
+              <a:rPr lang="ko-KR" altLang="en-US" sz="1100" dirty="0" err="1"/>
+              <a:t>커밋명령과</a:t>
+            </a:r>
+            <a:r>
+              <a:rPr lang="ko-KR" altLang="en-US" sz="1100" dirty="0"/>
+              <a:t> </a:t>
+            </a:r>
+            <a:r>
+              <a:rPr lang="ko-KR" altLang="en-US" sz="1100" dirty="0" err="1"/>
+              <a:t>연결종료</a:t>
+            </a:r>
+            <a:r>
+              <a:rPr lang="ko-KR" altLang="en-US" sz="1100" dirty="0"/>
+              <a:t> 이후 해당 정보들을 확인시키기위해</a:t>
+            </a:r>
+            <a:endParaRPr lang="en-US" altLang="ko-KR" sz="1100" dirty="0"/>
+          </a:p>
+          <a:p>
+            <a:pPr algn="ctr"/>
+            <a:r>
+              <a:rPr lang="ko-KR" altLang="en-US" sz="1100" dirty="0"/>
+              <a:t>입력했던 정보들을 화면에 출력하게 합니다</a:t>
+            </a:r>
+            <a:r>
+              <a:rPr lang="en-US" altLang="ko-KR" sz="1100" dirty="0"/>
+              <a:t>.</a:t>
+            </a:r>
+          </a:p>
+        </p:txBody>
+      </p:sp>
+      <p:sp>
+        <p:nvSpPr>
+          <p:cNvPr id="16" name="TextBox 15">
+            <a:extLst>
+              <a:ext uri="{FF2B5EF4-FFF2-40B4-BE49-F238E27FC236}">
+                <a16:creationId xmlns:a16="http://schemas.microsoft.com/office/drawing/2014/main" id="{A1177A5E-D494-7B47-BA65-B194E01DDBB1}"/>
+              </a:ext>
+            </a:extLst>
+          </p:cNvPr>
+          <p:cNvSpPr txBox="1"/>
+          <p:nvPr/>
+        </p:nvSpPr>
+        <p:spPr>
+          <a:xfrm>
+            <a:off x="151652" y="1777544"/>
+            <a:ext cx="3174175" cy="510667"/>
+          </a:xfrm>
+          <a:prstGeom prst="rect">
+            <a:avLst/>
+          </a:prstGeom>
+          <a:noFill/>
+          <a:ln w="12700">
+            <a:solidFill>
+              <a:srgbClr val="FF7876"/>
+            </a:solidFill>
+          </a:ln>
+        </p:spPr>
+        <p:txBody>
+          <a:bodyPr wrap="square" rtlCol="0">
+            <a:spAutoFit/>
+          </a:bodyPr>
+          <a:lstStyle/>
+          <a:p>
+            <a:pPr algn="ctr"/>
+            <a:endParaRPr lang="en-US" altLang="ko-Kore-KR" sz="1100" dirty="0"/>
+          </a:p>
+        </p:txBody>
+      </p:sp>
+      <p:sp>
+        <p:nvSpPr>
+          <p:cNvPr id="18" name="TextBox 17">
+            <a:extLst>
+              <a:ext uri="{FF2B5EF4-FFF2-40B4-BE49-F238E27FC236}">
+                <a16:creationId xmlns:a16="http://schemas.microsoft.com/office/drawing/2014/main" id="{74FA1D4D-C9F9-F34E-884B-3222D27F07E3}"/>
+              </a:ext>
+            </a:extLst>
+          </p:cNvPr>
+          <p:cNvSpPr txBox="1"/>
+          <p:nvPr/>
+        </p:nvSpPr>
+        <p:spPr>
+          <a:xfrm>
+            <a:off x="170185" y="2390935"/>
+            <a:ext cx="5607528" cy="2999483"/>
+          </a:xfrm>
+          <a:prstGeom prst="rect">
+            <a:avLst/>
+          </a:prstGeom>
+          <a:noFill/>
+          <a:ln w="12700">
+            <a:solidFill>
+              <a:srgbClr val="FF7876"/>
+            </a:solidFill>
+          </a:ln>
+        </p:spPr>
+        <p:txBody>
+          <a:bodyPr wrap="square" rtlCol="0">
+            <a:spAutoFit/>
+          </a:bodyPr>
+          <a:lstStyle/>
+          <a:p>
+            <a:pPr algn="ctr"/>
+            <a:endParaRPr lang="en-US" altLang="ko-Kore-KR" sz="1100" dirty="0"/>
+          </a:p>
+        </p:txBody>
+      </p:sp>
+      <p:cxnSp>
+        <p:nvCxnSpPr>
+          <p:cNvPr id="20" name="직선 화살표 연결선 19">
+            <a:extLst>
+              <a:ext uri="{FF2B5EF4-FFF2-40B4-BE49-F238E27FC236}">
+                <a16:creationId xmlns:a16="http://schemas.microsoft.com/office/drawing/2014/main" id="{F60DBCB6-6AF3-1A4E-AC01-64F074D7A322}"/>
+              </a:ext>
+            </a:extLst>
+          </p:cNvPr>
+          <p:cNvCxnSpPr>
+            <a:cxnSpLocks/>
+          </p:cNvCxnSpPr>
+          <p:nvPr/>
+        </p:nvCxnSpPr>
+        <p:spPr>
+          <a:xfrm>
+            <a:off x="5777713" y="3429000"/>
+            <a:ext cx="501706" cy="0"/>
+          </a:xfrm>
+          <a:prstGeom prst="straightConnector1">
+            <a:avLst/>
+          </a:prstGeom>
+          <a:ln w="12700">
+            <a:solidFill>
+              <a:srgbClr val="FF7876"/>
+            </a:solidFill>
+            <a:tailEnd type="triangle"/>
+          </a:ln>
+        </p:spPr>
+        <p:style>
+          <a:lnRef idx="1">
+            <a:schemeClr val="accent1"/>
+          </a:lnRef>
+          <a:fillRef idx="0">
+            <a:schemeClr val="accent1"/>
+          </a:fillRef>
+          <a:effectRef idx="0">
+            <a:schemeClr val="accent1"/>
+          </a:effectRef>
+          <a:fontRef idx="minor">
+            <a:schemeClr val="tx1"/>
+          </a:fontRef>
+        </p:style>
+      </p:cxnSp>
+    </p:spTree>
+    <p:extLst>
+      <p:ext uri="{BB962C8B-B14F-4D97-AF65-F5344CB8AC3E}">
+        <p14:creationId xmlns:p14="http://schemas.microsoft.com/office/powerpoint/2010/main" val="4199184192"/>
+      </p:ext>
+    </p:extLst>
+  </p:cSld>
+  <p:clrMapOvr>
+    <a:masterClrMapping/>
+  </p:clrMapOvr>
+</p:sld>
+</file>
+
+<file path=ppt/slides/slide12.xml><?xml version="1.0" encoding="utf-8"?>
+<p:sld xmlns:a="http://schemas.openxmlformats.org/drawingml/2006/main" xmlns:r="http://schemas.openxmlformats.org/officeDocument/2006/relationships" xmlns:p="http://schemas.openxmlformats.org/presentationml/2006/main">
+  <p:cSld>
+    <p:spTree>
+      <p:nvGrpSpPr>
+        <p:cNvPr id="1" name=""/>
+        <p:cNvGrpSpPr/>
+        <p:nvPr/>
+      </p:nvGrpSpPr>
+      <p:grpSpPr>
+        <a:xfrm>
+          <a:off x="0" y="0"/>
+          <a:ext cx="0" cy="0"/>
+          <a:chOff x="0" y="0"/>
+          <a:chExt cx="0" cy="0"/>
+        </a:xfrm>
+      </p:grpSpPr>
+      <p:pic>
+        <p:nvPicPr>
+          <p:cNvPr id="2" name="그림 1">
+            <a:extLst>
+              <a:ext uri="{FF2B5EF4-FFF2-40B4-BE49-F238E27FC236}">
+                <a16:creationId xmlns:a16="http://schemas.microsoft.com/office/drawing/2014/main" id="{03731042-8A2D-5142-A48E-84D9C42953BF}"/>
+              </a:ext>
+            </a:extLst>
+          </p:cNvPr>
+          <p:cNvPicPr>
+            <a:picLocks noChangeAspect="1"/>
+          </p:cNvPicPr>
+          <p:nvPr/>
+        </p:nvPicPr>
+        <p:blipFill>
+          <a:blip r:embed="rId2"/>
+          <a:stretch>
+            <a:fillRect/>
+          </a:stretch>
+        </p:blipFill>
+        <p:spPr>
+          <a:xfrm>
+            <a:off x="193310" y="1739282"/>
+            <a:ext cx="5584403" cy="3722935"/>
+          </a:xfrm>
+          <a:prstGeom prst="rect">
+            <a:avLst/>
+          </a:prstGeom>
+        </p:spPr>
+      </p:pic>
+      <p:sp>
+        <p:nvSpPr>
+          <p:cNvPr id="37" name="직사각형 36">
+            <a:extLst>
+              <a:ext uri="{FF2B5EF4-FFF2-40B4-BE49-F238E27FC236}">
+                <a16:creationId xmlns:a16="http://schemas.microsoft.com/office/drawing/2014/main" id="{3F15C60C-17FE-422D-AFCF-73C75A021362}"/>
+              </a:ext>
+            </a:extLst>
+          </p:cNvPr>
+          <p:cNvSpPr/>
+          <p:nvPr/>
+        </p:nvSpPr>
+        <p:spPr>
+          <a:xfrm>
+            <a:off x="3697172" y="332194"/>
+            <a:ext cx="4713765" cy="735842"/>
+          </a:xfrm>
+          <a:prstGeom prst="rect">
+            <a:avLst/>
+          </a:prstGeom>
+        </p:spPr>
+        <p:txBody>
+          <a:bodyPr wrap="square">
+            <a:spAutoFit/>
+          </a:bodyPr>
+          <a:lstStyle/>
+          <a:p>
+            <a:pPr algn="ctr" latinLnBrk="0">
+              <a:lnSpc>
+                <a:spcPct val="150000"/>
+              </a:lnSpc>
+              <a:defRPr/>
+            </a:pPr>
+            <a:r>
+              <a:rPr lang="en-US" altLang="ko-KR" sz="3200" b="1" i="1" kern="0" dirty="0">
+                <a:solidFill>
+                  <a:srgbClr val="FF7876"/>
+                </a:solidFill>
+              </a:rPr>
+              <a:t>3</a:t>
+            </a:r>
+          </a:p>
+        </p:txBody>
+      </p:sp>
+      <p:cxnSp>
+        <p:nvCxnSpPr>
+          <p:cNvPr id="38" name="직선 연결선 37">
+            <a:extLst>
+              <a:ext uri="{FF2B5EF4-FFF2-40B4-BE49-F238E27FC236}">
+                <a16:creationId xmlns:a16="http://schemas.microsoft.com/office/drawing/2014/main" id="{940134F4-F272-426A-B50B-8075427DF501}"/>
+              </a:ext>
+            </a:extLst>
+          </p:cNvPr>
+          <p:cNvCxnSpPr>
+            <a:cxnSpLocks/>
+          </p:cNvCxnSpPr>
+          <p:nvPr/>
+        </p:nvCxnSpPr>
+        <p:spPr>
+          <a:xfrm flipV="1">
+            <a:off x="843148" y="847712"/>
+            <a:ext cx="4769087" cy="1"/>
+          </a:xfrm>
+          <a:prstGeom prst="line">
+            <a:avLst/>
+          </a:prstGeom>
+          <a:ln w="6350">
+            <a:solidFill>
+              <a:srgbClr val="FF7876"/>
+            </a:solidFill>
+            <a:prstDash val="sysDash"/>
+            <a:tailEnd type="oval"/>
+          </a:ln>
+        </p:spPr>
+        <p:style>
+          <a:lnRef idx="1">
+            <a:schemeClr val="accent1"/>
+          </a:lnRef>
+          <a:fillRef idx="0">
+            <a:schemeClr val="accent1"/>
+          </a:fillRef>
+          <a:effectRef idx="0">
+            <a:schemeClr val="accent1"/>
+          </a:effectRef>
+          <a:fontRef idx="minor">
+            <a:schemeClr val="tx1"/>
+          </a:fontRef>
+        </p:style>
+      </p:cxnSp>
+      <p:cxnSp>
+        <p:nvCxnSpPr>
+          <p:cNvPr id="39" name="직선 연결선 38">
+            <a:extLst>
+              <a:ext uri="{FF2B5EF4-FFF2-40B4-BE49-F238E27FC236}">
+                <a16:creationId xmlns:a16="http://schemas.microsoft.com/office/drawing/2014/main" id="{55EBD739-0979-4546-8E6B-9CA8052FC540}"/>
+              </a:ext>
+            </a:extLst>
+          </p:cNvPr>
+          <p:cNvCxnSpPr>
+            <a:cxnSpLocks/>
+          </p:cNvCxnSpPr>
+          <p:nvPr/>
+        </p:nvCxnSpPr>
+        <p:spPr>
+          <a:xfrm flipH="1">
+            <a:off x="6579767" y="847712"/>
+            <a:ext cx="4692810" cy="0"/>
+          </a:xfrm>
+          <a:prstGeom prst="line">
+            <a:avLst/>
+          </a:prstGeom>
+          <a:ln w="6350">
+            <a:solidFill>
+              <a:srgbClr val="FF7876"/>
+            </a:solidFill>
+            <a:prstDash val="sysDash"/>
+            <a:tailEnd type="oval"/>
+          </a:ln>
+        </p:spPr>
+        <p:style>
+          <a:lnRef idx="1">
+            <a:schemeClr val="accent1"/>
+          </a:lnRef>
+          <a:fillRef idx="0">
+            <a:schemeClr val="accent1"/>
+          </a:fillRef>
+          <a:effectRef idx="0">
+            <a:schemeClr val="accent1"/>
+          </a:effectRef>
+          <a:fontRef idx="minor">
+            <a:schemeClr val="tx1"/>
+          </a:fontRef>
+        </p:style>
+      </p:cxnSp>
+      <p:sp>
+        <p:nvSpPr>
+          <p:cNvPr id="8" name="TextBox 7">
+            <a:extLst>
+              <a:ext uri="{FF2B5EF4-FFF2-40B4-BE49-F238E27FC236}">
+                <a16:creationId xmlns:a16="http://schemas.microsoft.com/office/drawing/2014/main" id="{C18154B9-4F65-4277-8C17-63D9702FC25F}"/>
+              </a:ext>
+            </a:extLst>
+          </p:cNvPr>
+          <p:cNvSpPr txBox="1"/>
+          <p:nvPr/>
+        </p:nvSpPr>
+        <p:spPr>
+          <a:xfrm>
+            <a:off x="765146" y="963122"/>
+            <a:ext cx="10507430" cy="261610"/>
+          </a:xfrm>
+          <a:prstGeom prst="rect">
+            <a:avLst/>
+          </a:prstGeom>
+          <a:noFill/>
+        </p:spPr>
+        <p:txBody>
+          <a:bodyPr wrap="square" rtlCol="0">
+            <a:spAutoFit/>
+          </a:bodyPr>
+          <a:lstStyle/>
+          <a:p>
+            <a:pPr algn="ctr"/>
+            <a:r>
+              <a:rPr lang="ko-KR" altLang="en-US" sz="1100" i="1" dirty="0" err="1">
+                <a:solidFill>
+                  <a:srgbClr val="FF7876"/>
+                </a:solidFill>
+              </a:rPr>
+              <a:t>순천향</a:t>
+            </a:r>
+            <a:r>
+              <a:rPr lang="ko-KR" altLang="en-US" sz="1100" i="1" dirty="0">
+                <a:solidFill>
+                  <a:srgbClr val="FF7876"/>
+                </a:solidFill>
+              </a:rPr>
+              <a:t> </a:t>
+            </a:r>
+            <a:r>
+              <a:rPr lang="ko-KR" altLang="en-US" sz="1100" i="1" dirty="0" err="1">
+                <a:solidFill>
+                  <a:srgbClr val="FF7876"/>
+                </a:solidFill>
+              </a:rPr>
+              <a:t>서핑대회</a:t>
+            </a:r>
+            <a:r>
+              <a:rPr lang="ko-KR" altLang="en-US" sz="1100" i="1" dirty="0">
+                <a:solidFill>
+                  <a:srgbClr val="FF7876"/>
+                </a:solidFill>
+              </a:rPr>
+              <a:t> </a:t>
+            </a:r>
+            <a:r>
+              <a:rPr lang="en-US" altLang="ko-KR" sz="1100" i="1" dirty="0" err="1">
+                <a:solidFill>
+                  <a:srgbClr val="FF7876"/>
+                </a:solidFill>
+              </a:rPr>
+              <a:t>db</a:t>
+            </a:r>
+            <a:r>
+              <a:rPr lang="ko-KR" altLang="en-US" sz="1100" i="1" dirty="0">
+                <a:solidFill>
+                  <a:srgbClr val="FF7876"/>
+                </a:solidFill>
+              </a:rPr>
+              <a:t>연동 예제 </a:t>
+            </a:r>
+            <a:r>
+              <a:rPr lang="en-US" altLang="ko-KR" sz="1100" i="1" dirty="0">
+                <a:solidFill>
+                  <a:srgbClr val="FF7876"/>
+                </a:solidFill>
+              </a:rPr>
+              <a:t>– </a:t>
+            </a:r>
+            <a:r>
+              <a:rPr lang="ko-KR" altLang="en-US" sz="1100" i="1" dirty="0" err="1">
+                <a:solidFill>
+                  <a:srgbClr val="FF7876"/>
+                </a:solidFill>
+              </a:rPr>
+              <a:t>파이썬</a:t>
+            </a:r>
+            <a:endParaRPr lang="en-US" altLang="ko-KR" sz="1100" i="1" dirty="0">
+              <a:solidFill>
+                <a:srgbClr val="FF7876"/>
+              </a:solidFill>
+            </a:endParaRPr>
+          </a:p>
+        </p:txBody>
+      </p:sp>
+      <p:cxnSp>
+        <p:nvCxnSpPr>
+          <p:cNvPr id="15" name="직선 화살표 연결선 14">
+            <a:extLst>
+              <a:ext uri="{FF2B5EF4-FFF2-40B4-BE49-F238E27FC236}">
+                <a16:creationId xmlns:a16="http://schemas.microsoft.com/office/drawing/2014/main" id="{E1F927A7-554A-E240-A147-D1F4334FBF91}"/>
+              </a:ext>
+            </a:extLst>
+          </p:cNvPr>
+          <p:cNvCxnSpPr>
+            <a:cxnSpLocks/>
+          </p:cNvCxnSpPr>
+          <p:nvPr/>
+        </p:nvCxnSpPr>
+        <p:spPr>
+          <a:xfrm>
+            <a:off x="5742919" y="1954725"/>
+            <a:ext cx="311135" cy="0"/>
+          </a:xfrm>
+          <a:prstGeom prst="straightConnector1">
+            <a:avLst/>
+          </a:prstGeom>
+          <a:ln w="12700">
+            <a:solidFill>
+              <a:srgbClr val="FF7876"/>
+            </a:solidFill>
+            <a:tailEnd type="triangle"/>
+          </a:ln>
+        </p:spPr>
+        <p:style>
+          <a:lnRef idx="1">
+            <a:schemeClr val="accent1"/>
+          </a:lnRef>
+          <a:fillRef idx="0">
+            <a:schemeClr val="accent1"/>
+          </a:fillRef>
+          <a:effectRef idx="0">
+            <a:schemeClr val="accent1"/>
+          </a:effectRef>
+          <a:fontRef idx="minor">
+            <a:schemeClr val="tx1"/>
+          </a:fontRef>
+        </p:style>
+      </p:cxnSp>
+      <p:sp>
+        <p:nvSpPr>
+          <p:cNvPr id="17" name="TextBox 16">
+            <a:extLst>
+              <a:ext uri="{FF2B5EF4-FFF2-40B4-BE49-F238E27FC236}">
+                <a16:creationId xmlns:a16="http://schemas.microsoft.com/office/drawing/2014/main" id="{FBB57B33-436D-ED47-9BC4-3DFF534B040A}"/>
+              </a:ext>
+            </a:extLst>
+          </p:cNvPr>
+          <p:cNvSpPr txBox="1"/>
+          <p:nvPr/>
+        </p:nvSpPr>
+        <p:spPr>
+          <a:xfrm>
+            <a:off x="6096000" y="1760854"/>
+            <a:ext cx="4810534" cy="430887"/>
+          </a:xfrm>
+          <a:prstGeom prst="rect">
+            <a:avLst/>
+          </a:prstGeom>
+          <a:noFill/>
+          <a:ln w="12700">
+            <a:solidFill>
+              <a:srgbClr val="FF7876"/>
+            </a:solidFill>
+          </a:ln>
+        </p:spPr>
+        <p:txBody>
+          <a:bodyPr wrap="square" rtlCol="0">
+            <a:spAutoFit/>
+          </a:bodyPr>
+          <a:lstStyle/>
+          <a:p>
+            <a:pPr algn="ctr"/>
+            <a:r>
+              <a:rPr lang="ko-KR" altLang="en-US" sz="1100" dirty="0"/>
+              <a:t>초기화면에서 로그인 </a:t>
+            </a:r>
+            <a:r>
+              <a:rPr lang="ko-KR" altLang="en-US" sz="1100" dirty="0" err="1"/>
+              <a:t>성공시</a:t>
+            </a:r>
+            <a:r>
+              <a:rPr lang="ko-KR" altLang="en-US" sz="1100" dirty="0"/>
+              <a:t> 출력되는 선수 조회 화면에서</a:t>
+            </a:r>
+            <a:endParaRPr lang="en-US" altLang="ko-KR" sz="1100" dirty="0"/>
+          </a:p>
+          <a:p>
+            <a:pPr algn="ctr"/>
+            <a:r>
+              <a:rPr lang="ko-KR" altLang="en-US" sz="1100" dirty="0"/>
+              <a:t>선수의 이름을 가져와서 </a:t>
+            </a:r>
+            <a:r>
+              <a:rPr lang="ko-KR" altLang="en-US" sz="1100" dirty="0" err="1"/>
+              <a:t>선수정보가</a:t>
+            </a:r>
+            <a:r>
+              <a:rPr lang="ko-KR" altLang="en-US" sz="1100" dirty="0"/>
+              <a:t> 담긴 </a:t>
+            </a:r>
+            <a:r>
+              <a:rPr lang="en-US" altLang="ko-KR" sz="1100" dirty="0" err="1"/>
+              <a:t>SoonSurf.db</a:t>
+            </a:r>
+            <a:r>
+              <a:rPr lang="ko-KR" altLang="en-US" sz="1100" dirty="0"/>
+              <a:t>에서 검색합니다</a:t>
+            </a:r>
+            <a:r>
+              <a:rPr lang="en-US" altLang="ko-KR" sz="1100" dirty="0"/>
+              <a:t>.</a:t>
+            </a:r>
+          </a:p>
+        </p:txBody>
+      </p:sp>
+      <p:sp>
+        <p:nvSpPr>
+          <p:cNvPr id="22" name="TextBox 21">
+            <a:extLst>
+              <a:ext uri="{FF2B5EF4-FFF2-40B4-BE49-F238E27FC236}">
+                <a16:creationId xmlns:a16="http://schemas.microsoft.com/office/drawing/2014/main" id="{36D277C1-6137-1B46-AC33-7BB417F20BCC}"/>
+              </a:ext>
+            </a:extLst>
+          </p:cNvPr>
+          <p:cNvSpPr txBox="1"/>
+          <p:nvPr/>
+        </p:nvSpPr>
+        <p:spPr>
+          <a:xfrm>
+            <a:off x="6005670" y="3558264"/>
+            <a:ext cx="4810534" cy="769441"/>
+          </a:xfrm>
+          <a:prstGeom prst="rect">
+            <a:avLst/>
+          </a:prstGeom>
+          <a:noFill/>
+          <a:ln w="12700">
+            <a:solidFill>
+              <a:srgbClr val="FF7876"/>
+            </a:solidFill>
+          </a:ln>
+        </p:spPr>
+        <p:txBody>
+          <a:bodyPr wrap="square" rtlCol="0">
+            <a:spAutoFit/>
+          </a:bodyPr>
+          <a:lstStyle/>
+          <a:p>
+            <a:pPr algn="ctr"/>
+            <a:r>
+              <a:rPr lang="ko-KR" altLang="en-US" sz="1100" dirty="0"/>
+              <a:t>이후 검색결과가 있는 경우</a:t>
+            </a:r>
+            <a:endParaRPr lang="en-US" altLang="ko-KR" sz="1100" dirty="0"/>
+          </a:p>
+          <a:p>
+            <a:pPr algn="ctr"/>
+            <a:r>
+              <a:rPr lang="ko-KR" altLang="en-US" sz="1100" dirty="0"/>
+              <a:t>검색결과를 각 정보에 맞게 출력합니다</a:t>
+            </a:r>
+            <a:r>
+              <a:rPr lang="en-US" altLang="ko-KR" sz="1100" dirty="0"/>
+              <a:t>.</a:t>
+            </a:r>
+          </a:p>
+          <a:p>
+            <a:pPr algn="ctr"/>
+            <a:endParaRPr lang="en-US" altLang="ko-KR" sz="1100" dirty="0"/>
+          </a:p>
+          <a:p>
+            <a:pPr algn="ctr"/>
+            <a:r>
+              <a:rPr lang="ko-KR" altLang="en-US" sz="1100" dirty="0"/>
+              <a:t>없는 경우 선수데이터가 없다고 </a:t>
+            </a:r>
+            <a:r>
+              <a:rPr lang="ko-KR" altLang="en-US" sz="1100" dirty="0" err="1"/>
+              <a:t>알리게합니다</a:t>
+            </a:r>
+            <a:r>
+              <a:rPr lang="en-US" altLang="ko-KR" sz="1100" dirty="0"/>
+              <a:t>.</a:t>
+            </a:r>
+          </a:p>
+        </p:txBody>
+      </p:sp>
+      <p:cxnSp>
+        <p:nvCxnSpPr>
+          <p:cNvPr id="20" name="직선 화살표 연결선 19">
+            <a:extLst>
+              <a:ext uri="{FF2B5EF4-FFF2-40B4-BE49-F238E27FC236}">
+                <a16:creationId xmlns:a16="http://schemas.microsoft.com/office/drawing/2014/main" id="{F60DBCB6-6AF3-1A4E-AC01-64F074D7A322}"/>
+              </a:ext>
+            </a:extLst>
+          </p:cNvPr>
+          <p:cNvCxnSpPr>
+            <a:cxnSpLocks/>
+          </p:cNvCxnSpPr>
+          <p:nvPr/>
+        </p:nvCxnSpPr>
+        <p:spPr>
+          <a:xfrm>
+            <a:off x="4750026" y="3954982"/>
+            <a:ext cx="1205712" cy="0"/>
+          </a:xfrm>
+          <a:prstGeom prst="straightConnector1">
+            <a:avLst/>
+          </a:prstGeom>
+          <a:ln w="12700">
+            <a:solidFill>
+              <a:srgbClr val="FF7876"/>
+            </a:solidFill>
+            <a:tailEnd type="triangle"/>
+          </a:ln>
+        </p:spPr>
+        <p:style>
+          <a:lnRef idx="1">
+            <a:schemeClr val="accent1"/>
+          </a:lnRef>
+          <a:fillRef idx="0">
+            <a:schemeClr val="accent1"/>
+          </a:fillRef>
+          <a:effectRef idx="0">
+            <a:schemeClr val="accent1"/>
+          </a:effectRef>
+          <a:fontRef idx="minor">
+            <a:schemeClr val="tx1"/>
+          </a:fontRef>
+        </p:style>
+      </p:cxnSp>
+      <p:sp>
+        <p:nvSpPr>
+          <p:cNvPr id="14" name="TextBox 13">
+            <a:extLst>
+              <a:ext uri="{FF2B5EF4-FFF2-40B4-BE49-F238E27FC236}">
+                <a16:creationId xmlns:a16="http://schemas.microsoft.com/office/drawing/2014/main" id="{8604858B-52AC-D840-9285-24911E391B08}"/>
+              </a:ext>
+            </a:extLst>
+          </p:cNvPr>
+          <p:cNvSpPr txBox="1"/>
+          <p:nvPr/>
+        </p:nvSpPr>
+        <p:spPr>
+          <a:xfrm>
+            <a:off x="151652" y="1777544"/>
+            <a:ext cx="5584403" cy="1651456"/>
+          </a:xfrm>
+          <a:prstGeom prst="rect">
+            <a:avLst/>
+          </a:prstGeom>
+          <a:noFill/>
+          <a:ln w="12700">
+            <a:solidFill>
+              <a:srgbClr val="FF7876"/>
+            </a:solidFill>
+          </a:ln>
+        </p:spPr>
+        <p:txBody>
+          <a:bodyPr wrap="square" rtlCol="0">
+            <a:spAutoFit/>
+          </a:bodyPr>
+          <a:lstStyle/>
+          <a:p>
+            <a:pPr algn="ctr"/>
+            <a:endParaRPr lang="en-US" altLang="ko-Kore-KR" sz="1100" dirty="0"/>
+          </a:p>
+        </p:txBody>
+      </p:sp>
+      <p:sp>
+        <p:nvSpPr>
+          <p:cNvPr id="19" name="TextBox 18">
+            <a:extLst>
+              <a:ext uri="{FF2B5EF4-FFF2-40B4-BE49-F238E27FC236}">
+                <a16:creationId xmlns:a16="http://schemas.microsoft.com/office/drawing/2014/main" id="{7D593493-68D2-7F47-8F66-013C7324C691}"/>
+              </a:ext>
+            </a:extLst>
+          </p:cNvPr>
+          <p:cNvSpPr txBox="1"/>
+          <p:nvPr/>
+        </p:nvSpPr>
+        <p:spPr>
+          <a:xfrm>
+            <a:off x="469652" y="3600749"/>
+            <a:ext cx="4280374" cy="1497233"/>
+          </a:xfrm>
+          <a:prstGeom prst="rect">
+            <a:avLst/>
+          </a:prstGeom>
+          <a:noFill/>
+          <a:ln w="12700">
+            <a:solidFill>
+              <a:srgbClr val="FF7876"/>
+            </a:solidFill>
+          </a:ln>
+        </p:spPr>
+        <p:txBody>
+          <a:bodyPr wrap="square" rtlCol="0">
+            <a:spAutoFit/>
+          </a:bodyPr>
+          <a:lstStyle/>
+          <a:p>
+            <a:pPr algn="ctr"/>
+            <a:endParaRPr lang="en-US" altLang="ko-Kore-KR" sz="1100" dirty="0"/>
+          </a:p>
+        </p:txBody>
+      </p:sp>
+    </p:spTree>
+    <p:extLst>
+      <p:ext uri="{BB962C8B-B14F-4D97-AF65-F5344CB8AC3E}">
+        <p14:creationId xmlns:p14="http://schemas.microsoft.com/office/powerpoint/2010/main" val="1877075142"/>
+      </p:ext>
+    </p:extLst>
+  </p:cSld>
+  <p:clrMapOvr>
+    <a:masterClrMapping/>
+  </p:clrMapOvr>
+</p:sld>
+</file>
+
+<file path=ppt/slides/slide13.xml><?xml version="1.0" encoding="utf-8"?>
+<p:sld xmlns:a="http://schemas.openxmlformats.org/drawingml/2006/main" xmlns:r="http://schemas.openxmlformats.org/officeDocument/2006/relationships" xmlns:p="http://schemas.openxmlformats.org/presentationml/2006/main">
+  <p:cSld>
+    <p:spTree>
+      <p:nvGrpSpPr>
+        <p:cNvPr id="1" name=""/>
+        <p:cNvGrpSpPr/>
+        <p:nvPr/>
+      </p:nvGrpSpPr>
+      <p:grpSpPr>
+        <a:xfrm>
+          <a:off x="0" y="0"/>
+          <a:ext cx="0" cy="0"/>
+          <a:chOff x="0" y="0"/>
+          <a:chExt cx="0" cy="0"/>
+        </a:xfrm>
+      </p:grpSpPr>
+      <p:sp>
+        <p:nvSpPr>
+          <p:cNvPr id="37" name="직사각형 36">
+            <a:extLst>
+              <a:ext uri="{FF2B5EF4-FFF2-40B4-BE49-F238E27FC236}">
+                <a16:creationId xmlns:a16="http://schemas.microsoft.com/office/drawing/2014/main" id="{3F15C60C-17FE-422D-AFCF-73C75A021362}"/>
+              </a:ext>
+            </a:extLst>
+          </p:cNvPr>
+          <p:cNvSpPr/>
+          <p:nvPr/>
+        </p:nvSpPr>
+        <p:spPr>
+          <a:xfrm>
+            <a:off x="3697172" y="332194"/>
+            <a:ext cx="4713765" cy="735842"/>
+          </a:xfrm>
+          <a:prstGeom prst="rect">
+            <a:avLst/>
+          </a:prstGeom>
+        </p:spPr>
+        <p:txBody>
+          <a:bodyPr wrap="square">
+            <a:spAutoFit/>
+          </a:bodyPr>
+          <a:lstStyle/>
+          <a:p>
+            <a:pPr algn="ctr" latinLnBrk="0">
+              <a:lnSpc>
+                <a:spcPct val="150000"/>
+              </a:lnSpc>
+              <a:defRPr/>
+            </a:pPr>
+            <a:r>
+              <a:rPr lang="en-US" altLang="ko-KR" sz="3200" b="1" i="1" kern="0" dirty="0">
+                <a:solidFill>
+                  <a:srgbClr val="FF7876"/>
+                </a:solidFill>
+              </a:rPr>
+              <a:t>3</a:t>
+            </a:r>
+          </a:p>
+        </p:txBody>
+      </p:sp>
+      <p:cxnSp>
+        <p:nvCxnSpPr>
+          <p:cNvPr id="38" name="직선 연결선 37">
+            <a:extLst>
+              <a:ext uri="{FF2B5EF4-FFF2-40B4-BE49-F238E27FC236}">
+                <a16:creationId xmlns:a16="http://schemas.microsoft.com/office/drawing/2014/main" id="{940134F4-F272-426A-B50B-8075427DF501}"/>
+              </a:ext>
+            </a:extLst>
+          </p:cNvPr>
+          <p:cNvCxnSpPr>
+            <a:cxnSpLocks/>
+          </p:cNvCxnSpPr>
+          <p:nvPr/>
+        </p:nvCxnSpPr>
+        <p:spPr>
+          <a:xfrm flipV="1">
+            <a:off x="843148" y="847712"/>
+            <a:ext cx="4769087" cy="1"/>
+          </a:xfrm>
+          <a:prstGeom prst="line">
+            <a:avLst/>
+          </a:prstGeom>
+          <a:ln w="6350">
+            <a:solidFill>
+              <a:srgbClr val="FF7876"/>
+            </a:solidFill>
+            <a:prstDash val="sysDash"/>
+            <a:tailEnd type="oval"/>
+          </a:ln>
+        </p:spPr>
+        <p:style>
+          <a:lnRef idx="1">
+            <a:schemeClr val="accent1"/>
+          </a:lnRef>
+          <a:fillRef idx="0">
+            <a:schemeClr val="accent1"/>
+          </a:fillRef>
+          <a:effectRef idx="0">
+            <a:schemeClr val="accent1"/>
+          </a:effectRef>
+          <a:fontRef idx="minor">
+            <a:schemeClr val="tx1"/>
+          </a:fontRef>
+        </p:style>
+      </p:cxnSp>
+      <p:cxnSp>
+        <p:nvCxnSpPr>
+          <p:cNvPr id="39" name="직선 연결선 38">
+            <a:extLst>
+              <a:ext uri="{FF2B5EF4-FFF2-40B4-BE49-F238E27FC236}">
+                <a16:creationId xmlns:a16="http://schemas.microsoft.com/office/drawing/2014/main" id="{55EBD739-0979-4546-8E6B-9CA8052FC540}"/>
+              </a:ext>
+            </a:extLst>
+          </p:cNvPr>
+          <p:cNvCxnSpPr>
+            <a:cxnSpLocks/>
+          </p:cNvCxnSpPr>
+          <p:nvPr/>
+        </p:nvCxnSpPr>
+        <p:spPr>
+          <a:xfrm flipH="1">
+            <a:off x="6579767" y="847712"/>
+            <a:ext cx="4692810" cy="0"/>
+          </a:xfrm>
+          <a:prstGeom prst="line">
+            <a:avLst/>
+          </a:prstGeom>
+          <a:ln w="6350">
+            <a:solidFill>
+              <a:srgbClr val="FF7876"/>
+            </a:solidFill>
+            <a:prstDash val="sysDash"/>
+            <a:tailEnd type="oval"/>
+          </a:ln>
+        </p:spPr>
+        <p:style>
+          <a:lnRef idx="1">
+            <a:schemeClr val="accent1"/>
+          </a:lnRef>
+          <a:fillRef idx="0">
+            <a:schemeClr val="accent1"/>
+          </a:fillRef>
+          <a:effectRef idx="0">
+            <a:schemeClr val="accent1"/>
+          </a:effectRef>
+          <a:fontRef idx="minor">
+            <a:schemeClr val="tx1"/>
+          </a:fontRef>
+        </p:style>
+      </p:cxnSp>
+      <p:sp>
+        <p:nvSpPr>
+          <p:cNvPr id="8" name="TextBox 7">
+            <a:extLst>
+              <a:ext uri="{FF2B5EF4-FFF2-40B4-BE49-F238E27FC236}">
+                <a16:creationId xmlns:a16="http://schemas.microsoft.com/office/drawing/2014/main" id="{C18154B9-4F65-4277-8C17-63D9702FC25F}"/>
+              </a:ext>
+            </a:extLst>
+          </p:cNvPr>
+          <p:cNvSpPr txBox="1"/>
+          <p:nvPr/>
+        </p:nvSpPr>
+        <p:spPr>
+          <a:xfrm>
+            <a:off x="765146" y="963122"/>
+            <a:ext cx="10507430" cy="261610"/>
+          </a:xfrm>
+          <a:prstGeom prst="rect">
+            <a:avLst/>
+          </a:prstGeom>
+          <a:noFill/>
+        </p:spPr>
+        <p:txBody>
+          <a:bodyPr wrap="square" rtlCol="0">
+            <a:spAutoFit/>
+          </a:bodyPr>
+          <a:lstStyle/>
+          <a:p>
+            <a:pPr algn="ctr"/>
+            <a:r>
+              <a:rPr lang="ko-KR" altLang="en-US" sz="1100" i="1" dirty="0" err="1">
+                <a:solidFill>
+                  <a:srgbClr val="FF7876"/>
+                </a:solidFill>
+              </a:rPr>
+              <a:t>순천향</a:t>
+            </a:r>
+            <a:r>
+              <a:rPr lang="ko-KR" altLang="en-US" sz="1100" i="1" dirty="0">
+                <a:solidFill>
+                  <a:srgbClr val="FF7876"/>
+                </a:solidFill>
+              </a:rPr>
+              <a:t> </a:t>
+            </a:r>
+            <a:r>
+              <a:rPr lang="ko-KR" altLang="en-US" sz="1100" i="1" dirty="0" err="1">
+                <a:solidFill>
+                  <a:srgbClr val="FF7876"/>
+                </a:solidFill>
+              </a:rPr>
+              <a:t>서핑대회</a:t>
+            </a:r>
+            <a:r>
+              <a:rPr lang="ko-KR" altLang="en-US" sz="1100" i="1" dirty="0">
+                <a:solidFill>
+                  <a:srgbClr val="FF7876"/>
+                </a:solidFill>
+              </a:rPr>
+              <a:t> </a:t>
+            </a:r>
+            <a:r>
+              <a:rPr lang="en-US" altLang="ko-KR" sz="1100" i="1" dirty="0" err="1">
+                <a:solidFill>
+                  <a:srgbClr val="FF7876"/>
+                </a:solidFill>
+              </a:rPr>
+              <a:t>db</a:t>
+            </a:r>
+            <a:r>
+              <a:rPr lang="ko-KR" altLang="en-US" sz="1100" i="1" dirty="0">
+                <a:solidFill>
+                  <a:srgbClr val="FF7876"/>
+                </a:solidFill>
+              </a:rPr>
+              <a:t>연동 예제 </a:t>
+            </a:r>
+            <a:r>
+              <a:rPr lang="en-US" altLang="ko-KR" sz="1100" i="1" dirty="0">
+                <a:solidFill>
+                  <a:srgbClr val="FF7876"/>
+                </a:solidFill>
+              </a:rPr>
+              <a:t>– </a:t>
+            </a:r>
+            <a:r>
+              <a:rPr lang="en-US" altLang="ko-KR" sz="1100" i="1" dirty="0" err="1">
+                <a:solidFill>
+                  <a:srgbClr val="FF7876"/>
+                </a:solidFill>
+              </a:rPr>
+              <a:t>loginForm.html</a:t>
+            </a:r>
+            <a:endParaRPr lang="en-US" altLang="ko-KR" sz="1100" i="1" dirty="0">
+              <a:solidFill>
+                <a:srgbClr val="FF7876"/>
+              </a:solidFill>
+            </a:endParaRPr>
+          </a:p>
+        </p:txBody>
+      </p:sp>
+      <p:sp>
+        <p:nvSpPr>
+          <p:cNvPr id="22" name="TextBox 21">
+            <a:extLst>
+              <a:ext uri="{FF2B5EF4-FFF2-40B4-BE49-F238E27FC236}">
+                <a16:creationId xmlns:a16="http://schemas.microsoft.com/office/drawing/2014/main" id="{36D277C1-6137-1B46-AC33-7BB417F20BCC}"/>
+              </a:ext>
+            </a:extLst>
+          </p:cNvPr>
+          <p:cNvSpPr txBox="1"/>
+          <p:nvPr/>
+        </p:nvSpPr>
+        <p:spPr>
+          <a:xfrm>
+            <a:off x="5732496" y="1583554"/>
+            <a:ext cx="5756983" cy="430887"/>
+          </a:xfrm>
+          <a:prstGeom prst="rect">
+            <a:avLst/>
+          </a:prstGeom>
+          <a:noFill/>
+          <a:ln w="12700">
+            <a:solidFill>
+              <a:srgbClr val="FF7876"/>
+            </a:solidFill>
+          </a:ln>
+        </p:spPr>
+        <p:txBody>
+          <a:bodyPr wrap="square" rtlCol="0">
+            <a:spAutoFit/>
+          </a:bodyPr>
+          <a:lstStyle/>
+          <a:p>
+            <a:pPr algn="ctr"/>
+            <a:r>
+              <a:rPr lang="ko-KR" altLang="en-US" sz="1100" dirty="0"/>
+              <a:t>이전에 설명했던 모체가 될 </a:t>
+            </a:r>
+            <a:r>
+              <a:rPr lang="en-US" altLang="ko-KR" sz="1100" dirty="0" err="1"/>
+              <a:t>base.html</a:t>
+            </a:r>
+            <a:r>
+              <a:rPr lang="ko-KR" altLang="en-US" sz="1100" dirty="0"/>
+              <a:t>을 참조한다는 선언과</a:t>
+            </a:r>
+            <a:endParaRPr lang="en-US" altLang="ko-KR" sz="1100" dirty="0"/>
+          </a:p>
+          <a:p>
+            <a:pPr algn="ctr"/>
+            <a:r>
+              <a:rPr lang="en-US" altLang="ko-KR" sz="1100" dirty="0"/>
+              <a:t>block body</a:t>
+            </a:r>
+            <a:r>
+              <a:rPr lang="ko-KR" altLang="en-US" sz="1100" dirty="0"/>
+              <a:t>와 </a:t>
+            </a:r>
+            <a:r>
+              <a:rPr lang="en-US" altLang="ko-KR" sz="1100" dirty="0" err="1"/>
+              <a:t>endblock</a:t>
+            </a:r>
+            <a:r>
+              <a:rPr lang="ko-KR" altLang="en-US" sz="1100" dirty="0"/>
+              <a:t>사이에  문서내용을 담은 모습입니다</a:t>
+            </a:r>
+            <a:r>
+              <a:rPr lang="en-US" altLang="ko-KR" sz="1100" dirty="0"/>
+              <a:t>.</a:t>
+            </a:r>
+          </a:p>
+        </p:txBody>
+      </p:sp>
+      <p:pic>
+        <p:nvPicPr>
+          <p:cNvPr id="7" name="그림 6">
+            <a:extLst>
+              <a:ext uri="{FF2B5EF4-FFF2-40B4-BE49-F238E27FC236}">
+                <a16:creationId xmlns:a16="http://schemas.microsoft.com/office/drawing/2014/main" id="{9C360E00-FEDA-3841-A3B9-5B1FFD031D2A}"/>
+              </a:ext>
+            </a:extLst>
+          </p:cNvPr>
+          <p:cNvPicPr>
+            <a:picLocks noChangeAspect="1"/>
+          </p:cNvPicPr>
+          <p:nvPr/>
+        </p:nvPicPr>
+        <p:blipFill>
+          <a:blip r:embed="rId2"/>
+          <a:stretch>
+            <a:fillRect/>
+          </a:stretch>
+        </p:blipFill>
+        <p:spPr>
+          <a:xfrm>
+            <a:off x="524496" y="1583554"/>
+            <a:ext cx="4374985" cy="4782459"/>
+          </a:xfrm>
+          <a:prstGeom prst="rect">
+            <a:avLst/>
+          </a:prstGeom>
+        </p:spPr>
+      </p:pic>
+      <p:sp>
+        <p:nvSpPr>
+          <p:cNvPr id="18" name="TextBox 17">
+            <a:extLst>
+              <a:ext uri="{FF2B5EF4-FFF2-40B4-BE49-F238E27FC236}">
+                <a16:creationId xmlns:a16="http://schemas.microsoft.com/office/drawing/2014/main" id="{89A48877-2776-A343-BE1C-BB85D6DE09D0}"/>
+              </a:ext>
+            </a:extLst>
+          </p:cNvPr>
+          <p:cNvSpPr txBox="1"/>
+          <p:nvPr/>
+        </p:nvSpPr>
+        <p:spPr>
+          <a:xfrm>
+            <a:off x="524497" y="1608419"/>
+            <a:ext cx="2291532" cy="341762"/>
+          </a:xfrm>
+          <a:prstGeom prst="rect">
+            <a:avLst/>
+          </a:prstGeom>
+          <a:noFill/>
+          <a:ln w="12700">
+            <a:solidFill>
+              <a:srgbClr val="FF7876"/>
+            </a:solidFill>
+          </a:ln>
+        </p:spPr>
+        <p:txBody>
+          <a:bodyPr wrap="square" rtlCol="0">
+            <a:spAutoFit/>
+          </a:bodyPr>
+          <a:lstStyle/>
+          <a:p>
+            <a:pPr algn="ctr"/>
+            <a:endParaRPr lang="en-US" altLang="ko-Kore-KR" sz="1100" dirty="0"/>
+          </a:p>
+        </p:txBody>
+      </p:sp>
+      <p:sp>
+        <p:nvSpPr>
+          <p:cNvPr id="21" name="TextBox 20">
+            <a:extLst>
+              <a:ext uri="{FF2B5EF4-FFF2-40B4-BE49-F238E27FC236}">
+                <a16:creationId xmlns:a16="http://schemas.microsoft.com/office/drawing/2014/main" id="{D753B40D-73E1-A84D-9A08-90DB73E8A8C9}"/>
+              </a:ext>
+            </a:extLst>
+          </p:cNvPr>
+          <p:cNvSpPr txBox="1"/>
+          <p:nvPr/>
+        </p:nvSpPr>
+        <p:spPr>
+          <a:xfrm>
+            <a:off x="524495" y="6179070"/>
+            <a:ext cx="1360949" cy="189362"/>
+          </a:xfrm>
+          <a:prstGeom prst="rect">
+            <a:avLst/>
+          </a:prstGeom>
+          <a:noFill/>
+          <a:ln w="12700">
+            <a:solidFill>
+              <a:srgbClr val="FF7876"/>
+            </a:solidFill>
+          </a:ln>
+        </p:spPr>
+        <p:txBody>
+          <a:bodyPr wrap="square" rtlCol="0">
+            <a:spAutoFit/>
+          </a:bodyPr>
+          <a:lstStyle/>
+          <a:p>
+            <a:pPr algn="ctr"/>
+            <a:endParaRPr lang="en-US" altLang="ko-Kore-KR" sz="1100" dirty="0"/>
+          </a:p>
+        </p:txBody>
+      </p:sp>
+      <p:cxnSp>
+        <p:nvCxnSpPr>
+          <p:cNvPr id="23" name="직선 화살표 연결선 22">
+            <a:extLst>
+              <a:ext uri="{FF2B5EF4-FFF2-40B4-BE49-F238E27FC236}">
+                <a16:creationId xmlns:a16="http://schemas.microsoft.com/office/drawing/2014/main" id="{80A91ADD-921F-BE42-8754-AC80353364BA}"/>
+              </a:ext>
+            </a:extLst>
+          </p:cNvPr>
+          <p:cNvCxnSpPr>
+            <a:cxnSpLocks/>
+            <a:endCxn id="22" idx="1"/>
+          </p:cNvCxnSpPr>
+          <p:nvPr/>
+        </p:nvCxnSpPr>
+        <p:spPr>
+          <a:xfrm>
+            <a:off x="2816029" y="1792408"/>
+            <a:ext cx="2916467" cy="6590"/>
+          </a:xfrm>
+          <a:prstGeom prst="straightConnector1">
+            <a:avLst/>
+          </a:prstGeom>
+          <a:ln w="12700">
+            <a:solidFill>
+              <a:srgbClr val="FF7876"/>
+            </a:solidFill>
+            <a:tailEnd type="triangle"/>
+          </a:ln>
+        </p:spPr>
+        <p:style>
+          <a:lnRef idx="1">
+            <a:schemeClr val="accent1"/>
+          </a:lnRef>
+          <a:fillRef idx="0">
+            <a:schemeClr val="accent1"/>
+          </a:fillRef>
+          <a:effectRef idx="0">
+            <a:schemeClr val="accent1"/>
+          </a:effectRef>
+          <a:fontRef idx="minor">
+            <a:schemeClr val="tx1"/>
+          </a:fontRef>
+        </p:style>
+      </p:cxnSp>
+      <p:cxnSp>
+        <p:nvCxnSpPr>
+          <p:cNvPr id="24" name="직선 화살표 연결선 23">
+            <a:extLst>
+              <a:ext uri="{FF2B5EF4-FFF2-40B4-BE49-F238E27FC236}">
+                <a16:creationId xmlns:a16="http://schemas.microsoft.com/office/drawing/2014/main" id="{95F38C17-64E8-5943-A42A-1B70B3086ACD}"/>
+              </a:ext>
+            </a:extLst>
+          </p:cNvPr>
+          <p:cNvCxnSpPr>
+            <a:cxnSpLocks/>
+            <a:stCxn id="21" idx="3"/>
+          </p:cNvCxnSpPr>
+          <p:nvPr/>
+        </p:nvCxnSpPr>
+        <p:spPr>
+          <a:xfrm flipV="1">
+            <a:off x="1885444" y="1885444"/>
+            <a:ext cx="3847052" cy="4388307"/>
+          </a:xfrm>
+          <a:prstGeom prst="straightConnector1">
+            <a:avLst/>
+          </a:prstGeom>
+          <a:ln w="12700">
+            <a:solidFill>
+              <a:srgbClr val="FF7876"/>
+            </a:solidFill>
+            <a:tailEnd type="triangle"/>
+          </a:ln>
+        </p:spPr>
+        <p:style>
+          <a:lnRef idx="1">
+            <a:schemeClr val="accent1"/>
+          </a:lnRef>
+          <a:fillRef idx="0">
+            <a:schemeClr val="accent1"/>
+          </a:fillRef>
+          <a:effectRef idx="0">
+            <a:schemeClr val="accent1"/>
+          </a:effectRef>
+          <a:fontRef idx="minor">
+            <a:schemeClr val="tx1"/>
+          </a:fontRef>
+        </p:style>
+      </p:cxnSp>
+      <p:sp>
+        <p:nvSpPr>
+          <p:cNvPr id="25" name="TextBox 24">
+            <a:extLst>
+              <a:ext uri="{FF2B5EF4-FFF2-40B4-BE49-F238E27FC236}">
+                <a16:creationId xmlns:a16="http://schemas.microsoft.com/office/drawing/2014/main" id="{6ADAC0E3-514F-8D4E-81D1-28F5156D917D}"/>
+              </a:ext>
+            </a:extLst>
+          </p:cNvPr>
+          <p:cNvSpPr txBox="1"/>
+          <p:nvPr/>
+        </p:nvSpPr>
+        <p:spPr>
+          <a:xfrm>
+            <a:off x="524496" y="2138122"/>
+            <a:ext cx="4063687" cy="2530982"/>
+          </a:xfrm>
+          <a:prstGeom prst="rect">
+            <a:avLst/>
+          </a:prstGeom>
+          <a:noFill/>
+          <a:ln w="12700">
+            <a:solidFill>
+              <a:srgbClr val="FF7876"/>
+            </a:solidFill>
+          </a:ln>
+        </p:spPr>
+        <p:txBody>
+          <a:bodyPr wrap="square" rtlCol="0">
+            <a:spAutoFit/>
+          </a:bodyPr>
+          <a:lstStyle/>
+          <a:p>
+            <a:pPr algn="ctr"/>
+            <a:endParaRPr lang="en-US" altLang="ko-Kore-KR" sz="1100" dirty="0"/>
+          </a:p>
+        </p:txBody>
+      </p:sp>
+      <p:sp>
+        <p:nvSpPr>
+          <p:cNvPr id="26" name="TextBox 25">
+            <a:extLst>
+              <a:ext uri="{FF2B5EF4-FFF2-40B4-BE49-F238E27FC236}">
+                <a16:creationId xmlns:a16="http://schemas.microsoft.com/office/drawing/2014/main" id="{508F7B3E-F5C3-CF4B-BE2E-A5F830BCE33E}"/>
+              </a:ext>
+            </a:extLst>
+          </p:cNvPr>
+          <p:cNvSpPr txBox="1"/>
+          <p:nvPr/>
+        </p:nvSpPr>
+        <p:spPr>
+          <a:xfrm>
+            <a:off x="524495" y="5241601"/>
+            <a:ext cx="4314542" cy="905101"/>
+          </a:xfrm>
+          <a:prstGeom prst="rect">
+            <a:avLst/>
+          </a:prstGeom>
+          <a:noFill/>
+          <a:ln w="12700">
+            <a:solidFill>
+              <a:srgbClr val="FF7876"/>
+            </a:solidFill>
+          </a:ln>
+        </p:spPr>
+        <p:txBody>
+          <a:bodyPr wrap="square" rtlCol="0">
+            <a:spAutoFit/>
+          </a:bodyPr>
+          <a:lstStyle/>
+          <a:p>
+            <a:pPr algn="ctr"/>
+            <a:endParaRPr lang="en-US" altLang="ko-Kore-KR" sz="1100" dirty="0"/>
+          </a:p>
+        </p:txBody>
+      </p:sp>
+      <p:cxnSp>
+        <p:nvCxnSpPr>
+          <p:cNvPr id="27" name="직선 화살표 연결선 26">
+            <a:extLst>
+              <a:ext uri="{FF2B5EF4-FFF2-40B4-BE49-F238E27FC236}">
+                <a16:creationId xmlns:a16="http://schemas.microsoft.com/office/drawing/2014/main" id="{4CF406FF-BBEC-5040-8715-E5DB29A9AF51}"/>
+              </a:ext>
+            </a:extLst>
+          </p:cNvPr>
+          <p:cNvCxnSpPr>
+            <a:cxnSpLocks/>
+          </p:cNvCxnSpPr>
+          <p:nvPr/>
+        </p:nvCxnSpPr>
+        <p:spPr>
+          <a:xfrm>
+            <a:off x="4595820" y="3382984"/>
+            <a:ext cx="1136676" cy="0"/>
+          </a:xfrm>
+          <a:prstGeom prst="straightConnector1">
+            <a:avLst/>
+          </a:prstGeom>
+          <a:ln w="12700">
+            <a:solidFill>
+              <a:srgbClr val="FF7876"/>
+            </a:solidFill>
+            <a:tailEnd type="triangle"/>
+          </a:ln>
+        </p:spPr>
+        <p:style>
+          <a:lnRef idx="1">
+            <a:schemeClr val="accent1"/>
+          </a:lnRef>
+          <a:fillRef idx="0">
+            <a:schemeClr val="accent1"/>
+          </a:fillRef>
+          <a:effectRef idx="0">
+            <a:schemeClr val="accent1"/>
+          </a:effectRef>
+          <a:fontRef idx="minor">
+            <a:schemeClr val="tx1"/>
+          </a:fontRef>
+        </p:style>
+      </p:cxnSp>
+      <p:sp>
+        <p:nvSpPr>
+          <p:cNvPr id="29" name="TextBox 28">
+            <a:extLst>
+              <a:ext uri="{FF2B5EF4-FFF2-40B4-BE49-F238E27FC236}">
+                <a16:creationId xmlns:a16="http://schemas.microsoft.com/office/drawing/2014/main" id="{8B68A883-DE1E-034A-B8D9-5D70A27F4626}"/>
+              </a:ext>
+            </a:extLst>
+          </p:cNvPr>
+          <p:cNvSpPr txBox="1"/>
+          <p:nvPr/>
+        </p:nvSpPr>
+        <p:spPr>
+          <a:xfrm>
+            <a:off x="5732495" y="3138943"/>
+            <a:ext cx="5756983" cy="600164"/>
+          </a:xfrm>
+          <a:prstGeom prst="rect">
+            <a:avLst/>
+          </a:prstGeom>
+          <a:noFill/>
+          <a:ln w="12700">
+            <a:solidFill>
+              <a:srgbClr val="FF7876"/>
+            </a:solidFill>
+          </a:ln>
+        </p:spPr>
+        <p:txBody>
+          <a:bodyPr wrap="square" rtlCol="0">
+            <a:spAutoFit/>
+          </a:bodyPr>
+          <a:lstStyle/>
+          <a:p>
+            <a:pPr algn="ctr"/>
+            <a:r>
+              <a:rPr lang="ko-KR" altLang="en-US" sz="1100" dirty="0" err="1"/>
+              <a:t>로그인을</a:t>
+            </a:r>
+            <a:r>
+              <a:rPr lang="ko-KR" altLang="en-US" sz="1100" dirty="0"/>
+              <a:t> 위해 아이디와 </a:t>
+            </a:r>
+            <a:r>
+              <a:rPr lang="ko-KR" altLang="en-US" sz="1100" dirty="0" err="1"/>
+              <a:t>비밀번호을</a:t>
+            </a:r>
+            <a:r>
+              <a:rPr lang="ko-KR" altLang="en-US" sz="1100" dirty="0"/>
+              <a:t> 입력하는 텍스트상자와</a:t>
+            </a:r>
+            <a:endParaRPr lang="en-US" altLang="ko-KR" sz="1100" dirty="0"/>
+          </a:p>
+          <a:p>
+            <a:pPr algn="ctr"/>
+            <a:r>
+              <a:rPr lang="ko-KR" altLang="en-US" sz="1100" dirty="0"/>
+              <a:t>로그인 버튼과 </a:t>
+            </a:r>
+            <a:r>
+              <a:rPr lang="ko-KR" altLang="en-US" sz="1100" dirty="0" err="1"/>
+              <a:t>입력내용을</a:t>
+            </a:r>
+            <a:r>
+              <a:rPr lang="ko-KR" altLang="en-US" sz="1100" dirty="0"/>
+              <a:t> 초기화해주는 취소버튼을 구성한 </a:t>
+            </a:r>
+            <a:r>
+              <a:rPr lang="en-US" altLang="ko-KR" sz="1100" dirty="0"/>
+              <a:t>form</a:t>
+            </a:r>
+            <a:r>
+              <a:rPr lang="ko-KR" altLang="en-US" sz="1100" dirty="0"/>
+              <a:t>태그 입니다</a:t>
+            </a:r>
+            <a:r>
+              <a:rPr lang="en-US" altLang="ko-KR" sz="1100" dirty="0"/>
+              <a:t>.</a:t>
+            </a:r>
+          </a:p>
+          <a:p>
+            <a:pPr algn="ctr"/>
+            <a:r>
+              <a:rPr lang="ko-KR" altLang="en-US" sz="1100" dirty="0" err="1"/>
+              <a:t>로그인의</a:t>
+            </a:r>
+            <a:r>
+              <a:rPr lang="ko-KR" altLang="en-US" sz="1100" dirty="0"/>
+              <a:t> 경우 </a:t>
+            </a:r>
+            <a:r>
+              <a:rPr lang="en-US" altLang="ko-KR" sz="1100" dirty="0"/>
+              <a:t>submit</a:t>
+            </a:r>
+            <a:r>
+              <a:rPr lang="ko-KR" altLang="en-US" sz="1100" dirty="0" err="1"/>
+              <a:t>으로</a:t>
+            </a:r>
+            <a:r>
+              <a:rPr lang="ko-KR" altLang="en-US" sz="1100" dirty="0"/>
+              <a:t> 이후 </a:t>
+            </a:r>
+            <a:r>
+              <a:rPr lang="en-US" altLang="ko-KR" sz="1100" dirty="0"/>
+              <a:t>action</a:t>
+            </a:r>
+            <a:r>
+              <a:rPr lang="ko-KR" altLang="en-US" sz="1100" dirty="0"/>
+              <a:t>의 내용인 </a:t>
+            </a:r>
+            <a:r>
+              <a:rPr lang="en-US" altLang="ko-KR" sz="1100" dirty="0"/>
+              <a:t>/login</a:t>
+            </a:r>
+            <a:r>
+              <a:rPr lang="ko-KR" altLang="en-US" sz="1100" dirty="0" err="1"/>
+              <a:t>으로</a:t>
+            </a:r>
+            <a:r>
+              <a:rPr lang="ko-KR" altLang="en-US" sz="1100" dirty="0"/>
+              <a:t> 이동하게 됩니다</a:t>
+            </a:r>
+            <a:r>
+              <a:rPr lang="en-US" altLang="ko-KR" sz="1100" dirty="0"/>
+              <a:t>.</a:t>
+            </a:r>
+          </a:p>
+        </p:txBody>
+      </p:sp>
+      <p:cxnSp>
+        <p:nvCxnSpPr>
+          <p:cNvPr id="30" name="직선 화살표 연결선 29">
+            <a:extLst>
+              <a:ext uri="{FF2B5EF4-FFF2-40B4-BE49-F238E27FC236}">
+                <a16:creationId xmlns:a16="http://schemas.microsoft.com/office/drawing/2014/main" id="{389DA015-9F00-854B-BB4B-52815E3B9AD7}"/>
+              </a:ext>
+            </a:extLst>
+          </p:cNvPr>
+          <p:cNvCxnSpPr>
+            <a:cxnSpLocks/>
+          </p:cNvCxnSpPr>
+          <p:nvPr/>
+        </p:nvCxnSpPr>
+        <p:spPr>
+          <a:xfrm>
+            <a:off x="4839037" y="5582668"/>
+            <a:ext cx="1136676" cy="0"/>
+          </a:xfrm>
+          <a:prstGeom prst="straightConnector1">
+            <a:avLst/>
+          </a:prstGeom>
+          <a:ln w="12700">
+            <a:solidFill>
+              <a:srgbClr val="FF7876"/>
+            </a:solidFill>
+            <a:tailEnd type="triangle"/>
+          </a:ln>
+        </p:spPr>
+        <p:style>
+          <a:lnRef idx="1">
+            <a:schemeClr val="accent1"/>
+          </a:lnRef>
+          <a:fillRef idx="0">
+            <a:schemeClr val="accent1"/>
+          </a:fillRef>
+          <a:effectRef idx="0">
+            <a:schemeClr val="accent1"/>
+          </a:effectRef>
+          <a:fontRef idx="minor">
+            <a:schemeClr val="tx1"/>
+          </a:fontRef>
+        </p:style>
+      </p:cxnSp>
+      <p:sp>
+        <p:nvSpPr>
+          <p:cNvPr id="31" name="TextBox 30">
+            <a:extLst>
+              <a:ext uri="{FF2B5EF4-FFF2-40B4-BE49-F238E27FC236}">
+                <a16:creationId xmlns:a16="http://schemas.microsoft.com/office/drawing/2014/main" id="{9FD35B7B-7CEC-4249-8E95-5202805BF794}"/>
+              </a:ext>
+            </a:extLst>
+          </p:cNvPr>
+          <p:cNvSpPr txBox="1"/>
+          <p:nvPr/>
+        </p:nvSpPr>
+        <p:spPr>
+          <a:xfrm>
+            <a:off x="6018861" y="5367224"/>
+            <a:ext cx="4727362" cy="430887"/>
+          </a:xfrm>
+          <a:prstGeom prst="rect">
+            <a:avLst/>
+          </a:prstGeom>
+          <a:noFill/>
+          <a:ln w="12700">
+            <a:solidFill>
+              <a:srgbClr val="FF7876"/>
+            </a:solidFill>
+          </a:ln>
+        </p:spPr>
+        <p:txBody>
+          <a:bodyPr wrap="square" rtlCol="0">
+            <a:spAutoFit/>
+          </a:bodyPr>
+          <a:lstStyle/>
+          <a:p>
+            <a:pPr algn="ctr"/>
+            <a:r>
+              <a:rPr lang="en-US" altLang="ko-KR" sz="1100" dirty="0"/>
+              <a:t>submit</a:t>
+            </a:r>
+            <a:r>
+              <a:rPr lang="ko-KR" altLang="en-US" sz="1100" dirty="0"/>
+              <a:t>버튼으로 회원가입창인 </a:t>
+            </a:r>
+            <a:r>
+              <a:rPr lang="en-US" altLang="ko-KR" sz="1100" dirty="0"/>
+              <a:t>/member</a:t>
+            </a:r>
+            <a:r>
+              <a:rPr lang="ko-KR" altLang="en-US" sz="1100" dirty="0"/>
+              <a:t>로 이동시켜주는 버튼을 구성한</a:t>
+            </a:r>
+            <a:endParaRPr lang="en-US" altLang="ko-KR" sz="1100" dirty="0"/>
+          </a:p>
+          <a:p>
+            <a:pPr algn="ctr"/>
+            <a:r>
+              <a:rPr lang="en-US" altLang="ko-KR" sz="1100" dirty="0"/>
+              <a:t>form</a:t>
+            </a:r>
+            <a:r>
+              <a:rPr lang="ko-KR" altLang="en-US" sz="1100" dirty="0"/>
+              <a:t>태그 입니다</a:t>
+            </a:r>
+            <a:r>
+              <a:rPr lang="en-US" altLang="ko-KR" sz="1100" dirty="0"/>
+              <a:t>.</a:t>
+            </a:r>
+          </a:p>
+        </p:txBody>
+      </p:sp>
+    </p:spTree>
+    <p:extLst>
+      <p:ext uri="{BB962C8B-B14F-4D97-AF65-F5344CB8AC3E}">
+        <p14:creationId xmlns:p14="http://schemas.microsoft.com/office/powerpoint/2010/main" val="2332743046"/>
+      </p:ext>
+    </p:extLst>
+  </p:cSld>
+  <p:clrMapOvr>
+    <a:masterClrMapping/>
+  </p:clrMapOvr>
+</p:sld>
+</file>
+
+<file path=ppt/slides/slide14.xml><?xml version="1.0" encoding="utf-8"?>
+<p:sld xmlns:a="http://schemas.openxmlformats.org/drawingml/2006/main" xmlns:r="http://schemas.openxmlformats.org/officeDocument/2006/relationships" xmlns:p="http://schemas.openxmlformats.org/presentationml/2006/main">
+  <p:cSld>
+    <p:spTree>
+      <p:nvGrpSpPr>
+        <p:cNvPr id="1" name=""/>
+        <p:cNvGrpSpPr/>
+        <p:nvPr/>
+      </p:nvGrpSpPr>
+      <p:grpSpPr>
+        <a:xfrm>
+          <a:off x="0" y="0"/>
+          <a:ext cx="0" cy="0"/>
+          <a:chOff x="0" y="0"/>
+          <a:chExt cx="0" cy="0"/>
+        </a:xfrm>
+      </p:grpSpPr>
+      <p:pic>
+        <p:nvPicPr>
+          <p:cNvPr id="2" name="그림 1">
+            <a:extLst>
+              <a:ext uri="{FF2B5EF4-FFF2-40B4-BE49-F238E27FC236}">
+                <a16:creationId xmlns:a16="http://schemas.microsoft.com/office/drawing/2014/main" id="{09D7E626-BFF9-DD48-A69B-F9974D284431}"/>
+              </a:ext>
+            </a:extLst>
+          </p:cNvPr>
+          <p:cNvPicPr>
+            <a:picLocks noChangeAspect="1"/>
+          </p:cNvPicPr>
+          <p:nvPr/>
+        </p:nvPicPr>
+        <p:blipFill>
+          <a:blip r:embed="rId2"/>
+          <a:stretch>
+            <a:fillRect/>
+          </a:stretch>
+        </p:blipFill>
+        <p:spPr>
+          <a:xfrm>
+            <a:off x="287358" y="1698964"/>
+            <a:ext cx="4876800" cy="4787900"/>
+          </a:xfrm>
+          <a:prstGeom prst="rect">
+            <a:avLst/>
+          </a:prstGeom>
+        </p:spPr>
+      </p:pic>
+      <p:sp>
+        <p:nvSpPr>
+          <p:cNvPr id="37" name="직사각형 36">
+            <a:extLst>
+              <a:ext uri="{FF2B5EF4-FFF2-40B4-BE49-F238E27FC236}">
+                <a16:creationId xmlns:a16="http://schemas.microsoft.com/office/drawing/2014/main" id="{3F15C60C-17FE-422D-AFCF-73C75A021362}"/>
+              </a:ext>
+            </a:extLst>
+          </p:cNvPr>
+          <p:cNvSpPr/>
+          <p:nvPr/>
+        </p:nvSpPr>
+        <p:spPr>
+          <a:xfrm>
+            <a:off x="3697172" y="332194"/>
+            <a:ext cx="4713765" cy="735842"/>
+          </a:xfrm>
+          <a:prstGeom prst="rect">
+            <a:avLst/>
+          </a:prstGeom>
+        </p:spPr>
+        <p:txBody>
+          <a:bodyPr wrap="square">
+            <a:spAutoFit/>
+          </a:bodyPr>
+          <a:lstStyle/>
+          <a:p>
+            <a:pPr algn="ctr" latinLnBrk="0">
+              <a:lnSpc>
+                <a:spcPct val="150000"/>
+              </a:lnSpc>
+              <a:defRPr/>
+            </a:pPr>
+            <a:r>
+              <a:rPr lang="en-US" altLang="ko-KR" sz="3200" b="1" i="1" kern="0" dirty="0">
+                <a:solidFill>
+                  <a:srgbClr val="FF7876"/>
+                </a:solidFill>
+              </a:rPr>
+              <a:t>3</a:t>
+            </a:r>
+          </a:p>
+        </p:txBody>
+      </p:sp>
+      <p:cxnSp>
+        <p:nvCxnSpPr>
+          <p:cNvPr id="38" name="직선 연결선 37">
+            <a:extLst>
+              <a:ext uri="{FF2B5EF4-FFF2-40B4-BE49-F238E27FC236}">
+                <a16:creationId xmlns:a16="http://schemas.microsoft.com/office/drawing/2014/main" id="{940134F4-F272-426A-B50B-8075427DF501}"/>
+              </a:ext>
+            </a:extLst>
+          </p:cNvPr>
+          <p:cNvCxnSpPr>
+            <a:cxnSpLocks/>
+          </p:cNvCxnSpPr>
+          <p:nvPr/>
+        </p:nvCxnSpPr>
+        <p:spPr>
+          <a:xfrm flipV="1">
+            <a:off x="843148" y="847712"/>
+            <a:ext cx="4769087" cy="1"/>
+          </a:xfrm>
+          <a:prstGeom prst="line">
+            <a:avLst/>
+          </a:prstGeom>
+          <a:ln w="6350">
+            <a:solidFill>
+              <a:srgbClr val="FF7876"/>
+            </a:solidFill>
+            <a:prstDash val="sysDash"/>
+            <a:tailEnd type="oval"/>
+          </a:ln>
+        </p:spPr>
+        <p:style>
+          <a:lnRef idx="1">
+            <a:schemeClr val="accent1"/>
+          </a:lnRef>
+          <a:fillRef idx="0">
+            <a:schemeClr val="accent1"/>
+          </a:fillRef>
+          <a:effectRef idx="0">
+            <a:schemeClr val="accent1"/>
+          </a:effectRef>
+          <a:fontRef idx="minor">
+            <a:schemeClr val="tx1"/>
+          </a:fontRef>
+        </p:style>
+      </p:cxnSp>
+      <p:cxnSp>
+        <p:nvCxnSpPr>
+          <p:cNvPr id="39" name="직선 연결선 38">
+            <a:extLst>
+              <a:ext uri="{FF2B5EF4-FFF2-40B4-BE49-F238E27FC236}">
+                <a16:creationId xmlns:a16="http://schemas.microsoft.com/office/drawing/2014/main" id="{55EBD739-0979-4546-8E6B-9CA8052FC540}"/>
+              </a:ext>
+            </a:extLst>
+          </p:cNvPr>
+          <p:cNvCxnSpPr>
+            <a:cxnSpLocks/>
+          </p:cNvCxnSpPr>
+          <p:nvPr/>
+        </p:nvCxnSpPr>
+        <p:spPr>
+          <a:xfrm flipH="1">
+            <a:off x="6579767" y="847712"/>
+            <a:ext cx="4692810" cy="0"/>
+          </a:xfrm>
+          <a:prstGeom prst="line">
+            <a:avLst/>
+          </a:prstGeom>
+          <a:ln w="6350">
+            <a:solidFill>
+              <a:srgbClr val="FF7876"/>
+            </a:solidFill>
+            <a:prstDash val="sysDash"/>
+            <a:tailEnd type="oval"/>
+          </a:ln>
+        </p:spPr>
+        <p:style>
+          <a:lnRef idx="1">
+            <a:schemeClr val="accent1"/>
+          </a:lnRef>
+          <a:fillRef idx="0">
+            <a:schemeClr val="accent1"/>
+          </a:fillRef>
+          <a:effectRef idx="0">
+            <a:schemeClr val="accent1"/>
+          </a:effectRef>
+          <a:fontRef idx="minor">
+            <a:schemeClr val="tx1"/>
+          </a:fontRef>
+        </p:style>
+      </p:cxnSp>
+      <p:sp>
+        <p:nvSpPr>
+          <p:cNvPr id="8" name="TextBox 7">
+            <a:extLst>
+              <a:ext uri="{FF2B5EF4-FFF2-40B4-BE49-F238E27FC236}">
+                <a16:creationId xmlns:a16="http://schemas.microsoft.com/office/drawing/2014/main" id="{C18154B9-4F65-4277-8C17-63D9702FC25F}"/>
+              </a:ext>
+            </a:extLst>
+          </p:cNvPr>
+          <p:cNvSpPr txBox="1"/>
+          <p:nvPr/>
+        </p:nvSpPr>
+        <p:spPr>
+          <a:xfrm>
+            <a:off x="765146" y="963122"/>
+            <a:ext cx="10507430" cy="261610"/>
+          </a:xfrm>
+          <a:prstGeom prst="rect">
+            <a:avLst/>
+          </a:prstGeom>
+          <a:noFill/>
+        </p:spPr>
+        <p:txBody>
+          <a:bodyPr wrap="square" rtlCol="0">
+            <a:spAutoFit/>
+          </a:bodyPr>
+          <a:lstStyle/>
+          <a:p>
+            <a:pPr algn="ctr"/>
+            <a:r>
+              <a:rPr lang="ko-KR" altLang="en-US" sz="1100" i="1" dirty="0" err="1">
+                <a:solidFill>
+                  <a:srgbClr val="FF7876"/>
+                </a:solidFill>
+              </a:rPr>
+              <a:t>순천향</a:t>
+            </a:r>
+            <a:r>
+              <a:rPr lang="ko-KR" altLang="en-US" sz="1100" i="1" dirty="0">
+                <a:solidFill>
+                  <a:srgbClr val="FF7876"/>
+                </a:solidFill>
+              </a:rPr>
+              <a:t> </a:t>
+            </a:r>
+            <a:r>
+              <a:rPr lang="ko-KR" altLang="en-US" sz="1100" i="1" dirty="0" err="1">
+                <a:solidFill>
+                  <a:srgbClr val="FF7876"/>
+                </a:solidFill>
+              </a:rPr>
+              <a:t>서핑대회</a:t>
+            </a:r>
+            <a:r>
+              <a:rPr lang="ko-KR" altLang="en-US" sz="1100" i="1" dirty="0">
+                <a:solidFill>
+                  <a:srgbClr val="FF7876"/>
+                </a:solidFill>
+              </a:rPr>
+              <a:t> </a:t>
+            </a:r>
+            <a:r>
+              <a:rPr lang="en-US" altLang="ko-KR" sz="1100" i="1" dirty="0" err="1">
+                <a:solidFill>
+                  <a:srgbClr val="FF7876"/>
+                </a:solidFill>
+              </a:rPr>
+              <a:t>db</a:t>
+            </a:r>
+            <a:r>
+              <a:rPr lang="ko-KR" altLang="en-US" sz="1100" i="1" dirty="0">
+                <a:solidFill>
+                  <a:srgbClr val="FF7876"/>
+                </a:solidFill>
+              </a:rPr>
+              <a:t>연동 예제 </a:t>
+            </a:r>
+            <a:r>
+              <a:rPr lang="en-US" altLang="ko-KR" sz="1100" i="1" dirty="0">
+                <a:solidFill>
+                  <a:srgbClr val="FF7876"/>
+                </a:solidFill>
+              </a:rPr>
+              <a:t>– </a:t>
+            </a:r>
+            <a:r>
+              <a:rPr lang="en-US" altLang="ko-KR" sz="1100" i="1" dirty="0" err="1">
+                <a:solidFill>
+                  <a:srgbClr val="FF7876"/>
+                </a:solidFill>
+              </a:rPr>
+              <a:t>memForm.html</a:t>
+            </a:r>
+            <a:endParaRPr lang="en-US" altLang="ko-KR" sz="1100" i="1" dirty="0">
+              <a:solidFill>
+                <a:srgbClr val="FF7876"/>
+              </a:solidFill>
+            </a:endParaRPr>
+          </a:p>
+        </p:txBody>
+      </p:sp>
+      <p:sp>
+        <p:nvSpPr>
+          <p:cNvPr id="26" name="TextBox 25">
+            <a:extLst>
+              <a:ext uri="{FF2B5EF4-FFF2-40B4-BE49-F238E27FC236}">
+                <a16:creationId xmlns:a16="http://schemas.microsoft.com/office/drawing/2014/main" id="{508F7B3E-F5C3-CF4B-BE2E-A5F830BCE33E}"/>
+              </a:ext>
+            </a:extLst>
+          </p:cNvPr>
+          <p:cNvSpPr txBox="1"/>
+          <p:nvPr/>
+        </p:nvSpPr>
+        <p:spPr>
+          <a:xfrm>
+            <a:off x="305098" y="2340305"/>
+            <a:ext cx="4800976" cy="3842010"/>
+          </a:xfrm>
+          <a:prstGeom prst="rect">
+            <a:avLst/>
+          </a:prstGeom>
+          <a:noFill/>
+          <a:ln w="12700">
+            <a:solidFill>
+              <a:srgbClr val="FF7876"/>
+            </a:solidFill>
+          </a:ln>
+        </p:spPr>
+        <p:txBody>
+          <a:bodyPr wrap="square" rtlCol="0">
+            <a:spAutoFit/>
+          </a:bodyPr>
+          <a:lstStyle/>
+          <a:p>
+            <a:pPr algn="ctr"/>
+            <a:endParaRPr lang="en-US" altLang="ko-Kore-KR" sz="1100" dirty="0"/>
+          </a:p>
+        </p:txBody>
+      </p:sp>
+      <p:cxnSp>
+        <p:nvCxnSpPr>
+          <p:cNvPr id="27" name="직선 화살표 연결선 26">
+            <a:extLst>
+              <a:ext uri="{FF2B5EF4-FFF2-40B4-BE49-F238E27FC236}">
+                <a16:creationId xmlns:a16="http://schemas.microsoft.com/office/drawing/2014/main" id="{4CF406FF-BBEC-5040-8715-E5DB29A9AF51}"/>
+              </a:ext>
+            </a:extLst>
+          </p:cNvPr>
+          <p:cNvCxnSpPr>
+            <a:cxnSpLocks/>
+          </p:cNvCxnSpPr>
+          <p:nvPr/>
+        </p:nvCxnSpPr>
+        <p:spPr>
+          <a:xfrm>
+            <a:off x="5106074" y="3739107"/>
+            <a:ext cx="626421" cy="0"/>
+          </a:xfrm>
+          <a:prstGeom prst="straightConnector1">
+            <a:avLst/>
+          </a:prstGeom>
+          <a:ln w="12700">
+            <a:solidFill>
+              <a:srgbClr val="FF7876"/>
+            </a:solidFill>
+            <a:tailEnd type="triangle"/>
+          </a:ln>
+        </p:spPr>
+        <p:style>
+          <a:lnRef idx="1">
+            <a:schemeClr val="accent1"/>
+          </a:lnRef>
+          <a:fillRef idx="0">
+            <a:schemeClr val="accent1"/>
+          </a:fillRef>
+          <a:effectRef idx="0">
+            <a:schemeClr val="accent1"/>
+          </a:effectRef>
+          <a:fontRef idx="minor">
+            <a:schemeClr val="tx1"/>
+          </a:fontRef>
+        </p:style>
+      </p:cxnSp>
+      <p:sp>
+        <p:nvSpPr>
+          <p:cNvPr id="29" name="TextBox 28">
+            <a:extLst>
+              <a:ext uri="{FF2B5EF4-FFF2-40B4-BE49-F238E27FC236}">
+                <a16:creationId xmlns:a16="http://schemas.microsoft.com/office/drawing/2014/main" id="{8B68A883-DE1E-034A-B8D9-5D70A27F4626}"/>
+              </a:ext>
+            </a:extLst>
+          </p:cNvPr>
+          <p:cNvSpPr txBox="1"/>
+          <p:nvPr/>
+        </p:nvSpPr>
+        <p:spPr>
+          <a:xfrm>
+            <a:off x="5789140" y="3384956"/>
+            <a:ext cx="5756983" cy="1107996"/>
+          </a:xfrm>
+          <a:prstGeom prst="rect">
+            <a:avLst/>
+          </a:prstGeom>
+          <a:noFill/>
+          <a:ln w="12700">
+            <a:solidFill>
+              <a:srgbClr val="FF7876"/>
+            </a:solidFill>
+          </a:ln>
+        </p:spPr>
+        <p:txBody>
+          <a:bodyPr wrap="square" rtlCol="0">
+            <a:spAutoFit/>
+          </a:bodyPr>
+          <a:lstStyle/>
+          <a:p>
+            <a:pPr algn="ctr"/>
+            <a:r>
+              <a:rPr lang="ko-KR" altLang="en-US" sz="1100" dirty="0"/>
+              <a:t>회원가입창을 나타내는 </a:t>
+            </a:r>
+            <a:r>
+              <a:rPr lang="en-US" altLang="ko-KR" sz="1100" dirty="0" err="1"/>
+              <a:t>memForm.html</a:t>
+            </a:r>
+            <a:r>
+              <a:rPr lang="ko-KR" altLang="en-US" sz="1100" dirty="0"/>
+              <a:t>입니다</a:t>
+            </a:r>
+            <a:r>
+              <a:rPr lang="en-US" altLang="ko-KR" sz="1100" dirty="0"/>
+              <a:t>.</a:t>
+            </a:r>
+          </a:p>
+          <a:p>
+            <a:pPr algn="ctr"/>
+            <a:r>
+              <a:rPr lang="ko-KR" altLang="en-US" sz="1100" dirty="0"/>
+              <a:t>각각 아이디와 비밀번호</a:t>
+            </a:r>
+            <a:r>
+              <a:rPr lang="en-US" altLang="ko-KR" sz="1100" dirty="0"/>
+              <a:t>,</a:t>
+            </a:r>
+            <a:r>
+              <a:rPr lang="ko-KR" altLang="en-US" sz="1100" dirty="0"/>
+              <a:t> 이름을 </a:t>
+            </a:r>
+            <a:r>
+              <a:rPr lang="ko-KR" altLang="en-US" sz="1100" dirty="0" err="1"/>
+              <a:t>입력받게하는</a:t>
+            </a:r>
+            <a:r>
+              <a:rPr lang="ko-KR" altLang="en-US" sz="1100" dirty="0"/>
+              <a:t> </a:t>
+            </a:r>
+            <a:r>
+              <a:rPr lang="en-US" altLang="ko-KR" sz="1100" dirty="0"/>
+              <a:t>text</a:t>
+            </a:r>
+            <a:r>
+              <a:rPr lang="ko-KR" altLang="en-US" sz="1100" dirty="0"/>
+              <a:t>박스와 </a:t>
+            </a:r>
+            <a:r>
+              <a:rPr lang="en-US" altLang="ko-KR" sz="1100" dirty="0"/>
+              <a:t>password</a:t>
+            </a:r>
+            <a:r>
+              <a:rPr lang="ko-KR" altLang="en-US" sz="1100" dirty="0"/>
+              <a:t>박스를 생성해주고</a:t>
+            </a:r>
+            <a:endParaRPr lang="en-US" altLang="ko-KR" sz="1100" dirty="0"/>
+          </a:p>
+          <a:p>
+            <a:pPr algn="ctr"/>
+            <a:r>
+              <a:rPr lang="ko-KR" altLang="en-US" sz="1100" dirty="0"/>
+              <a:t>입력 데이터를 통해 회원가입을 진행하는 </a:t>
+            </a:r>
+            <a:r>
+              <a:rPr lang="en-US" altLang="ko-KR" sz="1100" dirty="0"/>
+              <a:t>/register</a:t>
+            </a:r>
+            <a:r>
+              <a:rPr lang="ko-KR" altLang="en-US" sz="1100" dirty="0"/>
+              <a:t>로 이동시켜줄</a:t>
+            </a:r>
+            <a:r>
+              <a:rPr lang="en-US" altLang="ko-KR" sz="1100" dirty="0"/>
+              <a:t> submit</a:t>
+            </a:r>
+            <a:r>
+              <a:rPr lang="ko-KR" altLang="en-US" sz="1100" dirty="0"/>
+              <a:t>버튼과</a:t>
+            </a:r>
+            <a:endParaRPr lang="en-US" altLang="ko-KR" sz="1100" dirty="0"/>
+          </a:p>
+          <a:p>
+            <a:pPr algn="ctr"/>
+            <a:r>
+              <a:rPr lang="ko-KR" altLang="en-US" sz="1100" dirty="0" err="1"/>
+              <a:t>입력창을</a:t>
+            </a:r>
+            <a:r>
+              <a:rPr lang="ko-KR" altLang="en-US" sz="1100" dirty="0"/>
+              <a:t> </a:t>
+            </a:r>
+            <a:r>
+              <a:rPr lang="ko-KR" altLang="en-US" sz="1100" dirty="0" err="1"/>
+              <a:t>초기화시켜줄</a:t>
+            </a:r>
+            <a:r>
+              <a:rPr lang="ko-KR" altLang="en-US" sz="1100" dirty="0"/>
+              <a:t> </a:t>
+            </a:r>
+            <a:r>
+              <a:rPr lang="en-US" altLang="ko-KR" sz="1100" dirty="0"/>
+              <a:t>reset</a:t>
+            </a:r>
+            <a:r>
+              <a:rPr lang="ko-KR" altLang="en-US" sz="1100" dirty="0"/>
+              <a:t>버튼을 구현한 </a:t>
+            </a:r>
+            <a:r>
+              <a:rPr lang="en-US" altLang="ko-KR" sz="1100" dirty="0"/>
+              <a:t>form</a:t>
+            </a:r>
+            <a:r>
+              <a:rPr lang="ko-KR" altLang="en-US" sz="1100" dirty="0"/>
+              <a:t>태그입니다</a:t>
+            </a:r>
+            <a:r>
+              <a:rPr lang="en-US" altLang="ko-KR" sz="1100" dirty="0"/>
+              <a:t>.</a:t>
+            </a:r>
+          </a:p>
+          <a:p>
+            <a:pPr algn="ctr"/>
+            <a:endParaRPr lang="en-US" altLang="ko-KR" sz="1100" dirty="0"/>
+          </a:p>
+          <a:p>
+            <a:pPr algn="ctr"/>
+            <a:r>
+              <a:rPr lang="ko-KR" altLang="en-US" sz="1100" dirty="0"/>
+              <a:t>이 역시 </a:t>
+            </a:r>
+            <a:r>
+              <a:rPr lang="en-US" altLang="ko-KR" sz="1100" dirty="0" err="1"/>
+              <a:t>base.html</a:t>
+            </a:r>
+            <a:r>
+              <a:rPr lang="ko-KR" altLang="en-US" sz="1100" dirty="0"/>
+              <a:t>을 참조하여 </a:t>
+            </a:r>
+            <a:r>
+              <a:rPr lang="en-US" altLang="ko-KR" sz="1100" dirty="0" err="1"/>
+              <a:t>base.html</a:t>
+            </a:r>
+            <a:r>
+              <a:rPr lang="ko-KR" altLang="en-US" sz="1100" dirty="0"/>
+              <a:t>의 </a:t>
+            </a:r>
+            <a:r>
+              <a:rPr lang="en-US" altLang="ko-KR" sz="1100" dirty="0"/>
+              <a:t>body</a:t>
+            </a:r>
+            <a:r>
+              <a:rPr lang="ko-KR" altLang="en-US" sz="1100" dirty="0"/>
+              <a:t>에서 진행되게 됩니다</a:t>
+            </a:r>
+            <a:r>
+              <a:rPr lang="en-US" altLang="ko-KR" sz="1100" dirty="0"/>
+              <a:t>.</a:t>
+            </a:r>
+          </a:p>
+        </p:txBody>
+      </p:sp>
+    </p:spTree>
+    <p:extLst>
+      <p:ext uri="{BB962C8B-B14F-4D97-AF65-F5344CB8AC3E}">
+        <p14:creationId xmlns:p14="http://schemas.microsoft.com/office/powerpoint/2010/main" val="3977529358"/>
+      </p:ext>
+    </p:extLst>
+  </p:cSld>
+  <p:clrMapOvr>
+    <a:masterClrMapping/>
+  </p:clrMapOvr>
+</p:sld>
+</file>
+
+<file path=ppt/slides/slide15.xml><?xml version="1.0" encoding="utf-8"?>
+<p:sld xmlns:a="http://schemas.openxmlformats.org/drawingml/2006/main" xmlns:r="http://schemas.openxmlformats.org/officeDocument/2006/relationships" xmlns:p="http://schemas.openxmlformats.org/presentationml/2006/main">
+  <p:cSld>
+    <p:spTree>
+      <p:nvGrpSpPr>
+        <p:cNvPr id="1" name=""/>
+        <p:cNvGrpSpPr/>
+        <p:nvPr/>
+      </p:nvGrpSpPr>
+      <p:grpSpPr>
+        <a:xfrm>
+          <a:off x="0" y="0"/>
+          <a:ext cx="0" cy="0"/>
+          <a:chOff x="0" y="0"/>
+          <a:chExt cx="0" cy="0"/>
+        </a:xfrm>
+      </p:grpSpPr>
+      <p:sp>
+        <p:nvSpPr>
+          <p:cNvPr id="37" name="직사각형 36">
+            <a:extLst>
+              <a:ext uri="{FF2B5EF4-FFF2-40B4-BE49-F238E27FC236}">
+                <a16:creationId xmlns:a16="http://schemas.microsoft.com/office/drawing/2014/main" id="{3F15C60C-17FE-422D-AFCF-73C75A021362}"/>
+              </a:ext>
+            </a:extLst>
+          </p:cNvPr>
+          <p:cNvSpPr/>
+          <p:nvPr/>
+        </p:nvSpPr>
+        <p:spPr>
+          <a:xfrm>
+            <a:off x="3697172" y="332194"/>
+            <a:ext cx="4713765" cy="735842"/>
+          </a:xfrm>
+          <a:prstGeom prst="rect">
+            <a:avLst/>
+          </a:prstGeom>
+        </p:spPr>
+        <p:txBody>
+          <a:bodyPr wrap="square">
+            <a:spAutoFit/>
+          </a:bodyPr>
+          <a:lstStyle/>
+          <a:p>
+            <a:pPr algn="ctr" latinLnBrk="0">
+              <a:lnSpc>
+                <a:spcPct val="150000"/>
+              </a:lnSpc>
+              <a:defRPr/>
+            </a:pPr>
+            <a:r>
+              <a:rPr lang="en-US" altLang="ko-KR" sz="3200" b="1" i="1" kern="0" dirty="0">
+                <a:solidFill>
+                  <a:srgbClr val="FF7876"/>
+                </a:solidFill>
+              </a:rPr>
+              <a:t>3</a:t>
+            </a:r>
+          </a:p>
+        </p:txBody>
+      </p:sp>
+      <p:cxnSp>
+        <p:nvCxnSpPr>
+          <p:cNvPr id="38" name="직선 연결선 37">
+            <a:extLst>
+              <a:ext uri="{FF2B5EF4-FFF2-40B4-BE49-F238E27FC236}">
+                <a16:creationId xmlns:a16="http://schemas.microsoft.com/office/drawing/2014/main" id="{940134F4-F272-426A-B50B-8075427DF501}"/>
+              </a:ext>
+            </a:extLst>
+          </p:cNvPr>
+          <p:cNvCxnSpPr>
+            <a:cxnSpLocks/>
+          </p:cNvCxnSpPr>
+          <p:nvPr/>
+        </p:nvCxnSpPr>
+        <p:spPr>
+          <a:xfrm flipV="1">
+            <a:off x="843148" y="847712"/>
+            <a:ext cx="4769087" cy="1"/>
+          </a:xfrm>
+          <a:prstGeom prst="line">
+            <a:avLst/>
+          </a:prstGeom>
+          <a:ln w="6350">
+            <a:solidFill>
+              <a:srgbClr val="FF7876"/>
+            </a:solidFill>
+            <a:prstDash val="sysDash"/>
+            <a:tailEnd type="oval"/>
+          </a:ln>
+        </p:spPr>
+        <p:style>
+          <a:lnRef idx="1">
+            <a:schemeClr val="accent1"/>
+          </a:lnRef>
+          <a:fillRef idx="0">
+            <a:schemeClr val="accent1"/>
+          </a:fillRef>
+          <a:effectRef idx="0">
+            <a:schemeClr val="accent1"/>
+          </a:effectRef>
+          <a:fontRef idx="minor">
+            <a:schemeClr val="tx1"/>
+          </a:fontRef>
+        </p:style>
+      </p:cxnSp>
+      <p:cxnSp>
+        <p:nvCxnSpPr>
+          <p:cNvPr id="39" name="직선 연결선 38">
+            <a:extLst>
+              <a:ext uri="{FF2B5EF4-FFF2-40B4-BE49-F238E27FC236}">
+                <a16:creationId xmlns:a16="http://schemas.microsoft.com/office/drawing/2014/main" id="{55EBD739-0979-4546-8E6B-9CA8052FC540}"/>
+              </a:ext>
+            </a:extLst>
+          </p:cNvPr>
+          <p:cNvCxnSpPr>
+            <a:cxnSpLocks/>
+          </p:cNvCxnSpPr>
+          <p:nvPr/>
+        </p:nvCxnSpPr>
+        <p:spPr>
+          <a:xfrm flipH="1">
+            <a:off x="6579767" y="847712"/>
+            <a:ext cx="4692810" cy="0"/>
+          </a:xfrm>
+          <a:prstGeom prst="line">
+            <a:avLst/>
+          </a:prstGeom>
+          <a:ln w="6350">
+            <a:solidFill>
+              <a:srgbClr val="FF7876"/>
+            </a:solidFill>
+            <a:prstDash val="sysDash"/>
+            <a:tailEnd type="oval"/>
+          </a:ln>
+        </p:spPr>
+        <p:style>
+          <a:lnRef idx="1">
+            <a:schemeClr val="accent1"/>
+          </a:lnRef>
+          <a:fillRef idx="0">
+            <a:schemeClr val="accent1"/>
+          </a:fillRef>
+          <a:effectRef idx="0">
+            <a:schemeClr val="accent1"/>
+          </a:effectRef>
+          <a:fontRef idx="minor">
+            <a:schemeClr val="tx1"/>
+          </a:fontRef>
+        </p:style>
+      </p:cxnSp>
+      <p:sp>
+        <p:nvSpPr>
+          <p:cNvPr id="8" name="TextBox 7">
+            <a:extLst>
+              <a:ext uri="{FF2B5EF4-FFF2-40B4-BE49-F238E27FC236}">
+                <a16:creationId xmlns:a16="http://schemas.microsoft.com/office/drawing/2014/main" id="{C18154B9-4F65-4277-8C17-63D9702FC25F}"/>
+              </a:ext>
+            </a:extLst>
+          </p:cNvPr>
+          <p:cNvSpPr txBox="1"/>
+          <p:nvPr/>
+        </p:nvSpPr>
+        <p:spPr>
+          <a:xfrm>
+            <a:off x="765146" y="963122"/>
+            <a:ext cx="10507430" cy="261610"/>
+          </a:xfrm>
+          <a:prstGeom prst="rect">
+            <a:avLst/>
+          </a:prstGeom>
+          <a:noFill/>
+        </p:spPr>
+        <p:txBody>
+          <a:bodyPr wrap="square" rtlCol="0">
+            <a:spAutoFit/>
+          </a:bodyPr>
+          <a:lstStyle/>
+          <a:p>
+            <a:pPr algn="ctr"/>
+            <a:r>
+              <a:rPr lang="ko-KR" altLang="en-US" sz="1100" i="1" dirty="0" err="1">
+                <a:solidFill>
+                  <a:srgbClr val="FF7876"/>
+                </a:solidFill>
+              </a:rPr>
+              <a:t>순천향</a:t>
+            </a:r>
+            <a:r>
+              <a:rPr lang="ko-KR" altLang="en-US" sz="1100" i="1" dirty="0">
+                <a:solidFill>
+                  <a:srgbClr val="FF7876"/>
+                </a:solidFill>
+              </a:rPr>
+              <a:t> </a:t>
+            </a:r>
+            <a:r>
+              <a:rPr lang="ko-KR" altLang="en-US" sz="1100" i="1" dirty="0" err="1">
+                <a:solidFill>
+                  <a:srgbClr val="FF7876"/>
+                </a:solidFill>
+              </a:rPr>
+              <a:t>서핑대회</a:t>
+            </a:r>
+            <a:r>
+              <a:rPr lang="ko-KR" altLang="en-US" sz="1100" i="1" dirty="0">
+                <a:solidFill>
+                  <a:srgbClr val="FF7876"/>
+                </a:solidFill>
+              </a:rPr>
+              <a:t> </a:t>
+            </a:r>
+            <a:r>
+              <a:rPr lang="en-US" altLang="ko-KR" sz="1100" i="1" dirty="0" err="1">
+                <a:solidFill>
+                  <a:srgbClr val="FF7876"/>
+                </a:solidFill>
+              </a:rPr>
+              <a:t>db</a:t>
+            </a:r>
+            <a:r>
+              <a:rPr lang="ko-KR" altLang="en-US" sz="1100" i="1" dirty="0">
+                <a:solidFill>
+                  <a:srgbClr val="FF7876"/>
+                </a:solidFill>
+              </a:rPr>
+              <a:t>연동 예제 </a:t>
+            </a:r>
+            <a:r>
+              <a:rPr lang="en-US" altLang="ko-KR" sz="1100" i="1" dirty="0">
+                <a:solidFill>
+                  <a:srgbClr val="FF7876"/>
+                </a:solidFill>
+              </a:rPr>
+              <a:t>– </a:t>
+            </a:r>
+            <a:r>
+              <a:rPr lang="en-US" altLang="ko-KR" sz="1100" i="1" dirty="0" err="1">
+                <a:solidFill>
+                  <a:srgbClr val="FF7876"/>
+                </a:solidFill>
+              </a:rPr>
+              <a:t>surfForm.html</a:t>
+            </a:r>
+            <a:endParaRPr lang="en-US" altLang="ko-KR" sz="1100" i="1" dirty="0">
+              <a:solidFill>
+                <a:srgbClr val="FF7876"/>
+              </a:solidFill>
+            </a:endParaRPr>
+          </a:p>
+        </p:txBody>
+      </p:sp>
+      <p:cxnSp>
+        <p:nvCxnSpPr>
+          <p:cNvPr id="27" name="직선 화살표 연결선 26">
+            <a:extLst>
+              <a:ext uri="{FF2B5EF4-FFF2-40B4-BE49-F238E27FC236}">
+                <a16:creationId xmlns:a16="http://schemas.microsoft.com/office/drawing/2014/main" id="{4CF406FF-BBEC-5040-8715-E5DB29A9AF51}"/>
+              </a:ext>
+            </a:extLst>
+          </p:cNvPr>
+          <p:cNvCxnSpPr>
+            <a:cxnSpLocks/>
+          </p:cNvCxnSpPr>
+          <p:nvPr/>
+        </p:nvCxnSpPr>
+        <p:spPr>
+          <a:xfrm>
+            <a:off x="2086041" y="3971792"/>
+            <a:ext cx="0" cy="745865"/>
+          </a:xfrm>
+          <a:prstGeom prst="straightConnector1">
+            <a:avLst/>
+          </a:prstGeom>
+          <a:ln w="12700">
+            <a:solidFill>
+              <a:srgbClr val="FF7876"/>
+            </a:solidFill>
+            <a:tailEnd type="triangle"/>
+          </a:ln>
+        </p:spPr>
+        <p:style>
+          <a:lnRef idx="1">
+            <a:schemeClr val="accent1"/>
+          </a:lnRef>
+          <a:fillRef idx="0">
+            <a:schemeClr val="accent1"/>
+          </a:fillRef>
+          <a:effectRef idx="0">
+            <a:schemeClr val="accent1"/>
+          </a:effectRef>
+          <a:fontRef idx="minor">
+            <a:schemeClr val="tx1"/>
+          </a:fontRef>
+        </p:style>
+      </p:cxnSp>
+      <p:sp>
+        <p:nvSpPr>
+          <p:cNvPr id="29" name="TextBox 28">
+            <a:extLst>
+              <a:ext uri="{FF2B5EF4-FFF2-40B4-BE49-F238E27FC236}">
+                <a16:creationId xmlns:a16="http://schemas.microsoft.com/office/drawing/2014/main" id="{8B68A883-DE1E-034A-B8D9-5D70A27F4626}"/>
+              </a:ext>
+            </a:extLst>
+          </p:cNvPr>
+          <p:cNvSpPr txBox="1"/>
+          <p:nvPr/>
+        </p:nvSpPr>
+        <p:spPr>
+          <a:xfrm>
+            <a:off x="101735" y="4812459"/>
+            <a:ext cx="4052868" cy="769441"/>
+          </a:xfrm>
+          <a:prstGeom prst="rect">
+            <a:avLst/>
+          </a:prstGeom>
+          <a:noFill/>
+          <a:ln w="12700">
+            <a:solidFill>
+              <a:srgbClr val="FF7876"/>
+            </a:solidFill>
+          </a:ln>
+        </p:spPr>
+        <p:txBody>
+          <a:bodyPr wrap="square" rtlCol="0">
+            <a:spAutoFit/>
+          </a:bodyPr>
+          <a:lstStyle/>
+          <a:p>
+            <a:pPr algn="ctr"/>
+            <a:r>
+              <a:rPr lang="ko-KR" altLang="en-US" sz="1100" dirty="0"/>
+              <a:t>로그인 성공 이후 선수 데이터를 조회할</a:t>
+            </a:r>
+            <a:endParaRPr lang="en-US" altLang="ko-KR" sz="1100" dirty="0"/>
+          </a:p>
+          <a:p>
+            <a:pPr algn="ctr"/>
+            <a:r>
+              <a:rPr lang="en-US" altLang="ko-KR" sz="1100" dirty="0" err="1"/>
+              <a:t>surfForm.html</a:t>
+            </a:r>
+            <a:r>
+              <a:rPr lang="ko-KR" altLang="en-US" sz="1100" dirty="0"/>
+              <a:t>입니다</a:t>
+            </a:r>
+            <a:r>
+              <a:rPr lang="en-US" altLang="ko-KR" sz="1100" dirty="0"/>
+              <a:t>.</a:t>
+            </a:r>
+          </a:p>
+          <a:p>
+            <a:pPr algn="ctr"/>
+            <a:r>
+              <a:rPr lang="ko-KR" altLang="en-US" sz="1100" dirty="0" err="1"/>
+              <a:t>이름정보를</a:t>
+            </a:r>
+            <a:r>
+              <a:rPr lang="ko-KR" altLang="en-US" sz="1100" dirty="0"/>
+              <a:t> 받을 텍스트박스와</a:t>
+            </a:r>
+            <a:endParaRPr lang="en-US" altLang="ko-KR" sz="1100" dirty="0"/>
+          </a:p>
+          <a:p>
+            <a:pPr algn="ctr"/>
+            <a:r>
+              <a:rPr lang="ko-KR" altLang="en-US" sz="1100" dirty="0"/>
+              <a:t>확인을 위한 </a:t>
+            </a:r>
+            <a:r>
+              <a:rPr lang="en-US" altLang="ko-KR" sz="1100" dirty="0"/>
+              <a:t>/show</a:t>
+            </a:r>
+            <a:r>
+              <a:rPr lang="ko-KR" altLang="en-US" sz="1100" dirty="0"/>
+              <a:t>로 이동시킬 </a:t>
+            </a:r>
+            <a:r>
+              <a:rPr lang="en-US" altLang="ko-KR" sz="1100" dirty="0"/>
+              <a:t>submit</a:t>
+            </a:r>
+            <a:r>
+              <a:rPr lang="ko-KR" altLang="en-US" sz="1100" dirty="0"/>
+              <a:t>버튼을 볼 수 있습니다</a:t>
+            </a:r>
+            <a:r>
+              <a:rPr lang="en-US" altLang="ko-KR" sz="1100" dirty="0"/>
+              <a:t>.</a:t>
+            </a:r>
+            <a:r>
+              <a:rPr lang="ko-KR" altLang="en-US" sz="1100" dirty="0"/>
+              <a:t> </a:t>
+            </a:r>
+            <a:endParaRPr lang="en-US" altLang="ko-KR" sz="1100" dirty="0"/>
+          </a:p>
+        </p:txBody>
+      </p:sp>
+      <p:pic>
+        <p:nvPicPr>
+          <p:cNvPr id="3" name="그림 2">
+            <a:extLst>
+              <a:ext uri="{FF2B5EF4-FFF2-40B4-BE49-F238E27FC236}">
+                <a16:creationId xmlns:a16="http://schemas.microsoft.com/office/drawing/2014/main" id="{9E78987D-C888-C14D-821E-7CE50058EA37}"/>
+              </a:ext>
+            </a:extLst>
+          </p:cNvPr>
+          <p:cNvPicPr>
+            <a:picLocks noChangeAspect="1"/>
+          </p:cNvPicPr>
+          <p:nvPr/>
+        </p:nvPicPr>
+        <p:blipFill>
+          <a:blip r:embed="rId2"/>
+          <a:stretch>
+            <a:fillRect/>
+          </a:stretch>
+        </p:blipFill>
+        <p:spPr>
+          <a:xfrm>
+            <a:off x="578159" y="1965979"/>
+            <a:ext cx="3108110" cy="2005815"/>
+          </a:xfrm>
+          <a:prstGeom prst="rect">
+            <a:avLst/>
+          </a:prstGeom>
+        </p:spPr>
+      </p:pic>
+      <p:pic>
+        <p:nvPicPr>
+          <p:cNvPr id="4" name="그림 3">
+            <a:extLst>
+              <a:ext uri="{FF2B5EF4-FFF2-40B4-BE49-F238E27FC236}">
+                <a16:creationId xmlns:a16="http://schemas.microsoft.com/office/drawing/2014/main" id="{985724F3-4BD3-E54A-9D61-CEC77470924D}"/>
+              </a:ext>
+            </a:extLst>
+          </p:cNvPr>
+          <p:cNvPicPr>
+            <a:picLocks noChangeAspect="1"/>
+          </p:cNvPicPr>
+          <p:nvPr/>
+        </p:nvPicPr>
+        <p:blipFill>
+          <a:blip r:embed="rId3"/>
+          <a:stretch>
+            <a:fillRect/>
+          </a:stretch>
+        </p:blipFill>
+        <p:spPr>
+          <a:xfrm>
+            <a:off x="4187912" y="1744459"/>
+            <a:ext cx="3517223" cy="4454665"/>
+          </a:xfrm>
+          <a:prstGeom prst="rect">
+            <a:avLst/>
+          </a:prstGeom>
+        </p:spPr>
+      </p:pic>
+      <p:sp>
+        <p:nvSpPr>
+          <p:cNvPr id="12" name="TextBox 11">
+            <a:extLst>
+              <a:ext uri="{FF2B5EF4-FFF2-40B4-BE49-F238E27FC236}">
+                <a16:creationId xmlns:a16="http://schemas.microsoft.com/office/drawing/2014/main" id="{84989053-104E-4847-BF2C-0D0F651BB7DB}"/>
+              </a:ext>
+            </a:extLst>
+          </p:cNvPr>
+          <p:cNvSpPr txBox="1"/>
+          <p:nvPr/>
+        </p:nvSpPr>
+        <p:spPr>
+          <a:xfrm>
+            <a:off x="570068" y="2597237"/>
+            <a:ext cx="3116202" cy="1374555"/>
+          </a:xfrm>
+          <a:prstGeom prst="rect">
+            <a:avLst/>
+          </a:prstGeom>
+          <a:noFill/>
+          <a:ln w="12700">
+            <a:solidFill>
+              <a:srgbClr val="FF7876"/>
+            </a:solidFill>
+          </a:ln>
+        </p:spPr>
+        <p:txBody>
+          <a:bodyPr wrap="square" rtlCol="0">
+            <a:spAutoFit/>
+          </a:bodyPr>
+          <a:lstStyle/>
+          <a:p>
+            <a:pPr algn="ctr"/>
+            <a:endParaRPr lang="en-US" altLang="ko-Kore-KR" sz="1100" dirty="0"/>
+          </a:p>
+        </p:txBody>
+      </p:sp>
+      <p:sp>
+        <p:nvSpPr>
+          <p:cNvPr id="14" name="TextBox 13">
+            <a:extLst>
+              <a:ext uri="{FF2B5EF4-FFF2-40B4-BE49-F238E27FC236}">
+                <a16:creationId xmlns:a16="http://schemas.microsoft.com/office/drawing/2014/main" id="{CA1CB321-CCEB-FE4F-B4C7-2B4FCA210C53}"/>
+              </a:ext>
+            </a:extLst>
+          </p:cNvPr>
+          <p:cNvSpPr txBox="1"/>
+          <p:nvPr/>
+        </p:nvSpPr>
+        <p:spPr>
+          <a:xfrm>
+            <a:off x="4186970" y="1974071"/>
+            <a:ext cx="3517207" cy="4103048"/>
+          </a:xfrm>
+          <a:prstGeom prst="rect">
+            <a:avLst/>
+          </a:prstGeom>
+          <a:noFill/>
+          <a:ln w="12700">
+            <a:solidFill>
+              <a:srgbClr val="FF7876"/>
+            </a:solidFill>
+          </a:ln>
+        </p:spPr>
+        <p:txBody>
+          <a:bodyPr wrap="square" rtlCol="0">
+            <a:spAutoFit/>
+          </a:bodyPr>
+          <a:lstStyle/>
+          <a:p>
+            <a:pPr algn="ctr"/>
+            <a:endParaRPr lang="en-US" altLang="ko-Kore-KR" sz="1100" dirty="0"/>
+          </a:p>
+        </p:txBody>
+      </p:sp>
+      <p:cxnSp>
+        <p:nvCxnSpPr>
+          <p:cNvPr id="15" name="직선 화살표 연결선 14">
+            <a:extLst>
+              <a:ext uri="{FF2B5EF4-FFF2-40B4-BE49-F238E27FC236}">
+                <a16:creationId xmlns:a16="http://schemas.microsoft.com/office/drawing/2014/main" id="{34865C56-41C7-0848-8A33-F0F4B91158DF}"/>
+              </a:ext>
+            </a:extLst>
+          </p:cNvPr>
+          <p:cNvCxnSpPr>
+            <a:cxnSpLocks/>
+          </p:cNvCxnSpPr>
+          <p:nvPr/>
+        </p:nvCxnSpPr>
+        <p:spPr>
+          <a:xfrm>
+            <a:off x="7704177" y="3419583"/>
+            <a:ext cx="352996" cy="0"/>
+          </a:xfrm>
+          <a:prstGeom prst="straightConnector1">
+            <a:avLst/>
+          </a:prstGeom>
+          <a:ln w="12700">
+            <a:solidFill>
+              <a:srgbClr val="FF7876"/>
+            </a:solidFill>
+            <a:tailEnd type="triangle"/>
+          </a:ln>
+        </p:spPr>
+        <p:style>
+          <a:lnRef idx="1">
+            <a:schemeClr val="accent1"/>
+          </a:lnRef>
+          <a:fillRef idx="0">
+            <a:schemeClr val="accent1"/>
+          </a:fillRef>
+          <a:effectRef idx="0">
+            <a:schemeClr val="accent1"/>
+          </a:effectRef>
+          <a:fontRef idx="minor">
+            <a:schemeClr val="tx1"/>
+          </a:fontRef>
+        </p:style>
+      </p:cxnSp>
+      <p:sp>
+        <p:nvSpPr>
+          <p:cNvPr id="18" name="TextBox 17">
+            <a:extLst>
+              <a:ext uri="{FF2B5EF4-FFF2-40B4-BE49-F238E27FC236}">
+                <a16:creationId xmlns:a16="http://schemas.microsoft.com/office/drawing/2014/main" id="{571C3584-EAF8-9747-B44B-F8442B70828B}"/>
+              </a:ext>
+            </a:extLst>
+          </p:cNvPr>
+          <p:cNvSpPr txBox="1"/>
+          <p:nvPr/>
+        </p:nvSpPr>
+        <p:spPr>
+          <a:xfrm>
+            <a:off x="8057173" y="3044279"/>
+            <a:ext cx="4052868" cy="1107996"/>
+          </a:xfrm>
+          <a:prstGeom prst="rect">
+            <a:avLst/>
+          </a:prstGeom>
+          <a:noFill/>
+          <a:ln w="12700">
+            <a:solidFill>
+              <a:srgbClr val="FF7876"/>
+            </a:solidFill>
+          </a:ln>
+        </p:spPr>
+        <p:txBody>
+          <a:bodyPr wrap="square" rtlCol="0">
+            <a:spAutoFit/>
+          </a:bodyPr>
+          <a:lstStyle/>
+          <a:p>
+            <a:pPr algn="ctr"/>
+            <a:r>
+              <a:rPr lang="ko-KR" altLang="en-US" sz="1100" dirty="0" err="1"/>
+              <a:t>선수데이터</a:t>
+            </a:r>
+            <a:r>
+              <a:rPr lang="ko-KR" altLang="en-US" sz="1100" dirty="0"/>
+              <a:t> </a:t>
+            </a:r>
+            <a:r>
+              <a:rPr lang="ko-KR" altLang="en-US" sz="1100" dirty="0" err="1"/>
+              <a:t>조회란</a:t>
+            </a:r>
+            <a:r>
+              <a:rPr lang="ko-KR" altLang="en-US" sz="1100" dirty="0"/>
+              <a:t> 밑에 새로운 </a:t>
+            </a:r>
+            <a:r>
+              <a:rPr lang="en-US" altLang="ko-KR" sz="1100" dirty="0"/>
+              <a:t>form</a:t>
+            </a:r>
+            <a:r>
+              <a:rPr lang="ko-KR" altLang="en-US" sz="1100" dirty="0"/>
+              <a:t>태그를 통해</a:t>
+            </a:r>
+            <a:endParaRPr lang="en-US" altLang="ko-KR" sz="1100" dirty="0"/>
+          </a:p>
+          <a:p>
+            <a:pPr algn="ctr"/>
+            <a:r>
+              <a:rPr lang="ko-KR" altLang="en-US" sz="1100" dirty="0"/>
+              <a:t>새로운 </a:t>
+            </a:r>
+            <a:r>
+              <a:rPr lang="ko-KR" altLang="en-US" sz="1100" dirty="0" err="1"/>
+              <a:t>선수정보를</a:t>
+            </a:r>
+            <a:r>
+              <a:rPr lang="ko-KR" altLang="en-US" sz="1100" dirty="0"/>
+              <a:t> 입력하게 합니다</a:t>
+            </a:r>
+            <a:r>
+              <a:rPr lang="en-US" altLang="ko-KR" sz="1100" dirty="0"/>
+              <a:t>.</a:t>
+            </a:r>
+          </a:p>
+          <a:p>
+            <a:pPr algn="ctr"/>
+            <a:r>
+              <a:rPr lang="ko-KR" altLang="en-US" sz="1100" dirty="0"/>
+              <a:t>각각 이름과 평균점수</a:t>
+            </a:r>
+            <a:r>
+              <a:rPr lang="en-US" altLang="ko-KR" sz="1100" dirty="0"/>
+              <a:t>,</a:t>
+            </a:r>
+            <a:r>
+              <a:rPr lang="ko-KR" altLang="en-US" sz="1100" dirty="0"/>
+              <a:t> 성별</a:t>
+            </a:r>
+            <a:r>
+              <a:rPr lang="en-US" altLang="ko-KR" sz="1100" dirty="0"/>
+              <a:t>,</a:t>
+            </a:r>
+            <a:r>
+              <a:rPr lang="ko-KR" altLang="en-US" sz="1100" dirty="0"/>
+              <a:t> 국가를 </a:t>
+            </a:r>
+            <a:r>
+              <a:rPr lang="ko-KR" altLang="en-US" sz="1100" dirty="0" err="1"/>
+              <a:t>입력받은</a:t>
+            </a:r>
+            <a:r>
+              <a:rPr lang="ko-KR" altLang="en-US" sz="1100" dirty="0"/>
+              <a:t> 후</a:t>
+            </a:r>
+            <a:endParaRPr lang="en-US" altLang="ko-KR" sz="1100" dirty="0"/>
+          </a:p>
+          <a:p>
+            <a:pPr algn="ctr"/>
+            <a:r>
+              <a:rPr lang="ko-KR" altLang="en-US" sz="1100" dirty="0" err="1"/>
+              <a:t>선수정보를</a:t>
+            </a:r>
+            <a:r>
+              <a:rPr lang="ko-KR" altLang="en-US" sz="1100" dirty="0"/>
+              <a:t> </a:t>
+            </a:r>
+            <a:r>
+              <a:rPr lang="en-US" altLang="ko-KR" sz="1100" dirty="0"/>
+              <a:t>DB</a:t>
+            </a:r>
+            <a:r>
+              <a:rPr lang="ko-KR" altLang="en-US" sz="1100" dirty="0"/>
+              <a:t>에 입력하게 할 </a:t>
+            </a:r>
+            <a:r>
+              <a:rPr lang="en-US" altLang="ko-KR" sz="1100" dirty="0"/>
+              <a:t>/insert</a:t>
+            </a:r>
+            <a:r>
+              <a:rPr lang="ko-KR" altLang="en-US" sz="1100" dirty="0"/>
+              <a:t>로 이동시킬</a:t>
+            </a:r>
+            <a:endParaRPr lang="en-US" altLang="ko-KR" sz="1100" dirty="0"/>
+          </a:p>
+          <a:p>
+            <a:pPr algn="ctr"/>
+            <a:r>
+              <a:rPr lang="en-US" altLang="ko-KR" sz="1100" dirty="0"/>
+              <a:t>submit</a:t>
+            </a:r>
+            <a:r>
+              <a:rPr lang="ko-KR" altLang="en-US" sz="1100" dirty="0"/>
+              <a:t>버튼과</a:t>
+            </a:r>
+            <a:endParaRPr lang="en-US" altLang="ko-KR" sz="1100" dirty="0"/>
+          </a:p>
+          <a:p>
+            <a:pPr algn="ctr"/>
+            <a:r>
+              <a:rPr lang="ko-KR" altLang="en-US" sz="1100" dirty="0"/>
+              <a:t>입력란을 모두 </a:t>
+            </a:r>
+            <a:r>
+              <a:rPr lang="ko-KR" altLang="en-US" sz="1100" dirty="0" err="1"/>
+              <a:t>초기화시켜줄</a:t>
+            </a:r>
+            <a:r>
+              <a:rPr lang="ko-KR" altLang="en-US" sz="1100" dirty="0"/>
+              <a:t> </a:t>
+            </a:r>
+            <a:r>
+              <a:rPr lang="en-US" altLang="ko-KR" sz="1100" dirty="0"/>
+              <a:t>reset</a:t>
+            </a:r>
+            <a:r>
+              <a:rPr lang="ko-KR" altLang="en-US" sz="1100" dirty="0"/>
+              <a:t>버튼을 볼 수 있습니다</a:t>
+            </a:r>
+            <a:r>
+              <a:rPr lang="en-US" altLang="ko-KR" sz="1100" dirty="0"/>
+              <a:t>.</a:t>
+            </a:r>
+          </a:p>
+        </p:txBody>
+      </p:sp>
+    </p:spTree>
+    <p:extLst>
+      <p:ext uri="{BB962C8B-B14F-4D97-AF65-F5344CB8AC3E}">
+        <p14:creationId xmlns:p14="http://schemas.microsoft.com/office/powerpoint/2010/main" val="1056572144"/>
+      </p:ext>
+    </p:extLst>
+  </p:cSld>
+  <p:clrMapOvr>
+    <a:masterClrMapping/>
+  </p:clrMapOvr>
+</p:sld>
+</file>
+
+<file path=ppt/slides/slide16.xml><?xml version="1.0" encoding="utf-8"?>
+<p:sld xmlns:a="http://schemas.openxmlformats.org/drawingml/2006/main" xmlns:r="http://schemas.openxmlformats.org/officeDocument/2006/relationships" xmlns:p="http://schemas.openxmlformats.org/presentationml/2006/main">
+  <p:cSld>
+    <p:spTree>
+      <p:nvGrpSpPr>
+        <p:cNvPr id="1" name=""/>
+        <p:cNvGrpSpPr/>
+        <p:nvPr/>
+      </p:nvGrpSpPr>
+      <p:grpSpPr>
+        <a:xfrm>
+          <a:off x="0" y="0"/>
+          <a:ext cx="0" cy="0"/>
+          <a:chOff x="0" y="0"/>
+          <a:chExt cx="0" cy="0"/>
+        </a:xfrm>
+      </p:grpSpPr>
+      <p:pic>
+        <p:nvPicPr>
+          <p:cNvPr id="7" name="그림 6">
+            <a:extLst>
+              <a:ext uri="{FF2B5EF4-FFF2-40B4-BE49-F238E27FC236}">
+                <a16:creationId xmlns:a16="http://schemas.microsoft.com/office/drawing/2014/main" id="{00BF2EF7-02CB-BC4E-8D45-7CFB300D5A4D}"/>
+              </a:ext>
+            </a:extLst>
+          </p:cNvPr>
+          <p:cNvPicPr>
+            <a:picLocks noChangeAspect="1"/>
+          </p:cNvPicPr>
+          <p:nvPr/>
+        </p:nvPicPr>
+        <p:blipFill>
+          <a:blip r:embed="rId2"/>
+          <a:stretch>
+            <a:fillRect/>
+          </a:stretch>
+        </p:blipFill>
+        <p:spPr>
+          <a:xfrm>
+            <a:off x="6018861" y="1224732"/>
+            <a:ext cx="4343904" cy="3429000"/>
+          </a:xfrm>
+          <a:prstGeom prst="rect">
+            <a:avLst/>
+          </a:prstGeom>
+        </p:spPr>
+      </p:pic>
+      <p:pic>
+        <p:nvPicPr>
+          <p:cNvPr id="5" name="그림 4">
+            <a:extLst>
+              <a:ext uri="{FF2B5EF4-FFF2-40B4-BE49-F238E27FC236}">
+                <a16:creationId xmlns:a16="http://schemas.microsoft.com/office/drawing/2014/main" id="{74E43376-E6CB-1040-ABFB-782BA696D07D}"/>
+              </a:ext>
+            </a:extLst>
+          </p:cNvPr>
+          <p:cNvPicPr>
+            <a:picLocks noChangeAspect="1"/>
+          </p:cNvPicPr>
+          <p:nvPr/>
+        </p:nvPicPr>
+        <p:blipFill>
+          <a:blip r:embed="rId3"/>
+          <a:stretch>
+            <a:fillRect/>
+          </a:stretch>
+        </p:blipFill>
+        <p:spPr>
+          <a:xfrm>
+            <a:off x="1154831" y="1183446"/>
+            <a:ext cx="4590514" cy="2686696"/>
+          </a:xfrm>
+          <a:prstGeom prst="rect">
+            <a:avLst/>
+          </a:prstGeom>
+        </p:spPr>
+      </p:pic>
+      <p:pic>
+        <p:nvPicPr>
+          <p:cNvPr id="16" name="그림 15">
+            <a:extLst>
+              <a:ext uri="{FF2B5EF4-FFF2-40B4-BE49-F238E27FC236}">
+                <a16:creationId xmlns:a16="http://schemas.microsoft.com/office/drawing/2014/main" id="{5FBC7A67-D1E6-3842-ADCD-B86F86659948}"/>
+              </a:ext>
+            </a:extLst>
+          </p:cNvPr>
+          <p:cNvPicPr>
+            <a:picLocks noChangeAspect="1"/>
+          </p:cNvPicPr>
+          <p:nvPr/>
+        </p:nvPicPr>
+        <p:blipFill>
+          <a:blip r:embed="rId4"/>
+          <a:stretch>
+            <a:fillRect/>
+          </a:stretch>
+        </p:blipFill>
+        <p:spPr>
+          <a:xfrm>
+            <a:off x="1608588" y="3633150"/>
+            <a:ext cx="4343900" cy="3428997"/>
+          </a:xfrm>
+          <a:prstGeom prst="rect">
+            <a:avLst/>
+          </a:prstGeom>
+        </p:spPr>
+      </p:pic>
+      <p:sp>
+        <p:nvSpPr>
+          <p:cNvPr id="37" name="직사각형 36">
+            <a:extLst>
+              <a:ext uri="{FF2B5EF4-FFF2-40B4-BE49-F238E27FC236}">
+                <a16:creationId xmlns:a16="http://schemas.microsoft.com/office/drawing/2014/main" id="{3F15C60C-17FE-422D-AFCF-73C75A021362}"/>
+              </a:ext>
+            </a:extLst>
+          </p:cNvPr>
+          <p:cNvSpPr/>
+          <p:nvPr/>
+        </p:nvSpPr>
+        <p:spPr>
+          <a:xfrm>
+            <a:off x="3697172" y="332194"/>
+            <a:ext cx="4713765" cy="735842"/>
+          </a:xfrm>
+          <a:prstGeom prst="rect">
+            <a:avLst/>
+          </a:prstGeom>
+        </p:spPr>
+        <p:txBody>
+          <a:bodyPr wrap="square">
+            <a:spAutoFit/>
+          </a:bodyPr>
+          <a:lstStyle/>
+          <a:p>
+            <a:pPr algn="ctr" latinLnBrk="0">
+              <a:lnSpc>
+                <a:spcPct val="150000"/>
+              </a:lnSpc>
+              <a:defRPr/>
+            </a:pPr>
+            <a:r>
+              <a:rPr lang="en-US" altLang="ko-KR" sz="3200" b="1" i="1" kern="0" dirty="0">
+                <a:solidFill>
+                  <a:srgbClr val="FF7876"/>
+                </a:solidFill>
+              </a:rPr>
+              <a:t>3</a:t>
+            </a:r>
+          </a:p>
+        </p:txBody>
+      </p:sp>
+      <p:cxnSp>
+        <p:nvCxnSpPr>
+          <p:cNvPr id="38" name="직선 연결선 37">
+            <a:extLst>
+              <a:ext uri="{FF2B5EF4-FFF2-40B4-BE49-F238E27FC236}">
+                <a16:creationId xmlns:a16="http://schemas.microsoft.com/office/drawing/2014/main" id="{940134F4-F272-426A-B50B-8075427DF501}"/>
+              </a:ext>
+            </a:extLst>
+          </p:cNvPr>
+          <p:cNvCxnSpPr>
+            <a:cxnSpLocks/>
+          </p:cNvCxnSpPr>
+          <p:nvPr/>
+        </p:nvCxnSpPr>
+        <p:spPr>
+          <a:xfrm flipV="1">
+            <a:off x="843148" y="847712"/>
+            <a:ext cx="4769087" cy="1"/>
+          </a:xfrm>
+          <a:prstGeom prst="line">
+            <a:avLst/>
+          </a:prstGeom>
+          <a:ln w="6350">
+            <a:solidFill>
+              <a:srgbClr val="FF7876"/>
+            </a:solidFill>
+            <a:prstDash val="sysDash"/>
+            <a:tailEnd type="oval"/>
+          </a:ln>
+        </p:spPr>
+        <p:style>
+          <a:lnRef idx="1">
+            <a:schemeClr val="accent1"/>
+          </a:lnRef>
+          <a:fillRef idx="0">
+            <a:schemeClr val="accent1"/>
+          </a:fillRef>
+          <a:effectRef idx="0">
+            <a:schemeClr val="accent1"/>
+          </a:effectRef>
+          <a:fontRef idx="minor">
+            <a:schemeClr val="tx1"/>
+          </a:fontRef>
+        </p:style>
+      </p:cxnSp>
+      <p:cxnSp>
+        <p:nvCxnSpPr>
+          <p:cNvPr id="39" name="직선 연결선 38">
+            <a:extLst>
+              <a:ext uri="{FF2B5EF4-FFF2-40B4-BE49-F238E27FC236}">
+                <a16:creationId xmlns:a16="http://schemas.microsoft.com/office/drawing/2014/main" id="{55EBD739-0979-4546-8E6B-9CA8052FC540}"/>
+              </a:ext>
+            </a:extLst>
+          </p:cNvPr>
+          <p:cNvCxnSpPr>
+            <a:cxnSpLocks/>
+          </p:cNvCxnSpPr>
+          <p:nvPr/>
+        </p:nvCxnSpPr>
+        <p:spPr>
+          <a:xfrm flipH="1">
+            <a:off x="6579767" y="847712"/>
+            <a:ext cx="4692810" cy="0"/>
+          </a:xfrm>
+          <a:prstGeom prst="line">
+            <a:avLst/>
+          </a:prstGeom>
+          <a:ln w="6350">
+            <a:solidFill>
+              <a:srgbClr val="FF7876"/>
+            </a:solidFill>
+            <a:prstDash val="sysDash"/>
+            <a:tailEnd type="oval"/>
+          </a:ln>
+        </p:spPr>
+        <p:style>
+          <a:lnRef idx="1">
+            <a:schemeClr val="accent1"/>
+          </a:lnRef>
+          <a:fillRef idx="0">
+            <a:schemeClr val="accent1"/>
+          </a:fillRef>
+          <a:effectRef idx="0">
+            <a:schemeClr val="accent1"/>
+          </a:effectRef>
+          <a:fontRef idx="minor">
+            <a:schemeClr val="tx1"/>
+          </a:fontRef>
+        </p:style>
+      </p:cxnSp>
+      <p:sp>
+        <p:nvSpPr>
+          <p:cNvPr id="8" name="TextBox 7">
+            <a:extLst>
+              <a:ext uri="{FF2B5EF4-FFF2-40B4-BE49-F238E27FC236}">
+                <a16:creationId xmlns:a16="http://schemas.microsoft.com/office/drawing/2014/main" id="{C18154B9-4F65-4277-8C17-63D9702FC25F}"/>
+              </a:ext>
+            </a:extLst>
+          </p:cNvPr>
+          <p:cNvSpPr txBox="1"/>
+          <p:nvPr/>
+        </p:nvSpPr>
+        <p:spPr>
+          <a:xfrm>
+            <a:off x="765146" y="963122"/>
+            <a:ext cx="10507430" cy="261610"/>
+          </a:xfrm>
+          <a:prstGeom prst="rect">
+            <a:avLst/>
+          </a:prstGeom>
+          <a:noFill/>
+        </p:spPr>
+        <p:txBody>
+          <a:bodyPr wrap="square" rtlCol="0">
+            <a:spAutoFit/>
+          </a:bodyPr>
+          <a:lstStyle/>
+          <a:p>
+            <a:pPr algn="ctr"/>
+            <a:r>
+              <a:rPr lang="ko-KR" altLang="en-US" sz="1100" i="1" dirty="0" err="1">
+                <a:solidFill>
+                  <a:srgbClr val="FF7876"/>
+                </a:solidFill>
+              </a:rPr>
+              <a:t>순천향</a:t>
+            </a:r>
+            <a:r>
+              <a:rPr lang="ko-KR" altLang="en-US" sz="1100" i="1" dirty="0">
+                <a:solidFill>
+                  <a:srgbClr val="FF7876"/>
+                </a:solidFill>
+              </a:rPr>
+              <a:t> </a:t>
+            </a:r>
+            <a:r>
+              <a:rPr lang="ko-KR" altLang="en-US" sz="1100" i="1" dirty="0" err="1">
+                <a:solidFill>
+                  <a:srgbClr val="FF7876"/>
+                </a:solidFill>
+              </a:rPr>
+              <a:t>서핑대회</a:t>
+            </a:r>
+            <a:r>
+              <a:rPr lang="ko-KR" altLang="en-US" sz="1100" i="1" dirty="0">
+                <a:solidFill>
+                  <a:srgbClr val="FF7876"/>
+                </a:solidFill>
+              </a:rPr>
+              <a:t> </a:t>
+            </a:r>
+            <a:r>
+              <a:rPr lang="en-US" altLang="ko-KR" sz="1100" i="1" dirty="0" err="1">
+                <a:solidFill>
+                  <a:srgbClr val="FF7876"/>
+                </a:solidFill>
+              </a:rPr>
+              <a:t>db</a:t>
+            </a:r>
+            <a:r>
+              <a:rPr lang="ko-KR" altLang="en-US" sz="1100" i="1" dirty="0">
+                <a:solidFill>
+                  <a:srgbClr val="FF7876"/>
+                </a:solidFill>
+              </a:rPr>
+              <a:t>연동 예제 </a:t>
+            </a:r>
+            <a:r>
+              <a:rPr lang="en-US" altLang="ko-KR" sz="1100" i="1" dirty="0">
+                <a:solidFill>
+                  <a:srgbClr val="FF7876"/>
+                </a:solidFill>
+              </a:rPr>
+              <a:t>– DB</a:t>
+            </a:r>
+            <a:r>
+              <a:rPr lang="ko-KR" altLang="en-US" sz="1100" i="1" dirty="0">
+                <a:solidFill>
+                  <a:srgbClr val="FF7876"/>
+                </a:solidFill>
+              </a:rPr>
+              <a:t>파일들</a:t>
+            </a:r>
+            <a:endParaRPr lang="en-US" altLang="ko-KR" sz="1100" i="1" dirty="0">
+              <a:solidFill>
+                <a:srgbClr val="FF7876"/>
+              </a:solidFill>
+            </a:endParaRPr>
+          </a:p>
+        </p:txBody>
+      </p:sp>
+      <p:cxnSp>
+        <p:nvCxnSpPr>
+          <p:cNvPr id="27" name="직선 화살표 연결선 26">
+            <a:extLst>
+              <a:ext uri="{FF2B5EF4-FFF2-40B4-BE49-F238E27FC236}">
+                <a16:creationId xmlns:a16="http://schemas.microsoft.com/office/drawing/2014/main" id="{4CF406FF-BBEC-5040-8715-E5DB29A9AF51}"/>
+              </a:ext>
+            </a:extLst>
+          </p:cNvPr>
+          <p:cNvCxnSpPr>
+            <a:cxnSpLocks/>
+          </p:cNvCxnSpPr>
+          <p:nvPr/>
+        </p:nvCxnSpPr>
+        <p:spPr>
+          <a:xfrm>
+            <a:off x="4950622" y="1870097"/>
+            <a:ext cx="1288891" cy="0"/>
+          </a:xfrm>
+          <a:prstGeom prst="straightConnector1">
+            <a:avLst/>
+          </a:prstGeom>
+          <a:ln w="12700">
+            <a:solidFill>
+              <a:srgbClr val="FF7876"/>
+            </a:solidFill>
+            <a:tailEnd type="triangle"/>
+          </a:ln>
+        </p:spPr>
+        <p:style>
+          <a:lnRef idx="1">
+            <a:schemeClr val="accent1"/>
+          </a:lnRef>
+          <a:fillRef idx="0">
+            <a:schemeClr val="accent1"/>
+          </a:fillRef>
+          <a:effectRef idx="0">
+            <a:schemeClr val="accent1"/>
+          </a:effectRef>
+          <a:fontRef idx="minor">
+            <a:schemeClr val="tx1"/>
+          </a:fontRef>
+        </p:style>
+      </p:cxnSp>
+      <p:sp>
+        <p:nvSpPr>
+          <p:cNvPr id="18" name="TextBox 17">
+            <a:extLst>
+              <a:ext uri="{FF2B5EF4-FFF2-40B4-BE49-F238E27FC236}">
+                <a16:creationId xmlns:a16="http://schemas.microsoft.com/office/drawing/2014/main" id="{571C3584-EAF8-9747-B44B-F8442B70828B}"/>
+              </a:ext>
+            </a:extLst>
+          </p:cNvPr>
+          <p:cNvSpPr txBox="1"/>
+          <p:nvPr/>
+        </p:nvSpPr>
+        <p:spPr>
+          <a:xfrm>
+            <a:off x="6239513" y="4977401"/>
+            <a:ext cx="4206282" cy="938719"/>
+          </a:xfrm>
+          <a:prstGeom prst="rect">
+            <a:avLst/>
+          </a:prstGeom>
+          <a:noFill/>
+          <a:ln w="12700">
+            <a:solidFill>
+              <a:srgbClr val="FF7876"/>
+            </a:solidFill>
+          </a:ln>
+        </p:spPr>
+        <p:txBody>
+          <a:bodyPr wrap="square" rtlCol="0">
+            <a:spAutoFit/>
+          </a:bodyPr>
+          <a:lstStyle/>
+          <a:p>
+            <a:pPr algn="ctr"/>
+            <a:r>
+              <a:rPr lang="ko-KR" altLang="en-US" sz="1100" dirty="0"/>
+              <a:t>로그인 정보와 </a:t>
+            </a:r>
+            <a:r>
+              <a:rPr lang="ko-KR" altLang="en-US" sz="1100" dirty="0" err="1"/>
+              <a:t>서핑대회</a:t>
+            </a:r>
+            <a:r>
+              <a:rPr lang="ko-KR" altLang="en-US" sz="1100" dirty="0"/>
+              <a:t> 정보를 담은</a:t>
+            </a:r>
+            <a:endParaRPr lang="en-US" altLang="ko-KR" sz="1100" dirty="0"/>
+          </a:p>
+          <a:p>
+            <a:pPr algn="ctr"/>
+            <a:r>
+              <a:rPr lang="en-US" altLang="ko-KR" sz="1100" dirty="0" err="1"/>
+              <a:t>member.db</a:t>
+            </a:r>
+            <a:r>
+              <a:rPr lang="ko-KR" altLang="en-US" sz="1100" dirty="0"/>
+              <a:t>와 </a:t>
+            </a:r>
+            <a:r>
+              <a:rPr lang="en-US" altLang="ko-KR" sz="1100" dirty="0" err="1"/>
+              <a:t>SoonSurf.db</a:t>
+            </a:r>
+            <a:r>
+              <a:rPr lang="ko-KR" altLang="en-US" sz="1100" dirty="0"/>
+              <a:t> 입니다</a:t>
+            </a:r>
+            <a:r>
+              <a:rPr lang="en-US" altLang="ko-KR" sz="1100" dirty="0"/>
+              <a:t>.</a:t>
+            </a:r>
+          </a:p>
+          <a:p>
+            <a:pPr algn="ctr"/>
+            <a:r>
+              <a:rPr lang="ko-KR" altLang="en-US" sz="1100" dirty="0"/>
+              <a:t>모두 </a:t>
+            </a:r>
+            <a:r>
+              <a:rPr lang="ko-KR" altLang="en-US" sz="1100" dirty="0" err="1"/>
+              <a:t>파이썬이</a:t>
+            </a:r>
+            <a:r>
+              <a:rPr lang="ko-KR" altLang="en-US" sz="1100" dirty="0"/>
+              <a:t> 실행될 </a:t>
+            </a:r>
+            <a:r>
+              <a:rPr lang="en-US" altLang="ko-KR" sz="1100" dirty="0" err="1"/>
+              <a:t>ipynb</a:t>
+            </a:r>
+            <a:r>
+              <a:rPr lang="ko-KR" altLang="en-US" sz="1100" dirty="0"/>
+              <a:t>파일과 같은 위치에 생성하였습니다</a:t>
+            </a:r>
+            <a:r>
+              <a:rPr lang="en-US" altLang="ko-KR" sz="1100" dirty="0"/>
+              <a:t>.</a:t>
+            </a:r>
+          </a:p>
+          <a:p>
+            <a:pPr algn="ctr"/>
+            <a:endParaRPr lang="en-US" altLang="ko-KR" sz="1100" dirty="0"/>
+          </a:p>
+          <a:p>
+            <a:pPr algn="ctr"/>
+            <a:r>
+              <a:rPr lang="ko-KR" altLang="en-US" sz="1100" dirty="0"/>
+              <a:t>실행 코드에서 참조하여</a:t>
+            </a:r>
+            <a:r>
+              <a:rPr lang="en-US" altLang="ko-KR" sz="1100" dirty="0"/>
+              <a:t> </a:t>
+            </a:r>
+            <a:r>
+              <a:rPr lang="en-US" altLang="ko-KR" sz="1100" dirty="0" err="1"/>
+              <a:t>db</a:t>
+            </a:r>
+            <a:r>
+              <a:rPr lang="ko-KR" altLang="en-US" sz="1100" dirty="0" err="1"/>
+              <a:t>를</a:t>
+            </a:r>
+            <a:r>
+              <a:rPr lang="ko-KR" altLang="en-US" sz="1100" dirty="0"/>
+              <a:t> 구성하였습니다</a:t>
+            </a:r>
+            <a:r>
+              <a:rPr lang="en-US" altLang="ko-KR" sz="1100" dirty="0"/>
+              <a:t>.</a:t>
+            </a:r>
+          </a:p>
+        </p:txBody>
+      </p:sp>
+      <p:cxnSp>
+        <p:nvCxnSpPr>
+          <p:cNvPr id="19" name="직선 화살표 연결선 18">
+            <a:extLst>
+              <a:ext uri="{FF2B5EF4-FFF2-40B4-BE49-F238E27FC236}">
+                <a16:creationId xmlns:a16="http://schemas.microsoft.com/office/drawing/2014/main" id="{EA68CBE2-5C5D-4A4C-99F2-2AFE9CA5A051}"/>
+              </a:ext>
+            </a:extLst>
+          </p:cNvPr>
+          <p:cNvCxnSpPr>
+            <a:cxnSpLocks/>
+          </p:cNvCxnSpPr>
+          <p:nvPr/>
+        </p:nvCxnSpPr>
+        <p:spPr>
+          <a:xfrm>
+            <a:off x="4330990" y="2035333"/>
+            <a:ext cx="0" cy="1719371"/>
+          </a:xfrm>
+          <a:prstGeom prst="straightConnector1">
+            <a:avLst/>
+          </a:prstGeom>
+          <a:ln w="12700">
+            <a:solidFill>
+              <a:srgbClr val="FF7876"/>
+            </a:solidFill>
+            <a:tailEnd type="triangle"/>
+          </a:ln>
+        </p:spPr>
+        <p:style>
+          <a:lnRef idx="1">
+            <a:schemeClr val="accent1"/>
+          </a:lnRef>
+          <a:fillRef idx="0">
+            <a:schemeClr val="accent1"/>
+          </a:fillRef>
+          <a:effectRef idx="0">
+            <a:schemeClr val="accent1"/>
+          </a:effectRef>
+          <a:fontRef idx="minor">
+            <a:schemeClr val="tx1"/>
+          </a:fontRef>
+        </p:style>
+      </p:cxnSp>
+    </p:spTree>
+    <p:extLst>
+      <p:ext uri="{BB962C8B-B14F-4D97-AF65-F5344CB8AC3E}">
+        <p14:creationId xmlns:p14="http://schemas.microsoft.com/office/powerpoint/2010/main" val="1839477314"/>
+      </p:ext>
+    </p:extLst>
+  </p:cSld>
+  <p:clrMapOvr>
+    <a:masterClrMapping/>
+  </p:clrMapOvr>
+</p:sld>
+</file>
+
+<file path=ppt/slides/slide17.xml><?xml version="1.0" encoding="utf-8"?>
+<p:sld xmlns:a="http://schemas.openxmlformats.org/drawingml/2006/main" xmlns:r="http://schemas.openxmlformats.org/officeDocument/2006/relationships" xmlns:p="http://schemas.openxmlformats.org/presentationml/2006/main">
+  <p:cSld>
+    <p:spTree>
+      <p:nvGrpSpPr>
+        <p:cNvPr id="1" name=""/>
+        <p:cNvGrpSpPr/>
+        <p:nvPr/>
+      </p:nvGrpSpPr>
+      <p:grpSpPr>
+        <a:xfrm>
+          <a:off x="0" y="0"/>
+          <a:ext cx="0" cy="0"/>
+          <a:chOff x="0" y="0"/>
+          <a:chExt cx="0" cy="0"/>
+        </a:xfrm>
+      </p:grpSpPr>
+      <p:sp>
+        <p:nvSpPr>
+          <p:cNvPr id="37" name="직사각형 36">
+            <a:extLst>
+              <a:ext uri="{FF2B5EF4-FFF2-40B4-BE49-F238E27FC236}">
+                <a16:creationId xmlns:a16="http://schemas.microsoft.com/office/drawing/2014/main" id="{3F15C60C-17FE-422D-AFCF-73C75A021362}"/>
+              </a:ext>
+            </a:extLst>
+          </p:cNvPr>
+          <p:cNvSpPr/>
+          <p:nvPr/>
+        </p:nvSpPr>
+        <p:spPr>
+          <a:xfrm>
+            <a:off x="3697172" y="332194"/>
+            <a:ext cx="4713765" cy="735842"/>
+          </a:xfrm>
+          <a:prstGeom prst="rect">
+            <a:avLst/>
+          </a:prstGeom>
+        </p:spPr>
+        <p:txBody>
+          <a:bodyPr wrap="square">
+            <a:spAutoFit/>
+          </a:bodyPr>
+          <a:lstStyle/>
+          <a:p>
+            <a:pPr algn="ctr" latinLnBrk="0">
+              <a:lnSpc>
+                <a:spcPct val="150000"/>
+              </a:lnSpc>
+              <a:defRPr/>
+            </a:pPr>
+            <a:r>
+              <a:rPr lang="en-US" altLang="ko-KR" sz="3200" b="1" i="1" kern="0" dirty="0">
+                <a:solidFill>
+                  <a:srgbClr val="FF7876"/>
+                </a:solidFill>
+              </a:rPr>
+              <a:t>3</a:t>
+            </a:r>
+          </a:p>
+        </p:txBody>
+      </p:sp>
+      <p:cxnSp>
+        <p:nvCxnSpPr>
+          <p:cNvPr id="38" name="직선 연결선 37">
+            <a:extLst>
+              <a:ext uri="{FF2B5EF4-FFF2-40B4-BE49-F238E27FC236}">
+                <a16:creationId xmlns:a16="http://schemas.microsoft.com/office/drawing/2014/main" id="{940134F4-F272-426A-B50B-8075427DF501}"/>
+              </a:ext>
+            </a:extLst>
+          </p:cNvPr>
+          <p:cNvCxnSpPr>
+            <a:cxnSpLocks/>
+          </p:cNvCxnSpPr>
+          <p:nvPr/>
+        </p:nvCxnSpPr>
+        <p:spPr>
+          <a:xfrm flipV="1">
+            <a:off x="843148" y="847712"/>
+            <a:ext cx="4769087" cy="1"/>
+          </a:xfrm>
+          <a:prstGeom prst="line">
+            <a:avLst/>
+          </a:prstGeom>
+          <a:ln w="6350">
+            <a:solidFill>
+              <a:srgbClr val="FF7876"/>
+            </a:solidFill>
+            <a:prstDash val="sysDash"/>
+            <a:tailEnd type="oval"/>
+          </a:ln>
+        </p:spPr>
+        <p:style>
+          <a:lnRef idx="1">
+            <a:schemeClr val="accent1"/>
+          </a:lnRef>
+          <a:fillRef idx="0">
+            <a:schemeClr val="accent1"/>
+          </a:fillRef>
+          <a:effectRef idx="0">
+            <a:schemeClr val="accent1"/>
+          </a:effectRef>
+          <a:fontRef idx="minor">
+            <a:schemeClr val="tx1"/>
+          </a:fontRef>
+        </p:style>
+      </p:cxnSp>
+      <p:cxnSp>
+        <p:nvCxnSpPr>
+          <p:cNvPr id="39" name="직선 연결선 38">
+            <a:extLst>
+              <a:ext uri="{FF2B5EF4-FFF2-40B4-BE49-F238E27FC236}">
+                <a16:creationId xmlns:a16="http://schemas.microsoft.com/office/drawing/2014/main" id="{55EBD739-0979-4546-8E6B-9CA8052FC540}"/>
+              </a:ext>
+            </a:extLst>
+          </p:cNvPr>
+          <p:cNvCxnSpPr>
+            <a:cxnSpLocks/>
+          </p:cNvCxnSpPr>
+          <p:nvPr/>
+        </p:nvCxnSpPr>
+        <p:spPr>
+          <a:xfrm flipH="1">
+            <a:off x="6579767" y="847712"/>
+            <a:ext cx="4692810" cy="0"/>
+          </a:xfrm>
+          <a:prstGeom prst="line">
+            <a:avLst/>
+          </a:prstGeom>
+          <a:ln w="6350">
+            <a:solidFill>
+              <a:srgbClr val="FF7876"/>
+            </a:solidFill>
+            <a:prstDash val="sysDash"/>
+            <a:tailEnd type="oval"/>
+          </a:ln>
+        </p:spPr>
+        <p:style>
+          <a:lnRef idx="1">
+            <a:schemeClr val="accent1"/>
+          </a:lnRef>
+          <a:fillRef idx="0">
+            <a:schemeClr val="accent1"/>
+          </a:fillRef>
+          <a:effectRef idx="0">
+            <a:schemeClr val="accent1"/>
+          </a:effectRef>
+          <a:fontRef idx="minor">
+            <a:schemeClr val="tx1"/>
+          </a:fontRef>
+        </p:style>
+      </p:cxnSp>
+      <p:sp>
+        <p:nvSpPr>
+          <p:cNvPr id="8" name="TextBox 7">
+            <a:extLst>
+              <a:ext uri="{FF2B5EF4-FFF2-40B4-BE49-F238E27FC236}">
+                <a16:creationId xmlns:a16="http://schemas.microsoft.com/office/drawing/2014/main" id="{C18154B9-4F65-4277-8C17-63D9702FC25F}"/>
+              </a:ext>
+            </a:extLst>
+          </p:cNvPr>
+          <p:cNvSpPr txBox="1"/>
+          <p:nvPr/>
+        </p:nvSpPr>
+        <p:spPr>
+          <a:xfrm>
+            <a:off x="765146" y="963122"/>
+            <a:ext cx="10507430" cy="261610"/>
+          </a:xfrm>
+          <a:prstGeom prst="rect">
+            <a:avLst/>
+          </a:prstGeom>
+          <a:noFill/>
+        </p:spPr>
+        <p:txBody>
+          <a:bodyPr wrap="square" rtlCol="0">
+            <a:spAutoFit/>
+          </a:bodyPr>
+          <a:lstStyle/>
+          <a:p>
+            <a:pPr algn="ctr"/>
+            <a:r>
+              <a:rPr lang="ko-KR" altLang="en-US" sz="1100" i="1" dirty="0" err="1">
+                <a:solidFill>
+                  <a:srgbClr val="FF7876"/>
+                </a:solidFill>
+              </a:rPr>
+              <a:t>순천향</a:t>
+            </a:r>
+            <a:r>
+              <a:rPr lang="ko-KR" altLang="en-US" sz="1100" i="1" dirty="0">
+                <a:solidFill>
+                  <a:srgbClr val="FF7876"/>
+                </a:solidFill>
+              </a:rPr>
+              <a:t> </a:t>
+            </a:r>
+            <a:r>
+              <a:rPr lang="ko-KR" altLang="en-US" sz="1100" i="1" dirty="0" err="1">
+                <a:solidFill>
+                  <a:srgbClr val="FF7876"/>
+                </a:solidFill>
+              </a:rPr>
+              <a:t>서핑대회</a:t>
+            </a:r>
+            <a:r>
+              <a:rPr lang="ko-KR" altLang="en-US" sz="1100" i="1" dirty="0">
+                <a:solidFill>
+                  <a:srgbClr val="FF7876"/>
+                </a:solidFill>
+              </a:rPr>
+              <a:t> </a:t>
+            </a:r>
+            <a:r>
+              <a:rPr lang="en-US" altLang="ko-KR" sz="1100" i="1" dirty="0" err="1">
+                <a:solidFill>
+                  <a:srgbClr val="FF7876"/>
+                </a:solidFill>
+              </a:rPr>
+              <a:t>db</a:t>
+            </a:r>
+            <a:r>
+              <a:rPr lang="ko-KR" altLang="en-US" sz="1100" i="1" dirty="0">
+                <a:solidFill>
+                  <a:srgbClr val="FF7876"/>
+                </a:solidFill>
+              </a:rPr>
+              <a:t>연동 예제 </a:t>
+            </a:r>
+            <a:r>
+              <a:rPr lang="en-US" altLang="ko-KR" sz="1100" i="1" dirty="0">
+                <a:solidFill>
+                  <a:srgbClr val="FF7876"/>
+                </a:solidFill>
+              </a:rPr>
+              <a:t>– </a:t>
+            </a:r>
+            <a:r>
+              <a:rPr lang="ko-KR" altLang="en-US" sz="1100" i="1" dirty="0">
+                <a:solidFill>
+                  <a:srgbClr val="FF7876"/>
+                </a:solidFill>
+              </a:rPr>
+              <a:t>실행</a:t>
+            </a:r>
+            <a:endParaRPr lang="en-US" altLang="ko-KR" sz="1100" i="1" dirty="0">
+              <a:solidFill>
+                <a:srgbClr val="FF7876"/>
+              </a:solidFill>
+            </a:endParaRPr>
+          </a:p>
+        </p:txBody>
+      </p:sp>
+      <p:sp>
+        <p:nvSpPr>
+          <p:cNvPr id="18" name="TextBox 17">
+            <a:extLst>
+              <a:ext uri="{FF2B5EF4-FFF2-40B4-BE49-F238E27FC236}">
+                <a16:creationId xmlns:a16="http://schemas.microsoft.com/office/drawing/2014/main" id="{571C3584-EAF8-9747-B44B-F8442B70828B}"/>
+              </a:ext>
+            </a:extLst>
+          </p:cNvPr>
+          <p:cNvSpPr txBox="1"/>
+          <p:nvPr/>
+        </p:nvSpPr>
+        <p:spPr>
+          <a:xfrm>
+            <a:off x="3544705" y="5323564"/>
+            <a:ext cx="5102589" cy="938719"/>
+          </a:xfrm>
+          <a:prstGeom prst="rect">
+            <a:avLst/>
+          </a:prstGeom>
+          <a:noFill/>
+          <a:ln w="12700">
+            <a:solidFill>
+              <a:srgbClr val="FF7876"/>
+            </a:solidFill>
+          </a:ln>
+        </p:spPr>
+        <p:txBody>
+          <a:bodyPr wrap="square" rtlCol="0">
+            <a:spAutoFit/>
+          </a:bodyPr>
+          <a:lstStyle/>
+          <a:p>
+            <a:pPr algn="ctr"/>
+            <a:r>
+              <a:rPr lang="ko-KR" altLang="en-US" sz="1100" dirty="0"/>
+              <a:t>초기 화면에서 회원가입을 진행한 모습입니다</a:t>
+            </a:r>
+            <a:endParaRPr lang="en-US" altLang="ko-KR" sz="1100" dirty="0"/>
+          </a:p>
+          <a:p>
+            <a:pPr algn="ctr"/>
+            <a:r>
+              <a:rPr lang="ko-KR" altLang="en-US" sz="1100" dirty="0"/>
+              <a:t>회원가입버튼을 클릭해 회원가입폼인 </a:t>
+            </a:r>
+            <a:r>
+              <a:rPr lang="en-US" altLang="ko-KR" sz="1100" dirty="0"/>
+              <a:t>/member</a:t>
+            </a:r>
+            <a:r>
+              <a:rPr lang="ko-KR" altLang="en-US" sz="1100" dirty="0"/>
+              <a:t>로 이동하고</a:t>
+            </a:r>
+            <a:endParaRPr lang="en-US" altLang="ko-KR" sz="1100" dirty="0"/>
+          </a:p>
+          <a:p>
+            <a:pPr algn="ctr"/>
+            <a:r>
+              <a:rPr lang="ko-KR" altLang="en-US" sz="1100" dirty="0"/>
+              <a:t>회원정보를 </a:t>
+            </a:r>
+            <a:r>
+              <a:rPr lang="ko-KR" altLang="en-US" sz="1100" dirty="0" err="1"/>
+              <a:t>입력하어</a:t>
+            </a:r>
+            <a:r>
+              <a:rPr lang="ko-KR" altLang="en-US" sz="1100" dirty="0"/>
+              <a:t> 등록버튼을 클릭해</a:t>
+            </a:r>
+            <a:endParaRPr lang="en-US" altLang="ko-KR" sz="1100" dirty="0"/>
+          </a:p>
+          <a:p>
+            <a:pPr algn="ctr"/>
+            <a:r>
+              <a:rPr lang="ko-KR" altLang="en-US" sz="1100" dirty="0"/>
+              <a:t>회원</a:t>
+            </a:r>
+            <a:r>
+              <a:rPr lang="en-US" altLang="ko-KR" sz="1100" dirty="0"/>
+              <a:t>DB</a:t>
+            </a:r>
+            <a:r>
+              <a:rPr lang="ko-KR" altLang="en-US" sz="1100" dirty="0"/>
+              <a:t>에 회원정보를 추가해줄 </a:t>
+            </a:r>
+            <a:r>
+              <a:rPr lang="en-US" altLang="ko-KR" sz="1100" dirty="0"/>
+              <a:t>/register</a:t>
+            </a:r>
+            <a:r>
+              <a:rPr lang="ko-KR" altLang="en-US" sz="1100" dirty="0"/>
+              <a:t>로 이동한 모습을 볼 수 있습니다</a:t>
+            </a:r>
+            <a:r>
+              <a:rPr lang="en-US" altLang="ko-KR" sz="1100" dirty="0"/>
+              <a:t>.</a:t>
+            </a:r>
+          </a:p>
+          <a:p>
+            <a:pPr algn="ctr"/>
+            <a:r>
+              <a:rPr lang="en-US" altLang="ko-KR" sz="1100" dirty="0" err="1"/>
+              <a:t>db</a:t>
+            </a:r>
+            <a:r>
+              <a:rPr lang="ko-KR" altLang="en-US" sz="1100" dirty="0"/>
+              <a:t>에 회원 정보가 </a:t>
+            </a:r>
+            <a:r>
+              <a:rPr lang="ko-KR" altLang="en-US" sz="1100" dirty="0" err="1"/>
+              <a:t>저장된것을</a:t>
+            </a:r>
+            <a:r>
+              <a:rPr lang="ko-KR" altLang="en-US" sz="1100" dirty="0"/>
+              <a:t> 확인할 수 있습니다</a:t>
+            </a:r>
+            <a:r>
+              <a:rPr lang="en-US" altLang="ko-KR" sz="1100" dirty="0"/>
+              <a:t>.</a:t>
+            </a:r>
+          </a:p>
+        </p:txBody>
+      </p:sp>
+      <p:pic>
+        <p:nvPicPr>
+          <p:cNvPr id="2" name="그림 1">
+            <a:extLst>
+              <a:ext uri="{FF2B5EF4-FFF2-40B4-BE49-F238E27FC236}">
+                <a16:creationId xmlns:a16="http://schemas.microsoft.com/office/drawing/2014/main" id="{18732A2E-2E0C-4C43-A6A1-C9D28CC85491}"/>
+              </a:ext>
+            </a:extLst>
+          </p:cNvPr>
+          <p:cNvPicPr>
+            <a:picLocks noChangeAspect="1"/>
+          </p:cNvPicPr>
+          <p:nvPr/>
+        </p:nvPicPr>
+        <p:blipFill>
+          <a:blip r:embed="rId2"/>
+          <a:stretch>
+            <a:fillRect/>
+          </a:stretch>
+        </p:blipFill>
+        <p:spPr>
+          <a:xfrm>
+            <a:off x="346208" y="1363231"/>
+            <a:ext cx="3833193" cy="3821836"/>
+          </a:xfrm>
+          <a:prstGeom prst="rect">
+            <a:avLst/>
+          </a:prstGeom>
+        </p:spPr>
+      </p:pic>
+      <p:pic>
+        <p:nvPicPr>
+          <p:cNvPr id="4" name="그림 3">
+            <a:extLst>
+              <a:ext uri="{FF2B5EF4-FFF2-40B4-BE49-F238E27FC236}">
+                <a16:creationId xmlns:a16="http://schemas.microsoft.com/office/drawing/2014/main" id="{1120F3AC-19D0-464A-B92F-AEB7D3C3ACE7}"/>
+              </a:ext>
+            </a:extLst>
+          </p:cNvPr>
+          <p:cNvPicPr>
+            <a:picLocks noChangeAspect="1"/>
+          </p:cNvPicPr>
+          <p:nvPr/>
+        </p:nvPicPr>
+        <p:blipFill>
+          <a:blip r:embed="rId3"/>
+          <a:stretch>
+            <a:fillRect/>
+          </a:stretch>
+        </p:blipFill>
+        <p:spPr>
+          <a:xfrm>
+            <a:off x="4179404" y="1363230"/>
+            <a:ext cx="3833194" cy="3821837"/>
+          </a:xfrm>
+          <a:prstGeom prst="rect">
+            <a:avLst/>
+          </a:prstGeom>
+        </p:spPr>
+      </p:pic>
+      <p:pic>
+        <p:nvPicPr>
+          <p:cNvPr id="6" name="그림 5">
+            <a:extLst>
+              <a:ext uri="{FF2B5EF4-FFF2-40B4-BE49-F238E27FC236}">
+                <a16:creationId xmlns:a16="http://schemas.microsoft.com/office/drawing/2014/main" id="{641DB154-567C-B64D-99DF-8DA4EDF88D1F}"/>
+              </a:ext>
+            </a:extLst>
+          </p:cNvPr>
+          <p:cNvPicPr>
+            <a:picLocks noChangeAspect="1"/>
+          </p:cNvPicPr>
+          <p:nvPr/>
+        </p:nvPicPr>
+        <p:blipFill>
+          <a:blip r:embed="rId4"/>
+          <a:stretch>
+            <a:fillRect/>
+          </a:stretch>
+        </p:blipFill>
+        <p:spPr>
+          <a:xfrm>
+            <a:off x="8012598" y="1363229"/>
+            <a:ext cx="3833195" cy="3821838"/>
+          </a:xfrm>
+          <a:prstGeom prst="rect">
+            <a:avLst/>
+          </a:prstGeom>
+        </p:spPr>
+      </p:pic>
+      <p:pic>
+        <p:nvPicPr>
+          <p:cNvPr id="9" name="그림 8">
+            <a:extLst>
+              <a:ext uri="{FF2B5EF4-FFF2-40B4-BE49-F238E27FC236}">
+                <a16:creationId xmlns:a16="http://schemas.microsoft.com/office/drawing/2014/main" id="{5551A23C-43BE-A14F-BF66-C799C91EE27F}"/>
+              </a:ext>
+            </a:extLst>
+          </p:cNvPr>
+          <p:cNvPicPr>
+            <a:picLocks noChangeAspect="1"/>
+          </p:cNvPicPr>
+          <p:nvPr/>
+        </p:nvPicPr>
+        <p:blipFill>
+          <a:blip r:embed="rId5"/>
+          <a:stretch>
+            <a:fillRect/>
+          </a:stretch>
+        </p:blipFill>
+        <p:spPr>
+          <a:xfrm>
+            <a:off x="8760366" y="3015246"/>
+            <a:ext cx="3216183" cy="1446548"/>
+          </a:xfrm>
+          <a:prstGeom prst="rect">
+            <a:avLst/>
+          </a:prstGeom>
+        </p:spPr>
+      </p:pic>
+    </p:spTree>
+    <p:extLst>
+      <p:ext uri="{BB962C8B-B14F-4D97-AF65-F5344CB8AC3E}">
+        <p14:creationId xmlns:p14="http://schemas.microsoft.com/office/powerpoint/2010/main" val="1602671996"/>
+      </p:ext>
+    </p:extLst>
+  </p:cSld>
+  <p:clrMapOvr>
+    <a:masterClrMapping/>
+  </p:clrMapOvr>
+</p:sld>
+</file>
+
+<file path=ppt/slides/slide18.xml><?xml version="1.0" encoding="utf-8"?>
+<p:sld xmlns:a="http://schemas.openxmlformats.org/drawingml/2006/main" xmlns:r="http://schemas.openxmlformats.org/officeDocument/2006/relationships" xmlns:p="http://schemas.openxmlformats.org/presentationml/2006/main">
+  <p:cSld>
+    <p:spTree>
+      <p:nvGrpSpPr>
+        <p:cNvPr id="1" name=""/>
+        <p:cNvGrpSpPr/>
+        <p:nvPr/>
+      </p:nvGrpSpPr>
+      <p:grpSpPr>
+        <a:xfrm>
+          <a:off x="0" y="0"/>
+          <a:ext cx="0" cy="0"/>
+          <a:chOff x="0" y="0"/>
+          <a:chExt cx="0" cy="0"/>
+        </a:xfrm>
+      </p:grpSpPr>
+      <p:pic>
+        <p:nvPicPr>
+          <p:cNvPr id="5" name="그림 4">
+            <a:extLst>
+              <a:ext uri="{FF2B5EF4-FFF2-40B4-BE49-F238E27FC236}">
+                <a16:creationId xmlns:a16="http://schemas.microsoft.com/office/drawing/2014/main" id="{F3FF66F5-ACD8-2C4D-BD7C-2BCE37581892}"/>
+              </a:ext>
+            </a:extLst>
+          </p:cNvPr>
+          <p:cNvPicPr>
+            <a:picLocks noChangeAspect="1"/>
+          </p:cNvPicPr>
+          <p:nvPr/>
+        </p:nvPicPr>
+        <p:blipFill>
+          <a:blip r:embed="rId2"/>
+          <a:stretch>
+            <a:fillRect/>
+          </a:stretch>
+        </p:blipFill>
+        <p:spPr>
+          <a:xfrm>
+            <a:off x="6286463" y="1340141"/>
+            <a:ext cx="3907330" cy="3606404"/>
+          </a:xfrm>
+          <a:prstGeom prst="rect">
+            <a:avLst/>
+          </a:prstGeom>
+        </p:spPr>
+      </p:pic>
+      <p:sp>
+        <p:nvSpPr>
+          <p:cNvPr id="37" name="직사각형 36">
+            <a:extLst>
+              <a:ext uri="{FF2B5EF4-FFF2-40B4-BE49-F238E27FC236}">
+                <a16:creationId xmlns:a16="http://schemas.microsoft.com/office/drawing/2014/main" id="{3F15C60C-17FE-422D-AFCF-73C75A021362}"/>
+              </a:ext>
+            </a:extLst>
+          </p:cNvPr>
+          <p:cNvSpPr/>
+          <p:nvPr/>
+        </p:nvSpPr>
+        <p:spPr>
+          <a:xfrm>
+            <a:off x="3697172" y="332194"/>
+            <a:ext cx="4713765" cy="735842"/>
+          </a:xfrm>
+          <a:prstGeom prst="rect">
+            <a:avLst/>
+          </a:prstGeom>
+        </p:spPr>
+        <p:txBody>
+          <a:bodyPr wrap="square">
+            <a:spAutoFit/>
+          </a:bodyPr>
+          <a:lstStyle/>
+          <a:p>
+            <a:pPr algn="ctr" latinLnBrk="0">
+              <a:lnSpc>
+                <a:spcPct val="150000"/>
+              </a:lnSpc>
+              <a:defRPr/>
+            </a:pPr>
+            <a:r>
+              <a:rPr lang="en-US" altLang="ko-KR" sz="3200" b="1" i="1" kern="0" dirty="0">
+                <a:solidFill>
+                  <a:srgbClr val="FF7876"/>
+                </a:solidFill>
+              </a:rPr>
+              <a:t>3</a:t>
+            </a:r>
+          </a:p>
+        </p:txBody>
+      </p:sp>
+      <p:cxnSp>
+        <p:nvCxnSpPr>
+          <p:cNvPr id="38" name="직선 연결선 37">
+            <a:extLst>
+              <a:ext uri="{FF2B5EF4-FFF2-40B4-BE49-F238E27FC236}">
+                <a16:creationId xmlns:a16="http://schemas.microsoft.com/office/drawing/2014/main" id="{940134F4-F272-426A-B50B-8075427DF501}"/>
+              </a:ext>
+            </a:extLst>
+          </p:cNvPr>
+          <p:cNvCxnSpPr>
+            <a:cxnSpLocks/>
+          </p:cNvCxnSpPr>
+          <p:nvPr/>
+        </p:nvCxnSpPr>
+        <p:spPr>
+          <a:xfrm flipV="1">
+            <a:off x="843148" y="847712"/>
+            <a:ext cx="4769087" cy="1"/>
+          </a:xfrm>
+          <a:prstGeom prst="line">
+            <a:avLst/>
+          </a:prstGeom>
+          <a:ln w="6350">
+            <a:solidFill>
+              <a:srgbClr val="FF7876"/>
+            </a:solidFill>
+            <a:prstDash val="sysDash"/>
+            <a:tailEnd type="oval"/>
+          </a:ln>
+        </p:spPr>
+        <p:style>
+          <a:lnRef idx="1">
+            <a:schemeClr val="accent1"/>
+          </a:lnRef>
+          <a:fillRef idx="0">
+            <a:schemeClr val="accent1"/>
+          </a:fillRef>
+          <a:effectRef idx="0">
+            <a:schemeClr val="accent1"/>
+          </a:effectRef>
+          <a:fontRef idx="minor">
+            <a:schemeClr val="tx1"/>
+          </a:fontRef>
+        </p:style>
+      </p:cxnSp>
+      <p:cxnSp>
+        <p:nvCxnSpPr>
+          <p:cNvPr id="39" name="직선 연결선 38">
+            <a:extLst>
+              <a:ext uri="{FF2B5EF4-FFF2-40B4-BE49-F238E27FC236}">
+                <a16:creationId xmlns:a16="http://schemas.microsoft.com/office/drawing/2014/main" id="{55EBD739-0979-4546-8E6B-9CA8052FC540}"/>
+              </a:ext>
+            </a:extLst>
+          </p:cNvPr>
+          <p:cNvCxnSpPr>
+            <a:cxnSpLocks/>
+          </p:cNvCxnSpPr>
+          <p:nvPr/>
+        </p:nvCxnSpPr>
+        <p:spPr>
+          <a:xfrm flipH="1">
+            <a:off x="6579767" y="847712"/>
+            <a:ext cx="4692810" cy="0"/>
+          </a:xfrm>
+          <a:prstGeom prst="line">
+            <a:avLst/>
+          </a:prstGeom>
+          <a:ln w="6350">
+            <a:solidFill>
+              <a:srgbClr val="FF7876"/>
+            </a:solidFill>
+            <a:prstDash val="sysDash"/>
+            <a:tailEnd type="oval"/>
+          </a:ln>
+        </p:spPr>
+        <p:style>
+          <a:lnRef idx="1">
+            <a:schemeClr val="accent1"/>
+          </a:lnRef>
+          <a:fillRef idx="0">
+            <a:schemeClr val="accent1"/>
+          </a:fillRef>
+          <a:effectRef idx="0">
+            <a:schemeClr val="accent1"/>
+          </a:effectRef>
+          <a:fontRef idx="minor">
+            <a:schemeClr val="tx1"/>
+          </a:fontRef>
+        </p:style>
+      </p:cxnSp>
+      <p:sp>
+        <p:nvSpPr>
+          <p:cNvPr id="8" name="TextBox 7">
+            <a:extLst>
+              <a:ext uri="{FF2B5EF4-FFF2-40B4-BE49-F238E27FC236}">
+                <a16:creationId xmlns:a16="http://schemas.microsoft.com/office/drawing/2014/main" id="{C18154B9-4F65-4277-8C17-63D9702FC25F}"/>
+              </a:ext>
+            </a:extLst>
+          </p:cNvPr>
+          <p:cNvSpPr txBox="1"/>
+          <p:nvPr/>
+        </p:nvSpPr>
+        <p:spPr>
+          <a:xfrm>
+            <a:off x="765146" y="963122"/>
+            <a:ext cx="10507430" cy="261610"/>
+          </a:xfrm>
+          <a:prstGeom prst="rect">
+            <a:avLst/>
+          </a:prstGeom>
+          <a:noFill/>
+        </p:spPr>
+        <p:txBody>
+          <a:bodyPr wrap="square" rtlCol="0">
+            <a:spAutoFit/>
+          </a:bodyPr>
+          <a:lstStyle/>
+          <a:p>
+            <a:pPr algn="ctr"/>
+            <a:r>
+              <a:rPr lang="ko-KR" altLang="en-US" sz="1100" i="1" dirty="0" err="1">
+                <a:solidFill>
+                  <a:srgbClr val="FF7876"/>
+                </a:solidFill>
+              </a:rPr>
+              <a:t>순천향</a:t>
+            </a:r>
+            <a:r>
+              <a:rPr lang="ko-KR" altLang="en-US" sz="1100" i="1" dirty="0">
+                <a:solidFill>
+                  <a:srgbClr val="FF7876"/>
+                </a:solidFill>
+              </a:rPr>
+              <a:t> </a:t>
+            </a:r>
+            <a:r>
+              <a:rPr lang="ko-KR" altLang="en-US" sz="1100" i="1" dirty="0" err="1">
+                <a:solidFill>
+                  <a:srgbClr val="FF7876"/>
+                </a:solidFill>
+              </a:rPr>
+              <a:t>서핑대회</a:t>
+            </a:r>
+            <a:r>
+              <a:rPr lang="ko-KR" altLang="en-US" sz="1100" i="1" dirty="0">
+                <a:solidFill>
+                  <a:srgbClr val="FF7876"/>
+                </a:solidFill>
+              </a:rPr>
+              <a:t> </a:t>
+            </a:r>
+            <a:r>
+              <a:rPr lang="en-US" altLang="ko-KR" sz="1100" i="1" dirty="0" err="1">
+                <a:solidFill>
+                  <a:srgbClr val="FF7876"/>
+                </a:solidFill>
+              </a:rPr>
+              <a:t>db</a:t>
+            </a:r>
+            <a:r>
+              <a:rPr lang="ko-KR" altLang="en-US" sz="1100" i="1" dirty="0">
+                <a:solidFill>
+                  <a:srgbClr val="FF7876"/>
+                </a:solidFill>
+              </a:rPr>
+              <a:t>연동 예제 </a:t>
+            </a:r>
+            <a:r>
+              <a:rPr lang="en-US" altLang="ko-KR" sz="1100" i="1" dirty="0">
+                <a:solidFill>
+                  <a:srgbClr val="FF7876"/>
+                </a:solidFill>
+              </a:rPr>
+              <a:t>– </a:t>
+            </a:r>
+            <a:r>
+              <a:rPr lang="ko-KR" altLang="en-US" sz="1100" i="1" dirty="0">
+                <a:solidFill>
+                  <a:srgbClr val="FF7876"/>
+                </a:solidFill>
+              </a:rPr>
+              <a:t>실행</a:t>
+            </a:r>
+            <a:endParaRPr lang="en-US" altLang="ko-KR" sz="1100" i="1" dirty="0">
+              <a:solidFill>
+                <a:srgbClr val="FF7876"/>
+              </a:solidFill>
+            </a:endParaRPr>
+          </a:p>
+        </p:txBody>
+      </p:sp>
+      <p:sp>
+        <p:nvSpPr>
+          <p:cNvPr id="18" name="TextBox 17">
+            <a:extLst>
+              <a:ext uri="{FF2B5EF4-FFF2-40B4-BE49-F238E27FC236}">
+                <a16:creationId xmlns:a16="http://schemas.microsoft.com/office/drawing/2014/main" id="{571C3584-EAF8-9747-B44B-F8442B70828B}"/>
+              </a:ext>
+            </a:extLst>
+          </p:cNvPr>
+          <p:cNvSpPr txBox="1"/>
+          <p:nvPr/>
+        </p:nvSpPr>
+        <p:spPr>
+          <a:xfrm>
+            <a:off x="3544705" y="5323564"/>
+            <a:ext cx="5102589" cy="430887"/>
+          </a:xfrm>
+          <a:prstGeom prst="rect">
+            <a:avLst/>
+          </a:prstGeom>
+          <a:noFill/>
+          <a:ln w="12700">
+            <a:solidFill>
+              <a:srgbClr val="FF7876"/>
+            </a:solidFill>
+          </a:ln>
+        </p:spPr>
+        <p:txBody>
+          <a:bodyPr wrap="square" rtlCol="0">
+            <a:spAutoFit/>
+          </a:bodyPr>
+          <a:lstStyle/>
+          <a:p>
+            <a:pPr algn="ctr"/>
+            <a:r>
+              <a:rPr lang="ko-KR" altLang="en-US" sz="1100" dirty="0" err="1"/>
+              <a:t>로그인에</a:t>
+            </a:r>
+            <a:r>
+              <a:rPr lang="ko-KR" altLang="en-US" sz="1100" dirty="0"/>
+              <a:t> 성공하고</a:t>
+            </a:r>
+            <a:endParaRPr lang="en-US" altLang="ko-KR" sz="1100" dirty="0"/>
+          </a:p>
+          <a:p>
+            <a:pPr algn="ctr"/>
+            <a:r>
+              <a:rPr lang="ko-KR" altLang="en-US" sz="1100" dirty="0" err="1"/>
+              <a:t>선수조회와</a:t>
+            </a:r>
+            <a:r>
+              <a:rPr lang="ko-KR" altLang="en-US" sz="1100" dirty="0"/>
+              <a:t> </a:t>
+            </a:r>
+            <a:r>
+              <a:rPr lang="ko-KR" altLang="en-US" sz="1100" dirty="0" err="1"/>
+              <a:t>선수입력을</a:t>
+            </a:r>
+            <a:r>
+              <a:rPr lang="ko-KR" altLang="en-US" sz="1100" dirty="0"/>
+              <a:t> 할 </a:t>
+            </a:r>
+            <a:r>
+              <a:rPr lang="en-US" altLang="ko-KR" sz="1100" dirty="0"/>
+              <a:t>/login</a:t>
+            </a:r>
+            <a:r>
+              <a:rPr lang="ko-KR" altLang="en-US" sz="1100" dirty="0" err="1"/>
+              <a:t>으로</a:t>
+            </a:r>
+            <a:r>
+              <a:rPr lang="ko-KR" altLang="en-US" sz="1100" dirty="0"/>
+              <a:t> 이동한 모습입니다</a:t>
+            </a:r>
+            <a:r>
+              <a:rPr lang="en-US" altLang="ko-KR" sz="1100" dirty="0"/>
+              <a:t>.</a:t>
+            </a:r>
+          </a:p>
+        </p:txBody>
+      </p:sp>
+      <p:pic>
+        <p:nvPicPr>
+          <p:cNvPr id="3" name="그림 2">
+            <a:extLst>
+              <a:ext uri="{FF2B5EF4-FFF2-40B4-BE49-F238E27FC236}">
+                <a16:creationId xmlns:a16="http://schemas.microsoft.com/office/drawing/2014/main" id="{B637E11D-F860-4148-9CA8-8514B7C8E77A}"/>
+              </a:ext>
+            </a:extLst>
+          </p:cNvPr>
+          <p:cNvPicPr>
+            <a:picLocks noChangeAspect="1"/>
+          </p:cNvPicPr>
+          <p:nvPr/>
+        </p:nvPicPr>
+        <p:blipFill>
+          <a:blip r:embed="rId3"/>
+          <a:stretch>
+            <a:fillRect/>
+          </a:stretch>
+        </p:blipFill>
+        <p:spPr>
+          <a:xfrm>
+            <a:off x="1894204" y="1313217"/>
+            <a:ext cx="3833195" cy="3821837"/>
+          </a:xfrm>
+          <a:prstGeom prst="rect">
+            <a:avLst/>
+          </a:prstGeom>
+        </p:spPr>
+      </p:pic>
+    </p:spTree>
+    <p:extLst>
+      <p:ext uri="{BB962C8B-B14F-4D97-AF65-F5344CB8AC3E}">
+        <p14:creationId xmlns:p14="http://schemas.microsoft.com/office/powerpoint/2010/main" val="3021702200"/>
+      </p:ext>
+    </p:extLst>
+  </p:cSld>
+  <p:clrMapOvr>
+    <a:masterClrMapping/>
+  </p:clrMapOvr>
+</p:sld>
+</file>
+
+<file path=ppt/slides/slide19.xml><?xml version="1.0" encoding="utf-8"?>
+<p:sld xmlns:a="http://schemas.openxmlformats.org/drawingml/2006/main" xmlns:r="http://schemas.openxmlformats.org/officeDocument/2006/relationships" xmlns:p="http://schemas.openxmlformats.org/presentationml/2006/main">
+  <p:cSld>
+    <p:spTree>
+      <p:nvGrpSpPr>
+        <p:cNvPr id="1" name=""/>
+        <p:cNvGrpSpPr/>
+        <p:nvPr/>
+      </p:nvGrpSpPr>
+      <p:grpSpPr>
+        <a:xfrm>
+          <a:off x="0" y="0"/>
+          <a:ext cx="0" cy="0"/>
+          <a:chOff x="0" y="0"/>
+          <a:chExt cx="0" cy="0"/>
+        </a:xfrm>
+      </p:grpSpPr>
+      <p:sp>
+        <p:nvSpPr>
+          <p:cNvPr id="37" name="직사각형 36">
+            <a:extLst>
+              <a:ext uri="{FF2B5EF4-FFF2-40B4-BE49-F238E27FC236}">
+                <a16:creationId xmlns:a16="http://schemas.microsoft.com/office/drawing/2014/main" id="{3F15C60C-17FE-422D-AFCF-73C75A021362}"/>
+              </a:ext>
+            </a:extLst>
+          </p:cNvPr>
+          <p:cNvSpPr/>
+          <p:nvPr/>
+        </p:nvSpPr>
+        <p:spPr>
+          <a:xfrm>
+            <a:off x="3697172" y="332194"/>
+            <a:ext cx="4713765" cy="735842"/>
+          </a:xfrm>
+          <a:prstGeom prst="rect">
+            <a:avLst/>
+          </a:prstGeom>
+        </p:spPr>
+        <p:txBody>
+          <a:bodyPr wrap="square">
+            <a:spAutoFit/>
+          </a:bodyPr>
+          <a:lstStyle/>
+          <a:p>
+            <a:pPr algn="ctr" latinLnBrk="0">
+              <a:lnSpc>
+                <a:spcPct val="150000"/>
+              </a:lnSpc>
+              <a:defRPr/>
+            </a:pPr>
+            <a:r>
+              <a:rPr lang="en-US" altLang="ko-KR" sz="3200" b="1" i="1" kern="0" dirty="0">
+                <a:solidFill>
+                  <a:srgbClr val="FF7876"/>
+                </a:solidFill>
+              </a:rPr>
+              <a:t>3</a:t>
+            </a:r>
+          </a:p>
+        </p:txBody>
+      </p:sp>
+      <p:cxnSp>
+        <p:nvCxnSpPr>
+          <p:cNvPr id="38" name="직선 연결선 37">
+            <a:extLst>
+              <a:ext uri="{FF2B5EF4-FFF2-40B4-BE49-F238E27FC236}">
+                <a16:creationId xmlns:a16="http://schemas.microsoft.com/office/drawing/2014/main" id="{940134F4-F272-426A-B50B-8075427DF501}"/>
+              </a:ext>
+            </a:extLst>
+          </p:cNvPr>
+          <p:cNvCxnSpPr>
+            <a:cxnSpLocks/>
+          </p:cNvCxnSpPr>
+          <p:nvPr/>
+        </p:nvCxnSpPr>
+        <p:spPr>
+          <a:xfrm flipV="1">
+            <a:off x="843148" y="847712"/>
+            <a:ext cx="4769087" cy="1"/>
+          </a:xfrm>
+          <a:prstGeom prst="line">
+            <a:avLst/>
+          </a:prstGeom>
+          <a:ln w="6350">
+            <a:solidFill>
+              <a:srgbClr val="FF7876"/>
+            </a:solidFill>
+            <a:prstDash val="sysDash"/>
+            <a:tailEnd type="oval"/>
+          </a:ln>
+        </p:spPr>
+        <p:style>
+          <a:lnRef idx="1">
+            <a:schemeClr val="accent1"/>
+          </a:lnRef>
+          <a:fillRef idx="0">
+            <a:schemeClr val="accent1"/>
+          </a:fillRef>
+          <a:effectRef idx="0">
+            <a:schemeClr val="accent1"/>
+          </a:effectRef>
+          <a:fontRef idx="minor">
+            <a:schemeClr val="tx1"/>
+          </a:fontRef>
+        </p:style>
+      </p:cxnSp>
+      <p:cxnSp>
+        <p:nvCxnSpPr>
+          <p:cNvPr id="39" name="직선 연결선 38">
+            <a:extLst>
+              <a:ext uri="{FF2B5EF4-FFF2-40B4-BE49-F238E27FC236}">
+                <a16:creationId xmlns:a16="http://schemas.microsoft.com/office/drawing/2014/main" id="{55EBD739-0979-4546-8E6B-9CA8052FC540}"/>
+              </a:ext>
+            </a:extLst>
+          </p:cNvPr>
+          <p:cNvCxnSpPr>
+            <a:cxnSpLocks/>
+          </p:cNvCxnSpPr>
+          <p:nvPr/>
+        </p:nvCxnSpPr>
+        <p:spPr>
+          <a:xfrm flipH="1">
+            <a:off x="6579767" y="847712"/>
+            <a:ext cx="4692810" cy="0"/>
+          </a:xfrm>
+          <a:prstGeom prst="line">
+            <a:avLst/>
+          </a:prstGeom>
+          <a:ln w="6350">
+            <a:solidFill>
+              <a:srgbClr val="FF7876"/>
+            </a:solidFill>
+            <a:prstDash val="sysDash"/>
+            <a:tailEnd type="oval"/>
+          </a:ln>
+        </p:spPr>
+        <p:style>
+          <a:lnRef idx="1">
+            <a:schemeClr val="accent1"/>
+          </a:lnRef>
+          <a:fillRef idx="0">
+            <a:schemeClr val="accent1"/>
+          </a:fillRef>
+          <a:effectRef idx="0">
+            <a:schemeClr val="accent1"/>
+          </a:effectRef>
+          <a:fontRef idx="minor">
+            <a:schemeClr val="tx1"/>
+          </a:fontRef>
+        </p:style>
+      </p:cxnSp>
+      <p:sp>
+        <p:nvSpPr>
+          <p:cNvPr id="8" name="TextBox 7">
+            <a:extLst>
+              <a:ext uri="{FF2B5EF4-FFF2-40B4-BE49-F238E27FC236}">
+                <a16:creationId xmlns:a16="http://schemas.microsoft.com/office/drawing/2014/main" id="{C18154B9-4F65-4277-8C17-63D9702FC25F}"/>
+              </a:ext>
+            </a:extLst>
+          </p:cNvPr>
+          <p:cNvSpPr txBox="1"/>
+          <p:nvPr/>
+        </p:nvSpPr>
+        <p:spPr>
+          <a:xfrm>
+            <a:off x="765146" y="963122"/>
+            <a:ext cx="10507430" cy="261610"/>
+          </a:xfrm>
+          <a:prstGeom prst="rect">
+            <a:avLst/>
+          </a:prstGeom>
+          <a:noFill/>
+        </p:spPr>
+        <p:txBody>
+          <a:bodyPr wrap="square" rtlCol="0">
+            <a:spAutoFit/>
+          </a:bodyPr>
+          <a:lstStyle/>
+          <a:p>
+            <a:pPr algn="ctr"/>
+            <a:r>
+              <a:rPr lang="ko-KR" altLang="en-US" sz="1100" i="1" dirty="0" err="1">
+                <a:solidFill>
+                  <a:srgbClr val="FF7876"/>
+                </a:solidFill>
+              </a:rPr>
+              <a:t>순천향</a:t>
+            </a:r>
+            <a:r>
+              <a:rPr lang="ko-KR" altLang="en-US" sz="1100" i="1" dirty="0">
+                <a:solidFill>
+                  <a:srgbClr val="FF7876"/>
+                </a:solidFill>
+              </a:rPr>
+              <a:t> </a:t>
+            </a:r>
+            <a:r>
+              <a:rPr lang="ko-KR" altLang="en-US" sz="1100" i="1" dirty="0" err="1">
+                <a:solidFill>
+                  <a:srgbClr val="FF7876"/>
+                </a:solidFill>
+              </a:rPr>
+              <a:t>서핑대회</a:t>
+            </a:r>
+            <a:r>
+              <a:rPr lang="ko-KR" altLang="en-US" sz="1100" i="1" dirty="0">
+                <a:solidFill>
+                  <a:srgbClr val="FF7876"/>
+                </a:solidFill>
+              </a:rPr>
+              <a:t> </a:t>
+            </a:r>
+            <a:r>
+              <a:rPr lang="en-US" altLang="ko-KR" sz="1100" i="1" dirty="0" err="1">
+                <a:solidFill>
+                  <a:srgbClr val="FF7876"/>
+                </a:solidFill>
+              </a:rPr>
+              <a:t>db</a:t>
+            </a:r>
+            <a:r>
+              <a:rPr lang="ko-KR" altLang="en-US" sz="1100" i="1" dirty="0">
+                <a:solidFill>
+                  <a:srgbClr val="FF7876"/>
+                </a:solidFill>
+              </a:rPr>
+              <a:t>연동 예제 </a:t>
+            </a:r>
+            <a:r>
+              <a:rPr lang="en-US" altLang="ko-KR" sz="1100" i="1" dirty="0">
+                <a:solidFill>
+                  <a:srgbClr val="FF7876"/>
+                </a:solidFill>
+              </a:rPr>
+              <a:t>– </a:t>
+            </a:r>
+            <a:r>
+              <a:rPr lang="ko-KR" altLang="en-US" sz="1100" i="1" dirty="0">
+                <a:solidFill>
+                  <a:srgbClr val="FF7876"/>
+                </a:solidFill>
+              </a:rPr>
+              <a:t>실행</a:t>
+            </a:r>
+            <a:endParaRPr lang="en-US" altLang="ko-KR" sz="1100" i="1" dirty="0">
+              <a:solidFill>
+                <a:srgbClr val="FF7876"/>
+              </a:solidFill>
+            </a:endParaRPr>
+          </a:p>
+        </p:txBody>
+      </p:sp>
+      <p:sp>
+        <p:nvSpPr>
+          <p:cNvPr id="18" name="TextBox 17">
+            <a:extLst>
+              <a:ext uri="{FF2B5EF4-FFF2-40B4-BE49-F238E27FC236}">
+                <a16:creationId xmlns:a16="http://schemas.microsoft.com/office/drawing/2014/main" id="{571C3584-EAF8-9747-B44B-F8442B70828B}"/>
+              </a:ext>
+            </a:extLst>
+          </p:cNvPr>
+          <p:cNvSpPr txBox="1"/>
+          <p:nvPr/>
+        </p:nvSpPr>
+        <p:spPr>
+          <a:xfrm>
+            <a:off x="3544705" y="5323564"/>
+            <a:ext cx="5102589" cy="769441"/>
+          </a:xfrm>
+          <a:prstGeom prst="rect">
+            <a:avLst/>
+          </a:prstGeom>
+          <a:noFill/>
+          <a:ln w="12700">
+            <a:solidFill>
+              <a:srgbClr val="FF7876"/>
+            </a:solidFill>
+          </a:ln>
+        </p:spPr>
+        <p:txBody>
+          <a:bodyPr wrap="square" rtlCol="0">
+            <a:spAutoFit/>
+          </a:bodyPr>
+          <a:lstStyle/>
+          <a:p>
+            <a:pPr algn="ctr"/>
+            <a:r>
+              <a:rPr lang="ko-KR" altLang="en-US" sz="1100" dirty="0"/>
+              <a:t>선수 입력을 실행한 모습입니다</a:t>
+            </a:r>
+            <a:endParaRPr lang="en-US" altLang="ko-KR" sz="1100" dirty="0"/>
+          </a:p>
+          <a:p>
+            <a:pPr algn="ctr"/>
+            <a:r>
+              <a:rPr lang="ko-KR" altLang="en-US" sz="1100" dirty="0"/>
+              <a:t>각각 이름과 평균점수</a:t>
+            </a:r>
+            <a:r>
+              <a:rPr lang="en-US" altLang="ko-KR" sz="1100" dirty="0"/>
+              <a:t>,</a:t>
+            </a:r>
+            <a:r>
+              <a:rPr lang="ko-KR" altLang="en-US" sz="1100" dirty="0"/>
+              <a:t> 성별</a:t>
+            </a:r>
+            <a:r>
+              <a:rPr lang="en-US" altLang="ko-KR" sz="1100" dirty="0"/>
+              <a:t>,</a:t>
+            </a:r>
+            <a:r>
+              <a:rPr lang="ko-KR" altLang="en-US" sz="1100" dirty="0"/>
+              <a:t> 국가를 설정하고 </a:t>
+            </a:r>
+            <a:r>
+              <a:rPr lang="ko-KR" altLang="en-US" sz="1100" dirty="0" err="1"/>
+              <a:t>전송버튼을</a:t>
+            </a:r>
+            <a:r>
+              <a:rPr lang="ko-KR" altLang="en-US" sz="1100" dirty="0"/>
+              <a:t> 눌러</a:t>
+            </a:r>
+            <a:endParaRPr lang="en-US" altLang="ko-KR" sz="1100" dirty="0"/>
+          </a:p>
+          <a:p>
+            <a:pPr algn="ctr"/>
+            <a:r>
+              <a:rPr lang="en-US" altLang="ko-KR" sz="1100" dirty="0"/>
+              <a:t>DB</a:t>
+            </a:r>
+            <a:r>
+              <a:rPr lang="ko-KR" altLang="en-US" sz="1100" dirty="0"/>
+              <a:t>에 </a:t>
+            </a:r>
+            <a:r>
+              <a:rPr lang="ko-KR" altLang="en-US" sz="1100" dirty="0" err="1"/>
+              <a:t>선수정보를</a:t>
+            </a:r>
+            <a:r>
+              <a:rPr lang="ko-KR" altLang="en-US" sz="1100" dirty="0"/>
+              <a:t> 삽입해줄 </a:t>
+            </a:r>
+            <a:r>
+              <a:rPr lang="en-US" altLang="ko-KR" sz="1100" dirty="0"/>
+              <a:t>/insert</a:t>
+            </a:r>
+            <a:r>
+              <a:rPr lang="ko-KR" altLang="en-US" sz="1100" dirty="0"/>
+              <a:t>로 이동시킵니다</a:t>
+            </a:r>
+            <a:r>
+              <a:rPr lang="en-US" altLang="ko-KR" sz="1100" dirty="0"/>
+              <a:t>.</a:t>
+            </a:r>
+          </a:p>
+          <a:p>
+            <a:pPr algn="ctr"/>
+            <a:r>
+              <a:rPr lang="en-US" altLang="ko-KR" sz="1100" dirty="0"/>
+              <a:t>DB</a:t>
+            </a:r>
+            <a:r>
+              <a:rPr lang="ko-KR" altLang="en-US" sz="1100" dirty="0" err="1"/>
+              <a:t>를</a:t>
+            </a:r>
+            <a:r>
+              <a:rPr lang="ko-KR" altLang="en-US" sz="1100" dirty="0"/>
+              <a:t> 확인해보면 정상적으로 정보가 </a:t>
+            </a:r>
+            <a:r>
+              <a:rPr lang="ko-KR" altLang="en-US" sz="1100" dirty="0" err="1"/>
+              <a:t>입력된것을</a:t>
+            </a:r>
+            <a:r>
+              <a:rPr lang="ko-KR" altLang="en-US" sz="1100" dirty="0"/>
+              <a:t> 볼 수 있습니다</a:t>
+            </a:r>
+            <a:r>
+              <a:rPr lang="en-US" altLang="ko-KR" sz="1100" dirty="0"/>
+              <a:t>.</a:t>
+            </a:r>
+          </a:p>
+        </p:txBody>
+      </p:sp>
+      <p:pic>
+        <p:nvPicPr>
+          <p:cNvPr id="2" name="그림 1">
+            <a:extLst>
+              <a:ext uri="{FF2B5EF4-FFF2-40B4-BE49-F238E27FC236}">
+                <a16:creationId xmlns:a16="http://schemas.microsoft.com/office/drawing/2014/main" id="{95C2CF87-A63F-CB44-8568-7CA4A90B116F}"/>
+              </a:ext>
+            </a:extLst>
+          </p:cNvPr>
+          <p:cNvPicPr>
+            <a:picLocks noChangeAspect="1"/>
+          </p:cNvPicPr>
+          <p:nvPr/>
+        </p:nvPicPr>
+        <p:blipFill>
+          <a:blip r:embed="rId2"/>
+          <a:stretch>
+            <a:fillRect/>
+          </a:stretch>
+        </p:blipFill>
+        <p:spPr>
+          <a:xfrm>
+            <a:off x="1770616" y="1363231"/>
+            <a:ext cx="4325383" cy="4009012"/>
+          </a:xfrm>
+          <a:prstGeom prst="rect">
+            <a:avLst/>
+          </a:prstGeom>
+        </p:spPr>
+      </p:pic>
+      <p:pic>
+        <p:nvPicPr>
+          <p:cNvPr id="4" name="그림 3">
+            <a:extLst>
+              <a:ext uri="{FF2B5EF4-FFF2-40B4-BE49-F238E27FC236}">
+                <a16:creationId xmlns:a16="http://schemas.microsoft.com/office/drawing/2014/main" id="{6AE5FF6F-0CCA-0043-8063-7CAD814D125A}"/>
+              </a:ext>
+            </a:extLst>
+          </p:cNvPr>
+          <p:cNvPicPr>
+            <a:picLocks noChangeAspect="1"/>
+          </p:cNvPicPr>
+          <p:nvPr/>
+        </p:nvPicPr>
+        <p:blipFill>
+          <a:blip r:embed="rId3"/>
+          <a:stretch>
+            <a:fillRect/>
+          </a:stretch>
+        </p:blipFill>
+        <p:spPr>
+          <a:xfrm>
+            <a:off x="6044803" y="1340141"/>
+            <a:ext cx="4325384" cy="4009012"/>
+          </a:xfrm>
+          <a:prstGeom prst="rect">
+            <a:avLst/>
+          </a:prstGeom>
+        </p:spPr>
+      </p:pic>
+      <p:pic>
+        <p:nvPicPr>
+          <p:cNvPr id="6" name="그림 5">
+            <a:extLst>
+              <a:ext uri="{FF2B5EF4-FFF2-40B4-BE49-F238E27FC236}">
+                <a16:creationId xmlns:a16="http://schemas.microsoft.com/office/drawing/2014/main" id="{D1373E01-6F1C-9E43-8920-6A0724DDCD60}"/>
+              </a:ext>
+            </a:extLst>
+          </p:cNvPr>
+          <p:cNvPicPr>
+            <a:picLocks noChangeAspect="1"/>
+          </p:cNvPicPr>
+          <p:nvPr/>
+        </p:nvPicPr>
+        <p:blipFill>
+          <a:blip r:embed="rId4"/>
+          <a:stretch>
+            <a:fillRect/>
+          </a:stretch>
+        </p:blipFill>
+        <p:spPr>
+          <a:xfrm>
+            <a:off x="6922473" y="3258816"/>
+            <a:ext cx="4056798" cy="1926249"/>
+          </a:xfrm>
+          <a:prstGeom prst="rect">
+            <a:avLst/>
+          </a:prstGeom>
+        </p:spPr>
+      </p:pic>
+    </p:spTree>
+    <p:extLst>
+      <p:ext uri="{BB962C8B-B14F-4D97-AF65-F5344CB8AC3E}">
+        <p14:creationId xmlns:p14="http://schemas.microsoft.com/office/powerpoint/2010/main" val="3617713946"/>
       </p:ext>
     </p:extLst>
   </p:cSld>
@@ -5120,6 +11083,690 @@
     <p:extLst>
       <p:ext uri="{BB962C8B-B14F-4D97-AF65-F5344CB8AC3E}">
         <p14:creationId xmlns:p14="http://schemas.microsoft.com/office/powerpoint/2010/main" val="50261253"/>
+      </p:ext>
+    </p:extLst>
+  </p:cSld>
+  <p:clrMapOvr>
+    <a:masterClrMapping/>
+  </p:clrMapOvr>
+</p:sld>
+</file>
+
+<file path=ppt/slides/slide20.xml><?xml version="1.0" encoding="utf-8"?>
+<p:sld xmlns:a="http://schemas.openxmlformats.org/drawingml/2006/main" xmlns:r="http://schemas.openxmlformats.org/officeDocument/2006/relationships" xmlns:p="http://schemas.openxmlformats.org/presentationml/2006/main">
+  <p:cSld>
+    <p:spTree>
+      <p:nvGrpSpPr>
+        <p:cNvPr id="1" name=""/>
+        <p:cNvGrpSpPr/>
+        <p:nvPr/>
+      </p:nvGrpSpPr>
+      <p:grpSpPr>
+        <a:xfrm>
+          <a:off x="0" y="0"/>
+          <a:ext cx="0" cy="0"/>
+          <a:chOff x="0" y="0"/>
+          <a:chExt cx="0" cy="0"/>
+        </a:xfrm>
+      </p:grpSpPr>
+      <p:sp>
+        <p:nvSpPr>
+          <p:cNvPr id="37" name="직사각형 36">
+            <a:extLst>
+              <a:ext uri="{FF2B5EF4-FFF2-40B4-BE49-F238E27FC236}">
+                <a16:creationId xmlns:a16="http://schemas.microsoft.com/office/drawing/2014/main" id="{3F15C60C-17FE-422D-AFCF-73C75A021362}"/>
+              </a:ext>
+            </a:extLst>
+          </p:cNvPr>
+          <p:cNvSpPr/>
+          <p:nvPr/>
+        </p:nvSpPr>
+        <p:spPr>
+          <a:xfrm>
+            <a:off x="3697172" y="332194"/>
+            <a:ext cx="4713765" cy="735842"/>
+          </a:xfrm>
+          <a:prstGeom prst="rect">
+            <a:avLst/>
+          </a:prstGeom>
+        </p:spPr>
+        <p:txBody>
+          <a:bodyPr wrap="square">
+            <a:spAutoFit/>
+          </a:bodyPr>
+          <a:lstStyle/>
+          <a:p>
+            <a:pPr algn="ctr" latinLnBrk="0">
+              <a:lnSpc>
+                <a:spcPct val="150000"/>
+              </a:lnSpc>
+              <a:defRPr/>
+            </a:pPr>
+            <a:r>
+              <a:rPr lang="en-US" altLang="ko-KR" sz="3200" b="1" i="1" kern="0" dirty="0">
+                <a:solidFill>
+                  <a:srgbClr val="FF7876"/>
+                </a:solidFill>
+              </a:rPr>
+              <a:t>3</a:t>
+            </a:r>
+          </a:p>
+        </p:txBody>
+      </p:sp>
+      <p:cxnSp>
+        <p:nvCxnSpPr>
+          <p:cNvPr id="38" name="직선 연결선 37">
+            <a:extLst>
+              <a:ext uri="{FF2B5EF4-FFF2-40B4-BE49-F238E27FC236}">
+                <a16:creationId xmlns:a16="http://schemas.microsoft.com/office/drawing/2014/main" id="{940134F4-F272-426A-B50B-8075427DF501}"/>
+              </a:ext>
+            </a:extLst>
+          </p:cNvPr>
+          <p:cNvCxnSpPr>
+            <a:cxnSpLocks/>
+          </p:cNvCxnSpPr>
+          <p:nvPr/>
+        </p:nvCxnSpPr>
+        <p:spPr>
+          <a:xfrm flipV="1">
+            <a:off x="843148" y="847712"/>
+            <a:ext cx="4769087" cy="1"/>
+          </a:xfrm>
+          <a:prstGeom prst="line">
+            <a:avLst/>
+          </a:prstGeom>
+          <a:ln w="6350">
+            <a:solidFill>
+              <a:srgbClr val="FF7876"/>
+            </a:solidFill>
+            <a:prstDash val="sysDash"/>
+            <a:tailEnd type="oval"/>
+          </a:ln>
+        </p:spPr>
+        <p:style>
+          <a:lnRef idx="1">
+            <a:schemeClr val="accent1"/>
+          </a:lnRef>
+          <a:fillRef idx="0">
+            <a:schemeClr val="accent1"/>
+          </a:fillRef>
+          <a:effectRef idx="0">
+            <a:schemeClr val="accent1"/>
+          </a:effectRef>
+          <a:fontRef idx="minor">
+            <a:schemeClr val="tx1"/>
+          </a:fontRef>
+        </p:style>
+      </p:cxnSp>
+      <p:cxnSp>
+        <p:nvCxnSpPr>
+          <p:cNvPr id="39" name="직선 연결선 38">
+            <a:extLst>
+              <a:ext uri="{FF2B5EF4-FFF2-40B4-BE49-F238E27FC236}">
+                <a16:creationId xmlns:a16="http://schemas.microsoft.com/office/drawing/2014/main" id="{55EBD739-0979-4546-8E6B-9CA8052FC540}"/>
+              </a:ext>
+            </a:extLst>
+          </p:cNvPr>
+          <p:cNvCxnSpPr>
+            <a:cxnSpLocks/>
+          </p:cNvCxnSpPr>
+          <p:nvPr/>
+        </p:nvCxnSpPr>
+        <p:spPr>
+          <a:xfrm flipH="1">
+            <a:off x="6579767" y="847712"/>
+            <a:ext cx="4692810" cy="0"/>
+          </a:xfrm>
+          <a:prstGeom prst="line">
+            <a:avLst/>
+          </a:prstGeom>
+          <a:ln w="6350">
+            <a:solidFill>
+              <a:srgbClr val="FF7876"/>
+            </a:solidFill>
+            <a:prstDash val="sysDash"/>
+            <a:tailEnd type="oval"/>
+          </a:ln>
+        </p:spPr>
+        <p:style>
+          <a:lnRef idx="1">
+            <a:schemeClr val="accent1"/>
+          </a:lnRef>
+          <a:fillRef idx="0">
+            <a:schemeClr val="accent1"/>
+          </a:fillRef>
+          <a:effectRef idx="0">
+            <a:schemeClr val="accent1"/>
+          </a:effectRef>
+          <a:fontRef idx="minor">
+            <a:schemeClr val="tx1"/>
+          </a:fontRef>
+        </p:style>
+      </p:cxnSp>
+      <p:sp>
+        <p:nvSpPr>
+          <p:cNvPr id="8" name="TextBox 7">
+            <a:extLst>
+              <a:ext uri="{FF2B5EF4-FFF2-40B4-BE49-F238E27FC236}">
+                <a16:creationId xmlns:a16="http://schemas.microsoft.com/office/drawing/2014/main" id="{C18154B9-4F65-4277-8C17-63D9702FC25F}"/>
+              </a:ext>
+            </a:extLst>
+          </p:cNvPr>
+          <p:cNvSpPr txBox="1"/>
+          <p:nvPr/>
+        </p:nvSpPr>
+        <p:spPr>
+          <a:xfrm>
+            <a:off x="765146" y="963122"/>
+            <a:ext cx="10507430" cy="261610"/>
+          </a:xfrm>
+          <a:prstGeom prst="rect">
+            <a:avLst/>
+          </a:prstGeom>
+          <a:noFill/>
+        </p:spPr>
+        <p:txBody>
+          <a:bodyPr wrap="square" rtlCol="0">
+            <a:spAutoFit/>
+          </a:bodyPr>
+          <a:lstStyle/>
+          <a:p>
+            <a:pPr algn="ctr"/>
+            <a:r>
+              <a:rPr lang="ko-KR" altLang="en-US" sz="1100" i="1" dirty="0" err="1">
+                <a:solidFill>
+                  <a:srgbClr val="FF7876"/>
+                </a:solidFill>
+              </a:rPr>
+              <a:t>순천향</a:t>
+            </a:r>
+            <a:r>
+              <a:rPr lang="ko-KR" altLang="en-US" sz="1100" i="1" dirty="0">
+                <a:solidFill>
+                  <a:srgbClr val="FF7876"/>
+                </a:solidFill>
+              </a:rPr>
+              <a:t> </a:t>
+            </a:r>
+            <a:r>
+              <a:rPr lang="ko-KR" altLang="en-US" sz="1100" i="1" dirty="0" err="1">
+                <a:solidFill>
+                  <a:srgbClr val="FF7876"/>
+                </a:solidFill>
+              </a:rPr>
+              <a:t>서핑대회</a:t>
+            </a:r>
+            <a:r>
+              <a:rPr lang="ko-KR" altLang="en-US" sz="1100" i="1" dirty="0">
+                <a:solidFill>
+                  <a:srgbClr val="FF7876"/>
+                </a:solidFill>
+              </a:rPr>
+              <a:t> </a:t>
+            </a:r>
+            <a:r>
+              <a:rPr lang="en-US" altLang="ko-KR" sz="1100" i="1" dirty="0" err="1">
+                <a:solidFill>
+                  <a:srgbClr val="FF7876"/>
+                </a:solidFill>
+              </a:rPr>
+              <a:t>db</a:t>
+            </a:r>
+            <a:r>
+              <a:rPr lang="ko-KR" altLang="en-US" sz="1100" i="1" dirty="0">
+                <a:solidFill>
+                  <a:srgbClr val="FF7876"/>
+                </a:solidFill>
+              </a:rPr>
+              <a:t>연동 예제 </a:t>
+            </a:r>
+            <a:r>
+              <a:rPr lang="en-US" altLang="ko-KR" sz="1100" i="1" dirty="0">
+                <a:solidFill>
+                  <a:srgbClr val="FF7876"/>
+                </a:solidFill>
+              </a:rPr>
+              <a:t>– </a:t>
+            </a:r>
+            <a:r>
+              <a:rPr lang="ko-KR" altLang="en-US" sz="1100" i="1" dirty="0">
+                <a:solidFill>
+                  <a:srgbClr val="FF7876"/>
+                </a:solidFill>
+              </a:rPr>
+              <a:t>실행</a:t>
+            </a:r>
+            <a:endParaRPr lang="en-US" altLang="ko-KR" sz="1100" i="1" dirty="0">
+              <a:solidFill>
+                <a:srgbClr val="FF7876"/>
+              </a:solidFill>
+            </a:endParaRPr>
+          </a:p>
+        </p:txBody>
+      </p:sp>
+      <p:sp>
+        <p:nvSpPr>
+          <p:cNvPr id="18" name="TextBox 17">
+            <a:extLst>
+              <a:ext uri="{FF2B5EF4-FFF2-40B4-BE49-F238E27FC236}">
+                <a16:creationId xmlns:a16="http://schemas.microsoft.com/office/drawing/2014/main" id="{571C3584-EAF8-9747-B44B-F8442B70828B}"/>
+              </a:ext>
+            </a:extLst>
+          </p:cNvPr>
+          <p:cNvSpPr txBox="1"/>
+          <p:nvPr/>
+        </p:nvSpPr>
+        <p:spPr>
+          <a:xfrm>
+            <a:off x="3544705" y="5323564"/>
+            <a:ext cx="5102589" cy="938719"/>
+          </a:xfrm>
+          <a:prstGeom prst="rect">
+            <a:avLst/>
+          </a:prstGeom>
+          <a:noFill/>
+          <a:ln w="12700">
+            <a:solidFill>
+              <a:srgbClr val="FF7876"/>
+            </a:solidFill>
+          </a:ln>
+        </p:spPr>
+        <p:txBody>
+          <a:bodyPr wrap="square" rtlCol="0">
+            <a:spAutoFit/>
+          </a:bodyPr>
+          <a:lstStyle/>
+          <a:p>
+            <a:pPr algn="ctr"/>
+            <a:r>
+              <a:rPr lang="ko-KR" altLang="en-US" sz="1100" dirty="0"/>
+              <a:t>입력한 정보를 토대로 다시 검색을 진행해보았습니다</a:t>
+            </a:r>
+            <a:endParaRPr lang="en-US" altLang="ko-KR" sz="1100" dirty="0"/>
+          </a:p>
+          <a:p>
+            <a:pPr algn="ctr"/>
+            <a:r>
+              <a:rPr lang="ko-KR" altLang="en-US" sz="1100" dirty="0"/>
+              <a:t>선수조회에서 이름을 입력하고 </a:t>
+            </a:r>
+            <a:r>
+              <a:rPr lang="ko-KR" altLang="en-US" sz="1100" dirty="0" err="1"/>
+              <a:t>조회버튼을</a:t>
+            </a:r>
+            <a:r>
+              <a:rPr lang="ko-KR" altLang="en-US" sz="1100" dirty="0"/>
+              <a:t> 눌러</a:t>
+            </a:r>
+            <a:endParaRPr lang="en-US" altLang="ko-KR" sz="1100" dirty="0"/>
+          </a:p>
+          <a:p>
+            <a:pPr algn="ctr"/>
+            <a:r>
+              <a:rPr lang="en-US" altLang="ko-KR" sz="1100" dirty="0"/>
+              <a:t>DB</a:t>
+            </a:r>
+            <a:r>
+              <a:rPr lang="ko-KR" altLang="en-US" sz="1100" dirty="0"/>
+              <a:t>내의 이름을 검색할 </a:t>
+            </a:r>
+            <a:r>
+              <a:rPr lang="en-US" altLang="ko-KR" sz="1100" dirty="0"/>
+              <a:t>/show</a:t>
+            </a:r>
+            <a:r>
+              <a:rPr lang="ko-KR" altLang="en-US" sz="1100" dirty="0"/>
+              <a:t>로 이동하여</a:t>
+            </a:r>
+            <a:endParaRPr lang="en-US" altLang="ko-KR" sz="1100" dirty="0"/>
+          </a:p>
+          <a:p>
+            <a:pPr algn="ctr"/>
+            <a:r>
+              <a:rPr lang="ko-KR" altLang="en-US" sz="1100" dirty="0"/>
+              <a:t>해당 정보를 출력한 모습입니다</a:t>
+            </a:r>
+            <a:r>
+              <a:rPr lang="en-US" altLang="ko-KR" sz="1100" dirty="0"/>
+              <a:t>.</a:t>
+            </a:r>
+          </a:p>
+          <a:p>
+            <a:pPr algn="ctr"/>
+            <a:r>
+              <a:rPr lang="ko-KR" altLang="en-US" sz="1100" dirty="0"/>
+              <a:t>모든 기능들이 정상적으로 </a:t>
+            </a:r>
+            <a:r>
+              <a:rPr lang="ko-KR" altLang="en-US" sz="1100" dirty="0" err="1"/>
+              <a:t>작동되는것을</a:t>
+            </a:r>
+            <a:r>
+              <a:rPr lang="ko-KR" altLang="en-US" sz="1100" dirty="0"/>
+              <a:t> 볼 수 있습니다</a:t>
+            </a:r>
+            <a:r>
+              <a:rPr lang="en-US" altLang="ko-KR" sz="1100" dirty="0"/>
+              <a:t>.</a:t>
+            </a:r>
+          </a:p>
+        </p:txBody>
+      </p:sp>
+      <p:pic>
+        <p:nvPicPr>
+          <p:cNvPr id="3" name="그림 2">
+            <a:extLst>
+              <a:ext uri="{FF2B5EF4-FFF2-40B4-BE49-F238E27FC236}">
+                <a16:creationId xmlns:a16="http://schemas.microsoft.com/office/drawing/2014/main" id="{6CDF7126-C22F-3F47-A722-2834B4D36554}"/>
+              </a:ext>
+            </a:extLst>
+          </p:cNvPr>
+          <p:cNvPicPr>
+            <a:picLocks noChangeAspect="1"/>
+          </p:cNvPicPr>
+          <p:nvPr/>
+        </p:nvPicPr>
+        <p:blipFill>
+          <a:blip r:embed="rId2"/>
+          <a:stretch>
+            <a:fillRect/>
+          </a:stretch>
+        </p:blipFill>
+        <p:spPr>
+          <a:xfrm>
+            <a:off x="1628803" y="1357065"/>
+            <a:ext cx="4136738" cy="3834165"/>
+          </a:xfrm>
+          <a:prstGeom prst="rect">
+            <a:avLst/>
+          </a:prstGeom>
+        </p:spPr>
+      </p:pic>
+      <p:pic>
+        <p:nvPicPr>
+          <p:cNvPr id="5" name="그림 4">
+            <a:extLst>
+              <a:ext uri="{FF2B5EF4-FFF2-40B4-BE49-F238E27FC236}">
+                <a16:creationId xmlns:a16="http://schemas.microsoft.com/office/drawing/2014/main" id="{7726F0A9-690E-774F-8952-08B97CC9B47B}"/>
+              </a:ext>
+            </a:extLst>
+          </p:cNvPr>
+          <p:cNvPicPr>
+            <a:picLocks noChangeAspect="1"/>
+          </p:cNvPicPr>
+          <p:nvPr/>
+        </p:nvPicPr>
+        <p:blipFill>
+          <a:blip r:embed="rId3"/>
+          <a:stretch>
+            <a:fillRect/>
+          </a:stretch>
+        </p:blipFill>
+        <p:spPr>
+          <a:xfrm>
+            <a:off x="6426462" y="1357065"/>
+            <a:ext cx="4136738" cy="3834165"/>
+          </a:xfrm>
+          <a:prstGeom prst="rect">
+            <a:avLst/>
+          </a:prstGeom>
+        </p:spPr>
+      </p:pic>
+      <p:pic>
+        <p:nvPicPr>
+          <p:cNvPr id="12" name="그림 11">
+            <a:extLst>
+              <a:ext uri="{FF2B5EF4-FFF2-40B4-BE49-F238E27FC236}">
+                <a16:creationId xmlns:a16="http://schemas.microsoft.com/office/drawing/2014/main" id="{66B1EDA5-92DA-A44D-B697-CC249E062D38}"/>
+              </a:ext>
+            </a:extLst>
+          </p:cNvPr>
+          <p:cNvPicPr>
+            <a:picLocks noChangeAspect="1"/>
+          </p:cNvPicPr>
+          <p:nvPr/>
+        </p:nvPicPr>
+        <p:blipFill>
+          <a:blip r:embed="rId4"/>
+          <a:stretch>
+            <a:fillRect/>
+          </a:stretch>
+        </p:blipFill>
+        <p:spPr>
+          <a:xfrm>
+            <a:off x="6962933" y="3020296"/>
+            <a:ext cx="4056798" cy="1926249"/>
+          </a:xfrm>
+          <a:prstGeom prst="rect">
+            <a:avLst/>
+          </a:prstGeom>
+        </p:spPr>
+      </p:pic>
+    </p:spTree>
+    <p:extLst>
+      <p:ext uri="{BB962C8B-B14F-4D97-AF65-F5344CB8AC3E}">
+        <p14:creationId xmlns:p14="http://schemas.microsoft.com/office/powerpoint/2010/main" val="241218843"/>
+      </p:ext>
+    </p:extLst>
+  </p:cSld>
+  <p:clrMapOvr>
+    <a:masterClrMapping/>
+  </p:clrMapOvr>
+</p:sld>
+</file>
+
+<file path=ppt/slides/slide21.xml><?xml version="1.0" encoding="utf-8"?>
+<p:sld xmlns:a="http://schemas.openxmlformats.org/drawingml/2006/main" xmlns:r="http://schemas.openxmlformats.org/officeDocument/2006/relationships" xmlns:p="http://schemas.openxmlformats.org/presentationml/2006/main">
+  <p:cSld>
+    <p:spTree>
+      <p:nvGrpSpPr>
+        <p:cNvPr id="1" name=""/>
+        <p:cNvGrpSpPr/>
+        <p:nvPr/>
+      </p:nvGrpSpPr>
+      <p:grpSpPr>
+        <a:xfrm>
+          <a:off x="0" y="0"/>
+          <a:ext cx="0" cy="0"/>
+          <a:chOff x="0" y="0"/>
+          <a:chExt cx="0" cy="0"/>
+        </a:xfrm>
+      </p:grpSpPr>
+      <p:sp>
+        <p:nvSpPr>
+          <p:cNvPr id="105" name="직사각형 104">
+            <a:extLst>
+              <a:ext uri="{FF2B5EF4-FFF2-40B4-BE49-F238E27FC236}">
+                <a16:creationId xmlns:a16="http://schemas.microsoft.com/office/drawing/2014/main" id="{92F4E01E-679C-4D6B-8449-8DB2AF7B7D34}"/>
+              </a:ext>
+            </a:extLst>
+          </p:cNvPr>
+          <p:cNvSpPr/>
+          <p:nvPr/>
+        </p:nvSpPr>
+        <p:spPr>
+          <a:xfrm>
+            <a:off x="3739117" y="3003678"/>
+            <a:ext cx="4713765" cy="1032077"/>
+          </a:xfrm>
+          <a:prstGeom prst="rect">
+            <a:avLst/>
+          </a:prstGeom>
+        </p:spPr>
+        <p:txBody>
+          <a:bodyPr wrap="square">
+            <a:spAutoFit/>
+          </a:bodyPr>
+          <a:lstStyle/>
+          <a:p>
+            <a:pPr algn="ctr" latinLnBrk="0">
+              <a:lnSpc>
+                <a:spcPct val="150000"/>
+              </a:lnSpc>
+              <a:defRPr/>
+            </a:pPr>
+            <a:r>
+              <a:rPr lang="ko-KR" altLang="en-US" sz="3200" b="1" i="1" kern="0">
+                <a:solidFill>
+                  <a:srgbClr val="FF7876"/>
+                </a:solidFill>
+              </a:rPr>
+              <a:t>감사합니다</a:t>
+            </a:r>
+            <a:r>
+              <a:rPr lang="en-US" altLang="ko-KR" sz="3200" b="1" i="1" kern="0">
+                <a:solidFill>
+                  <a:prstClr val="black">
+                    <a:lumMod val="75000"/>
+                    <a:lumOff val="25000"/>
+                  </a:prstClr>
+                </a:solidFill>
+              </a:rPr>
+              <a:t> </a:t>
+            </a:r>
+            <a:endParaRPr lang="en-US" altLang="ko-KR" sz="3200" b="1" i="1" kern="0" dirty="0">
+              <a:solidFill>
+                <a:prstClr val="black">
+                  <a:lumMod val="75000"/>
+                  <a:lumOff val="25000"/>
+                </a:prstClr>
+              </a:solidFill>
+            </a:endParaRPr>
+          </a:p>
+          <a:p>
+            <a:pPr algn="ctr" latinLnBrk="0">
+              <a:lnSpc>
+                <a:spcPct val="150000"/>
+              </a:lnSpc>
+              <a:defRPr/>
+            </a:pPr>
+            <a:r>
+              <a:rPr lang="en-US" altLang="ko-KR" sz="900" kern="0" dirty="0">
+                <a:solidFill>
+                  <a:prstClr val="black">
+                    <a:lumMod val="75000"/>
+                    <a:lumOff val="25000"/>
+                  </a:prstClr>
+                </a:solidFill>
+              </a:rPr>
+              <a:t>20164091 </a:t>
+            </a:r>
+            <a:r>
+              <a:rPr lang="ko-KR" altLang="en-US" sz="900" kern="0" dirty="0">
+                <a:solidFill>
+                  <a:prstClr val="black">
+                    <a:lumMod val="75000"/>
+                    <a:lumOff val="25000"/>
+                  </a:prstClr>
+                </a:solidFill>
+              </a:rPr>
+              <a:t>송희령</a:t>
+            </a:r>
+            <a:endParaRPr lang="en-US" altLang="ko-KR" sz="900" kern="0" dirty="0">
+              <a:solidFill>
+                <a:prstClr val="black">
+                  <a:lumMod val="75000"/>
+                  <a:lumOff val="25000"/>
+                </a:prstClr>
+              </a:solidFill>
+            </a:endParaRPr>
+          </a:p>
+        </p:txBody>
+      </p:sp>
+      <p:cxnSp>
+        <p:nvCxnSpPr>
+          <p:cNvPr id="25" name="직선 연결선 24">
+            <a:extLst>
+              <a:ext uri="{FF2B5EF4-FFF2-40B4-BE49-F238E27FC236}">
+                <a16:creationId xmlns:a16="http://schemas.microsoft.com/office/drawing/2014/main" id="{5C950320-1D5A-4C58-BB46-CEBCD7EA92EE}"/>
+              </a:ext>
+            </a:extLst>
+          </p:cNvPr>
+          <p:cNvCxnSpPr>
+            <a:cxnSpLocks/>
+          </p:cNvCxnSpPr>
+          <p:nvPr/>
+        </p:nvCxnSpPr>
+        <p:spPr>
+          <a:xfrm flipV="1">
+            <a:off x="859926" y="3518678"/>
+            <a:ext cx="3747936" cy="519"/>
+          </a:xfrm>
+          <a:prstGeom prst="line">
+            <a:avLst/>
+          </a:prstGeom>
+          <a:ln w="6350">
+            <a:solidFill>
+              <a:srgbClr val="FF7876"/>
+            </a:solidFill>
+            <a:prstDash val="sysDash"/>
+            <a:tailEnd type="oval"/>
+          </a:ln>
+        </p:spPr>
+        <p:style>
+          <a:lnRef idx="1">
+            <a:schemeClr val="accent1"/>
+          </a:lnRef>
+          <a:fillRef idx="0">
+            <a:schemeClr val="accent1"/>
+          </a:fillRef>
+          <a:effectRef idx="0">
+            <a:schemeClr val="accent1"/>
+          </a:effectRef>
+          <a:fontRef idx="minor">
+            <a:schemeClr val="tx1"/>
+          </a:fontRef>
+        </p:style>
+      </p:cxnSp>
+      <p:cxnSp>
+        <p:nvCxnSpPr>
+          <p:cNvPr id="26" name="직선 연결선 25">
+            <a:extLst>
+              <a:ext uri="{FF2B5EF4-FFF2-40B4-BE49-F238E27FC236}">
+                <a16:creationId xmlns:a16="http://schemas.microsoft.com/office/drawing/2014/main" id="{4BADCF3C-651C-44CD-8DEE-E875CC3C1444}"/>
+              </a:ext>
+            </a:extLst>
+          </p:cNvPr>
+          <p:cNvCxnSpPr>
+            <a:cxnSpLocks/>
+          </p:cNvCxnSpPr>
+          <p:nvPr/>
+        </p:nvCxnSpPr>
+        <p:spPr>
+          <a:xfrm flipH="1">
+            <a:off x="7584140" y="3519196"/>
+            <a:ext cx="3688436" cy="0"/>
+          </a:xfrm>
+          <a:prstGeom prst="line">
+            <a:avLst/>
+          </a:prstGeom>
+          <a:ln w="6350">
+            <a:solidFill>
+              <a:srgbClr val="FF7876"/>
+            </a:solidFill>
+            <a:prstDash val="sysDash"/>
+            <a:tailEnd type="oval"/>
+          </a:ln>
+        </p:spPr>
+        <p:style>
+          <a:lnRef idx="1">
+            <a:schemeClr val="accent1"/>
+          </a:lnRef>
+          <a:fillRef idx="0">
+            <a:schemeClr val="accent1"/>
+          </a:fillRef>
+          <a:effectRef idx="0">
+            <a:schemeClr val="accent1"/>
+          </a:effectRef>
+          <a:fontRef idx="minor">
+            <a:schemeClr val="tx1"/>
+          </a:fontRef>
+        </p:style>
+      </p:cxnSp>
+    </p:spTree>
+    <p:extLst>
+      <p:ext uri="{BB962C8B-B14F-4D97-AF65-F5344CB8AC3E}">
+        <p14:creationId xmlns:p14="http://schemas.microsoft.com/office/powerpoint/2010/main" val="1066393970"/>
       </p:ext>
     </p:extLst>
   </p:cSld>
